--- a/report/APT-UTSA-Presentation.pptx
+++ b/report/APT-UTSA-Presentation.pptx
@@ -5,21 +5,24 @@
     <p:sldMasterId id="2147483725" r:id="rId1"/>
   </p:sldMasterIdLst>
   <p:notesMasterIdLst>
-    <p:notesMasterId r:id="rId14"/>
+    <p:notesMasterId r:id="rId17"/>
   </p:notesMasterIdLst>
   <p:sldIdLst>
     <p:sldId id="311" r:id="rId2"/>
     <p:sldId id="287" r:id="rId3"/>
     <p:sldId id="296" r:id="rId4"/>
     <p:sldId id="299" r:id="rId5"/>
-    <p:sldId id="301" r:id="rId6"/>
-    <p:sldId id="302" r:id="rId7"/>
-    <p:sldId id="304" r:id="rId8"/>
-    <p:sldId id="305" r:id="rId9"/>
-    <p:sldId id="308" r:id="rId10"/>
-    <p:sldId id="312" r:id="rId11"/>
-    <p:sldId id="303" r:id="rId12"/>
-    <p:sldId id="288" r:id="rId13"/>
+    <p:sldId id="313" r:id="rId6"/>
+    <p:sldId id="314" r:id="rId7"/>
+    <p:sldId id="315" r:id="rId8"/>
+    <p:sldId id="301" r:id="rId9"/>
+    <p:sldId id="302" r:id="rId10"/>
+    <p:sldId id="304" r:id="rId11"/>
+    <p:sldId id="305" r:id="rId12"/>
+    <p:sldId id="308" r:id="rId13"/>
+    <p:sldId id="312" r:id="rId14"/>
+    <p:sldId id="303" r:id="rId15"/>
+    <p:sldId id="288" r:id="rId16"/>
   </p:sldIdLst>
   <p:sldSz cx="12192000" cy="6858000"/>
   <p:notesSz cx="6858000" cy="9144000"/>
@@ -8971,7 +8974,7 @@
           <a:p>
             <a:fld id="{A5C3B515-9DC5-442E-AB8A-7BD7202DDA2A}" type="datetimeFigureOut">
               <a:rPr lang="en-US" smtClean="0"/>
-              <a:t>9/9/25</a:t>
+              <a:t>9/15/25</a:t>
             </a:fld>
             <a:endParaRPr lang="en-US"/>
           </a:p>
@@ -9387,7 +9390,7 @@
           <a:p>
             <a:fld id="{982001A8-5562-4B51-8F2E-D951C19B7D63}" type="slidenum">
               <a:rPr lang="en-US" smtClean="0"/>
-              <a:t>6</a:t>
+              <a:t>9</a:t>
             </a:fld>
             <a:endParaRPr lang="en-US"/>
           </a:p>
@@ -9535,7 +9538,7 @@
           <a:p>
             <a:fld id="{C764DE79-268F-4C1A-8933-263129D2AF90}" type="datetimeFigureOut">
               <a:rPr lang="en-US" dirty="0"/>
-              <a:t>9/9/25</a:t>
+              <a:t>9/15/25</a:t>
             </a:fld>
             <a:endParaRPr lang="en-US"/>
           </a:p>
@@ -9703,7 +9706,7 @@
           <a:p>
             <a:fld id="{C764DE79-268F-4C1A-8933-263129D2AF90}" type="datetimeFigureOut">
               <a:rPr lang="en-US" dirty="0"/>
-              <a:t>9/9/25</a:t>
+              <a:t>9/15/25</a:t>
             </a:fld>
             <a:endParaRPr lang="en-US"/>
           </a:p>
@@ -9881,7 +9884,7 @@
           <a:p>
             <a:fld id="{C764DE79-268F-4C1A-8933-263129D2AF90}" type="datetimeFigureOut">
               <a:rPr lang="en-US" dirty="0"/>
-              <a:t>9/9/25</a:t>
+              <a:t>9/15/25</a:t>
             </a:fld>
             <a:endParaRPr lang="en-US"/>
           </a:p>
@@ -10049,7 +10052,7 @@
           <a:p>
             <a:fld id="{C764DE79-268F-4C1A-8933-263129D2AF90}" type="datetimeFigureOut">
               <a:rPr lang="en-US" dirty="0"/>
-              <a:t>9/9/25</a:t>
+              <a:t>9/15/25</a:t>
             </a:fld>
             <a:endParaRPr lang="en-US"/>
           </a:p>
@@ -10294,7 +10297,7 @@
           <a:p>
             <a:fld id="{C764DE79-268F-4C1A-8933-263129D2AF90}" type="datetimeFigureOut">
               <a:rPr lang="en-US" dirty="0"/>
-              <a:t>9/9/25</a:t>
+              <a:t>9/15/25</a:t>
             </a:fld>
             <a:endParaRPr lang="en-US"/>
           </a:p>
@@ -10523,7 +10526,7 @@
           <a:p>
             <a:fld id="{C764DE79-268F-4C1A-8933-263129D2AF90}" type="datetimeFigureOut">
               <a:rPr lang="en-US" dirty="0"/>
-              <a:t>9/9/25</a:t>
+              <a:t>9/15/25</a:t>
             </a:fld>
             <a:endParaRPr lang="en-US"/>
           </a:p>
@@ -10887,7 +10890,7 @@
           <a:p>
             <a:fld id="{C764DE79-268F-4C1A-8933-263129D2AF90}" type="datetimeFigureOut">
               <a:rPr lang="en-US" dirty="0"/>
-              <a:t>9/9/25</a:t>
+              <a:t>9/15/25</a:t>
             </a:fld>
             <a:endParaRPr lang="en-US"/>
           </a:p>
@@ -11004,7 +11007,7 @@
           <a:p>
             <a:fld id="{C764DE79-268F-4C1A-8933-263129D2AF90}" type="datetimeFigureOut">
               <a:rPr lang="en-US" dirty="0"/>
-              <a:t>9/9/25</a:t>
+              <a:t>9/15/25</a:t>
             </a:fld>
             <a:endParaRPr lang="en-US"/>
           </a:p>
@@ -11099,7 +11102,7 @@
           <a:p>
             <a:fld id="{C764DE79-268F-4C1A-8933-263129D2AF90}" type="datetimeFigureOut">
               <a:rPr lang="en-US" dirty="0"/>
-              <a:t>9/9/25</a:t>
+              <a:t>9/15/25</a:t>
             </a:fld>
             <a:endParaRPr lang="en-US"/>
           </a:p>
@@ -11374,7 +11377,7 @@
           <a:p>
             <a:fld id="{C764DE79-268F-4C1A-8933-263129D2AF90}" type="datetimeFigureOut">
               <a:rPr lang="en-US" dirty="0"/>
-              <a:t>9/9/25</a:t>
+              <a:t>9/15/25</a:t>
             </a:fld>
             <a:endParaRPr lang="en-US"/>
           </a:p>
@@ -11626,7 +11629,7 @@
           <a:p>
             <a:fld id="{C764DE79-268F-4C1A-8933-263129D2AF90}" type="datetimeFigureOut">
               <a:rPr lang="en-US" dirty="0"/>
-              <a:t>9/9/25</a:t>
+              <a:t>9/15/25</a:t>
             </a:fld>
             <a:endParaRPr lang="en-US"/>
           </a:p>
@@ -11837,7 +11840,7 @@
           <a:p>
             <a:fld id="{C764DE79-268F-4C1A-8933-263129D2AF90}" type="datetimeFigureOut">
               <a:rPr lang="en-US" dirty="0"/>
-              <a:t>9/9/25</a:t>
+              <a:t>9/15/25</a:t>
             </a:fld>
             <a:endParaRPr lang="en-US"/>
           </a:p>
@@ -12428,8 +12431,8 @@
                 <a:solidFill>
                   <a:schemeClr val="bg1"/>
                 </a:solidFill>
-                <a:latin typeface="Segoe UI Black"/>
-                <a:ea typeface="Segoe UI Black"/>
+                <a:latin typeface="Palatino" pitchFamily="2" charset="77"/>
+                <a:ea typeface="Palatino" pitchFamily="2" charset="77"/>
               </a:rPr>
               <a:t>ALL PORTS TOURS CRUISE LINE</a:t>
             </a:r>
@@ -12444,8 +12447,8 @@
                 <a:effectLst/>
                 <a:uLnTx/>
                 <a:uFillTx/>
-                <a:latin typeface="Segoe UI Black"/>
-                <a:ea typeface="Segoe UI Black"/>
+                <a:latin typeface="Palatino" pitchFamily="2" charset="77"/>
+                <a:ea typeface="Palatino" pitchFamily="2" charset="77"/>
               </a:rPr>
               <a:t> </a:t>
             </a:r>
@@ -12465,8 +12468,8 @@
                 <a:effectLst/>
                 <a:uLnTx/>
                 <a:uFillTx/>
-                <a:latin typeface="Segoe UI Black"/>
-                <a:ea typeface="Segoe UI Black"/>
+                <a:latin typeface="Palatino" pitchFamily="2" charset="77"/>
+                <a:ea typeface="Palatino" pitchFamily="2" charset="77"/>
               </a:rPr>
               <a:t>(APT)</a:t>
             </a:r>
@@ -12474,8 +12477,8 @@
               <a:solidFill>
                 <a:schemeClr val="bg1"/>
               </a:solidFill>
-              <a:latin typeface="Segoe UI Black"/>
-              <a:ea typeface="Segoe UI Black"/>
+              <a:latin typeface="Palatino" pitchFamily="2" charset="77"/>
+              <a:ea typeface="Palatino" pitchFamily="2" charset="77"/>
             </a:endParaRPr>
           </a:p>
         </p:txBody>
@@ -12536,7 +12539,7 @@
               <a:defRPr/>
             </a:pPr>
             <a:r>
-              <a:rPr kumimoji="0" lang="en-US" sz="2400" b="1" i="0" u="none" strike="noStrike" kern="1200" cap="none" spc="0" normalizeH="0" baseline="0" noProof="0">
+              <a:rPr kumimoji="0" lang="en-US" sz="2400" b="1" i="0" u="none" strike="noStrike" kern="1200" cap="none" spc="0" normalizeH="0" baseline="0" noProof="0" dirty="0">
                 <a:ln>
                   <a:noFill/>
                 </a:ln>
@@ -12552,7 +12555,7 @@
               <a:t>Security Assessment </a:t>
             </a:r>
             <a:r>
-              <a:rPr kumimoji="0" lang="en-US" sz="2400" b="1" i="0" u="none" strike="noStrike" kern="1200" cap="none" spc="0" normalizeH="0" baseline="0" noProof="0">
+              <a:rPr kumimoji="0" lang="en-US" sz="2400" b="1" i="0" u="none" strike="noStrike" kern="1200" cap="none" spc="0" normalizeH="0" baseline="0" noProof="0" dirty="0">
                 <a:ln>
                   <a:noFill/>
                 </a:ln>
@@ -12565,7 +12568,7 @@
               </a:rPr>
               <a:t>Briefing</a:t>
             </a:r>
-            <a:endParaRPr lang="en-US" sz="2400" b="1" i="0" u="none" strike="noStrike" kern="1200" cap="none" spc="0" normalizeH="0" baseline="0" noProof="0">
+            <a:endParaRPr lang="en-US" sz="2400" b="1" i="0" u="none" strike="noStrike" kern="1200" cap="none" spc="0" normalizeH="0" baseline="0" noProof="0" dirty="0">
               <a:ln>
                 <a:noFill/>
               </a:ln>
@@ -12735,6 +12738,2519 @@
 </file>
 
 <file path=ppt/slides/slide10.xml><?xml version="1.0" encoding="utf-8"?>
+<p:sld xmlns:a="http://schemas.openxmlformats.org/drawingml/2006/main" xmlns:r="http://schemas.openxmlformats.org/officeDocument/2006/relationships" xmlns:p="http://schemas.openxmlformats.org/presentationml/2006/main">
+  <p:cSld>
+    <p:bg>
+      <p:bgPr>
+        <a:solidFill>
+          <a:schemeClr val="bg1"/>
+        </a:solidFill>
+        <a:effectLst/>
+      </p:bgPr>
+    </p:bg>
+    <p:spTree>
+      <p:nvGrpSpPr>
+        <p:cNvPr id="1" name="">
+          <a:extLst>
+            <a:ext uri="{FF2B5EF4-FFF2-40B4-BE49-F238E27FC236}">
+              <a16:creationId xmlns:a16="http://schemas.microsoft.com/office/drawing/2014/main" id="{A6BDF0DD-6498-07D8-4C61-C64E286DFD1E}"/>
+            </a:ext>
+          </a:extLst>
+        </p:cNvPr>
+        <p:cNvGrpSpPr/>
+        <p:nvPr/>
+      </p:nvGrpSpPr>
+      <p:grpSpPr>
+        <a:xfrm>
+          <a:off x="0" y="0"/>
+          <a:ext cx="0" cy="0"/>
+          <a:chOff x="0" y="0"/>
+          <a:chExt cx="0" cy="0"/>
+        </a:xfrm>
+      </p:grpSpPr>
+      <p:sp>
+        <p:nvSpPr>
+          <p:cNvPr id="5" name="Rectangle 4">
+            <a:extLst>
+              <a:ext uri="{FF2B5EF4-FFF2-40B4-BE49-F238E27FC236}">
+                <a16:creationId xmlns:a16="http://schemas.microsoft.com/office/drawing/2014/main" id="{821B1D92-A96D-0229-D393-827D1F03B176}"/>
+              </a:ext>
+            </a:extLst>
+          </p:cNvPr>
+          <p:cNvSpPr/>
+          <p:nvPr/>
+        </p:nvSpPr>
+        <p:spPr>
+          <a:xfrm>
+            <a:off x="0" y="6246000"/>
+            <a:ext cx="12198000" cy="612000"/>
+          </a:xfrm>
+          <a:prstGeom prst="rect">
+            <a:avLst/>
+          </a:prstGeom>
+          <a:solidFill>
+            <a:schemeClr val="accent5">
+              <a:lumMod val="75000"/>
+            </a:schemeClr>
+          </a:solidFill>
+          <a:ln>
+            <a:noFill/>
+          </a:ln>
+        </p:spPr>
+        <p:style>
+          <a:lnRef idx="2">
+            <a:schemeClr val="accent1">
+              <a:shade val="15000"/>
+            </a:schemeClr>
+          </a:lnRef>
+          <a:fillRef idx="1">
+            <a:schemeClr val="accent1"/>
+          </a:fillRef>
+          <a:effectRef idx="0">
+            <a:schemeClr val="accent1"/>
+          </a:effectRef>
+          <a:fontRef idx="minor">
+            <a:schemeClr val="lt1"/>
+          </a:fontRef>
+        </p:style>
+        <p:txBody>
+          <a:bodyPr lIns="91440" tIns="45720" rIns="91440" bIns="45720" rtlCol="0" anchor="ctr"/>
+          <a:lstStyle/>
+          <a:p>
+            <a:pPr algn="ctr"/>
+            <a:endParaRPr lang="en-US">
+              <a:solidFill>
+                <a:srgbClr val="1148ED"/>
+              </a:solidFill>
+              <a:cs typeface="Calibri"/>
+            </a:endParaRPr>
+          </a:p>
+        </p:txBody>
+      </p:sp>
+      <p:pic>
+        <p:nvPicPr>
+          <p:cNvPr id="2" name="Picture 1">
+            <a:extLst>
+              <a:ext uri="{FF2B5EF4-FFF2-40B4-BE49-F238E27FC236}">
+                <a16:creationId xmlns:a16="http://schemas.microsoft.com/office/drawing/2014/main" id="{B6516D06-85F2-BAE1-189E-216B8B7905AA}"/>
+              </a:ext>
+            </a:extLst>
+          </p:cNvPr>
+          <p:cNvPicPr>
+            <a:picLocks noChangeAspect="1"/>
+          </p:cNvPicPr>
+          <p:nvPr/>
+        </p:nvPicPr>
+        <p:blipFill>
+          <a:blip r:embed="rId2" cstate="print">
+            <a:lum bright="70000" contrast="-70000"/>
+            <a:extLst>
+              <a:ext uri="{28A0092B-C50C-407E-A947-70E740481C1C}">
+                <a14:useLocalDpi xmlns:a14="http://schemas.microsoft.com/office/drawing/2010/main" val="0"/>
+              </a:ext>
+            </a:extLst>
+          </a:blip>
+          <a:srcRect/>
+          <a:stretch>
+            <a:fillRect/>
+          </a:stretch>
+        </p:blipFill>
+        <p:spPr bwMode="auto">
+          <a:xfrm>
+            <a:off x="5410200" y="6314721"/>
+            <a:ext cx="1371600" cy="466725"/>
+          </a:xfrm>
+          <a:prstGeom prst="rect">
+            <a:avLst/>
+          </a:prstGeom>
+          <a:noFill/>
+          <a:ln>
+            <a:noFill/>
+          </a:ln>
+        </p:spPr>
+      </p:pic>
+      <p:sp>
+        <p:nvSpPr>
+          <p:cNvPr id="9" name="Rectangle 8">
+            <a:extLst>
+              <a:ext uri="{FF2B5EF4-FFF2-40B4-BE49-F238E27FC236}">
+                <a16:creationId xmlns:a16="http://schemas.microsoft.com/office/drawing/2014/main" id="{94071C4B-7B87-2F2A-BE63-91E3F4EED397}"/>
+              </a:ext>
+            </a:extLst>
+          </p:cNvPr>
+          <p:cNvSpPr/>
+          <p:nvPr/>
+        </p:nvSpPr>
+        <p:spPr>
+          <a:xfrm>
+            <a:off x="-1" y="0"/>
+            <a:ext cx="12198000" cy="145143"/>
+          </a:xfrm>
+          <a:prstGeom prst="rect">
+            <a:avLst/>
+          </a:prstGeom>
+          <a:solidFill>
+            <a:schemeClr val="accent5">
+              <a:lumMod val="75000"/>
+            </a:schemeClr>
+          </a:solidFill>
+          <a:ln>
+            <a:noFill/>
+          </a:ln>
+        </p:spPr>
+        <p:style>
+          <a:lnRef idx="2">
+            <a:schemeClr val="accent1">
+              <a:shade val="15000"/>
+            </a:schemeClr>
+          </a:lnRef>
+          <a:fillRef idx="1">
+            <a:schemeClr val="accent1"/>
+          </a:fillRef>
+          <a:effectRef idx="0">
+            <a:schemeClr val="accent1"/>
+          </a:effectRef>
+          <a:fontRef idx="minor">
+            <a:schemeClr val="lt1"/>
+          </a:fontRef>
+        </p:style>
+        <p:txBody>
+          <a:bodyPr lIns="91440" tIns="45720" rIns="91440" bIns="45720" rtlCol="0" anchor="ctr"/>
+          <a:lstStyle/>
+          <a:p>
+            <a:pPr algn="ctr"/>
+            <a:endParaRPr lang="en-US">
+              <a:solidFill>
+                <a:srgbClr val="1148ED"/>
+              </a:solidFill>
+              <a:cs typeface="Calibri"/>
+            </a:endParaRPr>
+          </a:p>
+        </p:txBody>
+      </p:sp>
+      <p:sp>
+        <p:nvSpPr>
+          <p:cNvPr id="3" name="TextBox 1">
+            <a:extLst>
+              <a:ext uri="{FF2B5EF4-FFF2-40B4-BE49-F238E27FC236}">
+                <a16:creationId xmlns:a16="http://schemas.microsoft.com/office/drawing/2014/main" id="{CCF905B4-1529-DB56-5DBA-D7A0B2817C4F}"/>
+              </a:ext>
+            </a:extLst>
+          </p:cNvPr>
+          <p:cNvSpPr txBox="1"/>
+          <p:nvPr/>
+        </p:nvSpPr>
+        <p:spPr>
+          <a:xfrm>
+            <a:off x="1578282" y="363534"/>
+            <a:ext cx="10019930" cy="769441"/>
+          </a:xfrm>
+          <a:prstGeom prst="rect">
+            <a:avLst/>
+          </a:prstGeom>
+          <a:noFill/>
+        </p:spPr>
+        <p:txBody>
+          <a:bodyPr wrap="square" lIns="91440" tIns="45720" rIns="91440" bIns="45720" rtlCol="0" anchor="t">
+            <a:spAutoFit/>
+          </a:bodyPr>
+          <a:lstStyle>
+            <a:defPPr>
+              <a:defRPr lang="en-US"/>
+            </a:defPPr>
+            <a:lvl1pPr marL="0" algn="l" defTabSz="914400" rtl="0" eaLnBrk="1" latinLnBrk="0" hangingPunct="1">
+              <a:defRPr sz="1800" kern="1200">
+                <a:solidFill>
+                  <a:schemeClr val="tx1"/>
+                </a:solidFill>
+                <a:latin typeface="+mn-lt"/>
+                <a:ea typeface="+mn-ea"/>
+                <a:cs typeface="+mn-cs"/>
+              </a:defRPr>
+            </a:lvl1pPr>
+            <a:lvl2pPr marL="457200" algn="l" defTabSz="914400" rtl="0" eaLnBrk="1" latinLnBrk="0" hangingPunct="1">
+              <a:defRPr sz="1800" kern="1200">
+                <a:solidFill>
+                  <a:schemeClr val="tx1"/>
+                </a:solidFill>
+                <a:latin typeface="+mn-lt"/>
+                <a:ea typeface="+mn-ea"/>
+                <a:cs typeface="+mn-cs"/>
+              </a:defRPr>
+            </a:lvl2pPr>
+            <a:lvl3pPr marL="914400" algn="l" defTabSz="914400" rtl="0" eaLnBrk="1" latinLnBrk="0" hangingPunct="1">
+              <a:defRPr sz="1800" kern="1200">
+                <a:solidFill>
+                  <a:schemeClr val="tx1"/>
+                </a:solidFill>
+                <a:latin typeface="+mn-lt"/>
+                <a:ea typeface="+mn-ea"/>
+                <a:cs typeface="+mn-cs"/>
+              </a:defRPr>
+            </a:lvl3pPr>
+            <a:lvl4pPr marL="1371600" algn="l" defTabSz="914400" rtl="0" eaLnBrk="1" latinLnBrk="0" hangingPunct="1">
+              <a:defRPr sz="1800" kern="1200">
+                <a:solidFill>
+                  <a:schemeClr val="tx1"/>
+                </a:solidFill>
+                <a:latin typeface="+mn-lt"/>
+                <a:ea typeface="+mn-ea"/>
+                <a:cs typeface="+mn-cs"/>
+              </a:defRPr>
+            </a:lvl4pPr>
+            <a:lvl5pPr marL="1828800" algn="l" defTabSz="914400" rtl="0" eaLnBrk="1" latinLnBrk="0" hangingPunct="1">
+              <a:defRPr sz="1800" kern="1200">
+                <a:solidFill>
+                  <a:schemeClr val="tx1"/>
+                </a:solidFill>
+                <a:latin typeface="+mn-lt"/>
+                <a:ea typeface="+mn-ea"/>
+                <a:cs typeface="+mn-cs"/>
+              </a:defRPr>
+            </a:lvl5pPr>
+            <a:lvl6pPr marL="2286000" algn="l" defTabSz="914400" rtl="0" eaLnBrk="1" latinLnBrk="0" hangingPunct="1">
+              <a:defRPr sz="1800" kern="1200">
+                <a:solidFill>
+                  <a:schemeClr val="tx1"/>
+                </a:solidFill>
+                <a:latin typeface="+mn-lt"/>
+                <a:ea typeface="+mn-ea"/>
+                <a:cs typeface="+mn-cs"/>
+              </a:defRPr>
+            </a:lvl6pPr>
+            <a:lvl7pPr marL="2743200" algn="l" defTabSz="914400" rtl="0" eaLnBrk="1" latinLnBrk="0" hangingPunct="1">
+              <a:defRPr sz="1800" kern="1200">
+                <a:solidFill>
+                  <a:schemeClr val="tx1"/>
+                </a:solidFill>
+                <a:latin typeface="+mn-lt"/>
+                <a:ea typeface="+mn-ea"/>
+                <a:cs typeface="+mn-cs"/>
+              </a:defRPr>
+            </a:lvl7pPr>
+            <a:lvl8pPr marL="3200400" algn="l" defTabSz="914400" rtl="0" eaLnBrk="1" latinLnBrk="0" hangingPunct="1">
+              <a:defRPr sz="1800" kern="1200">
+                <a:solidFill>
+                  <a:schemeClr val="tx1"/>
+                </a:solidFill>
+                <a:latin typeface="+mn-lt"/>
+                <a:ea typeface="+mn-ea"/>
+                <a:cs typeface="+mn-cs"/>
+              </a:defRPr>
+            </a:lvl8pPr>
+            <a:lvl9pPr marL="3657600" algn="l" defTabSz="914400" rtl="0" eaLnBrk="1" latinLnBrk="0" hangingPunct="1">
+              <a:defRPr sz="1800" kern="1200">
+                <a:solidFill>
+                  <a:schemeClr val="tx1"/>
+                </a:solidFill>
+                <a:latin typeface="+mn-lt"/>
+                <a:ea typeface="+mn-ea"/>
+                <a:cs typeface="+mn-cs"/>
+              </a:defRPr>
+            </a:lvl9pPr>
+          </a:lstStyle>
+          <a:p>
+            <a:r>
+              <a:rPr lang="en-US" sz="4400" b="1" dirty="0">
+                <a:solidFill>
+                  <a:schemeClr val="tx1">
+                    <a:lumMod val="75000"/>
+                    <a:lumOff val="25000"/>
+                  </a:schemeClr>
+                </a:solidFill>
+                <a:latin typeface="Avenir Next" panose="020B0503020202020204" pitchFamily="34" charset="0"/>
+                <a:ea typeface="Apple Color Emoji" pitchFamily="2" charset="0"/>
+              </a:rPr>
+              <a:t>Effective Controls</a:t>
+            </a:r>
+            <a:endParaRPr lang="en-US" dirty="0">
+              <a:latin typeface="Avenir Next" panose="020B0503020202020204" pitchFamily="34" charset="0"/>
+              <a:ea typeface="Apple Color Emoji" pitchFamily="2" charset="0"/>
+            </a:endParaRPr>
+          </a:p>
+        </p:txBody>
+      </p:sp>
+      <p:sp>
+        <p:nvSpPr>
+          <p:cNvPr id="7" name="Rectangle: Rounded Corners 6">
+            <a:extLst>
+              <a:ext uri="{FF2B5EF4-FFF2-40B4-BE49-F238E27FC236}">
+                <a16:creationId xmlns:a16="http://schemas.microsoft.com/office/drawing/2014/main" id="{C326396A-2BF6-6A4B-3C1D-6179EB03B022}"/>
+              </a:ext>
+            </a:extLst>
+          </p:cNvPr>
+          <p:cNvSpPr/>
+          <p:nvPr/>
+        </p:nvSpPr>
+        <p:spPr>
+          <a:xfrm>
+            <a:off x="7494763" y="1898484"/>
+            <a:ext cx="2288596" cy="3657600"/>
+          </a:xfrm>
+          <a:prstGeom prst="roundRect">
+            <a:avLst/>
+          </a:prstGeom>
+          <a:solidFill>
+            <a:schemeClr val="accent5">
+              <a:lumMod val="75000"/>
+            </a:schemeClr>
+          </a:solidFill>
+          <a:ln>
+            <a:noFill/>
+          </a:ln>
+        </p:spPr>
+        <p:style>
+          <a:lnRef idx="2">
+            <a:schemeClr val="accent1">
+              <a:shade val="15000"/>
+            </a:schemeClr>
+          </a:lnRef>
+          <a:fillRef idx="1">
+            <a:schemeClr val="accent1"/>
+          </a:fillRef>
+          <a:effectRef idx="0">
+            <a:schemeClr val="accent1"/>
+          </a:effectRef>
+          <a:fontRef idx="minor">
+            <a:schemeClr val="lt1"/>
+          </a:fontRef>
+        </p:style>
+        <p:txBody>
+          <a:bodyPr rtlCol="0" anchor="ctr"/>
+          <a:lstStyle/>
+          <a:p>
+            <a:pPr algn="ctr"/>
+            <a:endParaRPr lang="en-US"/>
+          </a:p>
+        </p:txBody>
+      </p:sp>
+      <p:sp>
+        <p:nvSpPr>
+          <p:cNvPr id="8" name="Rectangle: Rounded Corners 7">
+            <a:extLst>
+              <a:ext uri="{FF2B5EF4-FFF2-40B4-BE49-F238E27FC236}">
+                <a16:creationId xmlns:a16="http://schemas.microsoft.com/office/drawing/2014/main" id="{2E33E3F8-4212-0AA2-F31C-33E88F1BD832}"/>
+              </a:ext>
+            </a:extLst>
+          </p:cNvPr>
+          <p:cNvSpPr/>
+          <p:nvPr/>
+        </p:nvSpPr>
+        <p:spPr>
+          <a:xfrm>
+            <a:off x="4951702" y="1898483"/>
+            <a:ext cx="2288596" cy="3657600"/>
+          </a:xfrm>
+          <a:prstGeom prst="roundRect">
+            <a:avLst/>
+          </a:prstGeom>
+          <a:solidFill>
+            <a:schemeClr val="accent5">
+              <a:lumMod val="75000"/>
+            </a:schemeClr>
+          </a:solidFill>
+          <a:ln>
+            <a:noFill/>
+          </a:ln>
+        </p:spPr>
+        <p:style>
+          <a:lnRef idx="2">
+            <a:schemeClr val="accent1">
+              <a:shade val="15000"/>
+            </a:schemeClr>
+          </a:lnRef>
+          <a:fillRef idx="1">
+            <a:schemeClr val="accent1"/>
+          </a:fillRef>
+          <a:effectRef idx="0">
+            <a:schemeClr val="accent1"/>
+          </a:effectRef>
+          <a:fontRef idx="minor">
+            <a:schemeClr val="lt1"/>
+          </a:fontRef>
+        </p:style>
+        <p:txBody>
+          <a:bodyPr rtlCol="0" anchor="ctr"/>
+          <a:lstStyle/>
+          <a:p>
+            <a:pPr algn="ctr"/>
+            <a:endParaRPr lang="en-US"/>
+          </a:p>
+        </p:txBody>
+      </p:sp>
+      <p:sp>
+        <p:nvSpPr>
+          <p:cNvPr id="10" name="Rectangle: Rounded Corners 9">
+            <a:extLst>
+              <a:ext uri="{FF2B5EF4-FFF2-40B4-BE49-F238E27FC236}">
+                <a16:creationId xmlns:a16="http://schemas.microsoft.com/office/drawing/2014/main" id="{B7BC7069-5C76-F0BD-6C5D-934312A8DE4C}"/>
+              </a:ext>
+            </a:extLst>
+          </p:cNvPr>
+          <p:cNvSpPr/>
+          <p:nvPr/>
+        </p:nvSpPr>
+        <p:spPr>
+          <a:xfrm>
+            <a:off x="2408641" y="1884714"/>
+            <a:ext cx="2288596" cy="3657600"/>
+          </a:xfrm>
+          <a:prstGeom prst="roundRect">
+            <a:avLst/>
+          </a:prstGeom>
+          <a:solidFill>
+            <a:schemeClr val="accent5">
+              <a:lumMod val="75000"/>
+            </a:schemeClr>
+          </a:solidFill>
+          <a:ln>
+            <a:noFill/>
+          </a:ln>
+        </p:spPr>
+        <p:style>
+          <a:lnRef idx="2">
+            <a:schemeClr val="accent1">
+              <a:shade val="15000"/>
+            </a:schemeClr>
+          </a:lnRef>
+          <a:fillRef idx="1">
+            <a:schemeClr val="accent1"/>
+          </a:fillRef>
+          <a:effectRef idx="0">
+            <a:schemeClr val="accent1"/>
+          </a:effectRef>
+          <a:fontRef idx="minor">
+            <a:schemeClr val="lt1"/>
+          </a:fontRef>
+        </p:style>
+        <p:txBody>
+          <a:bodyPr rtlCol="0" anchor="ctr"/>
+          <a:lstStyle/>
+          <a:p>
+            <a:pPr algn="ctr"/>
+            <a:endParaRPr lang="en-US"/>
+          </a:p>
+        </p:txBody>
+      </p:sp>
+      <p:sp>
+        <p:nvSpPr>
+          <p:cNvPr id="13" name="Rectangle: Rounded Corners 12">
+            <a:extLst>
+              <a:ext uri="{FF2B5EF4-FFF2-40B4-BE49-F238E27FC236}">
+                <a16:creationId xmlns:a16="http://schemas.microsoft.com/office/drawing/2014/main" id="{5B579B44-144F-3B37-571A-AB9B0F4458B8}"/>
+              </a:ext>
+            </a:extLst>
+          </p:cNvPr>
+          <p:cNvSpPr/>
+          <p:nvPr/>
+        </p:nvSpPr>
+        <p:spPr>
+          <a:xfrm>
+            <a:off x="2535559" y="2009460"/>
+            <a:ext cx="2034760" cy="3404122"/>
+          </a:xfrm>
+          <a:prstGeom prst="roundRect">
+            <a:avLst>
+              <a:gd name="adj" fmla="val 14511"/>
+            </a:avLst>
+          </a:prstGeom>
+          <a:solidFill>
+            <a:schemeClr val="bg1"/>
+          </a:solidFill>
+          <a:ln>
+            <a:noFill/>
+          </a:ln>
+        </p:spPr>
+        <p:style>
+          <a:lnRef idx="2">
+            <a:schemeClr val="accent1">
+              <a:shade val="15000"/>
+            </a:schemeClr>
+          </a:lnRef>
+          <a:fillRef idx="1">
+            <a:schemeClr val="accent1"/>
+          </a:fillRef>
+          <a:effectRef idx="0">
+            <a:schemeClr val="accent1"/>
+          </a:effectRef>
+          <a:fontRef idx="minor">
+            <a:schemeClr val="lt1"/>
+          </a:fontRef>
+        </p:style>
+        <p:txBody>
+          <a:bodyPr lIns="91440" tIns="45720" rIns="91440" bIns="45720" rtlCol="0" anchor="ctr"/>
+          <a:lstStyle/>
+          <a:p>
+            <a:pPr algn="ctr"/>
+            <a:endParaRPr lang="en-US" sz="1600" b="1">
+              <a:latin typeface="Grandview Display"/>
+            </a:endParaRPr>
+          </a:p>
+        </p:txBody>
+      </p:sp>
+      <p:sp>
+        <p:nvSpPr>
+          <p:cNvPr id="4" name="Rectangle: Rounded Corners 3">
+            <a:extLst>
+              <a:ext uri="{FF2B5EF4-FFF2-40B4-BE49-F238E27FC236}">
+                <a16:creationId xmlns:a16="http://schemas.microsoft.com/office/drawing/2014/main" id="{7410B84B-3649-0941-127D-7D03A3C5CA22}"/>
+              </a:ext>
+            </a:extLst>
+          </p:cNvPr>
+          <p:cNvSpPr/>
+          <p:nvPr/>
+        </p:nvSpPr>
+        <p:spPr>
+          <a:xfrm>
+            <a:off x="5094173" y="2009461"/>
+            <a:ext cx="2034760" cy="3404122"/>
+          </a:xfrm>
+          <a:prstGeom prst="roundRect">
+            <a:avLst>
+              <a:gd name="adj" fmla="val 14511"/>
+            </a:avLst>
+          </a:prstGeom>
+          <a:solidFill>
+            <a:schemeClr val="bg1"/>
+          </a:solidFill>
+          <a:ln>
+            <a:noFill/>
+          </a:ln>
+        </p:spPr>
+        <p:style>
+          <a:lnRef idx="2">
+            <a:schemeClr val="accent1">
+              <a:shade val="15000"/>
+            </a:schemeClr>
+          </a:lnRef>
+          <a:fillRef idx="1">
+            <a:schemeClr val="accent1"/>
+          </a:fillRef>
+          <a:effectRef idx="0">
+            <a:schemeClr val="accent1"/>
+          </a:effectRef>
+          <a:fontRef idx="minor">
+            <a:schemeClr val="lt1"/>
+          </a:fontRef>
+        </p:style>
+        <p:txBody>
+          <a:bodyPr lIns="91440" tIns="45720" rIns="91440" bIns="45720" rtlCol="0" anchor="ctr"/>
+          <a:lstStyle/>
+          <a:p>
+            <a:pPr algn="ctr"/>
+            <a:endParaRPr lang="en-US" sz="1600" b="1">
+              <a:latin typeface="Grandview Display"/>
+            </a:endParaRPr>
+          </a:p>
+        </p:txBody>
+      </p:sp>
+      <p:sp>
+        <p:nvSpPr>
+          <p:cNvPr id="14" name="Rectangle: Rounded Corners 13">
+            <a:extLst>
+              <a:ext uri="{FF2B5EF4-FFF2-40B4-BE49-F238E27FC236}">
+                <a16:creationId xmlns:a16="http://schemas.microsoft.com/office/drawing/2014/main" id="{D2618E41-1A41-2EAE-1AC7-B75170F3F173}"/>
+              </a:ext>
+            </a:extLst>
+          </p:cNvPr>
+          <p:cNvSpPr/>
+          <p:nvPr/>
+        </p:nvSpPr>
+        <p:spPr>
+          <a:xfrm>
+            <a:off x="7621681" y="2009461"/>
+            <a:ext cx="2034760" cy="3404120"/>
+          </a:xfrm>
+          <a:prstGeom prst="roundRect">
+            <a:avLst>
+              <a:gd name="adj" fmla="val 14511"/>
+            </a:avLst>
+          </a:prstGeom>
+          <a:solidFill>
+            <a:schemeClr val="bg1"/>
+          </a:solidFill>
+          <a:ln>
+            <a:noFill/>
+          </a:ln>
+        </p:spPr>
+        <p:style>
+          <a:lnRef idx="2">
+            <a:schemeClr val="accent1">
+              <a:shade val="15000"/>
+            </a:schemeClr>
+          </a:lnRef>
+          <a:fillRef idx="1">
+            <a:schemeClr val="accent1"/>
+          </a:fillRef>
+          <a:effectRef idx="0">
+            <a:schemeClr val="accent1"/>
+          </a:effectRef>
+          <a:fontRef idx="minor">
+            <a:schemeClr val="lt1"/>
+          </a:fontRef>
+        </p:style>
+        <p:txBody>
+          <a:bodyPr lIns="91440" tIns="45720" rIns="91440" bIns="45720" rtlCol="0" anchor="ctr"/>
+          <a:lstStyle/>
+          <a:p>
+            <a:pPr algn="ctr"/>
+            <a:endParaRPr lang="en-US" sz="1600" b="1">
+              <a:latin typeface="Grandview Display"/>
+            </a:endParaRPr>
+          </a:p>
+        </p:txBody>
+      </p:sp>
+      <p:sp>
+        <p:nvSpPr>
+          <p:cNvPr id="17" name="TextBox 16">
+            <a:extLst>
+              <a:ext uri="{FF2B5EF4-FFF2-40B4-BE49-F238E27FC236}">
+                <a16:creationId xmlns:a16="http://schemas.microsoft.com/office/drawing/2014/main" id="{B0D7A845-207C-8DF3-2533-81E29BC3BD12}"/>
+              </a:ext>
+            </a:extLst>
+          </p:cNvPr>
+          <p:cNvSpPr txBox="1"/>
+          <p:nvPr/>
+        </p:nvSpPr>
+        <p:spPr>
+          <a:xfrm>
+            <a:off x="2736194" y="4073486"/>
+            <a:ext cx="1633491" cy="646331"/>
+          </a:xfrm>
+          <a:prstGeom prst="rect">
+            <a:avLst/>
+          </a:prstGeom>
+          <a:noFill/>
+        </p:spPr>
+        <p:txBody>
+          <a:bodyPr wrap="square" lIns="91440" tIns="45720" rIns="91440" bIns="45720" rtlCol="0" anchor="t">
+            <a:spAutoFit/>
+          </a:bodyPr>
+          <a:lstStyle/>
+          <a:p>
+            <a:pPr algn="ctr"/>
+            <a:r>
+              <a:rPr lang="en-US" dirty="0">
+                <a:latin typeface="Grandview"/>
+              </a:rPr>
+              <a:t>Doing that one thing</a:t>
+            </a:r>
+          </a:p>
+        </p:txBody>
+      </p:sp>
+      <p:sp>
+        <p:nvSpPr>
+          <p:cNvPr id="18" name="TextBox 17">
+            <a:extLst>
+              <a:ext uri="{FF2B5EF4-FFF2-40B4-BE49-F238E27FC236}">
+                <a16:creationId xmlns:a16="http://schemas.microsoft.com/office/drawing/2014/main" id="{7BA5D126-1AD7-FD5C-8C81-BB4EBC7064A9}"/>
+              </a:ext>
+            </a:extLst>
+          </p:cNvPr>
+          <p:cNvSpPr txBox="1"/>
+          <p:nvPr/>
+        </p:nvSpPr>
+        <p:spPr>
+          <a:xfrm>
+            <a:off x="5279254" y="4073486"/>
+            <a:ext cx="1633491" cy="646331"/>
+          </a:xfrm>
+          <a:prstGeom prst="rect">
+            <a:avLst/>
+          </a:prstGeom>
+          <a:noFill/>
+        </p:spPr>
+        <p:txBody>
+          <a:bodyPr wrap="square" rtlCol="0">
+            <a:spAutoFit/>
+          </a:bodyPr>
+          <a:lstStyle/>
+          <a:p>
+            <a:pPr algn="ctr"/>
+            <a:r>
+              <a:rPr lang="en-US" dirty="0">
+                <a:latin typeface="Grandview" panose="020B0502040204020203" pitchFamily="34" charset="0"/>
+              </a:rPr>
+              <a:t>Doing that other thing</a:t>
+            </a:r>
+          </a:p>
+        </p:txBody>
+      </p:sp>
+      <p:sp>
+        <p:nvSpPr>
+          <p:cNvPr id="19" name="TextBox 18">
+            <a:extLst>
+              <a:ext uri="{FF2B5EF4-FFF2-40B4-BE49-F238E27FC236}">
+                <a16:creationId xmlns:a16="http://schemas.microsoft.com/office/drawing/2014/main" id="{8624F98B-32AB-8CF9-55F5-5239FB8EAE9B}"/>
+              </a:ext>
+            </a:extLst>
+          </p:cNvPr>
+          <p:cNvSpPr txBox="1"/>
+          <p:nvPr/>
+        </p:nvSpPr>
+        <p:spPr>
+          <a:xfrm>
+            <a:off x="7822315" y="4073486"/>
+            <a:ext cx="1633491" cy="923330"/>
+          </a:xfrm>
+          <a:prstGeom prst="rect">
+            <a:avLst/>
+          </a:prstGeom>
+          <a:noFill/>
+        </p:spPr>
+        <p:txBody>
+          <a:bodyPr wrap="square" lIns="91440" tIns="45720" rIns="91440" bIns="45720" rtlCol="0" anchor="t">
+            <a:spAutoFit/>
+          </a:bodyPr>
+          <a:lstStyle/>
+          <a:p>
+            <a:pPr algn="ctr"/>
+            <a:r>
+              <a:rPr lang="en-US" dirty="0">
+                <a:latin typeface="Grandview"/>
+              </a:rPr>
+              <a:t>Doing that other </a:t>
+            </a:r>
+            <a:r>
+              <a:rPr lang="en-US" dirty="0" err="1">
+                <a:latin typeface="Grandview"/>
+              </a:rPr>
+              <a:t>other</a:t>
+            </a:r>
+            <a:r>
+              <a:rPr lang="en-US" dirty="0">
+                <a:latin typeface="Grandview"/>
+              </a:rPr>
+              <a:t> thing</a:t>
+            </a:r>
+          </a:p>
+        </p:txBody>
+      </p:sp>
+      <p:pic>
+        <p:nvPicPr>
+          <p:cNvPr id="6" name="Picture 4" descr="Cruise Line Icon Vector, Boat, Cruise, Travel PNG and Vector with  Transparent Background for Free Download">
+            <a:extLst>
+              <a:ext uri="{FF2B5EF4-FFF2-40B4-BE49-F238E27FC236}">
+                <a16:creationId xmlns:a16="http://schemas.microsoft.com/office/drawing/2014/main" id="{4302885B-7BB6-DCD3-70AE-EDAD591D3709}"/>
+              </a:ext>
+            </a:extLst>
+          </p:cNvPr>
+          <p:cNvPicPr>
+            <a:picLocks noChangeAspect="1" noChangeArrowheads="1"/>
+          </p:cNvPicPr>
+          <p:nvPr/>
+        </p:nvPicPr>
+        <p:blipFill>
+          <a:blip r:embed="rId3">
+            <a:extLst>
+              <a:ext uri="{28A0092B-C50C-407E-A947-70E740481C1C}">
+                <a14:useLocalDpi xmlns:a14="http://schemas.microsoft.com/office/drawing/2010/main" val="0"/>
+              </a:ext>
+            </a:extLst>
+          </a:blip>
+          <a:srcRect/>
+          <a:stretch>
+            <a:fillRect/>
+          </a:stretch>
+        </p:blipFill>
+        <p:spPr bwMode="auto">
+          <a:xfrm>
+            <a:off x="208581" y="176364"/>
+            <a:ext cx="770414" cy="770414"/>
+          </a:xfrm>
+          <a:prstGeom prst="rect">
+            <a:avLst/>
+          </a:prstGeom>
+          <a:noFill/>
+          <a:extLst>
+            <a:ext uri="{909E8E84-426E-40DD-AFC4-6F175D3DCCD1}">
+              <a14:hiddenFill xmlns:a14="http://schemas.microsoft.com/office/drawing/2010/main">
+                <a:solidFill>
+                  <a:srgbClr val="FFFFFF"/>
+                </a:solidFill>
+              </a14:hiddenFill>
+            </a:ext>
+          </a:extLst>
+        </p:spPr>
+      </p:pic>
+      <p:grpSp>
+        <p:nvGrpSpPr>
+          <p:cNvPr id="11" name="Group 10">
+            <a:extLst>
+              <a:ext uri="{FF2B5EF4-FFF2-40B4-BE49-F238E27FC236}">
+                <a16:creationId xmlns:a16="http://schemas.microsoft.com/office/drawing/2014/main" id="{8801A7BC-4634-F2E4-3560-126879DC1A09}"/>
+              </a:ext>
+            </a:extLst>
+          </p:cNvPr>
+          <p:cNvGrpSpPr/>
+          <p:nvPr/>
+        </p:nvGrpSpPr>
+        <p:grpSpPr>
+          <a:xfrm>
+            <a:off x="10734617" y="406951"/>
+            <a:ext cx="1024568" cy="1079653"/>
+            <a:chOff x="2150400" y="1144284"/>
+            <a:chExt cx="1024568" cy="1079653"/>
+          </a:xfrm>
+        </p:grpSpPr>
+        <p:sp>
+          <p:nvSpPr>
+            <p:cNvPr id="12" name="Rounded Rectangle 11">
+              <a:extLst>
+                <a:ext uri="{FF2B5EF4-FFF2-40B4-BE49-F238E27FC236}">
+                  <a16:creationId xmlns:a16="http://schemas.microsoft.com/office/drawing/2014/main" id="{5DC243EC-AEE7-5CAB-6B1E-F3F2F6D58D8B}"/>
+                </a:ext>
+              </a:extLst>
+            </p:cNvPr>
+            <p:cNvSpPr/>
+            <p:nvPr/>
+          </p:nvSpPr>
+          <p:spPr>
+            <a:xfrm>
+              <a:off x="2150400" y="1144284"/>
+              <a:ext cx="1024568" cy="1079653"/>
+            </a:xfrm>
+            <a:prstGeom prst="roundRect">
+              <a:avLst/>
+            </a:prstGeom>
+            <a:solidFill>
+              <a:schemeClr val="accent5">
+                <a:lumMod val="60000"/>
+                <a:lumOff val="40000"/>
+              </a:schemeClr>
+            </a:solidFill>
+            <a:ln>
+              <a:solidFill>
+                <a:schemeClr val="accent5">
+                  <a:lumMod val="60000"/>
+                  <a:lumOff val="40000"/>
+                </a:schemeClr>
+              </a:solidFill>
+            </a:ln>
+          </p:spPr>
+          <p:style>
+            <a:lnRef idx="2">
+              <a:schemeClr val="accent1">
+                <a:shade val="15000"/>
+              </a:schemeClr>
+            </a:lnRef>
+            <a:fillRef idx="1">
+              <a:schemeClr val="accent1"/>
+            </a:fillRef>
+            <a:effectRef idx="0">
+              <a:schemeClr val="accent1"/>
+            </a:effectRef>
+            <a:fontRef idx="minor">
+              <a:schemeClr val="lt1"/>
+            </a:fontRef>
+          </p:style>
+          <p:txBody>
+            <a:bodyPr rtlCol="0" anchor="ctr"/>
+            <a:lstStyle/>
+            <a:p>
+              <a:pPr algn="ctr"/>
+              <a:endParaRPr lang="en-US"/>
+            </a:p>
+          </p:txBody>
+        </p:sp>
+        <p:pic>
+          <p:nvPicPr>
+            <p:cNvPr id="15" name="Picture 14">
+              <a:extLst>
+                <a:ext uri="{FF2B5EF4-FFF2-40B4-BE49-F238E27FC236}">
+                  <a16:creationId xmlns:a16="http://schemas.microsoft.com/office/drawing/2014/main" id="{2194D3D4-59B2-F6BC-1651-0629632D3B29}"/>
+                </a:ext>
+              </a:extLst>
+            </p:cNvPr>
+            <p:cNvPicPr>
+              <a:picLocks noChangeAspect="1"/>
+            </p:cNvPicPr>
+            <p:nvPr/>
+          </p:nvPicPr>
+          <p:blipFill>
+            <a:blip r:embed="rId4"/>
+            <a:stretch>
+              <a:fillRect/>
+            </a:stretch>
+          </p:blipFill>
+          <p:spPr>
+            <a:xfrm>
+              <a:off x="2276801" y="1303964"/>
+              <a:ext cx="769441" cy="769441"/>
+            </a:xfrm>
+            <a:prstGeom prst="rect">
+              <a:avLst/>
+            </a:prstGeom>
+          </p:spPr>
+        </p:pic>
+      </p:grpSp>
+      <p:pic>
+        <p:nvPicPr>
+          <p:cNvPr id="16" name="Picture 15">
+            <a:extLst>
+              <a:ext uri="{FF2B5EF4-FFF2-40B4-BE49-F238E27FC236}">
+                <a16:creationId xmlns:a16="http://schemas.microsoft.com/office/drawing/2014/main" id="{32BE4CB0-7293-1049-201A-6671229BF843}"/>
+              </a:ext>
+            </a:extLst>
+          </p:cNvPr>
+          <p:cNvPicPr>
+            <a:picLocks noChangeAspect="1"/>
+          </p:cNvPicPr>
+          <p:nvPr/>
+        </p:nvPicPr>
+        <p:blipFill>
+          <a:blip r:embed="rId5"/>
+          <a:stretch>
+            <a:fillRect/>
+          </a:stretch>
+        </p:blipFill>
+        <p:spPr>
+          <a:xfrm>
+            <a:off x="3091274" y="2239990"/>
+            <a:ext cx="923330" cy="923330"/>
+          </a:xfrm>
+          <a:prstGeom prst="rect">
+            <a:avLst/>
+          </a:prstGeom>
+        </p:spPr>
+      </p:pic>
+      <p:pic>
+        <p:nvPicPr>
+          <p:cNvPr id="20" name="Picture 19">
+            <a:extLst>
+              <a:ext uri="{FF2B5EF4-FFF2-40B4-BE49-F238E27FC236}">
+                <a16:creationId xmlns:a16="http://schemas.microsoft.com/office/drawing/2014/main" id="{18BE32BB-1736-55B1-AF99-8CF82B22F2E2}"/>
+              </a:ext>
+            </a:extLst>
+          </p:cNvPr>
+          <p:cNvPicPr>
+            <a:picLocks noChangeAspect="1"/>
+          </p:cNvPicPr>
+          <p:nvPr/>
+        </p:nvPicPr>
+        <p:blipFill>
+          <a:blip r:embed="rId6"/>
+          <a:stretch>
+            <a:fillRect/>
+          </a:stretch>
+        </p:blipFill>
+        <p:spPr>
+          <a:xfrm>
+            <a:off x="5684704" y="2239990"/>
+            <a:ext cx="1030994" cy="1030994"/>
+          </a:xfrm>
+          <a:prstGeom prst="rect">
+            <a:avLst/>
+          </a:prstGeom>
+        </p:spPr>
+      </p:pic>
+      <p:pic>
+        <p:nvPicPr>
+          <p:cNvPr id="21" name="Picture 20">
+            <a:extLst>
+              <a:ext uri="{FF2B5EF4-FFF2-40B4-BE49-F238E27FC236}">
+                <a16:creationId xmlns:a16="http://schemas.microsoft.com/office/drawing/2014/main" id="{9C50E99D-02C5-B6F6-BD98-59D2DECABC33}"/>
+              </a:ext>
+            </a:extLst>
+          </p:cNvPr>
+          <p:cNvPicPr>
+            <a:picLocks noChangeAspect="1"/>
+          </p:cNvPicPr>
+          <p:nvPr/>
+        </p:nvPicPr>
+        <p:blipFill>
+          <a:blip r:embed="rId7"/>
+          <a:stretch>
+            <a:fillRect/>
+          </a:stretch>
+        </p:blipFill>
+        <p:spPr>
+          <a:xfrm>
+            <a:off x="8230376" y="2207502"/>
+            <a:ext cx="817368" cy="925925"/>
+          </a:xfrm>
+          <a:prstGeom prst="rect">
+            <a:avLst/>
+          </a:prstGeom>
+        </p:spPr>
+      </p:pic>
+    </p:spTree>
+    <p:extLst>
+      <p:ext uri="{BB962C8B-B14F-4D97-AF65-F5344CB8AC3E}">
+        <p14:creationId xmlns:p14="http://schemas.microsoft.com/office/powerpoint/2010/main" val="288272146"/>
+      </p:ext>
+    </p:extLst>
+  </p:cSld>
+  <p:clrMapOvr>
+    <a:masterClrMapping/>
+  </p:clrMapOvr>
+</p:sld>
+</file>
+
+<file path=ppt/slides/slide11.xml><?xml version="1.0" encoding="utf-8"?>
+<p:sld xmlns:a="http://schemas.openxmlformats.org/drawingml/2006/main" xmlns:r="http://schemas.openxmlformats.org/officeDocument/2006/relationships" xmlns:p="http://schemas.openxmlformats.org/presentationml/2006/main">
+  <p:cSld>
+    <p:bg>
+      <p:bgPr>
+        <a:solidFill>
+          <a:schemeClr val="bg1"/>
+        </a:solidFill>
+        <a:effectLst/>
+      </p:bgPr>
+    </p:bg>
+    <p:spTree>
+      <p:nvGrpSpPr>
+        <p:cNvPr id="1" name="">
+          <a:extLst>
+            <a:ext uri="{FF2B5EF4-FFF2-40B4-BE49-F238E27FC236}">
+              <a16:creationId xmlns:a16="http://schemas.microsoft.com/office/drawing/2014/main" id="{C77CDE45-2F09-5A99-2F3D-6A1C23445703}"/>
+            </a:ext>
+          </a:extLst>
+        </p:cNvPr>
+        <p:cNvGrpSpPr/>
+        <p:nvPr/>
+      </p:nvGrpSpPr>
+      <p:grpSpPr>
+        <a:xfrm>
+          <a:off x="0" y="0"/>
+          <a:ext cx="0" cy="0"/>
+          <a:chOff x="0" y="0"/>
+          <a:chExt cx="0" cy="0"/>
+        </a:xfrm>
+      </p:grpSpPr>
+      <p:sp>
+        <p:nvSpPr>
+          <p:cNvPr id="5" name="Rectangle 4">
+            <a:extLst>
+              <a:ext uri="{FF2B5EF4-FFF2-40B4-BE49-F238E27FC236}">
+                <a16:creationId xmlns:a16="http://schemas.microsoft.com/office/drawing/2014/main" id="{14DC3C56-25B6-2254-14BD-4E24D665F864}"/>
+              </a:ext>
+            </a:extLst>
+          </p:cNvPr>
+          <p:cNvSpPr/>
+          <p:nvPr/>
+        </p:nvSpPr>
+        <p:spPr>
+          <a:xfrm>
+            <a:off x="0" y="6246000"/>
+            <a:ext cx="12198000" cy="612000"/>
+          </a:xfrm>
+          <a:prstGeom prst="rect">
+            <a:avLst/>
+          </a:prstGeom>
+          <a:solidFill>
+            <a:schemeClr val="accent5">
+              <a:lumMod val="75000"/>
+            </a:schemeClr>
+          </a:solidFill>
+          <a:ln>
+            <a:noFill/>
+          </a:ln>
+        </p:spPr>
+        <p:style>
+          <a:lnRef idx="2">
+            <a:schemeClr val="accent1">
+              <a:shade val="15000"/>
+            </a:schemeClr>
+          </a:lnRef>
+          <a:fillRef idx="1">
+            <a:schemeClr val="accent1"/>
+          </a:fillRef>
+          <a:effectRef idx="0">
+            <a:schemeClr val="accent1"/>
+          </a:effectRef>
+          <a:fontRef idx="minor">
+            <a:schemeClr val="lt1"/>
+          </a:fontRef>
+        </p:style>
+        <p:txBody>
+          <a:bodyPr lIns="91440" tIns="45720" rIns="91440" bIns="45720" rtlCol="0" anchor="ctr"/>
+          <a:lstStyle/>
+          <a:p>
+            <a:pPr algn="ctr"/>
+            <a:endParaRPr lang="en-US">
+              <a:solidFill>
+                <a:srgbClr val="1148ED"/>
+              </a:solidFill>
+              <a:cs typeface="Calibri"/>
+            </a:endParaRPr>
+          </a:p>
+        </p:txBody>
+      </p:sp>
+      <p:pic>
+        <p:nvPicPr>
+          <p:cNvPr id="2" name="Picture 1">
+            <a:extLst>
+              <a:ext uri="{FF2B5EF4-FFF2-40B4-BE49-F238E27FC236}">
+                <a16:creationId xmlns:a16="http://schemas.microsoft.com/office/drawing/2014/main" id="{9581EDE2-D7CF-EEE9-3B28-E7E894EC42BB}"/>
+              </a:ext>
+            </a:extLst>
+          </p:cNvPr>
+          <p:cNvPicPr>
+            <a:picLocks noChangeAspect="1"/>
+          </p:cNvPicPr>
+          <p:nvPr/>
+        </p:nvPicPr>
+        <p:blipFill>
+          <a:blip r:embed="rId2" cstate="print">
+            <a:lum bright="70000" contrast="-70000"/>
+            <a:extLst>
+              <a:ext uri="{28A0092B-C50C-407E-A947-70E740481C1C}">
+                <a14:useLocalDpi xmlns:a14="http://schemas.microsoft.com/office/drawing/2010/main" val="0"/>
+              </a:ext>
+            </a:extLst>
+          </a:blip>
+          <a:srcRect/>
+          <a:stretch>
+            <a:fillRect/>
+          </a:stretch>
+        </p:blipFill>
+        <p:spPr bwMode="auto">
+          <a:xfrm>
+            <a:off x="5410200" y="6314721"/>
+            <a:ext cx="1371600" cy="466725"/>
+          </a:xfrm>
+          <a:prstGeom prst="rect">
+            <a:avLst/>
+          </a:prstGeom>
+          <a:noFill/>
+          <a:ln>
+            <a:noFill/>
+          </a:ln>
+        </p:spPr>
+      </p:pic>
+      <p:sp>
+        <p:nvSpPr>
+          <p:cNvPr id="9" name="Rectangle 8">
+            <a:extLst>
+              <a:ext uri="{FF2B5EF4-FFF2-40B4-BE49-F238E27FC236}">
+                <a16:creationId xmlns:a16="http://schemas.microsoft.com/office/drawing/2014/main" id="{1B12FAD2-C66E-0A12-CA45-D0068DB0EBFA}"/>
+              </a:ext>
+            </a:extLst>
+          </p:cNvPr>
+          <p:cNvSpPr/>
+          <p:nvPr/>
+        </p:nvSpPr>
+        <p:spPr>
+          <a:xfrm>
+            <a:off x="-1" y="0"/>
+            <a:ext cx="12198000" cy="145143"/>
+          </a:xfrm>
+          <a:prstGeom prst="rect">
+            <a:avLst/>
+          </a:prstGeom>
+          <a:solidFill>
+            <a:schemeClr val="accent5">
+              <a:lumMod val="75000"/>
+            </a:schemeClr>
+          </a:solidFill>
+          <a:ln>
+            <a:noFill/>
+          </a:ln>
+        </p:spPr>
+        <p:style>
+          <a:lnRef idx="2">
+            <a:schemeClr val="accent1">
+              <a:shade val="15000"/>
+            </a:schemeClr>
+          </a:lnRef>
+          <a:fillRef idx="1">
+            <a:schemeClr val="accent1"/>
+          </a:fillRef>
+          <a:effectRef idx="0">
+            <a:schemeClr val="accent1"/>
+          </a:effectRef>
+          <a:fontRef idx="minor">
+            <a:schemeClr val="lt1"/>
+          </a:fontRef>
+        </p:style>
+        <p:txBody>
+          <a:bodyPr lIns="91440" tIns="45720" rIns="91440" bIns="45720" rtlCol="0" anchor="ctr"/>
+          <a:lstStyle/>
+          <a:p>
+            <a:pPr algn="ctr"/>
+            <a:endParaRPr lang="en-US">
+              <a:solidFill>
+                <a:srgbClr val="1148ED"/>
+              </a:solidFill>
+              <a:cs typeface="Calibri"/>
+            </a:endParaRPr>
+          </a:p>
+        </p:txBody>
+      </p:sp>
+      <p:sp>
+        <p:nvSpPr>
+          <p:cNvPr id="3" name="TextBox 1">
+            <a:extLst>
+              <a:ext uri="{FF2B5EF4-FFF2-40B4-BE49-F238E27FC236}">
+                <a16:creationId xmlns:a16="http://schemas.microsoft.com/office/drawing/2014/main" id="{9E3CC5C7-C143-1800-EFA6-9768A8338AF0}"/>
+              </a:ext>
+            </a:extLst>
+          </p:cNvPr>
+          <p:cNvSpPr txBox="1"/>
+          <p:nvPr/>
+        </p:nvSpPr>
+        <p:spPr>
+          <a:xfrm>
+            <a:off x="1578282" y="407602"/>
+            <a:ext cx="10019930" cy="769441"/>
+          </a:xfrm>
+          <a:prstGeom prst="rect">
+            <a:avLst/>
+          </a:prstGeom>
+          <a:noFill/>
+        </p:spPr>
+        <p:txBody>
+          <a:bodyPr wrap="square" lIns="91440" tIns="45720" rIns="91440" bIns="45720" rtlCol="0" anchor="t">
+            <a:spAutoFit/>
+          </a:bodyPr>
+          <a:lstStyle>
+            <a:defPPr>
+              <a:defRPr lang="en-US"/>
+            </a:defPPr>
+            <a:lvl1pPr marL="0" algn="l" defTabSz="914400" rtl="0" eaLnBrk="1" latinLnBrk="0" hangingPunct="1">
+              <a:defRPr sz="1800" kern="1200">
+                <a:solidFill>
+                  <a:schemeClr val="tx1"/>
+                </a:solidFill>
+                <a:latin typeface="+mn-lt"/>
+                <a:ea typeface="+mn-ea"/>
+                <a:cs typeface="+mn-cs"/>
+              </a:defRPr>
+            </a:lvl1pPr>
+            <a:lvl2pPr marL="457200" algn="l" defTabSz="914400" rtl="0" eaLnBrk="1" latinLnBrk="0" hangingPunct="1">
+              <a:defRPr sz="1800" kern="1200">
+                <a:solidFill>
+                  <a:schemeClr val="tx1"/>
+                </a:solidFill>
+                <a:latin typeface="+mn-lt"/>
+                <a:ea typeface="+mn-ea"/>
+                <a:cs typeface="+mn-cs"/>
+              </a:defRPr>
+            </a:lvl2pPr>
+            <a:lvl3pPr marL="914400" algn="l" defTabSz="914400" rtl="0" eaLnBrk="1" latinLnBrk="0" hangingPunct="1">
+              <a:defRPr sz="1800" kern="1200">
+                <a:solidFill>
+                  <a:schemeClr val="tx1"/>
+                </a:solidFill>
+                <a:latin typeface="+mn-lt"/>
+                <a:ea typeface="+mn-ea"/>
+                <a:cs typeface="+mn-cs"/>
+              </a:defRPr>
+            </a:lvl3pPr>
+            <a:lvl4pPr marL="1371600" algn="l" defTabSz="914400" rtl="0" eaLnBrk="1" latinLnBrk="0" hangingPunct="1">
+              <a:defRPr sz="1800" kern="1200">
+                <a:solidFill>
+                  <a:schemeClr val="tx1"/>
+                </a:solidFill>
+                <a:latin typeface="+mn-lt"/>
+                <a:ea typeface="+mn-ea"/>
+                <a:cs typeface="+mn-cs"/>
+              </a:defRPr>
+            </a:lvl4pPr>
+            <a:lvl5pPr marL="1828800" algn="l" defTabSz="914400" rtl="0" eaLnBrk="1" latinLnBrk="0" hangingPunct="1">
+              <a:defRPr sz="1800" kern="1200">
+                <a:solidFill>
+                  <a:schemeClr val="tx1"/>
+                </a:solidFill>
+                <a:latin typeface="+mn-lt"/>
+                <a:ea typeface="+mn-ea"/>
+                <a:cs typeface="+mn-cs"/>
+              </a:defRPr>
+            </a:lvl5pPr>
+            <a:lvl6pPr marL="2286000" algn="l" defTabSz="914400" rtl="0" eaLnBrk="1" latinLnBrk="0" hangingPunct="1">
+              <a:defRPr sz="1800" kern="1200">
+                <a:solidFill>
+                  <a:schemeClr val="tx1"/>
+                </a:solidFill>
+                <a:latin typeface="+mn-lt"/>
+                <a:ea typeface="+mn-ea"/>
+                <a:cs typeface="+mn-cs"/>
+              </a:defRPr>
+            </a:lvl6pPr>
+            <a:lvl7pPr marL="2743200" algn="l" defTabSz="914400" rtl="0" eaLnBrk="1" latinLnBrk="0" hangingPunct="1">
+              <a:defRPr sz="1800" kern="1200">
+                <a:solidFill>
+                  <a:schemeClr val="tx1"/>
+                </a:solidFill>
+                <a:latin typeface="+mn-lt"/>
+                <a:ea typeface="+mn-ea"/>
+                <a:cs typeface="+mn-cs"/>
+              </a:defRPr>
+            </a:lvl7pPr>
+            <a:lvl8pPr marL="3200400" algn="l" defTabSz="914400" rtl="0" eaLnBrk="1" latinLnBrk="0" hangingPunct="1">
+              <a:defRPr sz="1800" kern="1200">
+                <a:solidFill>
+                  <a:schemeClr val="tx1"/>
+                </a:solidFill>
+                <a:latin typeface="+mn-lt"/>
+                <a:ea typeface="+mn-ea"/>
+                <a:cs typeface="+mn-cs"/>
+              </a:defRPr>
+            </a:lvl8pPr>
+            <a:lvl9pPr marL="3657600" algn="l" defTabSz="914400" rtl="0" eaLnBrk="1" latinLnBrk="0" hangingPunct="1">
+              <a:defRPr sz="1800" kern="1200">
+                <a:solidFill>
+                  <a:schemeClr val="tx1"/>
+                </a:solidFill>
+                <a:latin typeface="+mn-lt"/>
+                <a:ea typeface="+mn-ea"/>
+                <a:cs typeface="+mn-cs"/>
+              </a:defRPr>
+            </a:lvl9pPr>
+          </a:lstStyle>
+          <a:p>
+            <a:r>
+              <a:rPr lang="en-US" sz="4400" b="1" dirty="0">
+                <a:solidFill>
+                  <a:schemeClr val="tx1">
+                    <a:lumMod val="75000"/>
+                    <a:lumOff val="25000"/>
+                  </a:schemeClr>
+                </a:solidFill>
+                <a:latin typeface="Avenir Next" panose="020B0503020202020204" pitchFamily="34" charset="0"/>
+                <a:ea typeface="Segoe UI Black"/>
+              </a:rPr>
+              <a:t>Key Findings</a:t>
+            </a:r>
+          </a:p>
+        </p:txBody>
+      </p:sp>
+      <p:sp>
+        <p:nvSpPr>
+          <p:cNvPr id="6" name="Rectangle: Rounded Corners 5">
+            <a:extLst>
+              <a:ext uri="{FF2B5EF4-FFF2-40B4-BE49-F238E27FC236}">
+                <a16:creationId xmlns:a16="http://schemas.microsoft.com/office/drawing/2014/main" id="{C9F87673-DD1C-2623-A2D5-3551181EBE1C}"/>
+              </a:ext>
+            </a:extLst>
+          </p:cNvPr>
+          <p:cNvSpPr/>
+          <p:nvPr/>
+        </p:nvSpPr>
+        <p:spPr>
+          <a:xfrm>
+            <a:off x="463714" y="4389062"/>
+            <a:ext cx="7414194" cy="1339615"/>
+          </a:xfrm>
+          <a:prstGeom prst="roundRect">
+            <a:avLst/>
+          </a:prstGeom>
+          <a:solidFill>
+            <a:schemeClr val="accent5">
+              <a:lumMod val="75000"/>
+            </a:schemeClr>
+          </a:solidFill>
+          <a:ln>
+            <a:noFill/>
+          </a:ln>
+        </p:spPr>
+        <p:style>
+          <a:lnRef idx="2">
+            <a:schemeClr val="accent1">
+              <a:shade val="15000"/>
+            </a:schemeClr>
+          </a:lnRef>
+          <a:fillRef idx="1">
+            <a:schemeClr val="accent1"/>
+          </a:fillRef>
+          <a:effectRef idx="0">
+            <a:schemeClr val="accent1"/>
+          </a:effectRef>
+          <a:fontRef idx="minor">
+            <a:schemeClr val="lt1"/>
+          </a:fontRef>
+        </p:style>
+        <p:txBody>
+          <a:bodyPr rtlCol="0" anchor="ctr"/>
+          <a:lstStyle/>
+          <a:p>
+            <a:pPr algn="ctr"/>
+            <a:r>
+              <a:rPr lang="en-US" dirty="0">
+                <a:latin typeface="Grandview"/>
+              </a:rPr>
+              <a:t>HIGH LEVEL MITIGATIONS</a:t>
+            </a:r>
+          </a:p>
+        </p:txBody>
+      </p:sp>
+      <p:sp>
+        <p:nvSpPr>
+          <p:cNvPr id="8" name="Rectangle: Rounded Corners 7">
+            <a:extLst>
+              <a:ext uri="{FF2B5EF4-FFF2-40B4-BE49-F238E27FC236}">
+                <a16:creationId xmlns:a16="http://schemas.microsoft.com/office/drawing/2014/main" id="{F339326E-6EF3-465B-A265-8187CAA96F81}"/>
+              </a:ext>
+            </a:extLst>
+          </p:cNvPr>
+          <p:cNvSpPr/>
+          <p:nvPr/>
+        </p:nvSpPr>
+        <p:spPr>
+          <a:xfrm>
+            <a:off x="463714" y="3413731"/>
+            <a:ext cx="7414193" cy="898769"/>
+          </a:xfrm>
+          <a:prstGeom prst="roundRect">
+            <a:avLst/>
+          </a:prstGeom>
+          <a:solidFill>
+            <a:schemeClr val="accent5">
+              <a:lumMod val="75000"/>
+            </a:schemeClr>
+          </a:solidFill>
+          <a:ln>
+            <a:noFill/>
+          </a:ln>
+        </p:spPr>
+        <p:style>
+          <a:lnRef idx="2">
+            <a:schemeClr val="accent1">
+              <a:shade val="15000"/>
+            </a:schemeClr>
+          </a:lnRef>
+          <a:fillRef idx="1">
+            <a:schemeClr val="accent1"/>
+          </a:fillRef>
+          <a:effectRef idx="0">
+            <a:schemeClr val="accent1"/>
+          </a:effectRef>
+          <a:fontRef idx="minor">
+            <a:schemeClr val="lt1"/>
+          </a:fontRef>
+        </p:style>
+        <p:txBody>
+          <a:bodyPr rtlCol="0" anchor="ctr"/>
+          <a:lstStyle/>
+          <a:p>
+            <a:pPr algn="ctr"/>
+            <a:r>
+              <a:rPr lang="en-US">
+                <a:latin typeface="Grandview"/>
+              </a:rPr>
+              <a:t>HOW IT IMPACTS THE COMPANY</a:t>
+            </a:r>
+          </a:p>
+        </p:txBody>
+      </p:sp>
+      <p:sp>
+        <p:nvSpPr>
+          <p:cNvPr id="11" name="Rectangle: Rounded Corners 10">
+            <a:extLst>
+              <a:ext uri="{FF2B5EF4-FFF2-40B4-BE49-F238E27FC236}">
+                <a16:creationId xmlns:a16="http://schemas.microsoft.com/office/drawing/2014/main" id="{BCC8C799-0729-D904-B77A-15D41C0B841C}"/>
+              </a:ext>
+            </a:extLst>
+          </p:cNvPr>
+          <p:cNvSpPr/>
+          <p:nvPr/>
+        </p:nvSpPr>
+        <p:spPr>
+          <a:xfrm>
+            <a:off x="463716" y="2438400"/>
+            <a:ext cx="7414192" cy="898769"/>
+          </a:xfrm>
+          <a:prstGeom prst="roundRect">
+            <a:avLst/>
+          </a:prstGeom>
+          <a:solidFill>
+            <a:schemeClr val="accent5">
+              <a:lumMod val="75000"/>
+            </a:schemeClr>
+          </a:solidFill>
+          <a:ln>
+            <a:noFill/>
+          </a:ln>
+        </p:spPr>
+        <p:style>
+          <a:lnRef idx="2">
+            <a:schemeClr val="accent1">
+              <a:shade val="15000"/>
+            </a:schemeClr>
+          </a:lnRef>
+          <a:fillRef idx="1">
+            <a:schemeClr val="accent1"/>
+          </a:fillRef>
+          <a:effectRef idx="0">
+            <a:schemeClr val="accent1"/>
+          </a:effectRef>
+          <a:fontRef idx="minor">
+            <a:schemeClr val="lt1"/>
+          </a:fontRef>
+        </p:style>
+        <p:txBody>
+          <a:bodyPr rtlCol="0" anchor="ctr"/>
+          <a:lstStyle/>
+          <a:p>
+            <a:pPr algn="ctr"/>
+            <a:r>
+              <a:rPr lang="en-US">
+                <a:latin typeface="Grandview"/>
+              </a:rPr>
+              <a:t>AFFECTED GENERAL AREAS</a:t>
+            </a:r>
+          </a:p>
+        </p:txBody>
+      </p:sp>
+      <p:grpSp>
+        <p:nvGrpSpPr>
+          <p:cNvPr id="16" name="Group 15">
+            <a:extLst>
+              <a:ext uri="{FF2B5EF4-FFF2-40B4-BE49-F238E27FC236}">
+                <a16:creationId xmlns:a16="http://schemas.microsoft.com/office/drawing/2014/main" id="{88D1DC6A-E77C-F1DE-94F7-FE81A9B1C807}"/>
+              </a:ext>
+            </a:extLst>
+          </p:cNvPr>
+          <p:cNvGrpSpPr/>
+          <p:nvPr/>
+        </p:nvGrpSpPr>
+        <p:grpSpPr>
+          <a:xfrm>
+            <a:off x="8112229" y="1463069"/>
+            <a:ext cx="3616055" cy="4265608"/>
+            <a:chOff x="8194947" y="992192"/>
+            <a:chExt cx="3616055" cy="4265608"/>
+          </a:xfrm>
+        </p:grpSpPr>
+        <p:sp>
+          <p:nvSpPr>
+            <p:cNvPr id="14" name="Rectangle: Rounded Corners 13">
+              <a:extLst>
+                <a:ext uri="{FF2B5EF4-FFF2-40B4-BE49-F238E27FC236}">
+                  <a16:creationId xmlns:a16="http://schemas.microsoft.com/office/drawing/2014/main" id="{A2EC1C94-5CEF-D9A5-E106-5D9B162E4251}"/>
+                </a:ext>
+              </a:extLst>
+            </p:cNvPr>
+            <p:cNvSpPr/>
+            <p:nvPr/>
+          </p:nvSpPr>
+          <p:spPr>
+            <a:xfrm>
+              <a:off x="8194947" y="992192"/>
+              <a:ext cx="3616055" cy="4265608"/>
+            </a:xfrm>
+            <a:prstGeom prst="roundRect">
+              <a:avLst/>
+            </a:prstGeom>
+            <a:solidFill>
+              <a:schemeClr val="accent5">
+                <a:lumMod val="75000"/>
+              </a:schemeClr>
+            </a:solidFill>
+            <a:ln>
+              <a:noFill/>
+            </a:ln>
+          </p:spPr>
+          <p:style>
+            <a:lnRef idx="2">
+              <a:schemeClr val="accent1">
+                <a:shade val="15000"/>
+              </a:schemeClr>
+            </a:lnRef>
+            <a:fillRef idx="1">
+              <a:schemeClr val="accent1"/>
+            </a:fillRef>
+            <a:effectRef idx="0">
+              <a:schemeClr val="accent1"/>
+            </a:effectRef>
+            <a:fontRef idx="minor">
+              <a:schemeClr val="lt1"/>
+            </a:fontRef>
+          </p:style>
+          <p:txBody>
+            <a:bodyPr rtlCol="0" anchor="ctr"/>
+            <a:lstStyle/>
+            <a:p>
+              <a:pPr algn="ctr"/>
+              <a:endParaRPr lang="en-US"/>
+            </a:p>
+          </p:txBody>
+        </p:sp>
+        <p:pic>
+          <p:nvPicPr>
+            <p:cNvPr id="15" name="Picture 14">
+              <a:extLst>
+                <a:ext uri="{FF2B5EF4-FFF2-40B4-BE49-F238E27FC236}">
+                  <a16:creationId xmlns:a16="http://schemas.microsoft.com/office/drawing/2014/main" id="{99BF68FC-7491-CFAB-4422-34117BA5382C}"/>
+                </a:ext>
+              </a:extLst>
+            </p:cNvPr>
+            <p:cNvPicPr>
+              <a:picLocks noChangeAspect="1"/>
+            </p:cNvPicPr>
+            <p:nvPr/>
+          </p:nvPicPr>
+          <p:blipFill>
+            <a:blip r:embed="rId3">
+              <a:extLst>
+                <a:ext uri="{28A0092B-C50C-407E-A947-70E740481C1C}">
+                  <a14:useLocalDpi xmlns:a14="http://schemas.microsoft.com/office/drawing/2010/main" val="0"/>
+                </a:ext>
+              </a:extLst>
+            </a:blip>
+            <a:srcRect/>
+            <a:stretch/>
+          </p:blipFill>
+          <p:spPr>
+            <a:xfrm>
+              <a:off x="8367887" y="1576214"/>
+              <a:ext cx="3270174" cy="2733279"/>
+            </a:xfrm>
+            <a:prstGeom prst="rect">
+              <a:avLst/>
+            </a:prstGeom>
+            <a:solidFill>
+              <a:schemeClr val="accent5">
+                <a:lumMod val="75000"/>
+              </a:schemeClr>
+            </a:solidFill>
+          </p:spPr>
+        </p:pic>
+      </p:grpSp>
+      <p:sp>
+        <p:nvSpPr>
+          <p:cNvPr id="18" name="Rectangle: Rounded Corners 17">
+            <a:extLst>
+              <a:ext uri="{FF2B5EF4-FFF2-40B4-BE49-F238E27FC236}">
+                <a16:creationId xmlns:a16="http://schemas.microsoft.com/office/drawing/2014/main" id="{19575027-35CE-D42C-6A41-7F5007C63556}"/>
+              </a:ext>
+            </a:extLst>
+          </p:cNvPr>
+          <p:cNvSpPr/>
+          <p:nvPr/>
+        </p:nvSpPr>
+        <p:spPr>
+          <a:xfrm>
+            <a:off x="463714" y="1463069"/>
+            <a:ext cx="7414192" cy="898769"/>
+          </a:xfrm>
+          <a:prstGeom prst="roundRect">
+            <a:avLst/>
+          </a:prstGeom>
+          <a:solidFill>
+            <a:schemeClr val="accent5">
+              <a:lumMod val="75000"/>
+            </a:schemeClr>
+          </a:solidFill>
+          <a:ln>
+            <a:noFill/>
+          </a:ln>
+        </p:spPr>
+        <p:style>
+          <a:lnRef idx="2">
+            <a:schemeClr val="accent1">
+              <a:shade val="15000"/>
+            </a:schemeClr>
+          </a:lnRef>
+          <a:fillRef idx="1">
+            <a:schemeClr val="accent1"/>
+          </a:fillRef>
+          <a:effectRef idx="0">
+            <a:schemeClr val="accent1"/>
+          </a:effectRef>
+          <a:fontRef idx="minor">
+            <a:schemeClr val="lt1"/>
+          </a:fontRef>
+        </p:style>
+        <p:txBody>
+          <a:bodyPr rtlCol="0" anchor="ctr"/>
+          <a:lstStyle/>
+          <a:p>
+            <a:pPr algn="ctr"/>
+            <a:r>
+              <a:rPr lang="en-US">
+                <a:latin typeface="Grandview"/>
+              </a:rPr>
+              <a:t>FINDING TITLE</a:t>
+            </a:r>
+          </a:p>
+        </p:txBody>
+      </p:sp>
+      <p:pic>
+        <p:nvPicPr>
+          <p:cNvPr id="7" name="Picture 4" descr="Cruise Line Icon Vector, Boat, Cruise, Travel PNG and Vector with  Transparent Background for Free Download">
+            <a:extLst>
+              <a:ext uri="{FF2B5EF4-FFF2-40B4-BE49-F238E27FC236}">
+                <a16:creationId xmlns:a16="http://schemas.microsoft.com/office/drawing/2014/main" id="{B0B260B6-32D0-EB98-27B8-7DA7098EF17A}"/>
+              </a:ext>
+            </a:extLst>
+          </p:cNvPr>
+          <p:cNvPicPr>
+            <a:picLocks noChangeAspect="1" noChangeArrowheads="1"/>
+          </p:cNvPicPr>
+          <p:nvPr/>
+        </p:nvPicPr>
+        <p:blipFill>
+          <a:blip r:embed="rId4">
+            <a:extLst>
+              <a:ext uri="{28A0092B-C50C-407E-A947-70E740481C1C}">
+                <a14:useLocalDpi xmlns:a14="http://schemas.microsoft.com/office/drawing/2010/main" val="0"/>
+              </a:ext>
+            </a:extLst>
+          </a:blip>
+          <a:srcRect/>
+          <a:stretch>
+            <a:fillRect/>
+          </a:stretch>
+        </p:blipFill>
+        <p:spPr bwMode="auto">
+          <a:xfrm>
+            <a:off x="210542" y="221370"/>
+            <a:ext cx="855536" cy="855536"/>
+          </a:xfrm>
+          <a:prstGeom prst="rect">
+            <a:avLst/>
+          </a:prstGeom>
+          <a:noFill/>
+          <a:extLst>
+            <a:ext uri="{909E8E84-426E-40DD-AFC4-6F175D3DCCD1}">
+              <a14:hiddenFill xmlns:a14="http://schemas.microsoft.com/office/drawing/2010/main">
+                <a:solidFill>
+                  <a:srgbClr val="FFFFFF"/>
+                </a:solidFill>
+              </a14:hiddenFill>
+            </a:ext>
+          </a:extLst>
+        </p:spPr>
+      </p:pic>
+    </p:spTree>
+    <p:extLst>
+      <p:ext uri="{BB962C8B-B14F-4D97-AF65-F5344CB8AC3E}">
+        <p14:creationId xmlns:p14="http://schemas.microsoft.com/office/powerpoint/2010/main" val="883150978"/>
+      </p:ext>
+    </p:extLst>
+  </p:cSld>
+  <p:clrMapOvr>
+    <a:masterClrMapping/>
+  </p:clrMapOvr>
+</p:sld>
+</file>
+
+<file path=ppt/slides/slide12.xml><?xml version="1.0" encoding="utf-8"?>
+<p:sld xmlns:a="http://schemas.openxmlformats.org/drawingml/2006/main" xmlns:r="http://schemas.openxmlformats.org/officeDocument/2006/relationships" xmlns:p="http://schemas.openxmlformats.org/presentationml/2006/main">
+  <p:cSld>
+    <p:bg>
+      <p:bgPr>
+        <a:solidFill>
+          <a:schemeClr val="bg1"/>
+        </a:solidFill>
+        <a:effectLst/>
+      </p:bgPr>
+    </p:bg>
+    <p:spTree>
+      <p:nvGrpSpPr>
+        <p:cNvPr id="1" name="">
+          <a:extLst>
+            <a:ext uri="{FF2B5EF4-FFF2-40B4-BE49-F238E27FC236}">
+              <a16:creationId xmlns:a16="http://schemas.microsoft.com/office/drawing/2014/main" id="{770DEF4F-F3ED-1BBA-E8A1-E5337BEA04C0}"/>
+            </a:ext>
+          </a:extLst>
+        </p:cNvPr>
+        <p:cNvGrpSpPr/>
+        <p:nvPr/>
+      </p:nvGrpSpPr>
+      <p:grpSpPr>
+        <a:xfrm>
+          <a:off x="0" y="0"/>
+          <a:ext cx="0" cy="0"/>
+          <a:chOff x="0" y="0"/>
+          <a:chExt cx="0" cy="0"/>
+        </a:xfrm>
+      </p:grpSpPr>
+      <p:sp>
+        <p:nvSpPr>
+          <p:cNvPr id="5" name="Rectangle 4">
+            <a:extLst>
+              <a:ext uri="{FF2B5EF4-FFF2-40B4-BE49-F238E27FC236}">
+                <a16:creationId xmlns:a16="http://schemas.microsoft.com/office/drawing/2014/main" id="{FBE4F474-3758-5A79-3A3A-21624443ADA5}"/>
+              </a:ext>
+            </a:extLst>
+          </p:cNvPr>
+          <p:cNvSpPr/>
+          <p:nvPr/>
+        </p:nvSpPr>
+        <p:spPr>
+          <a:xfrm>
+            <a:off x="0" y="6246000"/>
+            <a:ext cx="12198000" cy="612000"/>
+          </a:xfrm>
+          <a:prstGeom prst="rect">
+            <a:avLst/>
+          </a:prstGeom>
+          <a:solidFill>
+            <a:schemeClr val="accent5">
+              <a:lumMod val="75000"/>
+            </a:schemeClr>
+          </a:solidFill>
+          <a:ln>
+            <a:noFill/>
+          </a:ln>
+        </p:spPr>
+        <p:style>
+          <a:lnRef idx="2">
+            <a:schemeClr val="accent1">
+              <a:shade val="15000"/>
+            </a:schemeClr>
+          </a:lnRef>
+          <a:fillRef idx="1">
+            <a:schemeClr val="accent1"/>
+          </a:fillRef>
+          <a:effectRef idx="0">
+            <a:schemeClr val="accent1"/>
+          </a:effectRef>
+          <a:fontRef idx="minor">
+            <a:schemeClr val="lt1"/>
+          </a:fontRef>
+        </p:style>
+        <p:txBody>
+          <a:bodyPr lIns="91440" tIns="45720" rIns="91440" bIns="45720" rtlCol="0" anchor="ctr"/>
+          <a:lstStyle/>
+          <a:p>
+            <a:pPr algn="ctr"/>
+            <a:endParaRPr lang="en-US">
+              <a:solidFill>
+                <a:srgbClr val="1148ED"/>
+              </a:solidFill>
+              <a:cs typeface="Calibri"/>
+            </a:endParaRPr>
+          </a:p>
+        </p:txBody>
+      </p:sp>
+      <p:pic>
+        <p:nvPicPr>
+          <p:cNvPr id="2" name="Picture 1">
+            <a:extLst>
+              <a:ext uri="{FF2B5EF4-FFF2-40B4-BE49-F238E27FC236}">
+                <a16:creationId xmlns:a16="http://schemas.microsoft.com/office/drawing/2014/main" id="{4FEF0E71-F557-A29C-F195-B05B3924C8AD}"/>
+              </a:ext>
+            </a:extLst>
+          </p:cNvPr>
+          <p:cNvPicPr>
+            <a:picLocks noChangeAspect="1"/>
+          </p:cNvPicPr>
+          <p:nvPr/>
+        </p:nvPicPr>
+        <p:blipFill>
+          <a:blip r:embed="rId2" cstate="print">
+            <a:lum bright="70000" contrast="-70000"/>
+            <a:extLst>
+              <a:ext uri="{28A0092B-C50C-407E-A947-70E740481C1C}">
+                <a14:useLocalDpi xmlns:a14="http://schemas.microsoft.com/office/drawing/2010/main" val="0"/>
+              </a:ext>
+            </a:extLst>
+          </a:blip>
+          <a:srcRect/>
+          <a:stretch>
+            <a:fillRect/>
+          </a:stretch>
+        </p:blipFill>
+        <p:spPr bwMode="auto">
+          <a:xfrm>
+            <a:off x="5410200" y="6314721"/>
+            <a:ext cx="1371600" cy="466725"/>
+          </a:xfrm>
+          <a:prstGeom prst="rect">
+            <a:avLst/>
+          </a:prstGeom>
+          <a:noFill/>
+          <a:ln>
+            <a:noFill/>
+          </a:ln>
+        </p:spPr>
+      </p:pic>
+      <p:sp>
+        <p:nvSpPr>
+          <p:cNvPr id="9" name="Rectangle 8">
+            <a:extLst>
+              <a:ext uri="{FF2B5EF4-FFF2-40B4-BE49-F238E27FC236}">
+                <a16:creationId xmlns:a16="http://schemas.microsoft.com/office/drawing/2014/main" id="{46136282-6F06-B764-BC92-5DC4EC437C6D}"/>
+              </a:ext>
+            </a:extLst>
+          </p:cNvPr>
+          <p:cNvSpPr/>
+          <p:nvPr/>
+        </p:nvSpPr>
+        <p:spPr>
+          <a:xfrm>
+            <a:off x="-1" y="0"/>
+            <a:ext cx="12198000" cy="145143"/>
+          </a:xfrm>
+          <a:prstGeom prst="rect">
+            <a:avLst/>
+          </a:prstGeom>
+          <a:solidFill>
+            <a:schemeClr val="accent5">
+              <a:lumMod val="75000"/>
+            </a:schemeClr>
+          </a:solidFill>
+          <a:ln>
+            <a:noFill/>
+          </a:ln>
+        </p:spPr>
+        <p:style>
+          <a:lnRef idx="2">
+            <a:schemeClr val="accent1">
+              <a:shade val="15000"/>
+            </a:schemeClr>
+          </a:lnRef>
+          <a:fillRef idx="1">
+            <a:schemeClr val="accent1"/>
+          </a:fillRef>
+          <a:effectRef idx="0">
+            <a:schemeClr val="accent1"/>
+          </a:effectRef>
+          <a:fontRef idx="minor">
+            <a:schemeClr val="lt1"/>
+          </a:fontRef>
+        </p:style>
+        <p:txBody>
+          <a:bodyPr lIns="91440" tIns="45720" rIns="91440" bIns="45720" rtlCol="0" anchor="ctr"/>
+          <a:lstStyle/>
+          <a:p>
+            <a:pPr algn="ctr"/>
+            <a:endParaRPr lang="en-US">
+              <a:solidFill>
+                <a:srgbClr val="1148ED"/>
+              </a:solidFill>
+              <a:cs typeface="Calibri"/>
+            </a:endParaRPr>
+          </a:p>
+        </p:txBody>
+      </p:sp>
+      <p:sp>
+        <p:nvSpPr>
+          <p:cNvPr id="3" name="TextBox 1">
+            <a:extLst>
+              <a:ext uri="{FF2B5EF4-FFF2-40B4-BE49-F238E27FC236}">
+                <a16:creationId xmlns:a16="http://schemas.microsoft.com/office/drawing/2014/main" id="{4E6EE496-31A7-6C3F-2E38-F04E988144B8}"/>
+              </a:ext>
+            </a:extLst>
+          </p:cNvPr>
+          <p:cNvSpPr txBox="1"/>
+          <p:nvPr/>
+        </p:nvSpPr>
+        <p:spPr>
+          <a:xfrm>
+            <a:off x="1578282" y="407602"/>
+            <a:ext cx="10019930" cy="769441"/>
+          </a:xfrm>
+          <a:prstGeom prst="rect">
+            <a:avLst/>
+          </a:prstGeom>
+          <a:noFill/>
+        </p:spPr>
+        <p:txBody>
+          <a:bodyPr wrap="square" lIns="91440" tIns="45720" rIns="91440" bIns="45720" rtlCol="0" anchor="t">
+            <a:spAutoFit/>
+          </a:bodyPr>
+          <a:lstStyle>
+            <a:defPPr>
+              <a:defRPr lang="en-US"/>
+            </a:defPPr>
+            <a:lvl1pPr marL="0" algn="l" defTabSz="914400" rtl="0" eaLnBrk="1" latinLnBrk="0" hangingPunct="1">
+              <a:defRPr sz="1800" kern="1200">
+                <a:solidFill>
+                  <a:schemeClr val="tx1"/>
+                </a:solidFill>
+                <a:latin typeface="+mn-lt"/>
+                <a:ea typeface="+mn-ea"/>
+                <a:cs typeface="+mn-cs"/>
+              </a:defRPr>
+            </a:lvl1pPr>
+            <a:lvl2pPr marL="457200" algn="l" defTabSz="914400" rtl="0" eaLnBrk="1" latinLnBrk="0" hangingPunct="1">
+              <a:defRPr sz="1800" kern="1200">
+                <a:solidFill>
+                  <a:schemeClr val="tx1"/>
+                </a:solidFill>
+                <a:latin typeface="+mn-lt"/>
+                <a:ea typeface="+mn-ea"/>
+                <a:cs typeface="+mn-cs"/>
+              </a:defRPr>
+            </a:lvl2pPr>
+            <a:lvl3pPr marL="914400" algn="l" defTabSz="914400" rtl="0" eaLnBrk="1" latinLnBrk="0" hangingPunct="1">
+              <a:defRPr sz="1800" kern="1200">
+                <a:solidFill>
+                  <a:schemeClr val="tx1"/>
+                </a:solidFill>
+                <a:latin typeface="+mn-lt"/>
+                <a:ea typeface="+mn-ea"/>
+                <a:cs typeface="+mn-cs"/>
+              </a:defRPr>
+            </a:lvl3pPr>
+            <a:lvl4pPr marL="1371600" algn="l" defTabSz="914400" rtl="0" eaLnBrk="1" latinLnBrk="0" hangingPunct="1">
+              <a:defRPr sz="1800" kern="1200">
+                <a:solidFill>
+                  <a:schemeClr val="tx1"/>
+                </a:solidFill>
+                <a:latin typeface="+mn-lt"/>
+                <a:ea typeface="+mn-ea"/>
+                <a:cs typeface="+mn-cs"/>
+              </a:defRPr>
+            </a:lvl4pPr>
+            <a:lvl5pPr marL="1828800" algn="l" defTabSz="914400" rtl="0" eaLnBrk="1" latinLnBrk="0" hangingPunct="1">
+              <a:defRPr sz="1800" kern="1200">
+                <a:solidFill>
+                  <a:schemeClr val="tx1"/>
+                </a:solidFill>
+                <a:latin typeface="+mn-lt"/>
+                <a:ea typeface="+mn-ea"/>
+                <a:cs typeface="+mn-cs"/>
+              </a:defRPr>
+            </a:lvl5pPr>
+            <a:lvl6pPr marL="2286000" algn="l" defTabSz="914400" rtl="0" eaLnBrk="1" latinLnBrk="0" hangingPunct="1">
+              <a:defRPr sz="1800" kern="1200">
+                <a:solidFill>
+                  <a:schemeClr val="tx1"/>
+                </a:solidFill>
+                <a:latin typeface="+mn-lt"/>
+                <a:ea typeface="+mn-ea"/>
+                <a:cs typeface="+mn-cs"/>
+              </a:defRPr>
+            </a:lvl6pPr>
+            <a:lvl7pPr marL="2743200" algn="l" defTabSz="914400" rtl="0" eaLnBrk="1" latinLnBrk="0" hangingPunct="1">
+              <a:defRPr sz="1800" kern="1200">
+                <a:solidFill>
+                  <a:schemeClr val="tx1"/>
+                </a:solidFill>
+                <a:latin typeface="+mn-lt"/>
+                <a:ea typeface="+mn-ea"/>
+                <a:cs typeface="+mn-cs"/>
+              </a:defRPr>
+            </a:lvl7pPr>
+            <a:lvl8pPr marL="3200400" algn="l" defTabSz="914400" rtl="0" eaLnBrk="1" latinLnBrk="0" hangingPunct="1">
+              <a:defRPr sz="1800" kern="1200">
+                <a:solidFill>
+                  <a:schemeClr val="tx1"/>
+                </a:solidFill>
+                <a:latin typeface="+mn-lt"/>
+                <a:ea typeface="+mn-ea"/>
+                <a:cs typeface="+mn-cs"/>
+              </a:defRPr>
+            </a:lvl8pPr>
+            <a:lvl9pPr marL="3657600" algn="l" defTabSz="914400" rtl="0" eaLnBrk="1" latinLnBrk="0" hangingPunct="1">
+              <a:defRPr sz="1800" kern="1200">
+                <a:solidFill>
+                  <a:schemeClr val="tx1"/>
+                </a:solidFill>
+                <a:latin typeface="+mn-lt"/>
+                <a:ea typeface="+mn-ea"/>
+                <a:cs typeface="+mn-cs"/>
+              </a:defRPr>
+            </a:lvl9pPr>
+          </a:lstStyle>
+          <a:p>
+            <a:r>
+              <a:rPr lang="en-US" sz="4400" b="1" dirty="0">
+                <a:solidFill>
+                  <a:schemeClr val="tx1">
+                    <a:lumMod val="75000"/>
+                    <a:lumOff val="25000"/>
+                  </a:schemeClr>
+                </a:solidFill>
+                <a:latin typeface="Avenir Next" panose="020B0503020202020204" pitchFamily="34" charset="0"/>
+                <a:ea typeface="Segoe UI Black"/>
+              </a:rPr>
+              <a:t>PCI DSS Compliance</a:t>
+            </a:r>
+            <a:endParaRPr lang="en-US" sz="4400" dirty="0">
+              <a:solidFill>
+                <a:schemeClr val="tx1">
+                  <a:lumMod val="75000"/>
+                  <a:lumOff val="25000"/>
+                </a:schemeClr>
+              </a:solidFill>
+              <a:latin typeface="Avenir Next" panose="020B0503020202020204" pitchFamily="34" charset="0"/>
+              <a:ea typeface="Segoe UI Black"/>
+            </a:endParaRPr>
+          </a:p>
+        </p:txBody>
+      </p:sp>
+      <p:pic>
+        <p:nvPicPr>
+          <p:cNvPr id="6" name="Picture 5" descr="PCI Security Standards Council - YouTube">
+            <a:extLst>
+              <a:ext uri="{FF2B5EF4-FFF2-40B4-BE49-F238E27FC236}">
+                <a16:creationId xmlns:a16="http://schemas.microsoft.com/office/drawing/2014/main" id="{0188D994-9A35-B292-CAAE-F49D788FCA7F}"/>
+              </a:ext>
+            </a:extLst>
+          </p:cNvPr>
+          <p:cNvPicPr>
+            <a:picLocks noChangeAspect="1"/>
+          </p:cNvPicPr>
+          <p:nvPr/>
+        </p:nvPicPr>
+        <p:blipFill rotWithShape="1">
+          <a:blip r:embed="rId3"/>
+          <a:srcRect t="16268" r="335" b="15789"/>
+          <a:stretch/>
+        </p:blipFill>
+        <p:spPr>
+          <a:xfrm>
+            <a:off x="9454376" y="248383"/>
+            <a:ext cx="2734027" cy="1863815"/>
+          </a:xfrm>
+          <a:prstGeom prst="rect">
+            <a:avLst/>
+          </a:prstGeom>
+        </p:spPr>
+      </p:pic>
+      <p:graphicFrame>
+        <p:nvGraphicFramePr>
+          <p:cNvPr id="11" name="Chart 10">
+            <a:extLst>
+              <a:ext uri="{FF2B5EF4-FFF2-40B4-BE49-F238E27FC236}">
+                <a16:creationId xmlns:a16="http://schemas.microsoft.com/office/drawing/2014/main" id="{D37986F3-9227-5EB9-71F4-26E257D06AA0}"/>
+              </a:ext>
+            </a:extLst>
+          </p:cNvPr>
+          <p:cNvGraphicFramePr/>
+          <p:nvPr>
+            <p:extLst>
+              <p:ext uri="{D42A27DB-BD31-4B8C-83A1-F6EECF244321}">
+                <p14:modId xmlns:p14="http://schemas.microsoft.com/office/powerpoint/2010/main" val="2790378515"/>
+              </p:ext>
+            </p:extLst>
+          </p:nvPr>
+        </p:nvGraphicFramePr>
+        <p:xfrm>
+          <a:off x="310725" y="1449663"/>
+          <a:ext cx="4064000" cy="4523717"/>
+        </p:xfrm>
+        <a:graphic>
+          <a:graphicData uri="http://schemas.openxmlformats.org/drawingml/2006/chart">
+            <c:chart xmlns:c="http://schemas.openxmlformats.org/drawingml/2006/chart" xmlns:r="http://schemas.openxmlformats.org/officeDocument/2006/relationships" r:id="rId4"/>
+          </a:graphicData>
+        </a:graphic>
+      </p:graphicFrame>
+      <p:sp>
+        <p:nvSpPr>
+          <p:cNvPr id="14" name="Content Placeholder 10">
+            <a:extLst>
+              <a:ext uri="{FF2B5EF4-FFF2-40B4-BE49-F238E27FC236}">
+                <a16:creationId xmlns:a16="http://schemas.microsoft.com/office/drawing/2014/main" id="{8FACA365-8507-DC52-FB59-B6883D95C282}"/>
+              </a:ext>
+            </a:extLst>
+          </p:cNvPr>
+          <p:cNvSpPr txBox="1">
+            <a:spLocks/>
+          </p:cNvSpPr>
+          <p:nvPr/>
+        </p:nvSpPr>
+        <p:spPr>
+          <a:xfrm>
+            <a:off x="4374725" y="2110878"/>
+            <a:ext cx="7427352" cy="3750172"/>
+          </a:xfrm>
+          <a:prstGeom prst="rect">
+            <a:avLst/>
+          </a:prstGeom>
+        </p:spPr>
+        <p:txBody>
+          <a:bodyPr vert="horz" lIns="91440" tIns="45720" rIns="91440" bIns="45720" rtlCol="0" anchor="t">
+            <a:normAutofit/>
+          </a:bodyPr>
+          <a:lstStyle>
+            <a:lvl1pPr marL="0" indent="0" algn="ctr" defTabSz="914400" rtl="0" eaLnBrk="1" latinLnBrk="0" hangingPunct="1">
+              <a:lnSpc>
+                <a:spcPct val="90000"/>
+              </a:lnSpc>
+              <a:spcBef>
+                <a:spcPts val="1000"/>
+              </a:spcBef>
+              <a:buFont typeface="Arial" panose="020B0604020202020204" pitchFamily="34" charset="0"/>
+              <a:buNone/>
+              <a:defRPr sz="2400" kern="1200">
+                <a:solidFill>
+                  <a:schemeClr val="tx1"/>
+                </a:solidFill>
+                <a:latin typeface="+mn-lt"/>
+                <a:ea typeface="+mn-ea"/>
+                <a:cs typeface="+mn-cs"/>
+              </a:defRPr>
+            </a:lvl1pPr>
+            <a:lvl2pPr marL="457200" indent="0" algn="ctr" defTabSz="914400" rtl="0" eaLnBrk="1" latinLnBrk="0" hangingPunct="1">
+              <a:lnSpc>
+                <a:spcPct val="90000"/>
+              </a:lnSpc>
+              <a:spcBef>
+                <a:spcPts val="500"/>
+              </a:spcBef>
+              <a:buFont typeface="Arial" panose="020B0604020202020204" pitchFamily="34" charset="0"/>
+              <a:buNone/>
+              <a:defRPr sz="2000" kern="1200">
+                <a:solidFill>
+                  <a:schemeClr val="tx1"/>
+                </a:solidFill>
+                <a:latin typeface="+mn-lt"/>
+                <a:ea typeface="+mn-ea"/>
+                <a:cs typeface="+mn-cs"/>
+              </a:defRPr>
+            </a:lvl2pPr>
+            <a:lvl3pPr marL="914400" indent="0" algn="ctr" defTabSz="914400" rtl="0" eaLnBrk="1" latinLnBrk="0" hangingPunct="1">
+              <a:lnSpc>
+                <a:spcPct val="90000"/>
+              </a:lnSpc>
+              <a:spcBef>
+                <a:spcPts val="500"/>
+              </a:spcBef>
+              <a:buFont typeface="Arial" panose="020B0604020202020204" pitchFamily="34" charset="0"/>
+              <a:buNone/>
+              <a:defRPr sz="1800" kern="1200">
+                <a:solidFill>
+                  <a:schemeClr val="tx1"/>
+                </a:solidFill>
+                <a:latin typeface="+mn-lt"/>
+                <a:ea typeface="+mn-ea"/>
+                <a:cs typeface="+mn-cs"/>
+              </a:defRPr>
+            </a:lvl3pPr>
+            <a:lvl4pPr marL="1371600" indent="0" algn="ctr" defTabSz="914400" rtl="0" eaLnBrk="1" latinLnBrk="0" hangingPunct="1">
+              <a:lnSpc>
+                <a:spcPct val="90000"/>
+              </a:lnSpc>
+              <a:spcBef>
+                <a:spcPts val="500"/>
+              </a:spcBef>
+              <a:buFont typeface="Arial" panose="020B0604020202020204" pitchFamily="34" charset="0"/>
+              <a:buNone/>
+              <a:defRPr sz="1600" kern="1200">
+                <a:solidFill>
+                  <a:schemeClr val="tx1"/>
+                </a:solidFill>
+                <a:latin typeface="+mn-lt"/>
+                <a:ea typeface="+mn-ea"/>
+                <a:cs typeface="+mn-cs"/>
+              </a:defRPr>
+            </a:lvl4pPr>
+            <a:lvl5pPr marL="1828800" indent="0" algn="ctr" defTabSz="914400" rtl="0" eaLnBrk="1" latinLnBrk="0" hangingPunct="1">
+              <a:lnSpc>
+                <a:spcPct val="90000"/>
+              </a:lnSpc>
+              <a:spcBef>
+                <a:spcPts val="500"/>
+              </a:spcBef>
+              <a:buFont typeface="Arial" panose="020B0604020202020204" pitchFamily="34" charset="0"/>
+              <a:buNone/>
+              <a:defRPr sz="1600" kern="1200">
+                <a:solidFill>
+                  <a:schemeClr val="tx1"/>
+                </a:solidFill>
+                <a:latin typeface="+mn-lt"/>
+                <a:ea typeface="+mn-ea"/>
+                <a:cs typeface="+mn-cs"/>
+              </a:defRPr>
+            </a:lvl5pPr>
+            <a:lvl6pPr marL="2286000" indent="0" algn="ctr" defTabSz="914400" rtl="0" eaLnBrk="1" latinLnBrk="0" hangingPunct="1">
+              <a:lnSpc>
+                <a:spcPct val="90000"/>
+              </a:lnSpc>
+              <a:spcBef>
+                <a:spcPts val="500"/>
+              </a:spcBef>
+              <a:buFont typeface="Arial" panose="020B0604020202020204" pitchFamily="34" charset="0"/>
+              <a:buNone/>
+              <a:defRPr sz="1600" kern="1200">
+                <a:solidFill>
+                  <a:schemeClr val="tx1"/>
+                </a:solidFill>
+                <a:latin typeface="+mn-lt"/>
+                <a:ea typeface="+mn-ea"/>
+                <a:cs typeface="+mn-cs"/>
+              </a:defRPr>
+            </a:lvl6pPr>
+            <a:lvl7pPr marL="2743200" indent="0" algn="ctr" defTabSz="914400" rtl="0" eaLnBrk="1" latinLnBrk="0" hangingPunct="1">
+              <a:lnSpc>
+                <a:spcPct val="90000"/>
+              </a:lnSpc>
+              <a:spcBef>
+                <a:spcPts val="500"/>
+              </a:spcBef>
+              <a:buFont typeface="Arial" panose="020B0604020202020204" pitchFamily="34" charset="0"/>
+              <a:buNone/>
+              <a:defRPr sz="1600" kern="1200">
+                <a:solidFill>
+                  <a:schemeClr val="tx1"/>
+                </a:solidFill>
+                <a:latin typeface="+mn-lt"/>
+                <a:ea typeface="+mn-ea"/>
+                <a:cs typeface="+mn-cs"/>
+              </a:defRPr>
+            </a:lvl7pPr>
+            <a:lvl8pPr marL="3200400" indent="0" algn="ctr" defTabSz="914400" rtl="0" eaLnBrk="1" latinLnBrk="0" hangingPunct="1">
+              <a:lnSpc>
+                <a:spcPct val="90000"/>
+              </a:lnSpc>
+              <a:spcBef>
+                <a:spcPts val="500"/>
+              </a:spcBef>
+              <a:buFont typeface="Arial" panose="020B0604020202020204" pitchFamily="34" charset="0"/>
+              <a:buNone/>
+              <a:defRPr sz="1600" kern="1200">
+                <a:solidFill>
+                  <a:schemeClr val="tx1"/>
+                </a:solidFill>
+                <a:latin typeface="+mn-lt"/>
+                <a:ea typeface="+mn-ea"/>
+                <a:cs typeface="+mn-cs"/>
+              </a:defRPr>
+            </a:lvl8pPr>
+            <a:lvl9pPr marL="3657600" indent="0" algn="ctr" defTabSz="914400" rtl="0" eaLnBrk="1" latinLnBrk="0" hangingPunct="1">
+              <a:lnSpc>
+                <a:spcPct val="90000"/>
+              </a:lnSpc>
+              <a:spcBef>
+                <a:spcPts val="500"/>
+              </a:spcBef>
+              <a:buFont typeface="Arial" panose="020B0604020202020204" pitchFamily="34" charset="0"/>
+              <a:buNone/>
+              <a:defRPr sz="1600" kern="1200">
+                <a:solidFill>
+                  <a:schemeClr val="tx1"/>
+                </a:solidFill>
+                <a:latin typeface="+mn-lt"/>
+                <a:ea typeface="+mn-ea"/>
+                <a:cs typeface="+mn-cs"/>
+              </a:defRPr>
+            </a:lvl9pPr>
+          </a:lstStyle>
+          <a:p>
+            <a:pPr marL="285750" indent="-285750" algn="l">
+              <a:buFont typeface="Arial"/>
+              <a:buChar char="•"/>
+            </a:pPr>
+            <a:r>
+              <a:rPr lang="en-US" sz="3200" dirty="0">
+                <a:latin typeface="Grandview Display"/>
+                <a:ea typeface="+mn-lt"/>
+                <a:cs typeface="+mn-lt"/>
+              </a:rPr>
+              <a:t>Payment Card Industry </a:t>
+            </a:r>
+            <a:br>
+              <a:rPr lang="en-US" sz="3200" dirty="0">
+                <a:latin typeface="Grandview Display"/>
+                <a:ea typeface="+mn-lt"/>
+                <a:cs typeface="+mn-lt"/>
+              </a:rPr>
+            </a:br>
+            <a:r>
+              <a:rPr lang="en-US" sz="3200" dirty="0">
+                <a:latin typeface="Grandview Display"/>
+                <a:ea typeface="+mn-lt"/>
+                <a:cs typeface="+mn-lt"/>
+              </a:rPr>
+              <a:t>Data Security Standard</a:t>
+            </a:r>
+          </a:p>
+          <a:p>
+            <a:pPr marL="285750" indent="-285750" algn="l">
+              <a:buFont typeface="Arial"/>
+              <a:buChar char="•"/>
+            </a:pPr>
+            <a:r>
+              <a:rPr lang="en-US" sz="3200" dirty="0">
+                <a:latin typeface="Grandview Display"/>
+                <a:ea typeface="Calibri"/>
+                <a:cs typeface="Calibri"/>
+              </a:rPr>
+              <a:t>XX Related findings in total</a:t>
+            </a:r>
+          </a:p>
+          <a:p>
+            <a:pPr marL="285750" indent="-285750" algn="l">
+              <a:buFont typeface="Arial"/>
+              <a:buChar char="•"/>
+            </a:pPr>
+            <a:r>
+              <a:rPr lang="en-US" sz="3200" dirty="0">
+                <a:latin typeface="Grandview Display"/>
+                <a:ea typeface="Calibri"/>
+                <a:cs typeface="Calibri"/>
+              </a:rPr>
+              <a:t>Estimated Cost of Monthly Fines</a:t>
+            </a:r>
+          </a:p>
+          <a:p>
+            <a:pPr marL="742950" lvl="1" indent="-285750" algn="l">
+              <a:buFont typeface="Arial"/>
+              <a:buChar char="•"/>
+            </a:pPr>
+            <a:r>
+              <a:rPr lang="en-US" sz="2800" dirty="0">
+                <a:latin typeface="Grandview Display"/>
+                <a:ea typeface="Calibri"/>
+                <a:cs typeface="Calibri"/>
+              </a:rPr>
+              <a:t>$XX,XXX/month</a:t>
+            </a:r>
+            <a:endParaRPr lang="en-US" sz="2800" dirty="0">
+              <a:latin typeface="Grandview Display"/>
+            </a:endParaRPr>
+          </a:p>
+        </p:txBody>
+      </p:sp>
+      <p:pic>
+        <p:nvPicPr>
+          <p:cNvPr id="7" name="Picture 4" descr="Cruise Line Icon Vector, Boat, Cruise, Travel PNG and Vector with  Transparent Background for Free Download">
+            <a:extLst>
+              <a:ext uri="{FF2B5EF4-FFF2-40B4-BE49-F238E27FC236}">
+                <a16:creationId xmlns:a16="http://schemas.microsoft.com/office/drawing/2014/main" id="{B9A72683-74C9-D171-1049-8DE9F105CA87}"/>
+              </a:ext>
+            </a:extLst>
+          </p:cNvPr>
+          <p:cNvPicPr>
+            <a:picLocks noChangeAspect="1" noChangeArrowheads="1"/>
+          </p:cNvPicPr>
+          <p:nvPr/>
+        </p:nvPicPr>
+        <p:blipFill>
+          <a:blip r:embed="rId5">
+            <a:extLst>
+              <a:ext uri="{28A0092B-C50C-407E-A947-70E740481C1C}">
+                <a14:useLocalDpi xmlns:a14="http://schemas.microsoft.com/office/drawing/2010/main" val="0"/>
+              </a:ext>
+            </a:extLst>
+          </a:blip>
+          <a:srcRect/>
+          <a:stretch>
+            <a:fillRect/>
+          </a:stretch>
+        </p:blipFill>
+        <p:spPr bwMode="auto">
+          <a:xfrm>
+            <a:off x="210542" y="221370"/>
+            <a:ext cx="855536" cy="855536"/>
+          </a:xfrm>
+          <a:prstGeom prst="rect">
+            <a:avLst/>
+          </a:prstGeom>
+          <a:noFill/>
+          <a:extLst>
+            <a:ext uri="{909E8E84-426E-40DD-AFC4-6F175D3DCCD1}">
+              <a14:hiddenFill xmlns:a14="http://schemas.microsoft.com/office/drawing/2010/main">
+                <a:solidFill>
+                  <a:srgbClr val="FFFFFF"/>
+                </a:solidFill>
+              </a14:hiddenFill>
+            </a:ext>
+          </a:extLst>
+        </p:spPr>
+      </p:pic>
+    </p:spTree>
+    <p:extLst>
+      <p:ext uri="{BB962C8B-B14F-4D97-AF65-F5344CB8AC3E}">
+        <p14:creationId xmlns:p14="http://schemas.microsoft.com/office/powerpoint/2010/main" val="1678246074"/>
+      </p:ext>
+    </p:extLst>
+  </p:cSld>
+  <p:clrMapOvr>
+    <a:masterClrMapping/>
+  </p:clrMapOvr>
+</p:sld>
+</file>
+
+<file path=ppt/slides/slide13.xml><?xml version="1.0" encoding="utf-8"?>
 <p:sld xmlns:a="http://schemas.openxmlformats.org/drawingml/2006/main" xmlns:r="http://schemas.openxmlformats.org/officeDocument/2006/relationships" xmlns:p="http://schemas.openxmlformats.org/presentationml/2006/main">
   <p:cSld>
     <p:bg>
@@ -13055,7 +15571,7 @@
                     <a:lumOff val="25000"/>
                   </a:schemeClr>
                 </a:solidFill>
-                <a:latin typeface="Segoe UI Black"/>
+                <a:latin typeface="Avenir Next" panose="020B0503020202020204" pitchFamily="34" charset="0"/>
                 <a:ea typeface="Segoe UI Black"/>
               </a:rPr>
               <a:t>IMO Maritime Law Compliance</a:t>
@@ -13067,7 +15583,7 @@
                   <a:lumOff val="25000"/>
                 </a:schemeClr>
               </a:solidFill>
-              <a:latin typeface="Segoe UI Black"/>
+              <a:latin typeface="Avenir Next" panose="020B0503020202020204" pitchFamily="34" charset="0"/>
               <a:ea typeface="Segoe UI Black"/>
             </a:endParaRPr>
           </a:p>
@@ -13364,10 +15880,10 @@
       </p:sp>
       <p:pic>
         <p:nvPicPr>
-          <p:cNvPr id="4" name="Picture 4" descr="Cruise Line Icon Vector, Boat, Cruise, Travel PNG and Vector with  Transparent Background for Free Download">
+          <p:cNvPr id="6" name="Picture 4" descr="Cruise Line Icon Vector, Boat, Cruise, Travel PNG and Vector with  Transparent Background for Free Download">
             <a:extLst>
               <a:ext uri="{FF2B5EF4-FFF2-40B4-BE49-F238E27FC236}">
-                <a16:creationId xmlns:a16="http://schemas.microsoft.com/office/drawing/2014/main" id="{1F24896B-E561-76CB-1126-5C2D2733D27C}"/>
+                <a16:creationId xmlns:a16="http://schemas.microsoft.com/office/drawing/2014/main" id="{4A01D26E-5E60-FFC0-4BB6-BE52E0313874}"/>
               </a:ext>
             </a:extLst>
           </p:cNvPr>
@@ -13391,8 +15907,8 @@
         </p:blipFill>
         <p:spPr bwMode="auto">
           <a:xfrm>
-            <a:off x="0" y="22467"/>
-            <a:ext cx="1315686" cy="1315686"/>
+            <a:off x="210542" y="221370"/>
+            <a:ext cx="855536" cy="855536"/>
           </a:xfrm>
           <a:prstGeom prst="rect">
             <a:avLst/>
@@ -13422,7 +15938,7 @@
 </p:sld>
 </file>
 
-<file path=ppt/slides/slide11.xml><?xml version="1.0" encoding="utf-8"?>
+<file path=ppt/slides/slide14.xml><?xml version="1.0" encoding="utf-8"?>
 <p:sld xmlns:a="http://schemas.openxmlformats.org/drawingml/2006/main" xmlns:r="http://schemas.openxmlformats.org/officeDocument/2006/relationships" xmlns:p="http://schemas.openxmlformats.org/presentationml/2006/main">
   <p:cSld>
     <p:bg>
@@ -13736,19 +16252,21 @@
           </a:lstStyle>
           <a:p>
             <a:r>
-              <a:rPr lang="en-US" sz="4400" b="1">
+              <a:rPr lang="en-US" sz="4400" b="1" dirty="0">
                 <a:solidFill>
                   <a:schemeClr val="tx1">
                     <a:lumMod val="75000"/>
                     <a:lumOff val="25000"/>
                   </a:schemeClr>
                 </a:solidFill>
-                <a:latin typeface="Segoe UI Black"/>
+                <a:latin typeface="Avenir Next" panose="020B0503020202020204" pitchFamily="34" charset="0"/>
                 <a:ea typeface="Segoe UI Black"/>
               </a:rPr>
               <a:t>Conclusion</a:t>
             </a:r>
-            <a:endParaRPr lang="en-US"/>
+            <a:endParaRPr lang="en-US" dirty="0">
+              <a:latin typeface="Avenir Next" panose="020B0503020202020204" pitchFamily="34" charset="0"/>
+            </a:endParaRPr>
           </a:p>
         </p:txBody>
       </p:sp>
@@ -14591,10 +17109,10 @@
       </p:grpSp>
       <p:pic>
         <p:nvPicPr>
-          <p:cNvPr id="4" name="Picture 4" descr="Cruise Line Icon Vector, Boat, Cruise, Travel PNG and Vector with  Transparent Background for Free Download">
+          <p:cNvPr id="6" name="Picture 4" descr="Cruise Line Icon Vector, Boat, Cruise, Travel PNG and Vector with  Transparent Background for Free Download">
             <a:extLst>
               <a:ext uri="{FF2B5EF4-FFF2-40B4-BE49-F238E27FC236}">
-                <a16:creationId xmlns:a16="http://schemas.microsoft.com/office/drawing/2014/main" id="{3B30A0FD-979E-64E0-FB3B-050946820E0A}"/>
+                <a16:creationId xmlns:a16="http://schemas.microsoft.com/office/drawing/2014/main" id="{61207F3E-A362-1BE8-E62C-E433C3B5B512}"/>
               </a:ext>
             </a:extLst>
           </p:cNvPr>
@@ -14618,8 +17136,8 @@
         </p:blipFill>
         <p:spPr bwMode="auto">
           <a:xfrm>
-            <a:off x="0" y="-2585"/>
-            <a:ext cx="1315686" cy="1315686"/>
+            <a:off x="210542" y="221370"/>
+            <a:ext cx="855536" cy="855536"/>
           </a:xfrm>
           <a:prstGeom prst="rect">
             <a:avLst/>
@@ -14649,7 +17167,7 @@
 </p:sld>
 </file>
 
-<file path=ppt/slides/slide12.xml><?xml version="1.0" encoding="utf-8"?>
+<file path=ppt/slides/slide15.xml><?xml version="1.0" encoding="utf-8"?>
 <p:sld xmlns:a="http://schemas.openxmlformats.org/drawingml/2006/main" xmlns:r="http://schemas.openxmlformats.org/officeDocument/2006/relationships" xmlns:p="http://schemas.openxmlformats.org/presentationml/2006/main">
   <p:cSld>
     <p:spTree>
@@ -14869,11 +17387,11 @@
           <a:p>
             <a:pPr algn="ctr"/>
             <a:r>
-              <a:rPr lang="en-US" sz="4400" dirty="0">
+              <a:rPr lang="en-US" sz="4400" i="1" dirty="0">
                 <a:solidFill>
                   <a:srgbClr val="FFFFFF"/>
                 </a:solidFill>
-                <a:latin typeface="Segoe UI Black"/>
+                <a:latin typeface="Avenir Next" panose="020B0503020202020204" pitchFamily="34" charset="0"/>
                 <a:ea typeface="Segoe UI Black"/>
               </a:rPr>
               <a:t>Any Questions?</a:t>
@@ -14915,7 +17433,7 @@
                 <a:solidFill>
                   <a:srgbClr val="FFFFFF"/>
                 </a:solidFill>
-                <a:latin typeface="Segoe UI Black"/>
+                <a:latin typeface="Avenir Next" panose="020B0503020202020204" pitchFamily="34" charset="0"/>
                 <a:ea typeface="Segoe UI Black"/>
               </a:rPr>
               <a:t>Thank You!</a:t>
@@ -16715,14 +19233,14 @@
           </a:lstStyle>
           <a:p>
             <a:r>
-              <a:rPr lang="en-US" sz="4400" b="1">
+              <a:rPr lang="en-US" sz="4400" b="1" dirty="0">
                 <a:solidFill>
                   <a:schemeClr val="tx1">
                     <a:lumMod val="75000"/>
                     <a:lumOff val="25000"/>
                   </a:schemeClr>
                 </a:solidFill>
-                <a:latin typeface="Segoe UI Black"/>
+                <a:latin typeface="Avenir Next" panose="020B0503020202020204" pitchFamily="34" charset="0"/>
                 <a:ea typeface="Segoe UI Black"/>
               </a:rPr>
               <a:t>Team Introduction</a:t>
@@ -16759,8 +19277,8 @@
         </p:blipFill>
         <p:spPr bwMode="auto">
           <a:xfrm>
-            <a:off x="0" y="-2585"/>
-            <a:ext cx="1315686" cy="1315686"/>
+            <a:off x="210542" y="221370"/>
+            <a:ext cx="855536" cy="855536"/>
           </a:xfrm>
           <a:prstGeom prst="rect">
             <a:avLst/>
@@ -17104,14 +19622,14 @@
           </a:lstStyle>
           <a:p>
             <a:r>
-              <a:rPr lang="en-US" sz="4400" b="1">
+              <a:rPr lang="en-US" sz="4400" b="1" dirty="0">
                 <a:solidFill>
                   <a:schemeClr val="tx1">
                     <a:lumMod val="75000"/>
                     <a:lumOff val="25000"/>
                   </a:schemeClr>
                 </a:solidFill>
-                <a:latin typeface="Segoe UI Black"/>
+                <a:latin typeface="Avenir Next" panose="020B0503020202020204" pitchFamily="34" charset="0"/>
                 <a:ea typeface="Segoe UI Black"/>
                 <a:cs typeface="+mn-lt"/>
               </a:rPr>
@@ -17591,10 +20109,10 @@
       </p:sp>
       <p:pic>
         <p:nvPicPr>
-          <p:cNvPr id="4" name="Picture 4" descr="Cruise Line Icon Vector, Boat, Cruise, Travel PNG and Vector with  Transparent Background for Free Download">
+          <p:cNvPr id="6" name="Picture 4" descr="Cruise Line Icon Vector, Boat, Cruise, Travel PNG and Vector with  Transparent Background for Free Download">
             <a:extLst>
               <a:ext uri="{FF2B5EF4-FFF2-40B4-BE49-F238E27FC236}">
-                <a16:creationId xmlns:a16="http://schemas.microsoft.com/office/drawing/2014/main" id="{2C13ED83-1559-282D-C843-1E5557CC4BF5}"/>
+                <a16:creationId xmlns:a16="http://schemas.microsoft.com/office/drawing/2014/main" id="{E12381CD-5B6A-6784-FFC9-13D2083C5AED}"/>
               </a:ext>
             </a:extLst>
           </p:cNvPr>
@@ -17618,8 +20136,8 @@
         </p:blipFill>
         <p:spPr bwMode="auto">
           <a:xfrm>
-            <a:off x="0" y="22467"/>
-            <a:ext cx="1315686" cy="1315686"/>
+            <a:off x="210542" y="221370"/>
+            <a:ext cx="855536" cy="855536"/>
           </a:xfrm>
           <a:prstGeom prst="rect">
             <a:avLst/>
@@ -17963,19 +20481,21 @@
           </a:lstStyle>
           <a:p>
             <a:r>
-              <a:rPr lang="en-US" sz="4400" b="1">
+              <a:rPr lang="en-US" sz="4400" b="1" dirty="0">
                 <a:solidFill>
                   <a:schemeClr val="tx1">
                     <a:lumMod val="75000"/>
                     <a:lumOff val="25000"/>
                   </a:schemeClr>
                 </a:solidFill>
-                <a:latin typeface="Segoe UI Black"/>
+                <a:latin typeface="Avenir Next" panose="020B0503020202020204" pitchFamily="34" charset="0"/>
                 <a:ea typeface="Segoe UI Black"/>
               </a:rPr>
-              <a:t>Assessment Results</a:t>
+              <a:t>Assessment Summary</a:t>
             </a:r>
-            <a:endParaRPr lang="en-US"/>
+            <a:endParaRPr lang="en-US" dirty="0">
+              <a:latin typeface="Avenir Next" panose="020B0503020202020204" pitchFamily="34" charset="0"/>
+            </a:endParaRPr>
           </a:p>
         </p:txBody>
       </p:sp>
@@ -18564,10 +21084,10 @@
       </p:sp>
       <p:pic>
         <p:nvPicPr>
-          <p:cNvPr id="4" name="Picture 4" descr="Cruise Line Icon Vector, Boat, Cruise, Travel PNG and Vector with  Transparent Background for Free Download">
+          <p:cNvPr id="7" name="Picture 4" descr="Cruise Line Icon Vector, Boat, Cruise, Travel PNG and Vector with  Transparent Background for Free Download">
             <a:extLst>
               <a:ext uri="{FF2B5EF4-FFF2-40B4-BE49-F238E27FC236}">
-                <a16:creationId xmlns:a16="http://schemas.microsoft.com/office/drawing/2014/main" id="{4277291D-E58E-5864-7043-B05D202BF289}"/>
+                <a16:creationId xmlns:a16="http://schemas.microsoft.com/office/drawing/2014/main" id="{1D10A5D5-BDAA-ECD2-0C90-0CDF26A9A388}"/>
               </a:ext>
             </a:extLst>
           </p:cNvPr>
@@ -18591,8 +21111,8 @@
         </p:blipFill>
         <p:spPr bwMode="auto">
           <a:xfrm>
-            <a:off x="0" y="9941"/>
-            <a:ext cx="1315686" cy="1315686"/>
+            <a:off x="210542" y="221370"/>
+            <a:ext cx="855536" cy="855536"/>
           </a:xfrm>
           <a:prstGeom prst="rect">
             <a:avLst/>
@@ -18623,6 +21143,3914 @@
 </file>
 
 <file path=ppt/slides/slide5.xml><?xml version="1.0" encoding="utf-8"?>
+<p:sld xmlns:a="http://schemas.openxmlformats.org/drawingml/2006/main" xmlns:r="http://schemas.openxmlformats.org/officeDocument/2006/relationships" xmlns:p="http://schemas.openxmlformats.org/presentationml/2006/main">
+  <p:cSld>
+    <p:spTree>
+      <p:nvGrpSpPr>
+        <p:cNvPr id="1" name="">
+          <a:extLst>
+            <a:ext uri="{FF2B5EF4-FFF2-40B4-BE49-F238E27FC236}">
+              <a16:creationId xmlns:a16="http://schemas.microsoft.com/office/drawing/2014/main" id="{A25E6B48-51AA-9C97-0194-2065AADADF60}"/>
+            </a:ext>
+          </a:extLst>
+        </p:cNvPr>
+        <p:cNvGrpSpPr/>
+        <p:nvPr/>
+      </p:nvGrpSpPr>
+      <p:grpSpPr>
+        <a:xfrm>
+          <a:off x="0" y="0"/>
+          <a:ext cx="0" cy="0"/>
+          <a:chOff x="0" y="0"/>
+          <a:chExt cx="0" cy="0"/>
+        </a:xfrm>
+      </p:grpSpPr>
+      <p:sp>
+        <p:nvSpPr>
+          <p:cNvPr id="5" name="Rectangle 4">
+            <a:extLst>
+              <a:ext uri="{FF2B5EF4-FFF2-40B4-BE49-F238E27FC236}">
+                <a16:creationId xmlns:a16="http://schemas.microsoft.com/office/drawing/2014/main" id="{D9CF948D-F1A8-370B-2470-345029F29D21}"/>
+              </a:ext>
+            </a:extLst>
+          </p:cNvPr>
+          <p:cNvSpPr/>
+          <p:nvPr/>
+        </p:nvSpPr>
+        <p:spPr>
+          <a:xfrm>
+            <a:off x="0" y="6246000"/>
+            <a:ext cx="12198000" cy="612000"/>
+          </a:xfrm>
+          <a:prstGeom prst="rect">
+            <a:avLst/>
+          </a:prstGeom>
+          <a:solidFill>
+            <a:schemeClr val="accent5">
+              <a:lumMod val="75000"/>
+            </a:schemeClr>
+          </a:solidFill>
+          <a:ln>
+            <a:noFill/>
+          </a:ln>
+        </p:spPr>
+        <p:style>
+          <a:lnRef idx="2">
+            <a:schemeClr val="accent1">
+              <a:shade val="15000"/>
+            </a:schemeClr>
+          </a:lnRef>
+          <a:fillRef idx="1">
+            <a:schemeClr val="accent1"/>
+          </a:fillRef>
+          <a:effectRef idx="0">
+            <a:schemeClr val="accent1"/>
+          </a:effectRef>
+          <a:fontRef idx="minor">
+            <a:schemeClr val="lt1"/>
+          </a:fontRef>
+        </p:style>
+        <p:txBody>
+          <a:bodyPr lIns="91440" tIns="45720" rIns="91440" bIns="45720" rtlCol="0" anchor="ctr"/>
+          <a:lstStyle/>
+          <a:p>
+            <a:pPr algn="ctr"/>
+            <a:endParaRPr lang="en-US">
+              <a:solidFill>
+                <a:srgbClr val="1148ED"/>
+              </a:solidFill>
+              <a:cs typeface="Calibri"/>
+            </a:endParaRPr>
+          </a:p>
+        </p:txBody>
+      </p:sp>
+      <p:pic>
+        <p:nvPicPr>
+          <p:cNvPr id="2" name="Picture 1">
+            <a:extLst>
+              <a:ext uri="{FF2B5EF4-FFF2-40B4-BE49-F238E27FC236}">
+                <a16:creationId xmlns:a16="http://schemas.microsoft.com/office/drawing/2014/main" id="{87F9BC97-FEC3-6271-6413-B146342F8A97}"/>
+              </a:ext>
+            </a:extLst>
+          </p:cNvPr>
+          <p:cNvPicPr>
+            <a:picLocks noChangeAspect="1"/>
+          </p:cNvPicPr>
+          <p:nvPr/>
+        </p:nvPicPr>
+        <p:blipFill>
+          <a:blip r:embed="rId2" cstate="print">
+            <a:lum bright="70000" contrast="-70000"/>
+            <a:extLst>
+              <a:ext uri="{28A0092B-C50C-407E-A947-70E740481C1C}">
+                <a14:useLocalDpi xmlns:a14="http://schemas.microsoft.com/office/drawing/2010/main" val="0"/>
+              </a:ext>
+            </a:extLst>
+          </a:blip>
+          <a:srcRect/>
+          <a:stretch>
+            <a:fillRect/>
+          </a:stretch>
+        </p:blipFill>
+        <p:spPr bwMode="auto">
+          <a:xfrm>
+            <a:off x="5410200" y="6314721"/>
+            <a:ext cx="1371600" cy="466725"/>
+          </a:xfrm>
+          <a:prstGeom prst="rect">
+            <a:avLst/>
+          </a:prstGeom>
+          <a:noFill/>
+          <a:ln>
+            <a:noFill/>
+          </a:ln>
+        </p:spPr>
+      </p:pic>
+      <p:sp>
+        <p:nvSpPr>
+          <p:cNvPr id="9" name="Rectangle 8">
+            <a:extLst>
+              <a:ext uri="{FF2B5EF4-FFF2-40B4-BE49-F238E27FC236}">
+                <a16:creationId xmlns:a16="http://schemas.microsoft.com/office/drawing/2014/main" id="{A276BB00-DC02-2C9F-1706-B9741B05F503}"/>
+              </a:ext>
+            </a:extLst>
+          </p:cNvPr>
+          <p:cNvSpPr/>
+          <p:nvPr/>
+        </p:nvSpPr>
+        <p:spPr>
+          <a:xfrm>
+            <a:off x="-1" y="-17374"/>
+            <a:ext cx="12198000" cy="162518"/>
+          </a:xfrm>
+          <a:prstGeom prst="rect">
+            <a:avLst/>
+          </a:prstGeom>
+          <a:solidFill>
+            <a:schemeClr val="accent5">
+              <a:lumMod val="75000"/>
+            </a:schemeClr>
+          </a:solidFill>
+          <a:ln>
+            <a:noFill/>
+          </a:ln>
+        </p:spPr>
+        <p:style>
+          <a:lnRef idx="2">
+            <a:schemeClr val="accent1">
+              <a:shade val="15000"/>
+            </a:schemeClr>
+          </a:lnRef>
+          <a:fillRef idx="1">
+            <a:schemeClr val="accent1"/>
+          </a:fillRef>
+          <a:effectRef idx="0">
+            <a:schemeClr val="accent1"/>
+          </a:effectRef>
+          <a:fontRef idx="minor">
+            <a:schemeClr val="lt1"/>
+          </a:fontRef>
+        </p:style>
+        <p:txBody>
+          <a:bodyPr lIns="91440" tIns="45720" rIns="91440" bIns="45720" rtlCol="0" anchor="ctr"/>
+          <a:lstStyle/>
+          <a:p>
+            <a:pPr algn="ctr"/>
+            <a:endParaRPr lang="en-US">
+              <a:solidFill>
+                <a:srgbClr val="1148ED"/>
+              </a:solidFill>
+              <a:cs typeface="Calibri"/>
+            </a:endParaRPr>
+          </a:p>
+        </p:txBody>
+      </p:sp>
+      <p:sp>
+        <p:nvSpPr>
+          <p:cNvPr id="3" name="TextBox 1">
+            <a:extLst>
+              <a:ext uri="{FF2B5EF4-FFF2-40B4-BE49-F238E27FC236}">
+                <a16:creationId xmlns:a16="http://schemas.microsoft.com/office/drawing/2014/main" id="{95C22D48-A867-72E0-60E9-FE947AEA66B7}"/>
+              </a:ext>
+            </a:extLst>
+          </p:cNvPr>
+          <p:cNvSpPr txBox="1"/>
+          <p:nvPr/>
+        </p:nvSpPr>
+        <p:spPr>
+          <a:xfrm>
+            <a:off x="1578282" y="407602"/>
+            <a:ext cx="10019930" cy="769441"/>
+          </a:xfrm>
+          <a:prstGeom prst="rect">
+            <a:avLst/>
+          </a:prstGeom>
+          <a:noFill/>
+        </p:spPr>
+        <p:txBody>
+          <a:bodyPr wrap="square" lIns="91440" tIns="45720" rIns="91440" bIns="45720" rtlCol="0" anchor="t">
+            <a:spAutoFit/>
+          </a:bodyPr>
+          <a:lstStyle>
+            <a:defPPr>
+              <a:defRPr lang="en-US"/>
+            </a:defPPr>
+            <a:lvl1pPr marL="0" algn="l" defTabSz="914400" rtl="0" eaLnBrk="1" latinLnBrk="0" hangingPunct="1">
+              <a:defRPr sz="1800" kern="1200">
+                <a:solidFill>
+                  <a:schemeClr val="tx1"/>
+                </a:solidFill>
+                <a:latin typeface="+mn-lt"/>
+                <a:ea typeface="+mn-ea"/>
+                <a:cs typeface="+mn-cs"/>
+              </a:defRPr>
+            </a:lvl1pPr>
+            <a:lvl2pPr marL="457200" algn="l" defTabSz="914400" rtl="0" eaLnBrk="1" latinLnBrk="0" hangingPunct="1">
+              <a:defRPr sz="1800" kern="1200">
+                <a:solidFill>
+                  <a:schemeClr val="tx1"/>
+                </a:solidFill>
+                <a:latin typeface="+mn-lt"/>
+                <a:ea typeface="+mn-ea"/>
+                <a:cs typeface="+mn-cs"/>
+              </a:defRPr>
+            </a:lvl2pPr>
+            <a:lvl3pPr marL="914400" algn="l" defTabSz="914400" rtl="0" eaLnBrk="1" latinLnBrk="0" hangingPunct="1">
+              <a:defRPr sz="1800" kern="1200">
+                <a:solidFill>
+                  <a:schemeClr val="tx1"/>
+                </a:solidFill>
+                <a:latin typeface="+mn-lt"/>
+                <a:ea typeface="+mn-ea"/>
+                <a:cs typeface="+mn-cs"/>
+              </a:defRPr>
+            </a:lvl3pPr>
+            <a:lvl4pPr marL="1371600" algn="l" defTabSz="914400" rtl="0" eaLnBrk="1" latinLnBrk="0" hangingPunct="1">
+              <a:defRPr sz="1800" kern="1200">
+                <a:solidFill>
+                  <a:schemeClr val="tx1"/>
+                </a:solidFill>
+                <a:latin typeface="+mn-lt"/>
+                <a:ea typeface="+mn-ea"/>
+                <a:cs typeface="+mn-cs"/>
+              </a:defRPr>
+            </a:lvl4pPr>
+            <a:lvl5pPr marL="1828800" algn="l" defTabSz="914400" rtl="0" eaLnBrk="1" latinLnBrk="0" hangingPunct="1">
+              <a:defRPr sz="1800" kern="1200">
+                <a:solidFill>
+                  <a:schemeClr val="tx1"/>
+                </a:solidFill>
+                <a:latin typeface="+mn-lt"/>
+                <a:ea typeface="+mn-ea"/>
+                <a:cs typeface="+mn-cs"/>
+              </a:defRPr>
+            </a:lvl5pPr>
+            <a:lvl6pPr marL="2286000" algn="l" defTabSz="914400" rtl="0" eaLnBrk="1" latinLnBrk="0" hangingPunct="1">
+              <a:defRPr sz="1800" kern="1200">
+                <a:solidFill>
+                  <a:schemeClr val="tx1"/>
+                </a:solidFill>
+                <a:latin typeface="+mn-lt"/>
+                <a:ea typeface="+mn-ea"/>
+                <a:cs typeface="+mn-cs"/>
+              </a:defRPr>
+            </a:lvl6pPr>
+            <a:lvl7pPr marL="2743200" algn="l" defTabSz="914400" rtl="0" eaLnBrk="1" latinLnBrk="0" hangingPunct="1">
+              <a:defRPr sz="1800" kern="1200">
+                <a:solidFill>
+                  <a:schemeClr val="tx1"/>
+                </a:solidFill>
+                <a:latin typeface="+mn-lt"/>
+                <a:ea typeface="+mn-ea"/>
+                <a:cs typeface="+mn-cs"/>
+              </a:defRPr>
+            </a:lvl7pPr>
+            <a:lvl8pPr marL="3200400" algn="l" defTabSz="914400" rtl="0" eaLnBrk="1" latinLnBrk="0" hangingPunct="1">
+              <a:defRPr sz="1800" kern="1200">
+                <a:solidFill>
+                  <a:schemeClr val="tx1"/>
+                </a:solidFill>
+                <a:latin typeface="+mn-lt"/>
+                <a:ea typeface="+mn-ea"/>
+                <a:cs typeface="+mn-cs"/>
+              </a:defRPr>
+            </a:lvl8pPr>
+            <a:lvl9pPr marL="3657600" algn="l" defTabSz="914400" rtl="0" eaLnBrk="1" latinLnBrk="0" hangingPunct="1">
+              <a:defRPr sz="1800" kern="1200">
+                <a:solidFill>
+                  <a:schemeClr val="tx1"/>
+                </a:solidFill>
+                <a:latin typeface="+mn-lt"/>
+                <a:ea typeface="+mn-ea"/>
+                <a:cs typeface="+mn-cs"/>
+              </a:defRPr>
+            </a:lvl9pPr>
+          </a:lstStyle>
+          <a:p>
+            <a:r>
+              <a:rPr lang="en-US" sz="4400" b="1" dirty="0">
+                <a:solidFill>
+                  <a:schemeClr val="tx1">
+                    <a:lumMod val="75000"/>
+                    <a:lumOff val="25000"/>
+                  </a:schemeClr>
+                </a:solidFill>
+                <a:latin typeface="Avenir Next" panose="020B0503020202020204" pitchFamily="34" charset="0"/>
+                <a:ea typeface="Segoe UI Black"/>
+              </a:rPr>
+              <a:t>Assessment Highlights</a:t>
+            </a:r>
+          </a:p>
+        </p:txBody>
+      </p:sp>
+      <p:pic>
+        <p:nvPicPr>
+          <p:cNvPr id="6" name="Picture 4" descr="Cruise Line Icon Vector, Boat, Cruise, Travel PNG and Vector with  Transparent Background for Free Download">
+            <a:extLst>
+              <a:ext uri="{FF2B5EF4-FFF2-40B4-BE49-F238E27FC236}">
+                <a16:creationId xmlns:a16="http://schemas.microsoft.com/office/drawing/2014/main" id="{62FFB43A-F4D9-6DA8-023B-FBE40765C5A8}"/>
+              </a:ext>
+            </a:extLst>
+          </p:cNvPr>
+          <p:cNvPicPr>
+            <a:picLocks noChangeAspect="1" noChangeArrowheads="1"/>
+          </p:cNvPicPr>
+          <p:nvPr/>
+        </p:nvPicPr>
+        <p:blipFill>
+          <a:blip r:embed="rId3">
+            <a:extLst>
+              <a:ext uri="{28A0092B-C50C-407E-A947-70E740481C1C}">
+                <a14:useLocalDpi xmlns:a14="http://schemas.microsoft.com/office/drawing/2010/main" val="0"/>
+              </a:ext>
+            </a:extLst>
+          </a:blip>
+          <a:srcRect/>
+          <a:stretch>
+            <a:fillRect/>
+          </a:stretch>
+        </p:blipFill>
+        <p:spPr bwMode="auto">
+          <a:xfrm>
+            <a:off x="210542" y="221370"/>
+            <a:ext cx="855536" cy="855536"/>
+          </a:xfrm>
+          <a:prstGeom prst="rect">
+            <a:avLst/>
+          </a:prstGeom>
+          <a:noFill/>
+          <a:extLst>
+            <a:ext uri="{909E8E84-426E-40DD-AFC4-6F175D3DCCD1}">
+              <a14:hiddenFill xmlns:a14="http://schemas.microsoft.com/office/drawing/2010/main">
+                <a:solidFill>
+                  <a:srgbClr val="FFFFFF"/>
+                </a:solidFill>
+              </a14:hiddenFill>
+            </a:ext>
+          </a:extLst>
+        </p:spPr>
+      </p:pic>
+      <p:sp>
+        <p:nvSpPr>
+          <p:cNvPr id="7" name="Rectangle: Rounded Corners 9">
+            <a:extLst>
+              <a:ext uri="{FF2B5EF4-FFF2-40B4-BE49-F238E27FC236}">
+                <a16:creationId xmlns:a16="http://schemas.microsoft.com/office/drawing/2014/main" id="{4C8F43FE-EF17-5151-15F1-70E3914C2865}"/>
+              </a:ext>
+            </a:extLst>
+          </p:cNvPr>
+          <p:cNvSpPr/>
+          <p:nvPr/>
+        </p:nvSpPr>
+        <p:spPr>
+          <a:xfrm>
+            <a:off x="1311007" y="1644268"/>
+            <a:ext cx="2769286" cy="4062470"/>
+          </a:xfrm>
+          <a:prstGeom prst="roundRect">
+            <a:avLst/>
+          </a:prstGeom>
+          <a:noFill/>
+          <a:ln w="28575">
+            <a:solidFill>
+              <a:schemeClr val="accent5">
+                <a:lumMod val="75000"/>
+              </a:schemeClr>
+            </a:solidFill>
+          </a:ln>
+        </p:spPr>
+        <p:style>
+          <a:lnRef idx="2">
+            <a:schemeClr val="accent1">
+              <a:shade val="15000"/>
+            </a:schemeClr>
+          </a:lnRef>
+          <a:fillRef idx="1">
+            <a:schemeClr val="accent1"/>
+          </a:fillRef>
+          <a:effectRef idx="0">
+            <a:schemeClr val="accent1"/>
+          </a:effectRef>
+          <a:fontRef idx="minor">
+            <a:schemeClr val="lt1"/>
+          </a:fontRef>
+        </p:style>
+        <p:txBody>
+          <a:bodyPr rtlCol="0" anchor="ctr"/>
+          <a:lstStyle/>
+          <a:p>
+            <a:pPr algn="ctr"/>
+            <a:endParaRPr lang="en-US"/>
+          </a:p>
+        </p:txBody>
+      </p:sp>
+      <p:sp>
+        <p:nvSpPr>
+          <p:cNvPr id="19" name="Rounded Rectangle 18">
+            <a:extLst>
+              <a:ext uri="{FF2B5EF4-FFF2-40B4-BE49-F238E27FC236}">
+                <a16:creationId xmlns:a16="http://schemas.microsoft.com/office/drawing/2014/main" id="{4D70A7CC-9B6C-8D15-254F-DFF5E8D585B6}"/>
+              </a:ext>
+            </a:extLst>
+          </p:cNvPr>
+          <p:cNvSpPr/>
+          <p:nvPr/>
+        </p:nvSpPr>
+        <p:spPr>
+          <a:xfrm>
+            <a:off x="10947132" y="280934"/>
+            <a:ext cx="1024568" cy="1079653"/>
+          </a:xfrm>
+          <a:prstGeom prst="roundRect">
+            <a:avLst/>
+          </a:prstGeom>
+          <a:solidFill>
+            <a:schemeClr val="accent5">
+              <a:lumMod val="60000"/>
+              <a:lumOff val="40000"/>
+            </a:schemeClr>
+          </a:solidFill>
+          <a:ln>
+            <a:solidFill>
+              <a:schemeClr val="accent5">
+                <a:lumMod val="60000"/>
+                <a:lumOff val="40000"/>
+              </a:schemeClr>
+            </a:solidFill>
+          </a:ln>
+        </p:spPr>
+        <p:style>
+          <a:lnRef idx="2">
+            <a:schemeClr val="accent1">
+              <a:shade val="15000"/>
+            </a:schemeClr>
+          </a:lnRef>
+          <a:fillRef idx="1">
+            <a:schemeClr val="accent1"/>
+          </a:fillRef>
+          <a:effectRef idx="0">
+            <a:schemeClr val="accent1"/>
+          </a:effectRef>
+          <a:fontRef idx="minor">
+            <a:schemeClr val="lt1"/>
+          </a:fontRef>
+        </p:style>
+        <p:txBody>
+          <a:bodyPr rtlCol="0" anchor="ctr"/>
+          <a:lstStyle/>
+          <a:p>
+            <a:pPr algn="ctr"/>
+            <a:endParaRPr lang="en-US"/>
+          </a:p>
+        </p:txBody>
+      </p:sp>
+      <p:sp>
+        <p:nvSpPr>
+          <p:cNvPr id="21" name="Content Placeholder 10">
+            <a:extLst>
+              <a:ext uri="{FF2B5EF4-FFF2-40B4-BE49-F238E27FC236}">
+                <a16:creationId xmlns:a16="http://schemas.microsoft.com/office/drawing/2014/main" id="{5A0FEB4B-A702-4277-287E-9DFD8882B8CD}"/>
+              </a:ext>
+            </a:extLst>
+          </p:cNvPr>
+          <p:cNvSpPr txBox="1">
+            <a:spLocks/>
+          </p:cNvSpPr>
+          <p:nvPr/>
+        </p:nvSpPr>
+        <p:spPr>
+          <a:xfrm>
+            <a:off x="1643020" y="2260998"/>
+            <a:ext cx="2105260" cy="409461"/>
+          </a:xfrm>
+          <a:prstGeom prst="rect">
+            <a:avLst/>
+          </a:prstGeom>
+        </p:spPr>
+        <p:txBody>
+          <a:bodyPr vert="horz" lIns="91440" tIns="45720" rIns="91440" bIns="45720" rtlCol="0" anchor="t">
+            <a:normAutofit fontScale="85000" lnSpcReduction="10000"/>
+          </a:bodyPr>
+          <a:lstStyle>
+            <a:lvl1pPr marL="0" indent="0" algn="ctr" defTabSz="914400" rtl="0" eaLnBrk="1" latinLnBrk="0" hangingPunct="1">
+              <a:lnSpc>
+                <a:spcPct val="90000"/>
+              </a:lnSpc>
+              <a:spcBef>
+                <a:spcPts val="1000"/>
+              </a:spcBef>
+              <a:buFont typeface="Arial" panose="020B0604020202020204" pitchFamily="34" charset="0"/>
+              <a:buNone/>
+              <a:defRPr sz="2400" kern="1200">
+                <a:solidFill>
+                  <a:schemeClr val="tx1"/>
+                </a:solidFill>
+                <a:latin typeface="+mn-lt"/>
+                <a:ea typeface="+mn-ea"/>
+                <a:cs typeface="+mn-cs"/>
+              </a:defRPr>
+            </a:lvl1pPr>
+            <a:lvl2pPr marL="457200" indent="0" algn="ctr" defTabSz="914400" rtl="0" eaLnBrk="1" latinLnBrk="0" hangingPunct="1">
+              <a:lnSpc>
+                <a:spcPct val="90000"/>
+              </a:lnSpc>
+              <a:spcBef>
+                <a:spcPts val="500"/>
+              </a:spcBef>
+              <a:buFont typeface="Arial" panose="020B0604020202020204" pitchFamily="34" charset="0"/>
+              <a:buNone/>
+              <a:defRPr sz="2000" kern="1200">
+                <a:solidFill>
+                  <a:schemeClr val="tx1"/>
+                </a:solidFill>
+                <a:latin typeface="+mn-lt"/>
+                <a:ea typeface="+mn-ea"/>
+                <a:cs typeface="+mn-cs"/>
+              </a:defRPr>
+            </a:lvl2pPr>
+            <a:lvl3pPr marL="914400" indent="0" algn="ctr" defTabSz="914400" rtl="0" eaLnBrk="1" latinLnBrk="0" hangingPunct="1">
+              <a:lnSpc>
+                <a:spcPct val="90000"/>
+              </a:lnSpc>
+              <a:spcBef>
+                <a:spcPts val="500"/>
+              </a:spcBef>
+              <a:buFont typeface="Arial" panose="020B0604020202020204" pitchFamily="34" charset="0"/>
+              <a:buNone/>
+              <a:defRPr sz="1800" kern="1200">
+                <a:solidFill>
+                  <a:schemeClr val="tx1"/>
+                </a:solidFill>
+                <a:latin typeface="+mn-lt"/>
+                <a:ea typeface="+mn-ea"/>
+                <a:cs typeface="+mn-cs"/>
+              </a:defRPr>
+            </a:lvl3pPr>
+            <a:lvl4pPr marL="1371600" indent="0" algn="ctr" defTabSz="914400" rtl="0" eaLnBrk="1" latinLnBrk="0" hangingPunct="1">
+              <a:lnSpc>
+                <a:spcPct val="90000"/>
+              </a:lnSpc>
+              <a:spcBef>
+                <a:spcPts val="500"/>
+              </a:spcBef>
+              <a:buFont typeface="Arial" panose="020B0604020202020204" pitchFamily="34" charset="0"/>
+              <a:buNone/>
+              <a:defRPr sz="1600" kern="1200">
+                <a:solidFill>
+                  <a:schemeClr val="tx1"/>
+                </a:solidFill>
+                <a:latin typeface="+mn-lt"/>
+                <a:ea typeface="+mn-ea"/>
+                <a:cs typeface="+mn-cs"/>
+              </a:defRPr>
+            </a:lvl4pPr>
+            <a:lvl5pPr marL="1828800" indent="0" algn="ctr" defTabSz="914400" rtl="0" eaLnBrk="1" latinLnBrk="0" hangingPunct="1">
+              <a:lnSpc>
+                <a:spcPct val="90000"/>
+              </a:lnSpc>
+              <a:spcBef>
+                <a:spcPts val="500"/>
+              </a:spcBef>
+              <a:buFont typeface="Arial" panose="020B0604020202020204" pitchFamily="34" charset="0"/>
+              <a:buNone/>
+              <a:defRPr sz="1600" kern="1200">
+                <a:solidFill>
+                  <a:schemeClr val="tx1"/>
+                </a:solidFill>
+                <a:latin typeface="+mn-lt"/>
+                <a:ea typeface="+mn-ea"/>
+                <a:cs typeface="+mn-cs"/>
+              </a:defRPr>
+            </a:lvl5pPr>
+            <a:lvl6pPr marL="2286000" indent="0" algn="ctr" defTabSz="914400" rtl="0" eaLnBrk="1" latinLnBrk="0" hangingPunct="1">
+              <a:lnSpc>
+                <a:spcPct val="90000"/>
+              </a:lnSpc>
+              <a:spcBef>
+                <a:spcPts val="500"/>
+              </a:spcBef>
+              <a:buFont typeface="Arial" panose="020B0604020202020204" pitchFamily="34" charset="0"/>
+              <a:buNone/>
+              <a:defRPr sz="1600" kern="1200">
+                <a:solidFill>
+                  <a:schemeClr val="tx1"/>
+                </a:solidFill>
+                <a:latin typeface="+mn-lt"/>
+                <a:ea typeface="+mn-ea"/>
+                <a:cs typeface="+mn-cs"/>
+              </a:defRPr>
+            </a:lvl6pPr>
+            <a:lvl7pPr marL="2743200" indent="0" algn="ctr" defTabSz="914400" rtl="0" eaLnBrk="1" latinLnBrk="0" hangingPunct="1">
+              <a:lnSpc>
+                <a:spcPct val="90000"/>
+              </a:lnSpc>
+              <a:spcBef>
+                <a:spcPts val="500"/>
+              </a:spcBef>
+              <a:buFont typeface="Arial" panose="020B0604020202020204" pitchFamily="34" charset="0"/>
+              <a:buNone/>
+              <a:defRPr sz="1600" kern="1200">
+                <a:solidFill>
+                  <a:schemeClr val="tx1"/>
+                </a:solidFill>
+                <a:latin typeface="+mn-lt"/>
+                <a:ea typeface="+mn-ea"/>
+                <a:cs typeface="+mn-cs"/>
+              </a:defRPr>
+            </a:lvl7pPr>
+            <a:lvl8pPr marL="3200400" indent="0" algn="ctr" defTabSz="914400" rtl="0" eaLnBrk="1" latinLnBrk="0" hangingPunct="1">
+              <a:lnSpc>
+                <a:spcPct val="90000"/>
+              </a:lnSpc>
+              <a:spcBef>
+                <a:spcPts val="500"/>
+              </a:spcBef>
+              <a:buFont typeface="Arial" panose="020B0604020202020204" pitchFamily="34" charset="0"/>
+              <a:buNone/>
+              <a:defRPr sz="1600" kern="1200">
+                <a:solidFill>
+                  <a:schemeClr val="tx1"/>
+                </a:solidFill>
+                <a:latin typeface="+mn-lt"/>
+                <a:ea typeface="+mn-ea"/>
+                <a:cs typeface="+mn-cs"/>
+              </a:defRPr>
+            </a:lvl8pPr>
+            <a:lvl9pPr marL="3657600" indent="0" algn="ctr" defTabSz="914400" rtl="0" eaLnBrk="1" latinLnBrk="0" hangingPunct="1">
+              <a:lnSpc>
+                <a:spcPct val="90000"/>
+              </a:lnSpc>
+              <a:spcBef>
+                <a:spcPts val="500"/>
+              </a:spcBef>
+              <a:buFont typeface="Arial" panose="020B0604020202020204" pitchFamily="34" charset="0"/>
+              <a:buNone/>
+              <a:defRPr sz="1600" kern="1200">
+                <a:solidFill>
+                  <a:schemeClr val="tx1"/>
+                </a:solidFill>
+                <a:latin typeface="+mn-lt"/>
+                <a:ea typeface="+mn-ea"/>
+                <a:cs typeface="+mn-cs"/>
+              </a:defRPr>
+            </a:lvl9pPr>
+          </a:lstStyle>
+          <a:p>
+            <a:pPr algn="l"/>
+            <a:r>
+              <a:rPr lang="en-US" dirty="0">
+                <a:latin typeface="Grandview Display"/>
+              </a:rPr>
+              <a:t>Security Posture</a:t>
+            </a:r>
+          </a:p>
+        </p:txBody>
+      </p:sp>
+      <p:sp>
+        <p:nvSpPr>
+          <p:cNvPr id="22" name="Rectangle: Rounded Corners 9">
+            <a:extLst>
+              <a:ext uri="{FF2B5EF4-FFF2-40B4-BE49-F238E27FC236}">
+                <a16:creationId xmlns:a16="http://schemas.microsoft.com/office/drawing/2014/main" id="{C32DB7BC-96A9-532E-7D82-90F687E5697D}"/>
+              </a:ext>
+            </a:extLst>
+          </p:cNvPr>
+          <p:cNvSpPr/>
+          <p:nvPr/>
+        </p:nvSpPr>
+        <p:spPr>
+          <a:xfrm>
+            <a:off x="4867619" y="1630218"/>
+            <a:ext cx="2769286" cy="4062470"/>
+          </a:xfrm>
+          <a:prstGeom prst="roundRect">
+            <a:avLst/>
+          </a:prstGeom>
+          <a:noFill/>
+          <a:ln w="28575">
+            <a:solidFill>
+              <a:schemeClr val="accent5">
+                <a:lumMod val="75000"/>
+              </a:schemeClr>
+            </a:solidFill>
+          </a:ln>
+        </p:spPr>
+        <p:style>
+          <a:lnRef idx="2">
+            <a:schemeClr val="accent1">
+              <a:shade val="15000"/>
+            </a:schemeClr>
+          </a:lnRef>
+          <a:fillRef idx="1">
+            <a:schemeClr val="accent1"/>
+          </a:fillRef>
+          <a:effectRef idx="0">
+            <a:schemeClr val="accent1"/>
+          </a:effectRef>
+          <a:fontRef idx="minor">
+            <a:schemeClr val="lt1"/>
+          </a:fontRef>
+        </p:style>
+        <p:txBody>
+          <a:bodyPr rtlCol="0" anchor="ctr"/>
+          <a:lstStyle/>
+          <a:p>
+            <a:pPr algn="ctr"/>
+            <a:endParaRPr lang="en-US"/>
+          </a:p>
+        </p:txBody>
+      </p:sp>
+      <p:sp>
+        <p:nvSpPr>
+          <p:cNvPr id="23" name="Rectangle: Rounded Corners 9">
+            <a:extLst>
+              <a:ext uri="{FF2B5EF4-FFF2-40B4-BE49-F238E27FC236}">
+                <a16:creationId xmlns:a16="http://schemas.microsoft.com/office/drawing/2014/main" id="{7E5A7B13-C14E-C1EA-58A3-C8257D1B4E28}"/>
+              </a:ext>
+            </a:extLst>
+          </p:cNvPr>
+          <p:cNvSpPr/>
+          <p:nvPr/>
+        </p:nvSpPr>
+        <p:spPr>
+          <a:xfrm>
+            <a:off x="8513200" y="1630218"/>
+            <a:ext cx="2769286" cy="4062470"/>
+          </a:xfrm>
+          <a:prstGeom prst="roundRect">
+            <a:avLst/>
+          </a:prstGeom>
+          <a:noFill/>
+          <a:ln w="28575">
+            <a:solidFill>
+              <a:schemeClr val="accent5">
+                <a:lumMod val="75000"/>
+              </a:schemeClr>
+            </a:solidFill>
+          </a:ln>
+        </p:spPr>
+        <p:style>
+          <a:lnRef idx="2">
+            <a:schemeClr val="accent1">
+              <a:shade val="15000"/>
+            </a:schemeClr>
+          </a:lnRef>
+          <a:fillRef idx="1">
+            <a:schemeClr val="accent1"/>
+          </a:fillRef>
+          <a:effectRef idx="0">
+            <a:schemeClr val="accent1"/>
+          </a:effectRef>
+          <a:fontRef idx="minor">
+            <a:schemeClr val="lt1"/>
+          </a:fontRef>
+        </p:style>
+        <p:txBody>
+          <a:bodyPr rtlCol="0" anchor="ctr"/>
+          <a:lstStyle/>
+          <a:p>
+            <a:pPr algn="ctr"/>
+            <a:endParaRPr lang="en-US"/>
+          </a:p>
+        </p:txBody>
+      </p:sp>
+      <p:grpSp>
+        <p:nvGrpSpPr>
+          <p:cNvPr id="20" name="Group 19">
+            <a:extLst>
+              <a:ext uri="{FF2B5EF4-FFF2-40B4-BE49-F238E27FC236}">
+                <a16:creationId xmlns:a16="http://schemas.microsoft.com/office/drawing/2014/main" id="{FE12F767-9585-B92A-593F-4AA9CECFD3C6}"/>
+              </a:ext>
+            </a:extLst>
+          </p:cNvPr>
+          <p:cNvGrpSpPr/>
+          <p:nvPr/>
+        </p:nvGrpSpPr>
+        <p:grpSpPr>
+          <a:xfrm>
+            <a:off x="5777393" y="1220546"/>
+            <a:ext cx="1043156" cy="1079653"/>
+            <a:chOff x="5574422" y="1245764"/>
+            <a:chExt cx="1043156" cy="1079653"/>
+          </a:xfrm>
+        </p:grpSpPr>
+        <p:sp>
+          <p:nvSpPr>
+            <p:cNvPr id="17" name="Rounded Rectangle 16">
+              <a:extLst>
+                <a:ext uri="{FF2B5EF4-FFF2-40B4-BE49-F238E27FC236}">
+                  <a16:creationId xmlns:a16="http://schemas.microsoft.com/office/drawing/2014/main" id="{E3EA0AD0-F76B-1ED0-2CB6-3C1BA0DEF0CC}"/>
+                </a:ext>
+              </a:extLst>
+            </p:cNvPr>
+            <p:cNvSpPr/>
+            <p:nvPr/>
+          </p:nvSpPr>
+          <p:spPr>
+            <a:xfrm>
+              <a:off x="5574422" y="1245764"/>
+              <a:ext cx="1024568" cy="1079653"/>
+            </a:xfrm>
+            <a:prstGeom prst="roundRect">
+              <a:avLst/>
+            </a:prstGeom>
+            <a:solidFill>
+              <a:schemeClr val="accent5">
+                <a:lumMod val="60000"/>
+                <a:lumOff val="40000"/>
+              </a:schemeClr>
+            </a:solidFill>
+            <a:ln>
+              <a:solidFill>
+                <a:schemeClr val="accent5">
+                  <a:lumMod val="60000"/>
+                  <a:lumOff val="40000"/>
+                </a:schemeClr>
+              </a:solidFill>
+            </a:ln>
+          </p:spPr>
+          <p:style>
+            <a:lnRef idx="2">
+              <a:schemeClr val="accent1">
+                <a:shade val="15000"/>
+              </a:schemeClr>
+            </a:lnRef>
+            <a:fillRef idx="1">
+              <a:schemeClr val="accent1"/>
+            </a:fillRef>
+            <a:effectRef idx="0">
+              <a:schemeClr val="accent1"/>
+            </a:effectRef>
+            <a:fontRef idx="minor">
+              <a:schemeClr val="lt1"/>
+            </a:fontRef>
+          </p:style>
+          <p:txBody>
+            <a:bodyPr rtlCol="0" anchor="ctr"/>
+            <a:lstStyle/>
+            <a:p>
+              <a:pPr algn="ctr"/>
+              <a:endParaRPr lang="en-US"/>
+            </a:p>
+          </p:txBody>
+        </p:sp>
+        <p:pic>
+          <p:nvPicPr>
+            <p:cNvPr id="16" name="Picture 15">
+              <a:extLst>
+                <a:ext uri="{FF2B5EF4-FFF2-40B4-BE49-F238E27FC236}">
+                  <a16:creationId xmlns:a16="http://schemas.microsoft.com/office/drawing/2014/main" id="{B24E16EF-D57F-1EF8-B296-3CB1CE17C622}"/>
+                </a:ext>
+              </a:extLst>
+            </p:cNvPr>
+            <p:cNvPicPr>
+              <a:picLocks noChangeAspect="1"/>
+            </p:cNvPicPr>
+            <p:nvPr/>
+          </p:nvPicPr>
+          <p:blipFill>
+            <a:blip r:embed="rId4">
+              <a:alphaModFix/>
+            </a:blip>
+            <a:stretch>
+              <a:fillRect/>
+            </a:stretch>
+          </p:blipFill>
+          <p:spPr>
+            <a:xfrm>
+              <a:off x="5644727" y="1288147"/>
+              <a:ext cx="972851" cy="972851"/>
+            </a:xfrm>
+            <a:prstGeom prst="rect">
+              <a:avLst/>
+            </a:prstGeom>
+            <a:ln w="12700">
+              <a:noFill/>
+            </a:ln>
+          </p:spPr>
+        </p:pic>
+      </p:grpSp>
+      <p:grpSp>
+        <p:nvGrpSpPr>
+          <p:cNvPr id="26" name="Group 25">
+            <a:extLst>
+              <a:ext uri="{FF2B5EF4-FFF2-40B4-BE49-F238E27FC236}">
+                <a16:creationId xmlns:a16="http://schemas.microsoft.com/office/drawing/2014/main" id="{351AED6A-5209-EE50-7AFE-B2479E577047}"/>
+              </a:ext>
+            </a:extLst>
+          </p:cNvPr>
+          <p:cNvGrpSpPr/>
+          <p:nvPr/>
+        </p:nvGrpSpPr>
+        <p:grpSpPr>
+          <a:xfrm>
+            <a:off x="2150400" y="1144284"/>
+            <a:ext cx="1024568" cy="1079653"/>
+            <a:chOff x="2150400" y="1144284"/>
+            <a:chExt cx="1024568" cy="1079653"/>
+          </a:xfrm>
+        </p:grpSpPr>
+        <p:sp>
+          <p:nvSpPr>
+            <p:cNvPr id="25" name="Rounded Rectangle 24">
+              <a:extLst>
+                <a:ext uri="{FF2B5EF4-FFF2-40B4-BE49-F238E27FC236}">
+                  <a16:creationId xmlns:a16="http://schemas.microsoft.com/office/drawing/2014/main" id="{60BC7090-6E8D-9960-D8FD-731F1D328960}"/>
+                </a:ext>
+              </a:extLst>
+            </p:cNvPr>
+            <p:cNvSpPr/>
+            <p:nvPr/>
+          </p:nvSpPr>
+          <p:spPr>
+            <a:xfrm>
+              <a:off x="2150400" y="1144284"/>
+              <a:ext cx="1024568" cy="1079653"/>
+            </a:xfrm>
+            <a:prstGeom prst="roundRect">
+              <a:avLst/>
+            </a:prstGeom>
+            <a:solidFill>
+              <a:schemeClr val="accent5">
+                <a:lumMod val="60000"/>
+                <a:lumOff val="40000"/>
+              </a:schemeClr>
+            </a:solidFill>
+            <a:ln>
+              <a:solidFill>
+                <a:schemeClr val="accent5">
+                  <a:lumMod val="60000"/>
+                  <a:lumOff val="40000"/>
+                </a:schemeClr>
+              </a:solidFill>
+            </a:ln>
+          </p:spPr>
+          <p:style>
+            <a:lnRef idx="2">
+              <a:schemeClr val="accent1">
+                <a:shade val="15000"/>
+              </a:schemeClr>
+            </a:lnRef>
+            <a:fillRef idx="1">
+              <a:schemeClr val="accent1"/>
+            </a:fillRef>
+            <a:effectRef idx="0">
+              <a:schemeClr val="accent1"/>
+            </a:effectRef>
+            <a:fontRef idx="minor">
+              <a:schemeClr val="lt1"/>
+            </a:fontRef>
+          </p:style>
+          <p:txBody>
+            <a:bodyPr rtlCol="0" anchor="ctr"/>
+            <a:lstStyle/>
+            <a:p>
+              <a:pPr algn="ctr"/>
+              <a:endParaRPr lang="en-US"/>
+            </a:p>
+          </p:txBody>
+        </p:sp>
+        <p:pic>
+          <p:nvPicPr>
+            <p:cNvPr id="24" name="Picture 23">
+              <a:extLst>
+                <a:ext uri="{FF2B5EF4-FFF2-40B4-BE49-F238E27FC236}">
+                  <a16:creationId xmlns:a16="http://schemas.microsoft.com/office/drawing/2014/main" id="{3849D997-8E37-0BEA-2F12-544383B554CA}"/>
+                </a:ext>
+              </a:extLst>
+            </p:cNvPr>
+            <p:cNvPicPr>
+              <a:picLocks noChangeAspect="1"/>
+            </p:cNvPicPr>
+            <p:nvPr/>
+          </p:nvPicPr>
+          <p:blipFill>
+            <a:blip r:embed="rId5"/>
+            <a:stretch>
+              <a:fillRect/>
+            </a:stretch>
+          </p:blipFill>
+          <p:spPr>
+            <a:xfrm>
+              <a:off x="2276801" y="1303964"/>
+              <a:ext cx="769441" cy="769441"/>
+            </a:xfrm>
+            <a:prstGeom prst="rect">
+              <a:avLst/>
+            </a:prstGeom>
+          </p:spPr>
+        </p:pic>
+      </p:grpSp>
+      <p:grpSp>
+        <p:nvGrpSpPr>
+          <p:cNvPr id="30" name="Group 29">
+            <a:extLst>
+              <a:ext uri="{FF2B5EF4-FFF2-40B4-BE49-F238E27FC236}">
+                <a16:creationId xmlns:a16="http://schemas.microsoft.com/office/drawing/2014/main" id="{4C18ADB0-AEAC-7BCE-33FB-0DB49FD4889B}"/>
+              </a:ext>
+            </a:extLst>
+          </p:cNvPr>
+          <p:cNvGrpSpPr/>
+          <p:nvPr/>
+        </p:nvGrpSpPr>
+        <p:grpSpPr>
+          <a:xfrm>
+            <a:off x="9474024" y="1166026"/>
+            <a:ext cx="1024568" cy="1079653"/>
+            <a:chOff x="9282641" y="2786974"/>
+            <a:chExt cx="1024568" cy="1079653"/>
+          </a:xfrm>
+        </p:grpSpPr>
+        <p:sp>
+          <p:nvSpPr>
+            <p:cNvPr id="29" name="Rounded Rectangle 28">
+              <a:extLst>
+                <a:ext uri="{FF2B5EF4-FFF2-40B4-BE49-F238E27FC236}">
+                  <a16:creationId xmlns:a16="http://schemas.microsoft.com/office/drawing/2014/main" id="{4833AA63-A38C-3E22-484E-B16390303BC9}"/>
+                </a:ext>
+              </a:extLst>
+            </p:cNvPr>
+            <p:cNvSpPr/>
+            <p:nvPr/>
+          </p:nvSpPr>
+          <p:spPr>
+            <a:xfrm>
+              <a:off x="9282641" y="2786974"/>
+              <a:ext cx="1024568" cy="1079653"/>
+            </a:xfrm>
+            <a:prstGeom prst="roundRect">
+              <a:avLst/>
+            </a:prstGeom>
+            <a:solidFill>
+              <a:schemeClr val="accent5">
+                <a:lumMod val="60000"/>
+                <a:lumOff val="40000"/>
+              </a:schemeClr>
+            </a:solidFill>
+            <a:ln>
+              <a:solidFill>
+                <a:schemeClr val="accent5">
+                  <a:lumMod val="60000"/>
+                  <a:lumOff val="40000"/>
+                </a:schemeClr>
+              </a:solidFill>
+            </a:ln>
+          </p:spPr>
+          <p:style>
+            <a:lnRef idx="2">
+              <a:schemeClr val="accent1">
+                <a:shade val="15000"/>
+              </a:schemeClr>
+            </a:lnRef>
+            <a:fillRef idx="1">
+              <a:schemeClr val="accent1"/>
+            </a:fillRef>
+            <a:effectRef idx="0">
+              <a:schemeClr val="accent1"/>
+            </a:effectRef>
+            <a:fontRef idx="minor">
+              <a:schemeClr val="lt1"/>
+            </a:fontRef>
+          </p:style>
+          <p:txBody>
+            <a:bodyPr rtlCol="0" anchor="ctr"/>
+            <a:lstStyle/>
+            <a:p>
+              <a:pPr algn="ctr"/>
+              <a:endParaRPr lang="en-US"/>
+            </a:p>
+          </p:txBody>
+        </p:sp>
+        <p:pic>
+          <p:nvPicPr>
+            <p:cNvPr id="28" name="Picture 27">
+              <a:extLst>
+                <a:ext uri="{FF2B5EF4-FFF2-40B4-BE49-F238E27FC236}">
+                  <a16:creationId xmlns:a16="http://schemas.microsoft.com/office/drawing/2014/main" id="{DF4C5203-CB6E-5E6B-01E4-99AF021044F9}"/>
+                </a:ext>
+              </a:extLst>
+            </p:cNvPr>
+            <p:cNvPicPr>
+              <a:picLocks noChangeAspect="1"/>
+            </p:cNvPicPr>
+            <p:nvPr/>
+          </p:nvPicPr>
+          <p:blipFill>
+            <a:blip r:embed="rId6"/>
+            <a:stretch>
+              <a:fillRect/>
+            </a:stretch>
+          </p:blipFill>
+          <p:spPr>
+            <a:xfrm>
+              <a:off x="9410204" y="2942079"/>
+              <a:ext cx="769441" cy="769441"/>
+            </a:xfrm>
+            <a:prstGeom prst="rect">
+              <a:avLst/>
+            </a:prstGeom>
+          </p:spPr>
+        </p:pic>
+      </p:grpSp>
+      <p:sp>
+        <p:nvSpPr>
+          <p:cNvPr id="32" name="Content Placeholder 10">
+            <a:extLst>
+              <a:ext uri="{FF2B5EF4-FFF2-40B4-BE49-F238E27FC236}">
+                <a16:creationId xmlns:a16="http://schemas.microsoft.com/office/drawing/2014/main" id="{1DCA44C0-6C88-C107-9481-934E3A215F3D}"/>
+              </a:ext>
+            </a:extLst>
+          </p:cNvPr>
+          <p:cNvSpPr txBox="1">
+            <a:spLocks/>
+          </p:cNvSpPr>
+          <p:nvPr/>
+        </p:nvSpPr>
+        <p:spPr>
+          <a:xfrm>
+            <a:off x="8933677" y="2300410"/>
+            <a:ext cx="2105260" cy="409461"/>
+          </a:xfrm>
+          <a:prstGeom prst="rect">
+            <a:avLst/>
+          </a:prstGeom>
+        </p:spPr>
+        <p:txBody>
+          <a:bodyPr vert="horz" lIns="91440" tIns="45720" rIns="91440" bIns="45720" rtlCol="0" anchor="t">
+            <a:normAutofit fontScale="85000" lnSpcReduction="10000"/>
+          </a:bodyPr>
+          <a:lstStyle>
+            <a:lvl1pPr marL="0" indent="0" algn="ctr" defTabSz="914400" rtl="0" eaLnBrk="1" latinLnBrk="0" hangingPunct="1">
+              <a:lnSpc>
+                <a:spcPct val="90000"/>
+              </a:lnSpc>
+              <a:spcBef>
+                <a:spcPts val="1000"/>
+              </a:spcBef>
+              <a:buFont typeface="Arial" panose="020B0604020202020204" pitchFamily="34" charset="0"/>
+              <a:buNone/>
+              <a:defRPr sz="2400" kern="1200">
+                <a:solidFill>
+                  <a:schemeClr val="tx1"/>
+                </a:solidFill>
+                <a:latin typeface="+mn-lt"/>
+                <a:ea typeface="+mn-ea"/>
+                <a:cs typeface="+mn-cs"/>
+              </a:defRPr>
+            </a:lvl1pPr>
+            <a:lvl2pPr marL="457200" indent="0" algn="ctr" defTabSz="914400" rtl="0" eaLnBrk="1" latinLnBrk="0" hangingPunct="1">
+              <a:lnSpc>
+                <a:spcPct val="90000"/>
+              </a:lnSpc>
+              <a:spcBef>
+                <a:spcPts val="500"/>
+              </a:spcBef>
+              <a:buFont typeface="Arial" panose="020B0604020202020204" pitchFamily="34" charset="0"/>
+              <a:buNone/>
+              <a:defRPr sz="2000" kern="1200">
+                <a:solidFill>
+                  <a:schemeClr val="tx1"/>
+                </a:solidFill>
+                <a:latin typeface="+mn-lt"/>
+                <a:ea typeface="+mn-ea"/>
+                <a:cs typeface="+mn-cs"/>
+              </a:defRPr>
+            </a:lvl2pPr>
+            <a:lvl3pPr marL="914400" indent="0" algn="ctr" defTabSz="914400" rtl="0" eaLnBrk="1" latinLnBrk="0" hangingPunct="1">
+              <a:lnSpc>
+                <a:spcPct val="90000"/>
+              </a:lnSpc>
+              <a:spcBef>
+                <a:spcPts val="500"/>
+              </a:spcBef>
+              <a:buFont typeface="Arial" panose="020B0604020202020204" pitchFamily="34" charset="0"/>
+              <a:buNone/>
+              <a:defRPr sz="1800" kern="1200">
+                <a:solidFill>
+                  <a:schemeClr val="tx1"/>
+                </a:solidFill>
+                <a:latin typeface="+mn-lt"/>
+                <a:ea typeface="+mn-ea"/>
+                <a:cs typeface="+mn-cs"/>
+              </a:defRPr>
+            </a:lvl3pPr>
+            <a:lvl4pPr marL="1371600" indent="0" algn="ctr" defTabSz="914400" rtl="0" eaLnBrk="1" latinLnBrk="0" hangingPunct="1">
+              <a:lnSpc>
+                <a:spcPct val="90000"/>
+              </a:lnSpc>
+              <a:spcBef>
+                <a:spcPts val="500"/>
+              </a:spcBef>
+              <a:buFont typeface="Arial" panose="020B0604020202020204" pitchFamily="34" charset="0"/>
+              <a:buNone/>
+              <a:defRPr sz="1600" kern="1200">
+                <a:solidFill>
+                  <a:schemeClr val="tx1"/>
+                </a:solidFill>
+                <a:latin typeface="+mn-lt"/>
+                <a:ea typeface="+mn-ea"/>
+                <a:cs typeface="+mn-cs"/>
+              </a:defRPr>
+            </a:lvl4pPr>
+            <a:lvl5pPr marL="1828800" indent="0" algn="ctr" defTabSz="914400" rtl="0" eaLnBrk="1" latinLnBrk="0" hangingPunct="1">
+              <a:lnSpc>
+                <a:spcPct val="90000"/>
+              </a:lnSpc>
+              <a:spcBef>
+                <a:spcPts val="500"/>
+              </a:spcBef>
+              <a:buFont typeface="Arial" panose="020B0604020202020204" pitchFamily="34" charset="0"/>
+              <a:buNone/>
+              <a:defRPr sz="1600" kern="1200">
+                <a:solidFill>
+                  <a:schemeClr val="tx1"/>
+                </a:solidFill>
+                <a:latin typeface="+mn-lt"/>
+                <a:ea typeface="+mn-ea"/>
+                <a:cs typeface="+mn-cs"/>
+              </a:defRPr>
+            </a:lvl5pPr>
+            <a:lvl6pPr marL="2286000" indent="0" algn="ctr" defTabSz="914400" rtl="0" eaLnBrk="1" latinLnBrk="0" hangingPunct="1">
+              <a:lnSpc>
+                <a:spcPct val="90000"/>
+              </a:lnSpc>
+              <a:spcBef>
+                <a:spcPts val="500"/>
+              </a:spcBef>
+              <a:buFont typeface="Arial" panose="020B0604020202020204" pitchFamily="34" charset="0"/>
+              <a:buNone/>
+              <a:defRPr sz="1600" kern="1200">
+                <a:solidFill>
+                  <a:schemeClr val="tx1"/>
+                </a:solidFill>
+                <a:latin typeface="+mn-lt"/>
+                <a:ea typeface="+mn-ea"/>
+                <a:cs typeface="+mn-cs"/>
+              </a:defRPr>
+            </a:lvl6pPr>
+            <a:lvl7pPr marL="2743200" indent="0" algn="ctr" defTabSz="914400" rtl="0" eaLnBrk="1" latinLnBrk="0" hangingPunct="1">
+              <a:lnSpc>
+                <a:spcPct val="90000"/>
+              </a:lnSpc>
+              <a:spcBef>
+                <a:spcPts val="500"/>
+              </a:spcBef>
+              <a:buFont typeface="Arial" panose="020B0604020202020204" pitchFamily="34" charset="0"/>
+              <a:buNone/>
+              <a:defRPr sz="1600" kern="1200">
+                <a:solidFill>
+                  <a:schemeClr val="tx1"/>
+                </a:solidFill>
+                <a:latin typeface="+mn-lt"/>
+                <a:ea typeface="+mn-ea"/>
+                <a:cs typeface="+mn-cs"/>
+              </a:defRPr>
+            </a:lvl7pPr>
+            <a:lvl8pPr marL="3200400" indent="0" algn="ctr" defTabSz="914400" rtl="0" eaLnBrk="1" latinLnBrk="0" hangingPunct="1">
+              <a:lnSpc>
+                <a:spcPct val="90000"/>
+              </a:lnSpc>
+              <a:spcBef>
+                <a:spcPts val="500"/>
+              </a:spcBef>
+              <a:buFont typeface="Arial" panose="020B0604020202020204" pitchFamily="34" charset="0"/>
+              <a:buNone/>
+              <a:defRPr sz="1600" kern="1200">
+                <a:solidFill>
+                  <a:schemeClr val="tx1"/>
+                </a:solidFill>
+                <a:latin typeface="+mn-lt"/>
+                <a:ea typeface="+mn-ea"/>
+                <a:cs typeface="+mn-cs"/>
+              </a:defRPr>
+            </a:lvl8pPr>
+            <a:lvl9pPr marL="3657600" indent="0" algn="ctr" defTabSz="914400" rtl="0" eaLnBrk="1" latinLnBrk="0" hangingPunct="1">
+              <a:lnSpc>
+                <a:spcPct val="90000"/>
+              </a:lnSpc>
+              <a:spcBef>
+                <a:spcPts val="500"/>
+              </a:spcBef>
+              <a:buFont typeface="Arial" panose="020B0604020202020204" pitchFamily="34" charset="0"/>
+              <a:buNone/>
+              <a:defRPr sz="1600" kern="1200">
+                <a:solidFill>
+                  <a:schemeClr val="tx1"/>
+                </a:solidFill>
+                <a:latin typeface="+mn-lt"/>
+                <a:ea typeface="+mn-ea"/>
+                <a:cs typeface="+mn-cs"/>
+              </a:defRPr>
+            </a:lvl9pPr>
+          </a:lstStyle>
+          <a:p>
+            <a:pPr algn="l"/>
+            <a:r>
+              <a:rPr lang="en-US" dirty="0">
+                <a:latin typeface="Grandview Display"/>
+              </a:rPr>
+              <a:t>Vulnerable Hosts</a:t>
+            </a:r>
+          </a:p>
+        </p:txBody>
+      </p:sp>
+      <p:sp>
+        <p:nvSpPr>
+          <p:cNvPr id="33" name="Content Placeholder 10">
+            <a:extLst>
+              <a:ext uri="{FF2B5EF4-FFF2-40B4-BE49-F238E27FC236}">
+                <a16:creationId xmlns:a16="http://schemas.microsoft.com/office/drawing/2014/main" id="{DFAED0DF-4949-71A6-7DD1-5BD68078604E}"/>
+              </a:ext>
+            </a:extLst>
+          </p:cNvPr>
+          <p:cNvSpPr txBox="1">
+            <a:spLocks/>
+          </p:cNvSpPr>
+          <p:nvPr/>
+        </p:nvSpPr>
+        <p:spPr>
+          <a:xfrm>
+            <a:off x="5237046" y="2430000"/>
+            <a:ext cx="2276457" cy="409461"/>
+          </a:xfrm>
+          <a:prstGeom prst="rect">
+            <a:avLst/>
+          </a:prstGeom>
+        </p:spPr>
+        <p:txBody>
+          <a:bodyPr vert="horz" lIns="91440" tIns="45720" rIns="91440" bIns="45720" rtlCol="0" anchor="t">
+            <a:normAutofit fontScale="70000" lnSpcReduction="20000"/>
+          </a:bodyPr>
+          <a:lstStyle>
+            <a:lvl1pPr marL="0" indent="0" algn="ctr" defTabSz="914400" rtl="0" eaLnBrk="1" latinLnBrk="0" hangingPunct="1">
+              <a:lnSpc>
+                <a:spcPct val="90000"/>
+              </a:lnSpc>
+              <a:spcBef>
+                <a:spcPts val="1000"/>
+              </a:spcBef>
+              <a:buFont typeface="Arial" panose="020B0604020202020204" pitchFamily="34" charset="0"/>
+              <a:buNone/>
+              <a:defRPr sz="2400" kern="1200">
+                <a:solidFill>
+                  <a:schemeClr val="tx1"/>
+                </a:solidFill>
+                <a:latin typeface="+mn-lt"/>
+                <a:ea typeface="+mn-ea"/>
+                <a:cs typeface="+mn-cs"/>
+              </a:defRPr>
+            </a:lvl1pPr>
+            <a:lvl2pPr marL="457200" indent="0" algn="ctr" defTabSz="914400" rtl="0" eaLnBrk="1" latinLnBrk="0" hangingPunct="1">
+              <a:lnSpc>
+                <a:spcPct val="90000"/>
+              </a:lnSpc>
+              <a:spcBef>
+                <a:spcPts val="500"/>
+              </a:spcBef>
+              <a:buFont typeface="Arial" panose="020B0604020202020204" pitchFamily="34" charset="0"/>
+              <a:buNone/>
+              <a:defRPr sz="2000" kern="1200">
+                <a:solidFill>
+                  <a:schemeClr val="tx1"/>
+                </a:solidFill>
+                <a:latin typeface="+mn-lt"/>
+                <a:ea typeface="+mn-ea"/>
+                <a:cs typeface="+mn-cs"/>
+              </a:defRPr>
+            </a:lvl2pPr>
+            <a:lvl3pPr marL="914400" indent="0" algn="ctr" defTabSz="914400" rtl="0" eaLnBrk="1" latinLnBrk="0" hangingPunct="1">
+              <a:lnSpc>
+                <a:spcPct val="90000"/>
+              </a:lnSpc>
+              <a:spcBef>
+                <a:spcPts val="500"/>
+              </a:spcBef>
+              <a:buFont typeface="Arial" panose="020B0604020202020204" pitchFamily="34" charset="0"/>
+              <a:buNone/>
+              <a:defRPr sz="1800" kern="1200">
+                <a:solidFill>
+                  <a:schemeClr val="tx1"/>
+                </a:solidFill>
+                <a:latin typeface="+mn-lt"/>
+                <a:ea typeface="+mn-ea"/>
+                <a:cs typeface="+mn-cs"/>
+              </a:defRPr>
+            </a:lvl3pPr>
+            <a:lvl4pPr marL="1371600" indent="0" algn="ctr" defTabSz="914400" rtl="0" eaLnBrk="1" latinLnBrk="0" hangingPunct="1">
+              <a:lnSpc>
+                <a:spcPct val="90000"/>
+              </a:lnSpc>
+              <a:spcBef>
+                <a:spcPts val="500"/>
+              </a:spcBef>
+              <a:buFont typeface="Arial" panose="020B0604020202020204" pitchFamily="34" charset="0"/>
+              <a:buNone/>
+              <a:defRPr sz="1600" kern="1200">
+                <a:solidFill>
+                  <a:schemeClr val="tx1"/>
+                </a:solidFill>
+                <a:latin typeface="+mn-lt"/>
+                <a:ea typeface="+mn-ea"/>
+                <a:cs typeface="+mn-cs"/>
+              </a:defRPr>
+            </a:lvl4pPr>
+            <a:lvl5pPr marL="1828800" indent="0" algn="ctr" defTabSz="914400" rtl="0" eaLnBrk="1" latinLnBrk="0" hangingPunct="1">
+              <a:lnSpc>
+                <a:spcPct val="90000"/>
+              </a:lnSpc>
+              <a:spcBef>
+                <a:spcPts val="500"/>
+              </a:spcBef>
+              <a:buFont typeface="Arial" panose="020B0604020202020204" pitchFamily="34" charset="0"/>
+              <a:buNone/>
+              <a:defRPr sz="1600" kern="1200">
+                <a:solidFill>
+                  <a:schemeClr val="tx1"/>
+                </a:solidFill>
+                <a:latin typeface="+mn-lt"/>
+                <a:ea typeface="+mn-ea"/>
+                <a:cs typeface="+mn-cs"/>
+              </a:defRPr>
+            </a:lvl5pPr>
+            <a:lvl6pPr marL="2286000" indent="0" algn="ctr" defTabSz="914400" rtl="0" eaLnBrk="1" latinLnBrk="0" hangingPunct="1">
+              <a:lnSpc>
+                <a:spcPct val="90000"/>
+              </a:lnSpc>
+              <a:spcBef>
+                <a:spcPts val="500"/>
+              </a:spcBef>
+              <a:buFont typeface="Arial" panose="020B0604020202020204" pitchFamily="34" charset="0"/>
+              <a:buNone/>
+              <a:defRPr sz="1600" kern="1200">
+                <a:solidFill>
+                  <a:schemeClr val="tx1"/>
+                </a:solidFill>
+                <a:latin typeface="+mn-lt"/>
+                <a:ea typeface="+mn-ea"/>
+                <a:cs typeface="+mn-cs"/>
+              </a:defRPr>
+            </a:lvl6pPr>
+            <a:lvl7pPr marL="2743200" indent="0" algn="ctr" defTabSz="914400" rtl="0" eaLnBrk="1" latinLnBrk="0" hangingPunct="1">
+              <a:lnSpc>
+                <a:spcPct val="90000"/>
+              </a:lnSpc>
+              <a:spcBef>
+                <a:spcPts val="500"/>
+              </a:spcBef>
+              <a:buFont typeface="Arial" panose="020B0604020202020204" pitchFamily="34" charset="0"/>
+              <a:buNone/>
+              <a:defRPr sz="1600" kern="1200">
+                <a:solidFill>
+                  <a:schemeClr val="tx1"/>
+                </a:solidFill>
+                <a:latin typeface="+mn-lt"/>
+                <a:ea typeface="+mn-ea"/>
+                <a:cs typeface="+mn-cs"/>
+              </a:defRPr>
+            </a:lvl7pPr>
+            <a:lvl8pPr marL="3200400" indent="0" algn="ctr" defTabSz="914400" rtl="0" eaLnBrk="1" latinLnBrk="0" hangingPunct="1">
+              <a:lnSpc>
+                <a:spcPct val="90000"/>
+              </a:lnSpc>
+              <a:spcBef>
+                <a:spcPts val="500"/>
+              </a:spcBef>
+              <a:buFont typeface="Arial" panose="020B0604020202020204" pitchFamily="34" charset="0"/>
+              <a:buNone/>
+              <a:defRPr sz="1600" kern="1200">
+                <a:solidFill>
+                  <a:schemeClr val="tx1"/>
+                </a:solidFill>
+                <a:latin typeface="+mn-lt"/>
+                <a:ea typeface="+mn-ea"/>
+                <a:cs typeface="+mn-cs"/>
+              </a:defRPr>
+            </a:lvl8pPr>
+            <a:lvl9pPr marL="3657600" indent="0" algn="ctr" defTabSz="914400" rtl="0" eaLnBrk="1" latinLnBrk="0" hangingPunct="1">
+              <a:lnSpc>
+                <a:spcPct val="90000"/>
+              </a:lnSpc>
+              <a:spcBef>
+                <a:spcPts val="500"/>
+              </a:spcBef>
+              <a:buFont typeface="Arial" panose="020B0604020202020204" pitchFamily="34" charset="0"/>
+              <a:buNone/>
+              <a:defRPr sz="1600" kern="1200">
+                <a:solidFill>
+                  <a:schemeClr val="tx1"/>
+                </a:solidFill>
+                <a:latin typeface="+mn-lt"/>
+                <a:ea typeface="+mn-ea"/>
+                <a:cs typeface="+mn-cs"/>
+              </a:defRPr>
+            </a:lvl9pPr>
+          </a:lstStyle>
+          <a:p>
+            <a:pPr algn="l"/>
+            <a:r>
+              <a:rPr lang="en-US" dirty="0">
+                <a:latin typeface="Grandview Display"/>
+              </a:rPr>
+              <a:t>Vulnerabilities Found</a:t>
+            </a:r>
+          </a:p>
+        </p:txBody>
+      </p:sp>
+    </p:spTree>
+    <p:extLst>
+      <p:ext uri="{BB962C8B-B14F-4D97-AF65-F5344CB8AC3E}">
+        <p14:creationId xmlns:p14="http://schemas.microsoft.com/office/powerpoint/2010/main" val="1438127513"/>
+      </p:ext>
+    </p:extLst>
+  </p:cSld>
+  <p:clrMapOvr>
+    <a:masterClrMapping/>
+  </p:clrMapOvr>
+</p:sld>
+</file>
+
+<file path=ppt/slides/slide6.xml><?xml version="1.0" encoding="utf-8"?>
+<p:sld xmlns:a="http://schemas.openxmlformats.org/drawingml/2006/main" xmlns:r="http://schemas.openxmlformats.org/officeDocument/2006/relationships" xmlns:p="http://schemas.openxmlformats.org/presentationml/2006/main">
+  <p:cSld>
+    <p:spTree>
+      <p:nvGrpSpPr>
+        <p:cNvPr id="1" name="">
+          <a:extLst>
+            <a:ext uri="{FF2B5EF4-FFF2-40B4-BE49-F238E27FC236}">
+              <a16:creationId xmlns:a16="http://schemas.microsoft.com/office/drawing/2014/main" id="{BBA5B298-DDEF-EC5F-E9FA-746B7AE18BF2}"/>
+            </a:ext>
+          </a:extLst>
+        </p:cNvPr>
+        <p:cNvGrpSpPr/>
+        <p:nvPr/>
+      </p:nvGrpSpPr>
+      <p:grpSpPr>
+        <a:xfrm>
+          <a:off x="0" y="0"/>
+          <a:ext cx="0" cy="0"/>
+          <a:chOff x="0" y="0"/>
+          <a:chExt cx="0" cy="0"/>
+        </a:xfrm>
+      </p:grpSpPr>
+      <p:sp>
+        <p:nvSpPr>
+          <p:cNvPr id="5" name="Rectangle 4">
+            <a:extLst>
+              <a:ext uri="{FF2B5EF4-FFF2-40B4-BE49-F238E27FC236}">
+                <a16:creationId xmlns:a16="http://schemas.microsoft.com/office/drawing/2014/main" id="{6D6165C0-82A8-5086-4931-B5E378E178F5}"/>
+              </a:ext>
+            </a:extLst>
+          </p:cNvPr>
+          <p:cNvSpPr/>
+          <p:nvPr/>
+        </p:nvSpPr>
+        <p:spPr>
+          <a:xfrm>
+            <a:off x="0" y="6246000"/>
+            <a:ext cx="12198000" cy="612000"/>
+          </a:xfrm>
+          <a:prstGeom prst="rect">
+            <a:avLst/>
+          </a:prstGeom>
+          <a:solidFill>
+            <a:schemeClr val="accent5">
+              <a:lumMod val="75000"/>
+            </a:schemeClr>
+          </a:solidFill>
+          <a:ln>
+            <a:noFill/>
+          </a:ln>
+        </p:spPr>
+        <p:style>
+          <a:lnRef idx="2">
+            <a:schemeClr val="accent1">
+              <a:shade val="15000"/>
+            </a:schemeClr>
+          </a:lnRef>
+          <a:fillRef idx="1">
+            <a:schemeClr val="accent1"/>
+          </a:fillRef>
+          <a:effectRef idx="0">
+            <a:schemeClr val="accent1"/>
+          </a:effectRef>
+          <a:fontRef idx="minor">
+            <a:schemeClr val="lt1"/>
+          </a:fontRef>
+        </p:style>
+        <p:txBody>
+          <a:bodyPr lIns="91440" tIns="45720" rIns="91440" bIns="45720" rtlCol="0" anchor="ctr"/>
+          <a:lstStyle/>
+          <a:p>
+            <a:pPr algn="ctr"/>
+            <a:endParaRPr lang="en-US">
+              <a:solidFill>
+                <a:srgbClr val="1148ED"/>
+              </a:solidFill>
+              <a:cs typeface="Calibri"/>
+            </a:endParaRPr>
+          </a:p>
+        </p:txBody>
+      </p:sp>
+      <p:pic>
+        <p:nvPicPr>
+          <p:cNvPr id="2" name="Picture 1">
+            <a:extLst>
+              <a:ext uri="{FF2B5EF4-FFF2-40B4-BE49-F238E27FC236}">
+                <a16:creationId xmlns:a16="http://schemas.microsoft.com/office/drawing/2014/main" id="{B64F5AF6-98D2-5AD4-5364-9E514528850F}"/>
+              </a:ext>
+            </a:extLst>
+          </p:cNvPr>
+          <p:cNvPicPr>
+            <a:picLocks noChangeAspect="1"/>
+          </p:cNvPicPr>
+          <p:nvPr/>
+        </p:nvPicPr>
+        <p:blipFill>
+          <a:blip r:embed="rId2" cstate="print">
+            <a:lum bright="70000" contrast="-70000"/>
+            <a:extLst>
+              <a:ext uri="{28A0092B-C50C-407E-A947-70E740481C1C}">
+                <a14:useLocalDpi xmlns:a14="http://schemas.microsoft.com/office/drawing/2010/main" val="0"/>
+              </a:ext>
+            </a:extLst>
+          </a:blip>
+          <a:srcRect/>
+          <a:stretch>
+            <a:fillRect/>
+          </a:stretch>
+        </p:blipFill>
+        <p:spPr bwMode="auto">
+          <a:xfrm>
+            <a:off x="5410200" y="6314721"/>
+            <a:ext cx="1371600" cy="466725"/>
+          </a:xfrm>
+          <a:prstGeom prst="rect">
+            <a:avLst/>
+          </a:prstGeom>
+          <a:noFill/>
+          <a:ln>
+            <a:noFill/>
+          </a:ln>
+        </p:spPr>
+      </p:pic>
+      <p:sp>
+        <p:nvSpPr>
+          <p:cNvPr id="9" name="Rectangle 8">
+            <a:extLst>
+              <a:ext uri="{FF2B5EF4-FFF2-40B4-BE49-F238E27FC236}">
+                <a16:creationId xmlns:a16="http://schemas.microsoft.com/office/drawing/2014/main" id="{B641B15C-4462-350A-6242-B358FAFBCD46}"/>
+              </a:ext>
+            </a:extLst>
+          </p:cNvPr>
+          <p:cNvSpPr/>
+          <p:nvPr/>
+        </p:nvSpPr>
+        <p:spPr>
+          <a:xfrm>
+            <a:off x="-1" y="-17374"/>
+            <a:ext cx="12198000" cy="162518"/>
+          </a:xfrm>
+          <a:prstGeom prst="rect">
+            <a:avLst/>
+          </a:prstGeom>
+          <a:solidFill>
+            <a:schemeClr val="accent5">
+              <a:lumMod val="75000"/>
+            </a:schemeClr>
+          </a:solidFill>
+          <a:ln>
+            <a:noFill/>
+          </a:ln>
+        </p:spPr>
+        <p:style>
+          <a:lnRef idx="2">
+            <a:schemeClr val="accent1">
+              <a:shade val="15000"/>
+            </a:schemeClr>
+          </a:lnRef>
+          <a:fillRef idx="1">
+            <a:schemeClr val="accent1"/>
+          </a:fillRef>
+          <a:effectRef idx="0">
+            <a:schemeClr val="accent1"/>
+          </a:effectRef>
+          <a:fontRef idx="minor">
+            <a:schemeClr val="lt1"/>
+          </a:fontRef>
+        </p:style>
+        <p:txBody>
+          <a:bodyPr lIns="91440" tIns="45720" rIns="91440" bIns="45720" rtlCol="0" anchor="ctr"/>
+          <a:lstStyle/>
+          <a:p>
+            <a:pPr algn="ctr"/>
+            <a:endParaRPr lang="en-US">
+              <a:solidFill>
+                <a:srgbClr val="1148ED"/>
+              </a:solidFill>
+              <a:cs typeface="Calibri"/>
+            </a:endParaRPr>
+          </a:p>
+        </p:txBody>
+      </p:sp>
+      <p:sp>
+        <p:nvSpPr>
+          <p:cNvPr id="3" name="TextBox 1">
+            <a:extLst>
+              <a:ext uri="{FF2B5EF4-FFF2-40B4-BE49-F238E27FC236}">
+                <a16:creationId xmlns:a16="http://schemas.microsoft.com/office/drawing/2014/main" id="{15AB8CC1-B330-C613-AE24-874ED00CF26D}"/>
+              </a:ext>
+            </a:extLst>
+          </p:cNvPr>
+          <p:cNvSpPr txBox="1"/>
+          <p:nvPr/>
+        </p:nvSpPr>
+        <p:spPr>
+          <a:xfrm>
+            <a:off x="1578282" y="407602"/>
+            <a:ext cx="10019930" cy="769441"/>
+          </a:xfrm>
+          <a:prstGeom prst="rect">
+            <a:avLst/>
+          </a:prstGeom>
+          <a:noFill/>
+        </p:spPr>
+        <p:txBody>
+          <a:bodyPr wrap="square" lIns="91440" tIns="45720" rIns="91440" bIns="45720" rtlCol="0" anchor="t">
+            <a:spAutoFit/>
+          </a:bodyPr>
+          <a:lstStyle>
+            <a:defPPr>
+              <a:defRPr lang="en-US"/>
+            </a:defPPr>
+            <a:lvl1pPr marL="0" algn="l" defTabSz="914400" rtl="0" eaLnBrk="1" latinLnBrk="0" hangingPunct="1">
+              <a:defRPr sz="1800" kern="1200">
+                <a:solidFill>
+                  <a:schemeClr val="tx1"/>
+                </a:solidFill>
+                <a:latin typeface="+mn-lt"/>
+                <a:ea typeface="+mn-ea"/>
+                <a:cs typeface="+mn-cs"/>
+              </a:defRPr>
+            </a:lvl1pPr>
+            <a:lvl2pPr marL="457200" algn="l" defTabSz="914400" rtl="0" eaLnBrk="1" latinLnBrk="0" hangingPunct="1">
+              <a:defRPr sz="1800" kern="1200">
+                <a:solidFill>
+                  <a:schemeClr val="tx1"/>
+                </a:solidFill>
+                <a:latin typeface="+mn-lt"/>
+                <a:ea typeface="+mn-ea"/>
+                <a:cs typeface="+mn-cs"/>
+              </a:defRPr>
+            </a:lvl2pPr>
+            <a:lvl3pPr marL="914400" algn="l" defTabSz="914400" rtl="0" eaLnBrk="1" latinLnBrk="0" hangingPunct="1">
+              <a:defRPr sz="1800" kern="1200">
+                <a:solidFill>
+                  <a:schemeClr val="tx1"/>
+                </a:solidFill>
+                <a:latin typeface="+mn-lt"/>
+                <a:ea typeface="+mn-ea"/>
+                <a:cs typeface="+mn-cs"/>
+              </a:defRPr>
+            </a:lvl3pPr>
+            <a:lvl4pPr marL="1371600" algn="l" defTabSz="914400" rtl="0" eaLnBrk="1" latinLnBrk="0" hangingPunct="1">
+              <a:defRPr sz="1800" kern="1200">
+                <a:solidFill>
+                  <a:schemeClr val="tx1"/>
+                </a:solidFill>
+                <a:latin typeface="+mn-lt"/>
+                <a:ea typeface="+mn-ea"/>
+                <a:cs typeface="+mn-cs"/>
+              </a:defRPr>
+            </a:lvl4pPr>
+            <a:lvl5pPr marL="1828800" algn="l" defTabSz="914400" rtl="0" eaLnBrk="1" latinLnBrk="0" hangingPunct="1">
+              <a:defRPr sz="1800" kern="1200">
+                <a:solidFill>
+                  <a:schemeClr val="tx1"/>
+                </a:solidFill>
+                <a:latin typeface="+mn-lt"/>
+                <a:ea typeface="+mn-ea"/>
+                <a:cs typeface="+mn-cs"/>
+              </a:defRPr>
+            </a:lvl5pPr>
+            <a:lvl6pPr marL="2286000" algn="l" defTabSz="914400" rtl="0" eaLnBrk="1" latinLnBrk="0" hangingPunct="1">
+              <a:defRPr sz="1800" kern="1200">
+                <a:solidFill>
+                  <a:schemeClr val="tx1"/>
+                </a:solidFill>
+                <a:latin typeface="+mn-lt"/>
+                <a:ea typeface="+mn-ea"/>
+                <a:cs typeface="+mn-cs"/>
+              </a:defRPr>
+            </a:lvl6pPr>
+            <a:lvl7pPr marL="2743200" algn="l" defTabSz="914400" rtl="0" eaLnBrk="1" latinLnBrk="0" hangingPunct="1">
+              <a:defRPr sz="1800" kern="1200">
+                <a:solidFill>
+                  <a:schemeClr val="tx1"/>
+                </a:solidFill>
+                <a:latin typeface="+mn-lt"/>
+                <a:ea typeface="+mn-ea"/>
+                <a:cs typeface="+mn-cs"/>
+              </a:defRPr>
+            </a:lvl7pPr>
+            <a:lvl8pPr marL="3200400" algn="l" defTabSz="914400" rtl="0" eaLnBrk="1" latinLnBrk="0" hangingPunct="1">
+              <a:defRPr sz="1800" kern="1200">
+                <a:solidFill>
+                  <a:schemeClr val="tx1"/>
+                </a:solidFill>
+                <a:latin typeface="+mn-lt"/>
+                <a:ea typeface="+mn-ea"/>
+                <a:cs typeface="+mn-cs"/>
+              </a:defRPr>
+            </a:lvl8pPr>
+            <a:lvl9pPr marL="3657600" algn="l" defTabSz="914400" rtl="0" eaLnBrk="1" latinLnBrk="0" hangingPunct="1">
+              <a:defRPr sz="1800" kern="1200">
+                <a:solidFill>
+                  <a:schemeClr val="tx1"/>
+                </a:solidFill>
+                <a:latin typeface="+mn-lt"/>
+                <a:ea typeface="+mn-ea"/>
+                <a:cs typeface="+mn-cs"/>
+              </a:defRPr>
+            </a:lvl9pPr>
+          </a:lstStyle>
+          <a:p>
+            <a:r>
+              <a:rPr lang="en-US" sz="4400" b="1" dirty="0">
+                <a:solidFill>
+                  <a:schemeClr val="tx1">
+                    <a:lumMod val="75000"/>
+                    <a:lumOff val="25000"/>
+                  </a:schemeClr>
+                </a:solidFill>
+                <a:latin typeface="Avenir Next" panose="020B0503020202020204" pitchFamily="34" charset="0"/>
+                <a:ea typeface="Segoe UI Black"/>
+              </a:rPr>
+              <a:t>Assessment Methodology</a:t>
+            </a:r>
+          </a:p>
+        </p:txBody>
+      </p:sp>
+      <p:pic>
+        <p:nvPicPr>
+          <p:cNvPr id="6" name="Picture 4" descr="Cruise Line Icon Vector, Boat, Cruise, Travel PNG and Vector with  Transparent Background for Free Download">
+            <a:extLst>
+              <a:ext uri="{FF2B5EF4-FFF2-40B4-BE49-F238E27FC236}">
+                <a16:creationId xmlns:a16="http://schemas.microsoft.com/office/drawing/2014/main" id="{68699505-D185-EF18-8A62-5EAB6212978F}"/>
+              </a:ext>
+            </a:extLst>
+          </p:cNvPr>
+          <p:cNvPicPr>
+            <a:picLocks noChangeAspect="1" noChangeArrowheads="1"/>
+          </p:cNvPicPr>
+          <p:nvPr/>
+        </p:nvPicPr>
+        <p:blipFill>
+          <a:blip r:embed="rId3">
+            <a:extLst>
+              <a:ext uri="{28A0092B-C50C-407E-A947-70E740481C1C}">
+                <a14:useLocalDpi xmlns:a14="http://schemas.microsoft.com/office/drawing/2010/main" val="0"/>
+              </a:ext>
+            </a:extLst>
+          </a:blip>
+          <a:srcRect/>
+          <a:stretch>
+            <a:fillRect/>
+          </a:stretch>
+        </p:blipFill>
+        <p:spPr bwMode="auto">
+          <a:xfrm>
+            <a:off x="210542" y="221370"/>
+            <a:ext cx="855536" cy="855536"/>
+          </a:xfrm>
+          <a:prstGeom prst="rect">
+            <a:avLst/>
+          </a:prstGeom>
+          <a:noFill/>
+          <a:extLst>
+            <a:ext uri="{909E8E84-426E-40DD-AFC4-6F175D3DCCD1}">
+              <a14:hiddenFill xmlns:a14="http://schemas.microsoft.com/office/drawing/2010/main">
+                <a:solidFill>
+                  <a:srgbClr val="FFFFFF"/>
+                </a:solidFill>
+              </a14:hiddenFill>
+            </a:ext>
+          </a:extLst>
+        </p:spPr>
+      </p:pic>
+      <p:sp>
+        <p:nvSpPr>
+          <p:cNvPr id="4" name="Oval 3">
+            <a:extLst>
+              <a:ext uri="{FF2B5EF4-FFF2-40B4-BE49-F238E27FC236}">
+                <a16:creationId xmlns:a16="http://schemas.microsoft.com/office/drawing/2014/main" id="{67B28191-DD27-F49E-FFD2-7866FC822BAD}"/>
+              </a:ext>
+            </a:extLst>
+          </p:cNvPr>
+          <p:cNvSpPr/>
+          <p:nvPr/>
+        </p:nvSpPr>
+        <p:spPr>
+          <a:xfrm>
+            <a:off x="1295695" y="1941832"/>
+            <a:ext cx="1513606" cy="1475580"/>
+          </a:xfrm>
+          <a:prstGeom prst="ellipse">
+            <a:avLst/>
+          </a:prstGeom>
+          <a:solidFill>
+            <a:schemeClr val="accent5">
+              <a:lumMod val="60000"/>
+              <a:lumOff val="40000"/>
+            </a:schemeClr>
+          </a:solidFill>
+          <a:ln>
+            <a:solidFill>
+              <a:schemeClr val="accent5">
+                <a:lumMod val="60000"/>
+                <a:lumOff val="40000"/>
+              </a:schemeClr>
+            </a:solidFill>
+          </a:ln>
+        </p:spPr>
+        <p:style>
+          <a:lnRef idx="2">
+            <a:schemeClr val="accent1">
+              <a:shade val="15000"/>
+            </a:schemeClr>
+          </a:lnRef>
+          <a:fillRef idx="1">
+            <a:schemeClr val="accent1"/>
+          </a:fillRef>
+          <a:effectRef idx="0">
+            <a:schemeClr val="accent1"/>
+          </a:effectRef>
+          <a:fontRef idx="minor">
+            <a:schemeClr val="lt1"/>
+          </a:fontRef>
+        </p:style>
+        <p:txBody>
+          <a:bodyPr rtlCol="0" anchor="ctr"/>
+          <a:lstStyle/>
+          <a:p>
+            <a:pPr algn="ctr"/>
+            <a:endParaRPr lang="en-US" dirty="0"/>
+          </a:p>
+        </p:txBody>
+      </p:sp>
+      <p:sp>
+        <p:nvSpPr>
+          <p:cNvPr id="7" name="Oval 6">
+            <a:extLst>
+              <a:ext uri="{FF2B5EF4-FFF2-40B4-BE49-F238E27FC236}">
+                <a16:creationId xmlns:a16="http://schemas.microsoft.com/office/drawing/2014/main" id="{A4D03EAB-9349-5C57-F493-BB8EF1643F1F}"/>
+              </a:ext>
+            </a:extLst>
+          </p:cNvPr>
+          <p:cNvSpPr/>
+          <p:nvPr/>
+        </p:nvSpPr>
+        <p:spPr>
+          <a:xfrm>
+            <a:off x="3320963" y="3429000"/>
+            <a:ext cx="1513606" cy="1475580"/>
+          </a:xfrm>
+          <a:prstGeom prst="ellipse">
+            <a:avLst/>
+          </a:prstGeom>
+          <a:solidFill>
+            <a:schemeClr val="accent5">
+              <a:lumMod val="60000"/>
+              <a:lumOff val="40000"/>
+            </a:schemeClr>
+          </a:solidFill>
+          <a:ln>
+            <a:solidFill>
+              <a:schemeClr val="accent5">
+                <a:lumMod val="60000"/>
+                <a:lumOff val="40000"/>
+              </a:schemeClr>
+            </a:solidFill>
+          </a:ln>
+        </p:spPr>
+        <p:style>
+          <a:lnRef idx="2">
+            <a:schemeClr val="accent1">
+              <a:shade val="15000"/>
+            </a:schemeClr>
+          </a:lnRef>
+          <a:fillRef idx="1">
+            <a:schemeClr val="accent1"/>
+          </a:fillRef>
+          <a:effectRef idx="0">
+            <a:schemeClr val="accent1"/>
+          </a:effectRef>
+          <a:fontRef idx="minor">
+            <a:schemeClr val="lt1"/>
+          </a:fontRef>
+        </p:style>
+        <p:txBody>
+          <a:bodyPr rtlCol="0" anchor="ctr"/>
+          <a:lstStyle/>
+          <a:p>
+            <a:pPr algn="ctr"/>
+            <a:endParaRPr lang="en-US"/>
+          </a:p>
+        </p:txBody>
+      </p:sp>
+      <p:sp>
+        <p:nvSpPr>
+          <p:cNvPr id="8" name="Oval 7">
+            <a:extLst>
+              <a:ext uri="{FF2B5EF4-FFF2-40B4-BE49-F238E27FC236}">
+                <a16:creationId xmlns:a16="http://schemas.microsoft.com/office/drawing/2014/main" id="{DFEA88F1-7633-4933-C409-C3ED7D57D0D4}"/>
+              </a:ext>
+            </a:extLst>
+          </p:cNvPr>
+          <p:cNvSpPr/>
+          <p:nvPr/>
+        </p:nvSpPr>
+        <p:spPr>
+          <a:xfrm>
+            <a:off x="5413872" y="1941832"/>
+            <a:ext cx="1513606" cy="1475580"/>
+          </a:xfrm>
+          <a:prstGeom prst="ellipse">
+            <a:avLst/>
+          </a:prstGeom>
+          <a:solidFill>
+            <a:schemeClr val="accent5">
+              <a:lumMod val="60000"/>
+              <a:lumOff val="40000"/>
+            </a:schemeClr>
+          </a:solidFill>
+          <a:ln>
+            <a:solidFill>
+              <a:schemeClr val="accent5">
+                <a:lumMod val="60000"/>
+                <a:lumOff val="40000"/>
+              </a:schemeClr>
+            </a:solidFill>
+          </a:ln>
+        </p:spPr>
+        <p:style>
+          <a:lnRef idx="2">
+            <a:schemeClr val="accent1">
+              <a:shade val="15000"/>
+            </a:schemeClr>
+          </a:lnRef>
+          <a:fillRef idx="1">
+            <a:schemeClr val="accent1"/>
+          </a:fillRef>
+          <a:effectRef idx="0">
+            <a:schemeClr val="accent1"/>
+          </a:effectRef>
+          <a:fontRef idx="minor">
+            <a:schemeClr val="lt1"/>
+          </a:fontRef>
+        </p:style>
+        <p:txBody>
+          <a:bodyPr rtlCol="0" anchor="ctr"/>
+          <a:lstStyle/>
+          <a:p>
+            <a:pPr algn="ctr"/>
+            <a:endParaRPr lang="en-US"/>
+          </a:p>
+        </p:txBody>
+      </p:sp>
+      <p:sp>
+        <p:nvSpPr>
+          <p:cNvPr id="10" name="Oval 9">
+            <a:extLst>
+              <a:ext uri="{FF2B5EF4-FFF2-40B4-BE49-F238E27FC236}">
+                <a16:creationId xmlns:a16="http://schemas.microsoft.com/office/drawing/2014/main" id="{6E697BB0-A43C-E4B1-3217-805561B87205}"/>
+              </a:ext>
+            </a:extLst>
+          </p:cNvPr>
+          <p:cNvSpPr/>
+          <p:nvPr/>
+        </p:nvSpPr>
+        <p:spPr>
+          <a:xfrm>
+            <a:off x="7533389" y="3361920"/>
+            <a:ext cx="1513606" cy="1475580"/>
+          </a:xfrm>
+          <a:prstGeom prst="ellipse">
+            <a:avLst/>
+          </a:prstGeom>
+          <a:solidFill>
+            <a:schemeClr val="accent5">
+              <a:lumMod val="60000"/>
+              <a:lumOff val="40000"/>
+            </a:schemeClr>
+          </a:solidFill>
+          <a:ln>
+            <a:solidFill>
+              <a:schemeClr val="accent5">
+                <a:lumMod val="60000"/>
+                <a:lumOff val="40000"/>
+              </a:schemeClr>
+            </a:solidFill>
+          </a:ln>
+        </p:spPr>
+        <p:style>
+          <a:lnRef idx="2">
+            <a:schemeClr val="accent1">
+              <a:shade val="15000"/>
+            </a:schemeClr>
+          </a:lnRef>
+          <a:fillRef idx="1">
+            <a:schemeClr val="accent1"/>
+          </a:fillRef>
+          <a:effectRef idx="0">
+            <a:schemeClr val="accent1"/>
+          </a:effectRef>
+          <a:fontRef idx="minor">
+            <a:schemeClr val="lt1"/>
+          </a:fontRef>
+        </p:style>
+        <p:txBody>
+          <a:bodyPr rtlCol="0" anchor="ctr"/>
+          <a:lstStyle/>
+          <a:p>
+            <a:pPr algn="ctr"/>
+            <a:endParaRPr lang="en-US"/>
+          </a:p>
+        </p:txBody>
+      </p:sp>
+      <p:sp>
+        <p:nvSpPr>
+          <p:cNvPr id="11" name="Oval 10">
+            <a:extLst>
+              <a:ext uri="{FF2B5EF4-FFF2-40B4-BE49-F238E27FC236}">
+                <a16:creationId xmlns:a16="http://schemas.microsoft.com/office/drawing/2014/main" id="{4189D78E-447F-B5AA-94C9-6AA6DF58548A}"/>
+              </a:ext>
+            </a:extLst>
+          </p:cNvPr>
+          <p:cNvSpPr/>
+          <p:nvPr/>
+        </p:nvSpPr>
+        <p:spPr>
+          <a:xfrm>
+            <a:off x="9630873" y="1940967"/>
+            <a:ext cx="1513606" cy="1475580"/>
+          </a:xfrm>
+          <a:prstGeom prst="ellipse">
+            <a:avLst/>
+          </a:prstGeom>
+          <a:solidFill>
+            <a:schemeClr val="accent5">
+              <a:lumMod val="60000"/>
+              <a:lumOff val="40000"/>
+            </a:schemeClr>
+          </a:solidFill>
+          <a:ln>
+            <a:solidFill>
+              <a:schemeClr val="accent5">
+                <a:lumMod val="60000"/>
+                <a:lumOff val="40000"/>
+              </a:schemeClr>
+            </a:solidFill>
+          </a:ln>
+        </p:spPr>
+        <p:style>
+          <a:lnRef idx="2">
+            <a:schemeClr val="accent1">
+              <a:shade val="15000"/>
+            </a:schemeClr>
+          </a:lnRef>
+          <a:fillRef idx="1">
+            <a:schemeClr val="accent1"/>
+          </a:fillRef>
+          <a:effectRef idx="0">
+            <a:schemeClr val="accent1"/>
+          </a:effectRef>
+          <a:fontRef idx="minor">
+            <a:schemeClr val="lt1"/>
+          </a:fontRef>
+        </p:style>
+        <p:txBody>
+          <a:bodyPr rtlCol="0" anchor="ctr"/>
+          <a:lstStyle/>
+          <a:p>
+            <a:pPr algn="ctr"/>
+            <a:endParaRPr lang="en-US"/>
+          </a:p>
+        </p:txBody>
+      </p:sp>
+      <p:cxnSp>
+        <p:nvCxnSpPr>
+          <p:cNvPr id="18" name="Straight Arrow Connector 17">
+            <a:extLst>
+              <a:ext uri="{FF2B5EF4-FFF2-40B4-BE49-F238E27FC236}">
+                <a16:creationId xmlns:a16="http://schemas.microsoft.com/office/drawing/2014/main" id="{9BCD3C6B-97F9-B71C-EC4A-3CC8DF8895A3}"/>
+              </a:ext>
+            </a:extLst>
+          </p:cNvPr>
+          <p:cNvCxnSpPr>
+            <a:cxnSpLocks/>
+          </p:cNvCxnSpPr>
+          <p:nvPr/>
+        </p:nvCxnSpPr>
+        <p:spPr>
+          <a:xfrm>
+            <a:off x="2760475" y="3280699"/>
+            <a:ext cx="595835" cy="430822"/>
+          </a:xfrm>
+          <a:prstGeom prst="straightConnector1">
+            <a:avLst/>
+          </a:prstGeom>
+          <a:ln w="76200">
+            <a:solidFill>
+              <a:schemeClr val="accent5">
+                <a:lumMod val="75000"/>
+              </a:schemeClr>
+            </a:solidFill>
+            <a:tailEnd type="triangle"/>
+          </a:ln>
+        </p:spPr>
+        <p:style>
+          <a:lnRef idx="1">
+            <a:schemeClr val="accent1"/>
+          </a:lnRef>
+          <a:fillRef idx="0">
+            <a:schemeClr val="accent1"/>
+          </a:fillRef>
+          <a:effectRef idx="0">
+            <a:schemeClr val="accent1"/>
+          </a:effectRef>
+          <a:fontRef idx="minor">
+            <a:schemeClr val="tx1"/>
+          </a:fontRef>
+        </p:style>
+      </p:cxnSp>
+      <p:cxnSp>
+        <p:nvCxnSpPr>
+          <p:cNvPr id="20" name="Straight Arrow Connector 19">
+            <a:extLst>
+              <a:ext uri="{FF2B5EF4-FFF2-40B4-BE49-F238E27FC236}">
+                <a16:creationId xmlns:a16="http://schemas.microsoft.com/office/drawing/2014/main" id="{EF4174F6-C869-A6AE-834C-BDB94D344701}"/>
+              </a:ext>
+            </a:extLst>
+          </p:cNvPr>
+          <p:cNvCxnSpPr>
+            <a:cxnSpLocks/>
+          </p:cNvCxnSpPr>
+          <p:nvPr/>
+        </p:nvCxnSpPr>
+        <p:spPr>
+          <a:xfrm flipV="1">
+            <a:off x="4902506" y="3280699"/>
+            <a:ext cx="507694" cy="430822"/>
+          </a:xfrm>
+          <a:prstGeom prst="straightConnector1">
+            <a:avLst/>
+          </a:prstGeom>
+          <a:ln w="76200">
+            <a:solidFill>
+              <a:schemeClr val="accent5">
+                <a:lumMod val="75000"/>
+              </a:schemeClr>
+            </a:solidFill>
+            <a:tailEnd type="triangle"/>
+          </a:ln>
+        </p:spPr>
+        <p:style>
+          <a:lnRef idx="1">
+            <a:schemeClr val="accent1"/>
+          </a:lnRef>
+          <a:fillRef idx="0">
+            <a:schemeClr val="accent1"/>
+          </a:fillRef>
+          <a:effectRef idx="0">
+            <a:schemeClr val="accent1"/>
+          </a:effectRef>
+          <a:fontRef idx="minor">
+            <a:schemeClr val="tx1"/>
+          </a:fontRef>
+        </p:style>
+      </p:cxnSp>
+      <p:sp>
+        <p:nvSpPr>
+          <p:cNvPr id="22" name="TextBox 21">
+            <a:extLst>
+              <a:ext uri="{FF2B5EF4-FFF2-40B4-BE49-F238E27FC236}">
+                <a16:creationId xmlns:a16="http://schemas.microsoft.com/office/drawing/2014/main" id="{43885699-ED23-A72F-B45E-7873D080E5E2}"/>
+              </a:ext>
+            </a:extLst>
+          </p:cNvPr>
+          <p:cNvSpPr txBox="1"/>
+          <p:nvPr/>
+        </p:nvSpPr>
+        <p:spPr>
+          <a:xfrm>
+            <a:off x="1519968" y="3557278"/>
+            <a:ext cx="1163077" cy="408623"/>
+          </a:xfrm>
+          <a:prstGeom prst="roundRect">
+            <a:avLst/>
+          </a:prstGeom>
+          <a:noFill/>
+          <a:ln w="12700">
+            <a:solidFill>
+              <a:schemeClr val="accent5">
+                <a:lumMod val="75000"/>
+              </a:schemeClr>
+            </a:solidFill>
+          </a:ln>
+        </p:spPr>
+        <p:txBody>
+          <a:bodyPr wrap="square" rtlCol="0">
+            <a:spAutoFit/>
+          </a:bodyPr>
+          <a:lstStyle/>
+          <a:p>
+            <a:pPr algn="ctr"/>
+            <a:r>
+              <a:rPr lang="en-US" b="1" dirty="0">
+                <a:solidFill>
+                  <a:schemeClr val="accent5">
+                    <a:lumMod val="75000"/>
+                  </a:schemeClr>
+                </a:solidFill>
+              </a:rPr>
+              <a:t>SEVERITY</a:t>
+            </a:r>
+          </a:p>
+        </p:txBody>
+      </p:sp>
+      <p:sp>
+        <p:nvSpPr>
+          <p:cNvPr id="23" name="TextBox 22">
+            <a:extLst>
+              <a:ext uri="{FF2B5EF4-FFF2-40B4-BE49-F238E27FC236}">
+                <a16:creationId xmlns:a16="http://schemas.microsoft.com/office/drawing/2014/main" id="{B4336097-8954-188F-9A45-B3B9B4021A4E}"/>
+              </a:ext>
+            </a:extLst>
+          </p:cNvPr>
+          <p:cNvSpPr txBox="1"/>
+          <p:nvPr/>
+        </p:nvSpPr>
+        <p:spPr>
+          <a:xfrm>
+            <a:off x="3257966" y="4989664"/>
+            <a:ext cx="1670684" cy="715089"/>
+          </a:xfrm>
+          <a:prstGeom prst="roundRect">
+            <a:avLst/>
+          </a:prstGeom>
+          <a:noFill/>
+          <a:ln w="12700">
+            <a:solidFill>
+              <a:schemeClr val="accent5">
+                <a:lumMod val="75000"/>
+              </a:schemeClr>
+            </a:solidFill>
+          </a:ln>
+        </p:spPr>
+        <p:txBody>
+          <a:bodyPr wrap="square" rtlCol="0">
+            <a:spAutoFit/>
+          </a:bodyPr>
+          <a:lstStyle/>
+          <a:p>
+            <a:pPr algn="ctr"/>
+            <a:r>
+              <a:rPr lang="en-US" b="1" dirty="0">
+                <a:solidFill>
+                  <a:schemeClr val="accent5">
+                    <a:lumMod val="75000"/>
+                  </a:schemeClr>
+                </a:solidFill>
+              </a:rPr>
+              <a:t>POTENTIAL EXPOSURE</a:t>
+            </a:r>
+          </a:p>
+        </p:txBody>
+      </p:sp>
+      <p:sp>
+        <p:nvSpPr>
+          <p:cNvPr id="24" name="TextBox 23">
+            <a:extLst>
+              <a:ext uri="{FF2B5EF4-FFF2-40B4-BE49-F238E27FC236}">
+                <a16:creationId xmlns:a16="http://schemas.microsoft.com/office/drawing/2014/main" id="{E1626A87-DD10-3928-5A42-BA2707441E30}"/>
+              </a:ext>
+            </a:extLst>
+          </p:cNvPr>
+          <p:cNvSpPr txBox="1"/>
+          <p:nvPr/>
+        </p:nvSpPr>
+        <p:spPr>
+          <a:xfrm>
+            <a:off x="5618723" y="3557277"/>
+            <a:ext cx="1163077" cy="715089"/>
+          </a:xfrm>
+          <a:prstGeom prst="roundRect">
+            <a:avLst/>
+          </a:prstGeom>
+          <a:noFill/>
+          <a:ln w="12700">
+            <a:solidFill>
+              <a:schemeClr val="accent5">
+                <a:lumMod val="75000"/>
+              </a:schemeClr>
+            </a:solidFill>
+          </a:ln>
+        </p:spPr>
+        <p:txBody>
+          <a:bodyPr wrap="square" rtlCol="0">
+            <a:spAutoFit/>
+          </a:bodyPr>
+          <a:lstStyle/>
+          <a:p>
+            <a:pPr algn="ctr"/>
+            <a:r>
+              <a:rPr lang="en-US" b="1" dirty="0">
+                <a:solidFill>
+                  <a:schemeClr val="accent5">
+                    <a:lumMod val="75000"/>
+                  </a:schemeClr>
+                </a:solidFill>
+              </a:rPr>
+              <a:t>EASY TO EXPLOIT?</a:t>
+            </a:r>
+          </a:p>
+        </p:txBody>
+      </p:sp>
+      <p:sp>
+        <p:nvSpPr>
+          <p:cNvPr id="25" name="TextBox 24">
+            <a:extLst>
+              <a:ext uri="{FF2B5EF4-FFF2-40B4-BE49-F238E27FC236}">
+                <a16:creationId xmlns:a16="http://schemas.microsoft.com/office/drawing/2014/main" id="{1E78784E-EF92-A2BE-07FA-D3ECD8BDD685}"/>
+              </a:ext>
+            </a:extLst>
+          </p:cNvPr>
+          <p:cNvSpPr txBox="1"/>
+          <p:nvPr/>
+        </p:nvSpPr>
+        <p:spPr>
+          <a:xfrm>
+            <a:off x="7708653" y="4989664"/>
+            <a:ext cx="1313330" cy="715089"/>
+          </a:xfrm>
+          <a:prstGeom prst="roundRect">
+            <a:avLst/>
+          </a:prstGeom>
+          <a:noFill/>
+          <a:ln w="12700">
+            <a:solidFill>
+              <a:schemeClr val="accent5">
+                <a:lumMod val="75000"/>
+              </a:schemeClr>
+            </a:solidFill>
+          </a:ln>
+        </p:spPr>
+        <p:txBody>
+          <a:bodyPr wrap="square" rtlCol="0">
+            <a:spAutoFit/>
+          </a:bodyPr>
+          <a:lstStyle/>
+          <a:p>
+            <a:pPr algn="ctr"/>
+            <a:r>
+              <a:rPr lang="en-US" b="1" dirty="0">
+                <a:solidFill>
+                  <a:schemeClr val="accent5">
+                    <a:lumMod val="75000"/>
+                  </a:schemeClr>
+                </a:solidFill>
+              </a:rPr>
+              <a:t>BUSINESS IMPACT</a:t>
+            </a:r>
+          </a:p>
+        </p:txBody>
+      </p:sp>
+      <p:sp>
+        <p:nvSpPr>
+          <p:cNvPr id="26" name="TextBox 25">
+            <a:extLst>
+              <a:ext uri="{FF2B5EF4-FFF2-40B4-BE49-F238E27FC236}">
+                <a16:creationId xmlns:a16="http://schemas.microsoft.com/office/drawing/2014/main" id="{DF052A0A-2E71-A3E7-3AC9-CFF81927E6A8}"/>
+              </a:ext>
+            </a:extLst>
+          </p:cNvPr>
+          <p:cNvSpPr txBox="1"/>
+          <p:nvPr/>
+        </p:nvSpPr>
+        <p:spPr>
+          <a:xfrm>
+            <a:off x="9606330" y="3518401"/>
+            <a:ext cx="1607338" cy="408623"/>
+          </a:xfrm>
+          <a:prstGeom prst="roundRect">
+            <a:avLst/>
+          </a:prstGeom>
+          <a:noFill/>
+          <a:ln w="12700">
+            <a:solidFill>
+              <a:schemeClr val="accent5">
+                <a:lumMod val="75000"/>
+              </a:schemeClr>
+            </a:solidFill>
+          </a:ln>
+        </p:spPr>
+        <p:txBody>
+          <a:bodyPr wrap="square" rtlCol="0">
+            <a:spAutoFit/>
+          </a:bodyPr>
+          <a:lstStyle/>
+          <a:p>
+            <a:pPr algn="ctr"/>
+            <a:r>
+              <a:rPr lang="en-US" b="1" dirty="0">
+                <a:solidFill>
+                  <a:schemeClr val="accent5">
+                    <a:lumMod val="75000"/>
+                  </a:schemeClr>
+                </a:solidFill>
+              </a:rPr>
+              <a:t>REMEDIATION</a:t>
+            </a:r>
+          </a:p>
+        </p:txBody>
+      </p:sp>
+      <p:cxnSp>
+        <p:nvCxnSpPr>
+          <p:cNvPr id="29" name="Straight Arrow Connector 28">
+            <a:extLst>
+              <a:ext uri="{FF2B5EF4-FFF2-40B4-BE49-F238E27FC236}">
+                <a16:creationId xmlns:a16="http://schemas.microsoft.com/office/drawing/2014/main" id="{6B095F15-4116-CFD5-AF4E-B372039A6B21}"/>
+              </a:ext>
+            </a:extLst>
+          </p:cNvPr>
+          <p:cNvCxnSpPr>
+            <a:cxnSpLocks/>
+          </p:cNvCxnSpPr>
+          <p:nvPr/>
+        </p:nvCxnSpPr>
+        <p:spPr>
+          <a:xfrm flipV="1">
+            <a:off x="9021983" y="3103258"/>
+            <a:ext cx="507694" cy="430822"/>
+          </a:xfrm>
+          <a:prstGeom prst="straightConnector1">
+            <a:avLst/>
+          </a:prstGeom>
+          <a:ln w="76200">
+            <a:solidFill>
+              <a:schemeClr val="accent5">
+                <a:lumMod val="75000"/>
+              </a:schemeClr>
+            </a:solidFill>
+            <a:tailEnd type="triangle"/>
+          </a:ln>
+        </p:spPr>
+        <p:style>
+          <a:lnRef idx="1">
+            <a:schemeClr val="accent1"/>
+          </a:lnRef>
+          <a:fillRef idx="0">
+            <a:schemeClr val="accent1"/>
+          </a:fillRef>
+          <a:effectRef idx="0">
+            <a:schemeClr val="accent1"/>
+          </a:effectRef>
+          <a:fontRef idx="minor">
+            <a:schemeClr val="tx1"/>
+          </a:fontRef>
+        </p:style>
+      </p:cxnSp>
+      <p:cxnSp>
+        <p:nvCxnSpPr>
+          <p:cNvPr id="30" name="Straight Arrow Connector 29">
+            <a:extLst>
+              <a:ext uri="{FF2B5EF4-FFF2-40B4-BE49-F238E27FC236}">
+                <a16:creationId xmlns:a16="http://schemas.microsoft.com/office/drawing/2014/main" id="{9B1C258B-F68E-10D8-59A5-AD9E5232FC59}"/>
+              </a:ext>
+            </a:extLst>
+          </p:cNvPr>
+          <p:cNvCxnSpPr>
+            <a:cxnSpLocks/>
+          </p:cNvCxnSpPr>
+          <p:nvPr/>
+        </p:nvCxnSpPr>
+        <p:spPr>
+          <a:xfrm>
+            <a:off x="6970119" y="3146509"/>
+            <a:ext cx="595835" cy="430822"/>
+          </a:xfrm>
+          <a:prstGeom prst="straightConnector1">
+            <a:avLst/>
+          </a:prstGeom>
+          <a:ln w="76200">
+            <a:solidFill>
+              <a:schemeClr val="accent5">
+                <a:lumMod val="75000"/>
+              </a:schemeClr>
+            </a:solidFill>
+            <a:tailEnd type="triangle"/>
+          </a:ln>
+        </p:spPr>
+        <p:style>
+          <a:lnRef idx="1">
+            <a:schemeClr val="accent1"/>
+          </a:lnRef>
+          <a:fillRef idx="0">
+            <a:schemeClr val="accent1"/>
+          </a:fillRef>
+          <a:effectRef idx="0">
+            <a:schemeClr val="accent1"/>
+          </a:effectRef>
+          <a:fontRef idx="minor">
+            <a:schemeClr val="tx1"/>
+          </a:fontRef>
+        </p:style>
+      </p:cxnSp>
+      <p:pic>
+        <p:nvPicPr>
+          <p:cNvPr id="31" name="Picture 30">
+            <a:extLst>
+              <a:ext uri="{FF2B5EF4-FFF2-40B4-BE49-F238E27FC236}">
+                <a16:creationId xmlns:a16="http://schemas.microsoft.com/office/drawing/2014/main" id="{D8377439-E27E-C85A-4258-D5336BD4598A}"/>
+              </a:ext>
+            </a:extLst>
+          </p:cNvPr>
+          <p:cNvPicPr>
+            <a:picLocks noChangeAspect="1"/>
+          </p:cNvPicPr>
+          <p:nvPr/>
+        </p:nvPicPr>
+        <p:blipFill>
+          <a:blip r:embed="rId4"/>
+          <a:stretch>
+            <a:fillRect/>
+          </a:stretch>
+        </p:blipFill>
+        <p:spPr>
+          <a:xfrm>
+            <a:off x="1565628" y="2191887"/>
+            <a:ext cx="973739" cy="973739"/>
+          </a:xfrm>
+          <a:prstGeom prst="rect">
+            <a:avLst/>
+          </a:prstGeom>
+        </p:spPr>
+      </p:pic>
+      <p:pic>
+        <p:nvPicPr>
+          <p:cNvPr id="32" name="Picture 31">
+            <a:extLst>
+              <a:ext uri="{FF2B5EF4-FFF2-40B4-BE49-F238E27FC236}">
+                <a16:creationId xmlns:a16="http://schemas.microsoft.com/office/drawing/2014/main" id="{F7E162C7-65F9-188B-A874-53D98A7ED1F5}"/>
+              </a:ext>
+            </a:extLst>
+          </p:cNvPr>
+          <p:cNvPicPr>
+            <a:picLocks noChangeAspect="1"/>
+          </p:cNvPicPr>
+          <p:nvPr/>
+        </p:nvPicPr>
+        <p:blipFill>
+          <a:blip r:embed="rId5"/>
+          <a:stretch>
+            <a:fillRect/>
+          </a:stretch>
+        </p:blipFill>
+        <p:spPr>
+          <a:xfrm>
+            <a:off x="3601452" y="3711521"/>
+            <a:ext cx="952625" cy="952625"/>
+          </a:xfrm>
+          <a:prstGeom prst="rect">
+            <a:avLst/>
+          </a:prstGeom>
+        </p:spPr>
+      </p:pic>
+      <p:pic>
+        <p:nvPicPr>
+          <p:cNvPr id="33" name="Picture 32">
+            <a:extLst>
+              <a:ext uri="{FF2B5EF4-FFF2-40B4-BE49-F238E27FC236}">
+                <a16:creationId xmlns:a16="http://schemas.microsoft.com/office/drawing/2014/main" id="{91444DF7-A6DB-40AE-C465-559B3A86A6DA}"/>
+              </a:ext>
+            </a:extLst>
+          </p:cNvPr>
+          <p:cNvPicPr>
+            <a:picLocks noChangeAspect="1"/>
+          </p:cNvPicPr>
+          <p:nvPr/>
+        </p:nvPicPr>
+        <p:blipFill>
+          <a:blip r:embed="rId6"/>
+          <a:stretch>
+            <a:fillRect/>
+          </a:stretch>
+        </p:blipFill>
+        <p:spPr>
+          <a:xfrm>
+            <a:off x="5665468" y="2174416"/>
+            <a:ext cx="1010413" cy="1010413"/>
+          </a:xfrm>
+          <a:prstGeom prst="rect">
+            <a:avLst/>
+          </a:prstGeom>
+        </p:spPr>
+      </p:pic>
+      <p:pic>
+        <p:nvPicPr>
+          <p:cNvPr id="34" name="Picture 33">
+            <a:extLst>
+              <a:ext uri="{FF2B5EF4-FFF2-40B4-BE49-F238E27FC236}">
+                <a16:creationId xmlns:a16="http://schemas.microsoft.com/office/drawing/2014/main" id="{1E8AEE6B-30F9-B1BF-8F49-E3CFCEA263CC}"/>
+              </a:ext>
+            </a:extLst>
+          </p:cNvPr>
+          <p:cNvPicPr>
+            <a:picLocks noChangeAspect="1"/>
+          </p:cNvPicPr>
+          <p:nvPr/>
+        </p:nvPicPr>
+        <p:blipFill>
+          <a:blip r:embed="rId7"/>
+          <a:stretch>
+            <a:fillRect/>
+          </a:stretch>
+        </p:blipFill>
+        <p:spPr>
+          <a:xfrm>
+            <a:off x="7832451" y="3641969"/>
+            <a:ext cx="915481" cy="915481"/>
+          </a:xfrm>
+          <a:prstGeom prst="rect">
+            <a:avLst/>
+          </a:prstGeom>
+        </p:spPr>
+      </p:pic>
+      <p:pic>
+        <p:nvPicPr>
+          <p:cNvPr id="35" name="Picture 34">
+            <a:extLst>
+              <a:ext uri="{FF2B5EF4-FFF2-40B4-BE49-F238E27FC236}">
+                <a16:creationId xmlns:a16="http://schemas.microsoft.com/office/drawing/2014/main" id="{FBA347F4-90FE-4E17-B91D-3233490A4549}"/>
+              </a:ext>
+            </a:extLst>
+          </p:cNvPr>
+          <p:cNvPicPr>
+            <a:picLocks noChangeAspect="1"/>
+          </p:cNvPicPr>
+          <p:nvPr/>
+        </p:nvPicPr>
+        <p:blipFill>
+          <a:blip r:embed="rId8"/>
+          <a:stretch>
+            <a:fillRect/>
+          </a:stretch>
+        </p:blipFill>
+        <p:spPr>
+          <a:xfrm>
+            <a:off x="9923694" y="2193317"/>
+            <a:ext cx="972611" cy="972611"/>
+          </a:xfrm>
+          <a:prstGeom prst="rect">
+            <a:avLst/>
+          </a:prstGeom>
+        </p:spPr>
+      </p:pic>
+    </p:spTree>
+    <p:extLst>
+      <p:ext uri="{BB962C8B-B14F-4D97-AF65-F5344CB8AC3E}">
+        <p14:creationId xmlns:p14="http://schemas.microsoft.com/office/powerpoint/2010/main" val="3384403910"/>
+      </p:ext>
+    </p:extLst>
+  </p:cSld>
+  <p:clrMapOvr>
+    <a:masterClrMapping/>
+  </p:clrMapOvr>
+</p:sld>
+</file>
+
+<file path=ppt/slides/slide7.xml><?xml version="1.0" encoding="utf-8"?>
+<p:sld xmlns:a="http://schemas.openxmlformats.org/drawingml/2006/main" xmlns:r="http://schemas.openxmlformats.org/officeDocument/2006/relationships" xmlns:p="http://schemas.openxmlformats.org/presentationml/2006/main">
+  <p:cSld>
+    <p:spTree>
+      <p:nvGrpSpPr>
+        <p:cNvPr id="1" name="">
+          <a:extLst>
+            <a:ext uri="{FF2B5EF4-FFF2-40B4-BE49-F238E27FC236}">
+              <a16:creationId xmlns:a16="http://schemas.microsoft.com/office/drawing/2014/main" id="{5E21E6E1-2966-7F8A-28FA-9A70FB3ED148}"/>
+            </a:ext>
+          </a:extLst>
+        </p:cNvPr>
+        <p:cNvGrpSpPr/>
+        <p:nvPr/>
+      </p:nvGrpSpPr>
+      <p:grpSpPr>
+        <a:xfrm>
+          <a:off x="0" y="0"/>
+          <a:ext cx="0" cy="0"/>
+          <a:chOff x="0" y="0"/>
+          <a:chExt cx="0" cy="0"/>
+        </a:xfrm>
+      </p:grpSpPr>
+      <p:sp>
+        <p:nvSpPr>
+          <p:cNvPr id="5" name="Rectangle 4">
+            <a:extLst>
+              <a:ext uri="{FF2B5EF4-FFF2-40B4-BE49-F238E27FC236}">
+                <a16:creationId xmlns:a16="http://schemas.microsoft.com/office/drawing/2014/main" id="{9113B12D-A78B-6901-E89B-50CE93BBDC75}"/>
+              </a:ext>
+            </a:extLst>
+          </p:cNvPr>
+          <p:cNvSpPr/>
+          <p:nvPr/>
+        </p:nvSpPr>
+        <p:spPr>
+          <a:xfrm>
+            <a:off x="0" y="6246000"/>
+            <a:ext cx="12198000" cy="612000"/>
+          </a:xfrm>
+          <a:prstGeom prst="rect">
+            <a:avLst/>
+          </a:prstGeom>
+          <a:solidFill>
+            <a:schemeClr val="accent5">
+              <a:lumMod val="75000"/>
+            </a:schemeClr>
+          </a:solidFill>
+          <a:ln>
+            <a:noFill/>
+          </a:ln>
+        </p:spPr>
+        <p:style>
+          <a:lnRef idx="2">
+            <a:schemeClr val="accent1">
+              <a:shade val="15000"/>
+            </a:schemeClr>
+          </a:lnRef>
+          <a:fillRef idx="1">
+            <a:schemeClr val="accent1"/>
+          </a:fillRef>
+          <a:effectRef idx="0">
+            <a:schemeClr val="accent1"/>
+          </a:effectRef>
+          <a:fontRef idx="minor">
+            <a:schemeClr val="lt1"/>
+          </a:fontRef>
+        </p:style>
+        <p:txBody>
+          <a:bodyPr lIns="91440" tIns="45720" rIns="91440" bIns="45720" rtlCol="0" anchor="ctr"/>
+          <a:lstStyle/>
+          <a:p>
+            <a:pPr algn="ctr"/>
+            <a:endParaRPr lang="en-US">
+              <a:solidFill>
+                <a:srgbClr val="1148ED"/>
+              </a:solidFill>
+              <a:cs typeface="Calibri"/>
+            </a:endParaRPr>
+          </a:p>
+        </p:txBody>
+      </p:sp>
+      <p:pic>
+        <p:nvPicPr>
+          <p:cNvPr id="2" name="Picture 1">
+            <a:extLst>
+              <a:ext uri="{FF2B5EF4-FFF2-40B4-BE49-F238E27FC236}">
+                <a16:creationId xmlns:a16="http://schemas.microsoft.com/office/drawing/2014/main" id="{86BAFE9D-6BA2-50B9-F803-20E5F911A66E}"/>
+              </a:ext>
+            </a:extLst>
+          </p:cNvPr>
+          <p:cNvPicPr>
+            <a:picLocks noChangeAspect="1"/>
+          </p:cNvPicPr>
+          <p:nvPr/>
+        </p:nvPicPr>
+        <p:blipFill>
+          <a:blip r:embed="rId2" cstate="print">
+            <a:lum bright="70000" contrast="-70000"/>
+            <a:extLst>
+              <a:ext uri="{28A0092B-C50C-407E-A947-70E740481C1C}">
+                <a14:useLocalDpi xmlns:a14="http://schemas.microsoft.com/office/drawing/2010/main" val="0"/>
+              </a:ext>
+            </a:extLst>
+          </a:blip>
+          <a:srcRect/>
+          <a:stretch>
+            <a:fillRect/>
+          </a:stretch>
+        </p:blipFill>
+        <p:spPr bwMode="auto">
+          <a:xfrm>
+            <a:off x="5410200" y="6314721"/>
+            <a:ext cx="1371600" cy="466725"/>
+          </a:xfrm>
+          <a:prstGeom prst="rect">
+            <a:avLst/>
+          </a:prstGeom>
+          <a:noFill/>
+          <a:ln>
+            <a:noFill/>
+          </a:ln>
+        </p:spPr>
+      </p:pic>
+      <p:sp>
+        <p:nvSpPr>
+          <p:cNvPr id="9" name="Rectangle 8">
+            <a:extLst>
+              <a:ext uri="{FF2B5EF4-FFF2-40B4-BE49-F238E27FC236}">
+                <a16:creationId xmlns:a16="http://schemas.microsoft.com/office/drawing/2014/main" id="{460D0939-78E6-370A-687C-1C8CCE39CA29}"/>
+              </a:ext>
+            </a:extLst>
+          </p:cNvPr>
+          <p:cNvSpPr/>
+          <p:nvPr/>
+        </p:nvSpPr>
+        <p:spPr>
+          <a:xfrm>
+            <a:off x="-1" y="-17374"/>
+            <a:ext cx="12198000" cy="162518"/>
+          </a:xfrm>
+          <a:prstGeom prst="rect">
+            <a:avLst/>
+          </a:prstGeom>
+          <a:solidFill>
+            <a:schemeClr val="accent5">
+              <a:lumMod val="75000"/>
+            </a:schemeClr>
+          </a:solidFill>
+          <a:ln>
+            <a:noFill/>
+          </a:ln>
+        </p:spPr>
+        <p:style>
+          <a:lnRef idx="2">
+            <a:schemeClr val="accent1">
+              <a:shade val="15000"/>
+            </a:schemeClr>
+          </a:lnRef>
+          <a:fillRef idx="1">
+            <a:schemeClr val="accent1"/>
+          </a:fillRef>
+          <a:effectRef idx="0">
+            <a:schemeClr val="accent1"/>
+          </a:effectRef>
+          <a:fontRef idx="minor">
+            <a:schemeClr val="lt1"/>
+          </a:fontRef>
+        </p:style>
+        <p:txBody>
+          <a:bodyPr lIns="91440" tIns="45720" rIns="91440" bIns="45720" rtlCol="0" anchor="ctr"/>
+          <a:lstStyle/>
+          <a:p>
+            <a:pPr algn="ctr"/>
+            <a:endParaRPr lang="en-US">
+              <a:solidFill>
+                <a:srgbClr val="1148ED"/>
+              </a:solidFill>
+              <a:cs typeface="Calibri"/>
+            </a:endParaRPr>
+          </a:p>
+        </p:txBody>
+      </p:sp>
+      <p:sp>
+        <p:nvSpPr>
+          <p:cNvPr id="3" name="TextBox 1">
+            <a:extLst>
+              <a:ext uri="{FF2B5EF4-FFF2-40B4-BE49-F238E27FC236}">
+                <a16:creationId xmlns:a16="http://schemas.microsoft.com/office/drawing/2014/main" id="{8D514C27-A208-C6AB-2708-C499D9DDF2E9}"/>
+              </a:ext>
+            </a:extLst>
+          </p:cNvPr>
+          <p:cNvSpPr txBox="1"/>
+          <p:nvPr/>
+        </p:nvSpPr>
+        <p:spPr>
+          <a:xfrm>
+            <a:off x="1578282" y="407602"/>
+            <a:ext cx="10019930" cy="769441"/>
+          </a:xfrm>
+          <a:prstGeom prst="rect">
+            <a:avLst/>
+          </a:prstGeom>
+          <a:noFill/>
+        </p:spPr>
+        <p:txBody>
+          <a:bodyPr wrap="square" lIns="91440" tIns="45720" rIns="91440" bIns="45720" rtlCol="0" anchor="t">
+            <a:spAutoFit/>
+          </a:bodyPr>
+          <a:lstStyle>
+            <a:defPPr>
+              <a:defRPr lang="en-US"/>
+            </a:defPPr>
+            <a:lvl1pPr marL="0" algn="l" defTabSz="914400" rtl="0" eaLnBrk="1" latinLnBrk="0" hangingPunct="1">
+              <a:defRPr sz="1800" kern="1200">
+                <a:solidFill>
+                  <a:schemeClr val="tx1"/>
+                </a:solidFill>
+                <a:latin typeface="+mn-lt"/>
+                <a:ea typeface="+mn-ea"/>
+                <a:cs typeface="+mn-cs"/>
+              </a:defRPr>
+            </a:lvl1pPr>
+            <a:lvl2pPr marL="457200" algn="l" defTabSz="914400" rtl="0" eaLnBrk="1" latinLnBrk="0" hangingPunct="1">
+              <a:defRPr sz="1800" kern="1200">
+                <a:solidFill>
+                  <a:schemeClr val="tx1"/>
+                </a:solidFill>
+                <a:latin typeface="+mn-lt"/>
+                <a:ea typeface="+mn-ea"/>
+                <a:cs typeface="+mn-cs"/>
+              </a:defRPr>
+            </a:lvl2pPr>
+            <a:lvl3pPr marL="914400" algn="l" defTabSz="914400" rtl="0" eaLnBrk="1" latinLnBrk="0" hangingPunct="1">
+              <a:defRPr sz="1800" kern="1200">
+                <a:solidFill>
+                  <a:schemeClr val="tx1"/>
+                </a:solidFill>
+                <a:latin typeface="+mn-lt"/>
+                <a:ea typeface="+mn-ea"/>
+                <a:cs typeface="+mn-cs"/>
+              </a:defRPr>
+            </a:lvl3pPr>
+            <a:lvl4pPr marL="1371600" algn="l" defTabSz="914400" rtl="0" eaLnBrk="1" latinLnBrk="0" hangingPunct="1">
+              <a:defRPr sz="1800" kern="1200">
+                <a:solidFill>
+                  <a:schemeClr val="tx1"/>
+                </a:solidFill>
+                <a:latin typeface="+mn-lt"/>
+                <a:ea typeface="+mn-ea"/>
+                <a:cs typeface="+mn-cs"/>
+              </a:defRPr>
+            </a:lvl4pPr>
+            <a:lvl5pPr marL="1828800" algn="l" defTabSz="914400" rtl="0" eaLnBrk="1" latinLnBrk="0" hangingPunct="1">
+              <a:defRPr sz="1800" kern="1200">
+                <a:solidFill>
+                  <a:schemeClr val="tx1"/>
+                </a:solidFill>
+                <a:latin typeface="+mn-lt"/>
+                <a:ea typeface="+mn-ea"/>
+                <a:cs typeface="+mn-cs"/>
+              </a:defRPr>
+            </a:lvl5pPr>
+            <a:lvl6pPr marL="2286000" algn="l" defTabSz="914400" rtl="0" eaLnBrk="1" latinLnBrk="0" hangingPunct="1">
+              <a:defRPr sz="1800" kern="1200">
+                <a:solidFill>
+                  <a:schemeClr val="tx1"/>
+                </a:solidFill>
+                <a:latin typeface="+mn-lt"/>
+                <a:ea typeface="+mn-ea"/>
+                <a:cs typeface="+mn-cs"/>
+              </a:defRPr>
+            </a:lvl6pPr>
+            <a:lvl7pPr marL="2743200" algn="l" defTabSz="914400" rtl="0" eaLnBrk="1" latinLnBrk="0" hangingPunct="1">
+              <a:defRPr sz="1800" kern="1200">
+                <a:solidFill>
+                  <a:schemeClr val="tx1"/>
+                </a:solidFill>
+                <a:latin typeface="+mn-lt"/>
+                <a:ea typeface="+mn-ea"/>
+                <a:cs typeface="+mn-cs"/>
+              </a:defRPr>
+            </a:lvl7pPr>
+            <a:lvl8pPr marL="3200400" algn="l" defTabSz="914400" rtl="0" eaLnBrk="1" latinLnBrk="0" hangingPunct="1">
+              <a:defRPr sz="1800" kern="1200">
+                <a:solidFill>
+                  <a:schemeClr val="tx1"/>
+                </a:solidFill>
+                <a:latin typeface="+mn-lt"/>
+                <a:ea typeface="+mn-ea"/>
+                <a:cs typeface="+mn-cs"/>
+              </a:defRPr>
+            </a:lvl8pPr>
+            <a:lvl9pPr marL="3657600" algn="l" defTabSz="914400" rtl="0" eaLnBrk="1" latinLnBrk="0" hangingPunct="1">
+              <a:defRPr sz="1800" kern="1200">
+                <a:solidFill>
+                  <a:schemeClr val="tx1"/>
+                </a:solidFill>
+                <a:latin typeface="+mn-lt"/>
+                <a:ea typeface="+mn-ea"/>
+                <a:cs typeface="+mn-cs"/>
+              </a:defRPr>
+            </a:lvl9pPr>
+          </a:lstStyle>
+          <a:p>
+            <a:r>
+              <a:rPr lang="en-US" sz="4400" b="1" dirty="0">
+                <a:solidFill>
+                  <a:schemeClr val="tx1">
+                    <a:lumMod val="75000"/>
+                    <a:lumOff val="25000"/>
+                  </a:schemeClr>
+                </a:solidFill>
+                <a:latin typeface="Avenir Next" panose="020B0503020202020204" pitchFamily="34" charset="0"/>
+                <a:ea typeface="Segoe UI Black"/>
+              </a:rPr>
+              <a:t>Business Impact</a:t>
+            </a:r>
+          </a:p>
+        </p:txBody>
+      </p:sp>
+      <p:pic>
+        <p:nvPicPr>
+          <p:cNvPr id="6" name="Picture 4" descr="Cruise Line Icon Vector, Boat, Cruise, Travel PNG and Vector with  Transparent Background for Free Download">
+            <a:extLst>
+              <a:ext uri="{FF2B5EF4-FFF2-40B4-BE49-F238E27FC236}">
+                <a16:creationId xmlns:a16="http://schemas.microsoft.com/office/drawing/2014/main" id="{C1B61DA4-04FB-DF16-6194-4B585BCB7C2C}"/>
+              </a:ext>
+            </a:extLst>
+          </p:cNvPr>
+          <p:cNvPicPr>
+            <a:picLocks noChangeAspect="1" noChangeArrowheads="1"/>
+          </p:cNvPicPr>
+          <p:nvPr/>
+        </p:nvPicPr>
+        <p:blipFill>
+          <a:blip r:embed="rId3">
+            <a:extLst>
+              <a:ext uri="{28A0092B-C50C-407E-A947-70E740481C1C}">
+                <a14:useLocalDpi xmlns:a14="http://schemas.microsoft.com/office/drawing/2010/main" val="0"/>
+              </a:ext>
+            </a:extLst>
+          </a:blip>
+          <a:srcRect/>
+          <a:stretch>
+            <a:fillRect/>
+          </a:stretch>
+        </p:blipFill>
+        <p:spPr bwMode="auto">
+          <a:xfrm>
+            <a:off x="232122" y="321507"/>
+            <a:ext cx="855536" cy="855536"/>
+          </a:xfrm>
+          <a:prstGeom prst="rect">
+            <a:avLst/>
+          </a:prstGeom>
+          <a:noFill/>
+          <a:extLst>
+            <a:ext uri="{909E8E84-426E-40DD-AFC4-6F175D3DCCD1}">
+              <a14:hiddenFill xmlns:a14="http://schemas.microsoft.com/office/drawing/2010/main">
+                <a:solidFill>
+                  <a:srgbClr val="FFFFFF"/>
+                </a:solidFill>
+              </a14:hiddenFill>
+            </a:ext>
+          </a:extLst>
+        </p:spPr>
+      </p:pic>
+      <p:pic>
+        <p:nvPicPr>
+          <p:cNvPr id="4" name="Picture 3">
+            <a:extLst>
+              <a:ext uri="{FF2B5EF4-FFF2-40B4-BE49-F238E27FC236}">
+                <a16:creationId xmlns:a16="http://schemas.microsoft.com/office/drawing/2014/main" id="{07E179D8-FC9D-6684-A8DE-1BD9E282C71E}"/>
+              </a:ext>
+            </a:extLst>
+          </p:cNvPr>
+          <p:cNvPicPr>
+            <a:picLocks noChangeAspect="1"/>
+          </p:cNvPicPr>
+          <p:nvPr/>
+        </p:nvPicPr>
+        <p:blipFill>
+          <a:blip r:embed="rId4">
+            <a:duotone>
+              <a:schemeClr val="accent5">
+                <a:shade val="45000"/>
+                <a:satMod val="135000"/>
+              </a:schemeClr>
+              <a:prstClr val="white"/>
+            </a:duotone>
+          </a:blip>
+          <a:stretch>
+            <a:fillRect/>
+          </a:stretch>
+        </p:blipFill>
+        <p:spPr>
+          <a:xfrm>
+            <a:off x="4846356" y="1914546"/>
+            <a:ext cx="2360058" cy="2360058"/>
+          </a:xfrm>
+          <a:prstGeom prst="rect">
+            <a:avLst/>
+          </a:prstGeom>
+        </p:spPr>
+      </p:pic>
+      <p:pic>
+        <p:nvPicPr>
+          <p:cNvPr id="7" name="Picture 6">
+            <a:extLst>
+              <a:ext uri="{FF2B5EF4-FFF2-40B4-BE49-F238E27FC236}">
+                <a16:creationId xmlns:a16="http://schemas.microsoft.com/office/drawing/2014/main" id="{92607BDE-9EAB-FDC1-A658-721DD2596256}"/>
+              </a:ext>
+            </a:extLst>
+          </p:cNvPr>
+          <p:cNvPicPr>
+            <a:picLocks noChangeAspect="1"/>
+          </p:cNvPicPr>
+          <p:nvPr/>
+        </p:nvPicPr>
+        <p:blipFill>
+          <a:blip r:embed="rId5">
+            <a:duotone>
+              <a:schemeClr val="accent5">
+                <a:shade val="45000"/>
+                <a:satMod val="135000"/>
+              </a:schemeClr>
+              <a:prstClr val="white"/>
+            </a:duotone>
+          </a:blip>
+          <a:stretch>
+            <a:fillRect/>
+          </a:stretch>
+        </p:blipFill>
+        <p:spPr>
+          <a:xfrm>
+            <a:off x="1352630" y="1922809"/>
+            <a:ext cx="2360058" cy="2360058"/>
+          </a:xfrm>
+          <a:prstGeom prst="rect">
+            <a:avLst/>
+          </a:prstGeom>
+        </p:spPr>
+      </p:pic>
+      <p:sp>
+        <p:nvSpPr>
+          <p:cNvPr id="8" name="Content Placeholder 10">
+            <a:extLst>
+              <a:ext uri="{FF2B5EF4-FFF2-40B4-BE49-F238E27FC236}">
+                <a16:creationId xmlns:a16="http://schemas.microsoft.com/office/drawing/2014/main" id="{5C2289CD-0B07-CFA2-6771-79CFA7E16922}"/>
+              </a:ext>
+            </a:extLst>
+          </p:cNvPr>
+          <p:cNvSpPr txBox="1">
+            <a:spLocks/>
+          </p:cNvSpPr>
+          <p:nvPr/>
+        </p:nvSpPr>
+        <p:spPr>
+          <a:xfrm>
+            <a:off x="1087658" y="4614539"/>
+            <a:ext cx="3087731" cy="434018"/>
+          </a:xfrm>
+          <a:prstGeom prst="rect">
+            <a:avLst/>
+          </a:prstGeom>
+        </p:spPr>
+        <p:txBody>
+          <a:bodyPr vert="horz" lIns="91440" tIns="45720" rIns="91440" bIns="45720" rtlCol="0" anchor="t">
+            <a:normAutofit fontScale="70000" lnSpcReduction="20000"/>
+          </a:bodyPr>
+          <a:lstStyle>
+            <a:lvl1pPr marL="0" indent="0" algn="ctr" defTabSz="914400" rtl="0" eaLnBrk="1" latinLnBrk="0" hangingPunct="1">
+              <a:lnSpc>
+                <a:spcPct val="90000"/>
+              </a:lnSpc>
+              <a:spcBef>
+                <a:spcPts val="1000"/>
+              </a:spcBef>
+              <a:buFont typeface="Arial" panose="020B0604020202020204" pitchFamily="34" charset="0"/>
+              <a:buNone/>
+              <a:defRPr sz="2400" kern="1200">
+                <a:solidFill>
+                  <a:schemeClr val="tx1"/>
+                </a:solidFill>
+                <a:latin typeface="+mn-lt"/>
+                <a:ea typeface="+mn-ea"/>
+                <a:cs typeface="+mn-cs"/>
+              </a:defRPr>
+            </a:lvl1pPr>
+            <a:lvl2pPr marL="457200" indent="0" algn="ctr" defTabSz="914400" rtl="0" eaLnBrk="1" latinLnBrk="0" hangingPunct="1">
+              <a:lnSpc>
+                <a:spcPct val="90000"/>
+              </a:lnSpc>
+              <a:spcBef>
+                <a:spcPts val="500"/>
+              </a:spcBef>
+              <a:buFont typeface="Arial" panose="020B0604020202020204" pitchFamily="34" charset="0"/>
+              <a:buNone/>
+              <a:defRPr sz="2000" kern="1200">
+                <a:solidFill>
+                  <a:schemeClr val="tx1"/>
+                </a:solidFill>
+                <a:latin typeface="+mn-lt"/>
+                <a:ea typeface="+mn-ea"/>
+                <a:cs typeface="+mn-cs"/>
+              </a:defRPr>
+            </a:lvl2pPr>
+            <a:lvl3pPr marL="914400" indent="0" algn="ctr" defTabSz="914400" rtl="0" eaLnBrk="1" latinLnBrk="0" hangingPunct="1">
+              <a:lnSpc>
+                <a:spcPct val="90000"/>
+              </a:lnSpc>
+              <a:spcBef>
+                <a:spcPts val="500"/>
+              </a:spcBef>
+              <a:buFont typeface="Arial" panose="020B0604020202020204" pitchFamily="34" charset="0"/>
+              <a:buNone/>
+              <a:defRPr sz="1800" kern="1200">
+                <a:solidFill>
+                  <a:schemeClr val="tx1"/>
+                </a:solidFill>
+                <a:latin typeface="+mn-lt"/>
+                <a:ea typeface="+mn-ea"/>
+                <a:cs typeface="+mn-cs"/>
+              </a:defRPr>
+            </a:lvl3pPr>
+            <a:lvl4pPr marL="1371600" indent="0" algn="ctr" defTabSz="914400" rtl="0" eaLnBrk="1" latinLnBrk="0" hangingPunct="1">
+              <a:lnSpc>
+                <a:spcPct val="90000"/>
+              </a:lnSpc>
+              <a:spcBef>
+                <a:spcPts val="500"/>
+              </a:spcBef>
+              <a:buFont typeface="Arial" panose="020B0604020202020204" pitchFamily="34" charset="0"/>
+              <a:buNone/>
+              <a:defRPr sz="1600" kern="1200">
+                <a:solidFill>
+                  <a:schemeClr val="tx1"/>
+                </a:solidFill>
+                <a:latin typeface="+mn-lt"/>
+                <a:ea typeface="+mn-ea"/>
+                <a:cs typeface="+mn-cs"/>
+              </a:defRPr>
+            </a:lvl4pPr>
+            <a:lvl5pPr marL="1828800" indent="0" algn="ctr" defTabSz="914400" rtl="0" eaLnBrk="1" latinLnBrk="0" hangingPunct="1">
+              <a:lnSpc>
+                <a:spcPct val="90000"/>
+              </a:lnSpc>
+              <a:spcBef>
+                <a:spcPts val="500"/>
+              </a:spcBef>
+              <a:buFont typeface="Arial" panose="020B0604020202020204" pitchFamily="34" charset="0"/>
+              <a:buNone/>
+              <a:defRPr sz="1600" kern="1200">
+                <a:solidFill>
+                  <a:schemeClr val="tx1"/>
+                </a:solidFill>
+                <a:latin typeface="+mn-lt"/>
+                <a:ea typeface="+mn-ea"/>
+                <a:cs typeface="+mn-cs"/>
+              </a:defRPr>
+            </a:lvl5pPr>
+            <a:lvl6pPr marL="2286000" indent="0" algn="ctr" defTabSz="914400" rtl="0" eaLnBrk="1" latinLnBrk="0" hangingPunct="1">
+              <a:lnSpc>
+                <a:spcPct val="90000"/>
+              </a:lnSpc>
+              <a:spcBef>
+                <a:spcPts val="500"/>
+              </a:spcBef>
+              <a:buFont typeface="Arial" panose="020B0604020202020204" pitchFamily="34" charset="0"/>
+              <a:buNone/>
+              <a:defRPr sz="1600" kern="1200">
+                <a:solidFill>
+                  <a:schemeClr val="tx1"/>
+                </a:solidFill>
+                <a:latin typeface="+mn-lt"/>
+                <a:ea typeface="+mn-ea"/>
+                <a:cs typeface="+mn-cs"/>
+              </a:defRPr>
+            </a:lvl6pPr>
+            <a:lvl7pPr marL="2743200" indent="0" algn="ctr" defTabSz="914400" rtl="0" eaLnBrk="1" latinLnBrk="0" hangingPunct="1">
+              <a:lnSpc>
+                <a:spcPct val="90000"/>
+              </a:lnSpc>
+              <a:spcBef>
+                <a:spcPts val="500"/>
+              </a:spcBef>
+              <a:buFont typeface="Arial" panose="020B0604020202020204" pitchFamily="34" charset="0"/>
+              <a:buNone/>
+              <a:defRPr sz="1600" kern="1200">
+                <a:solidFill>
+                  <a:schemeClr val="tx1"/>
+                </a:solidFill>
+                <a:latin typeface="+mn-lt"/>
+                <a:ea typeface="+mn-ea"/>
+                <a:cs typeface="+mn-cs"/>
+              </a:defRPr>
+            </a:lvl7pPr>
+            <a:lvl8pPr marL="3200400" indent="0" algn="ctr" defTabSz="914400" rtl="0" eaLnBrk="1" latinLnBrk="0" hangingPunct="1">
+              <a:lnSpc>
+                <a:spcPct val="90000"/>
+              </a:lnSpc>
+              <a:spcBef>
+                <a:spcPts val="500"/>
+              </a:spcBef>
+              <a:buFont typeface="Arial" panose="020B0604020202020204" pitchFamily="34" charset="0"/>
+              <a:buNone/>
+              <a:defRPr sz="1600" kern="1200">
+                <a:solidFill>
+                  <a:schemeClr val="tx1"/>
+                </a:solidFill>
+                <a:latin typeface="+mn-lt"/>
+                <a:ea typeface="+mn-ea"/>
+                <a:cs typeface="+mn-cs"/>
+              </a:defRPr>
+            </a:lvl8pPr>
+            <a:lvl9pPr marL="3657600" indent="0" algn="ctr" defTabSz="914400" rtl="0" eaLnBrk="1" latinLnBrk="0" hangingPunct="1">
+              <a:lnSpc>
+                <a:spcPct val="90000"/>
+              </a:lnSpc>
+              <a:spcBef>
+                <a:spcPts val="500"/>
+              </a:spcBef>
+              <a:buFont typeface="Arial" panose="020B0604020202020204" pitchFamily="34" charset="0"/>
+              <a:buNone/>
+              <a:defRPr sz="1600" kern="1200">
+                <a:solidFill>
+                  <a:schemeClr val="tx1"/>
+                </a:solidFill>
+                <a:latin typeface="+mn-lt"/>
+                <a:ea typeface="+mn-ea"/>
+                <a:cs typeface="+mn-cs"/>
+              </a:defRPr>
+            </a:lvl9pPr>
+          </a:lstStyle>
+          <a:p>
+            <a:pPr algn="l"/>
+            <a:r>
+              <a:rPr lang="en-US" sz="2800" b="1" dirty="0">
+                <a:latin typeface="Grandview Display"/>
+              </a:rPr>
+              <a:t>Loss of Customer Trust</a:t>
+            </a:r>
+          </a:p>
+        </p:txBody>
+      </p:sp>
+      <p:sp>
+        <p:nvSpPr>
+          <p:cNvPr id="10" name="Content Placeholder 10">
+            <a:extLst>
+              <a:ext uri="{FF2B5EF4-FFF2-40B4-BE49-F238E27FC236}">
+                <a16:creationId xmlns:a16="http://schemas.microsoft.com/office/drawing/2014/main" id="{3F3F2DFA-00B4-984E-2673-2492CD7491EB}"/>
+              </a:ext>
+            </a:extLst>
+          </p:cNvPr>
+          <p:cNvSpPr txBox="1">
+            <a:spLocks/>
+          </p:cNvSpPr>
+          <p:nvPr/>
+        </p:nvSpPr>
+        <p:spPr>
+          <a:xfrm>
+            <a:off x="4552134" y="4558887"/>
+            <a:ext cx="3087732" cy="434018"/>
+          </a:xfrm>
+          <a:prstGeom prst="rect">
+            <a:avLst/>
+          </a:prstGeom>
+        </p:spPr>
+        <p:txBody>
+          <a:bodyPr vert="horz" lIns="91440" tIns="45720" rIns="91440" bIns="45720" rtlCol="0" anchor="t">
+            <a:normAutofit/>
+          </a:bodyPr>
+          <a:lstStyle>
+            <a:lvl1pPr marL="0" indent="0" algn="ctr" defTabSz="914400" rtl="0" eaLnBrk="1" latinLnBrk="0" hangingPunct="1">
+              <a:lnSpc>
+                <a:spcPct val="90000"/>
+              </a:lnSpc>
+              <a:spcBef>
+                <a:spcPts val="1000"/>
+              </a:spcBef>
+              <a:buFont typeface="Arial" panose="020B0604020202020204" pitchFamily="34" charset="0"/>
+              <a:buNone/>
+              <a:defRPr sz="2400" kern="1200">
+                <a:solidFill>
+                  <a:schemeClr val="tx1"/>
+                </a:solidFill>
+                <a:latin typeface="+mn-lt"/>
+                <a:ea typeface="+mn-ea"/>
+                <a:cs typeface="+mn-cs"/>
+              </a:defRPr>
+            </a:lvl1pPr>
+            <a:lvl2pPr marL="457200" indent="0" algn="ctr" defTabSz="914400" rtl="0" eaLnBrk="1" latinLnBrk="0" hangingPunct="1">
+              <a:lnSpc>
+                <a:spcPct val="90000"/>
+              </a:lnSpc>
+              <a:spcBef>
+                <a:spcPts val="500"/>
+              </a:spcBef>
+              <a:buFont typeface="Arial" panose="020B0604020202020204" pitchFamily="34" charset="0"/>
+              <a:buNone/>
+              <a:defRPr sz="2000" kern="1200">
+                <a:solidFill>
+                  <a:schemeClr val="tx1"/>
+                </a:solidFill>
+                <a:latin typeface="+mn-lt"/>
+                <a:ea typeface="+mn-ea"/>
+                <a:cs typeface="+mn-cs"/>
+              </a:defRPr>
+            </a:lvl2pPr>
+            <a:lvl3pPr marL="914400" indent="0" algn="ctr" defTabSz="914400" rtl="0" eaLnBrk="1" latinLnBrk="0" hangingPunct="1">
+              <a:lnSpc>
+                <a:spcPct val="90000"/>
+              </a:lnSpc>
+              <a:spcBef>
+                <a:spcPts val="500"/>
+              </a:spcBef>
+              <a:buFont typeface="Arial" panose="020B0604020202020204" pitchFamily="34" charset="0"/>
+              <a:buNone/>
+              <a:defRPr sz="1800" kern="1200">
+                <a:solidFill>
+                  <a:schemeClr val="tx1"/>
+                </a:solidFill>
+                <a:latin typeface="+mn-lt"/>
+                <a:ea typeface="+mn-ea"/>
+                <a:cs typeface="+mn-cs"/>
+              </a:defRPr>
+            </a:lvl3pPr>
+            <a:lvl4pPr marL="1371600" indent="0" algn="ctr" defTabSz="914400" rtl="0" eaLnBrk="1" latinLnBrk="0" hangingPunct="1">
+              <a:lnSpc>
+                <a:spcPct val="90000"/>
+              </a:lnSpc>
+              <a:spcBef>
+                <a:spcPts val="500"/>
+              </a:spcBef>
+              <a:buFont typeface="Arial" panose="020B0604020202020204" pitchFamily="34" charset="0"/>
+              <a:buNone/>
+              <a:defRPr sz="1600" kern="1200">
+                <a:solidFill>
+                  <a:schemeClr val="tx1"/>
+                </a:solidFill>
+                <a:latin typeface="+mn-lt"/>
+                <a:ea typeface="+mn-ea"/>
+                <a:cs typeface="+mn-cs"/>
+              </a:defRPr>
+            </a:lvl4pPr>
+            <a:lvl5pPr marL="1828800" indent="0" algn="ctr" defTabSz="914400" rtl="0" eaLnBrk="1" latinLnBrk="0" hangingPunct="1">
+              <a:lnSpc>
+                <a:spcPct val="90000"/>
+              </a:lnSpc>
+              <a:spcBef>
+                <a:spcPts val="500"/>
+              </a:spcBef>
+              <a:buFont typeface="Arial" panose="020B0604020202020204" pitchFamily="34" charset="0"/>
+              <a:buNone/>
+              <a:defRPr sz="1600" kern="1200">
+                <a:solidFill>
+                  <a:schemeClr val="tx1"/>
+                </a:solidFill>
+                <a:latin typeface="+mn-lt"/>
+                <a:ea typeface="+mn-ea"/>
+                <a:cs typeface="+mn-cs"/>
+              </a:defRPr>
+            </a:lvl5pPr>
+            <a:lvl6pPr marL="2286000" indent="0" algn="ctr" defTabSz="914400" rtl="0" eaLnBrk="1" latinLnBrk="0" hangingPunct="1">
+              <a:lnSpc>
+                <a:spcPct val="90000"/>
+              </a:lnSpc>
+              <a:spcBef>
+                <a:spcPts val="500"/>
+              </a:spcBef>
+              <a:buFont typeface="Arial" panose="020B0604020202020204" pitchFamily="34" charset="0"/>
+              <a:buNone/>
+              <a:defRPr sz="1600" kern="1200">
+                <a:solidFill>
+                  <a:schemeClr val="tx1"/>
+                </a:solidFill>
+                <a:latin typeface="+mn-lt"/>
+                <a:ea typeface="+mn-ea"/>
+                <a:cs typeface="+mn-cs"/>
+              </a:defRPr>
+            </a:lvl6pPr>
+            <a:lvl7pPr marL="2743200" indent="0" algn="ctr" defTabSz="914400" rtl="0" eaLnBrk="1" latinLnBrk="0" hangingPunct="1">
+              <a:lnSpc>
+                <a:spcPct val="90000"/>
+              </a:lnSpc>
+              <a:spcBef>
+                <a:spcPts val="500"/>
+              </a:spcBef>
+              <a:buFont typeface="Arial" panose="020B0604020202020204" pitchFamily="34" charset="0"/>
+              <a:buNone/>
+              <a:defRPr sz="1600" kern="1200">
+                <a:solidFill>
+                  <a:schemeClr val="tx1"/>
+                </a:solidFill>
+                <a:latin typeface="+mn-lt"/>
+                <a:ea typeface="+mn-ea"/>
+                <a:cs typeface="+mn-cs"/>
+              </a:defRPr>
+            </a:lvl7pPr>
+            <a:lvl8pPr marL="3200400" indent="0" algn="ctr" defTabSz="914400" rtl="0" eaLnBrk="1" latinLnBrk="0" hangingPunct="1">
+              <a:lnSpc>
+                <a:spcPct val="90000"/>
+              </a:lnSpc>
+              <a:spcBef>
+                <a:spcPts val="500"/>
+              </a:spcBef>
+              <a:buFont typeface="Arial" panose="020B0604020202020204" pitchFamily="34" charset="0"/>
+              <a:buNone/>
+              <a:defRPr sz="1600" kern="1200">
+                <a:solidFill>
+                  <a:schemeClr val="tx1"/>
+                </a:solidFill>
+                <a:latin typeface="+mn-lt"/>
+                <a:ea typeface="+mn-ea"/>
+                <a:cs typeface="+mn-cs"/>
+              </a:defRPr>
+            </a:lvl8pPr>
+            <a:lvl9pPr marL="3657600" indent="0" algn="ctr" defTabSz="914400" rtl="0" eaLnBrk="1" latinLnBrk="0" hangingPunct="1">
+              <a:lnSpc>
+                <a:spcPct val="90000"/>
+              </a:lnSpc>
+              <a:spcBef>
+                <a:spcPts val="500"/>
+              </a:spcBef>
+              <a:buFont typeface="Arial" panose="020B0604020202020204" pitchFamily="34" charset="0"/>
+              <a:buNone/>
+              <a:defRPr sz="1600" kern="1200">
+                <a:solidFill>
+                  <a:schemeClr val="tx1"/>
+                </a:solidFill>
+                <a:latin typeface="+mn-lt"/>
+                <a:ea typeface="+mn-ea"/>
+                <a:cs typeface="+mn-cs"/>
+              </a:defRPr>
+            </a:lvl9pPr>
+          </a:lstStyle>
+          <a:p>
+            <a:pPr algn="l"/>
+            <a:r>
+              <a:rPr lang="en-US" sz="2000" b="1" dirty="0">
+                <a:latin typeface="Grandview Display"/>
+              </a:rPr>
+              <a:t>Financial Consequences</a:t>
+            </a:r>
+          </a:p>
+        </p:txBody>
+      </p:sp>
+      <p:pic>
+        <p:nvPicPr>
+          <p:cNvPr id="11" name="Picture 10">
+            <a:extLst>
+              <a:ext uri="{FF2B5EF4-FFF2-40B4-BE49-F238E27FC236}">
+                <a16:creationId xmlns:a16="http://schemas.microsoft.com/office/drawing/2014/main" id="{2CD7F62E-E726-3050-AFDC-390A24F66D94}"/>
+              </a:ext>
+            </a:extLst>
+          </p:cNvPr>
+          <p:cNvPicPr>
+            <a:picLocks noChangeAspect="1"/>
+          </p:cNvPicPr>
+          <p:nvPr/>
+        </p:nvPicPr>
+        <p:blipFill>
+          <a:blip r:embed="rId6">
+            <a:duotone>
+              <a:schemeClr val="accent5">
+                <a:shade val="45000"/>
+                <a:satMod val="135000"/>
+              </a:schemeClr>
+              <a:prstClr val="white"/>
+            </a:duotone>
+          </a:blip>
+          <a:stretch>
+            <a:fillRect/>
+          </a:stretch>
+        </p:blipFill>
+        <p:spPr>
+          <a:xfrm>
+            <a:off x="8317730" y="1890933"/>
+            <a:ext cx="2506789" cy="2506789"/>
+          </a:xfrm>
+          <a:prstGeom prst="rect">
+            <a:avLst/>
+          </a:prstGeom>
+        </p:spPr>
+      </p:pic>
+      <p:sp>
+        <p:nvSpPr>
+          <p:cNvPr id="12" name="Content Placeholder 10">
+            <a:extLst>
+              <a:ext uri="{FF2B5EF4-FFF2-40B4-BE49-F238E27FC236}">
+                <a16:creationId xmlns:a16="http://schemas.microsoft.com/office/drawing/2014/main" id="{A2D02B42-27EF-EC45-D810-4684D1347E2D}"/>
+              </a:ext>
+            </a:extLst>
+          </p:cNvPr>
+          <p:cNvSpPr txBox="1">
+            <a:spLocks/>
+          </p:cNvSpPr>
+          <p:nvPr/>
+        </p:nvSpPr>
+        <p:spPr>
+          <a:xfrm>
+            <a:off x="8215939" y="4536853"/>
+            <a:ext cx="3909959" cy="434018"/>
+          </a:xfrm>
+          <a:prstGeom prst="rect">
+            <a:avLst/>
+          </a:prstGeom>
+        </p:spPr>
+        <p:txBody>
+          <a:bodyPr vert="horz" lIns="91440" tIns="45720" rIns="91440" bIns="45720" rtlCol="0" anchor="t">
+            <a:normAutofit/>
+          </a:bodyPr>
+          <a:lstStyle>
+            <a:lvl1pPr marL="0" indent="0" algn="ctr" defTabSz="914400" rtl="0" eaLnBrk="1" latinLnBrk="0" hangingPunct="1">
+              <a:lnSpc>
+                <a:spcPct val="90000"/>
+              </a:lnSpc>
+              <a:spcBef>
+                <a:spcPts val="1000"/>
+              </a:spcBef>
+              <a:buFont typeface="Arial" panose="020B0604020202020204" pitchFamily="34" charset="0"/>
+              <a:buNone/>
+              <a:defRPr sz="2400" kern="1200">
+                <a:solidFill>
+                  <a:schemeClr val="tx1"/>
+                </a:solidFill>
+                <a:latin typeface="+mn-lt"/>
+                <a:ea typeface="+mn-ea"/>
+                <a:cs typeface="+mn-cs"/>
+              </a:defRPr>
+            </a:lvl1pPr>
+            <a:lvl2pPr marL="457200" indent="0" algn="ctr" defTabSz="914400" rtl="0" eaLnBrk="1" latinLnBrk="0" hangingPunct="1">
+              <a:lnSpc>
+                <a:spcPct val="90000"/>
+              </a:lnSpc>
+              <a:spcBef>
+                <a:spcPts val="500"/>
+              </a:spcBef>
+              <a:buFont typeface="Arial" panose="020B0604020202020204" pitchFamily="34" charset="0"/>
+              <a:buNone/>
+              <a:defRPr sz="2000" kern="1200">
+                <a:solidFill>
+                  <a:schemeClr val="tx1"/>
+                </a:solidFill>
+                <a:latin typeface="+mn-lt"/>
+                <a:ea typeface="+mn-ea"/>
+                <a:cs typeface="+mn-cs"/>
+              </a:defRPr>
+            </a:lvl2pPr>
+            <a:lvl3pPr marL="914400" indent="0" algn="ctr" defTabSz="914400" rtl="0" eaLnBrk="1" latinLnBrk="0" hangingPunct="1">
+              <a:lnSpc>
+                <a:spcPct val="90000"/>
+              </a:lnSpc>
+              <a:spcBef>
+                <a:spcPts val="500"/>
+              </a:spcBef>
+              <a:buFont typeface="Arial" panose="020B0604020202020204" pitchFamily="34" charset="0"/>
+              <a:buNone/>
+              <a:defRPr sz="1800" kern="1200">
+                <a:solidFill>
+                  <a:schemeClr val="tx1"/>
+                </a:solidFill>
+                <a:latin typeface="+mn-lt"/>
+                <a:ea typeface="+mn-ea"/>
+                <a:cs typeface="+mn-cs"/>
+              </a:defRPr>
+            </a:lvl3pPr>
+            <a:lvl4pPr marL="1371600" indent="0" algn="ctr" defTabSz="914400" rtl="0" eaLnBrk="1" latinLnBrk="0" hangingPunct="1">
+              <a:lnSpc>
+                <a:spcPct val="90000"/>
+              </a:lnSpc>
+              <a:spcBef>
+                <a:spcPts val="500"/>
+              </a:spcBef>
+              <a:buFont typeface="Arial" panose="020B0604020202020204" pitchFamily="34" charset="0"/>
+              <a:buNone/>
+              <a:defRPr sz="1600" kern="1200">
+                <a:solidFill>
+                  <a:schemeClr val="tx1"/>
+                </a:solidFill>
+                <a:latin typeface="+mn-lt"/>
+                <a:ea typeface="+mn-ea"/>
+                <a:cs typeface="+mn-cs"/>
+              </a:defRPr>
+            </a:lvl4pPr>
+            <a:lvl5pPr marL="1828800" indent="0" algn="ctr" defTabSz="914400" rtl="0" eaLnBrk="1" latinLnBrk="0" hangingPunct="1">
+              <a:lnSpc>
+                <a:spcPct val="90000"/>
+              </a:lnSpc>
+              <a:spcBef>
+                <a:spcPts val="500"/>
+              </a:spcBef>
+              <a:buFont typeface="Arial" panose="020B0604020202020204" pitchFamily="34" charset="0"/>
+              <a:buNone/>
+              <a:defRPr sz="1600" kern="1200">
+                <a:solidFill>
+                  <a:schemeClr val="tx1"/>
+                </a:solidFill>
+                <a:latin typeface="+mn-lt"/>
+                <a:ea typeface="+mn-ea"/>
+                <a:cs typeface="+mn-cs"/>
+              </a:defRPr>
+            </a:lvl5pPr>
+            <a:lvl6pPr marL="2286000" indent="0" algn="ctr" defTabSz="914400" rtl="0" eaLnBrk="1" latinLnBrk="0" hangingPunct="1">
+              <a:lnSpc>
+                <a:spcPct val="90000"/>
+              </a:lnSpc>
+              <a:spcBef>
+                <a:spcPts val="500"/>
+              </a:spcBef>
+              <a:buFont typeface="Arial" panose="020B0604020202020204" pitchFamily="34" charset="0"/>
+              <a:buNone/>
+              <a:defRPr sz="1600" kern="1200">
+                <a:solidFill>
+                  <a:schemeClr val="tx1"/>
+                </a:solidFill>
+                <a:latin typeface="+mn-lt"/>
+                <a:ea typeface="+mn-ea"/>
+                <a:cs typeface="+mn-cs"/>
+              </a:defRPr>
+            </a:lvl6pPr>
+            <a:lvl7pPr marL="2743200" indent="0" algn="ctr" defTabSz="914400" rtl="0" eaLnBrk="1" latinLnBrk="0" hangingPunct="1">
+              <a:lnSpc>
+                <a:spcPct val="90000"/>
+              </a:lnSpc>
+              <a:spcBef>
+                <a:spcPts val="500"/>
+              </a:spcBef>
+              <a:buFont typeface="Arial" panose="020B0604020202020204" pitchFamily="34" charset="0"/>
+              <a:buNone/>
+              <a:defRPr sz="1600" kern="1200">
+                <a:solidFill>
+                  <a:schemeClr val="tx1"/>
+                </a:solidFill>
+                <a:latin typeface="+mn-lt"/>
+                <a:ea typeface="+mn-ea"/>
+                <a:cs typeface="+mn-cs"/>
+              </a:defRPr>
+            </a:lvl7pPr>
+            <a:lvl8pPr marL="3200400" indent="0" algn="ctr" defTabSz="914400" rtl="0" eaLnBrk="1" latinLnBrk="0" hangingPunct="1">
+              <a:lnSpc>
+                <a:spcPct val="90000"/>
+              </a:lnSpc>
+              <a:spcBef>
+                <a:spcPts val="500"/>
+              </a:spcBef>
+              <a:buFont typeface="Arial" panose="020B0604020202020204" pitchFamily="34" charset="0"/>
+              <a:buNone/>
+              <a:defRPr sz="1600" kern="1200">
+                <a:solidFill>
+                  <a:schemeClr val="tx1"/>
+                </a:solidFill>
+                <a:latin typeface="+mn-lt"/>
+                <a:ea typeface="+mn-ea"/>
+                <a:cs typeface="+mn-cs"/>
+              </a:defRPr>
+            </a:lvl8pPr>
+            <a:lvl9pPr marL="3657600" indent="0" algn="ctr" defTabSz="914400" rtl="0" eaLnBrk="1" latinLnBrk="0" hangingPunct="1">
+              <a:lnSpc>
+                <a:spcPct val="90000"/>
+              </a:lnSpc>
+              <a:spcBef>
+                <a:spcPts val="500"/>
+              </a:spcBef>
+              <a:buFont typeface="Arial" panose="020B0604020202020204" pitchFamily="34" charset="0"/>
+              <a:buNone/>
+              <a:defRPr sz="1600" kern="1200">
+                <a:solidFill>
+                  <a:schemeClr val="tx1"/>
+                </a:solidFill>
+                <a:latin typeface="+mn-lt"/>
+                <a:ea typeface="+mn-ea"/>
+                <a:cs typeface="+mn-cs"/>
+              </a:defRPr>
+            </a:lvl9pPr>
+          </a:lstStyle>
+          <a:p>
+            <a:pPr algn="l"/>
+            <a:r>
+              <a:rPr lang="en-US" sz="2000" b="1" dirty="0">
+                <a:latin typeface="Grandview Display"/>
+              </a:rPr>
+              <a:t>Operational Disruption</a:t>
+            </a:r>
+          </a:p>
+        </p:txBody>
+      </p:sp>
+    </p:spTree>
+    <p:extLst>
+      <p:ext uri="{BB962C8B-B14F-4D97-AF65-F5344CB8AC3E}">
+        <p14:creationId xmlns:p14="http://schemas.microsoft.com/office/powerpoint/2010/main" val="4066624459"/>
+      </p:ext>
+    </p:extLst>
+  </p:cSld>
+  <p:clrMapOvr>
+    <a:masterClrMapping/>
+  </p:clrMapOvr>
+</p:sld>
+</file>
+
+<file path=ppt/slides/slide8.xml><?xml version="1.0" encoding="utf-8"?>
 <p:sld xmlns:a="http://schemas.openxmlformats.org/drawingml/2006/main" xmlns:r="http://schemas.openxmlformats.org/officeDocument/2006/relationships" xmlns:p="http://schemas.openxmlformats.org/presentationml/2006/main">
   <p:cSld>
     <p:bg>
@@ -18936,26 +25364,26 @@
           </a:lstStyle>
           <a:p>
             <a:r>
-              <a:rPr lang="en-US" sz="4400" b="1">
+              <a:rPr lang="en-US" sz="4400" b="1" dirty="0">
                 <a:solidFill>
                   <a:schemeClr val="tx1">
                     <a:lumMod val="75000"/>
                     <a:lumOff val="25000"/>
                   </a:schemeClr>
                 </a:solidFill>
-                <a:latin typeface="Segoe UI Black"/>
+                <a:latin typeface="Avenir Next" panose="020B0503020202020204" pitchFamily="34" charset="0"/>
                 <a:ea typeface="Segoe UI Black"/>
               </a:rPr>
               <a:t>Findings Distribution</a:t>
             </a:r>
-            <a:endParaRPr lang="en-US" sz="4400">
+            <a:endParaRPr lang="en-US" sz="4400" dirty="0">
               <a:solidFill>
                 <a:schemeClr val="tx1">
                   <a:lumMod val="75000"/>
                   <a:lumOff val="25000"/>
                 </a:schemeClr>
               </a:solidFill>
-              <a:latin typeface="Segoe UI Black"/>
+              <a:latin typeface="Avenir Next" panose="020B0503020202020204" pitchFamily="34" charset="0"/>
               <a:ea typeface="Segoe UI Black"/>
             </a:endParaRPr>
           </a:p>
@@ -21947,10 +28375,10 @@
       </p:grpSp>
       <p:pic>
         <p:nvPicPr>
-          <p:cNvPr id="33" name="Picture 4" descr="Cruise Line Icon Vector, Boat, Cruise, Travel PNG and Vector with  Transparent Background for Free Download">
+          <p:cNvPr id="12" name="Picture 4" descr="Cruise Line Icon Vector, Boat, Cruise, Travel PNG and Vector with  Transparent Background for Free Download">
             <a:extLst>
               <a:ext uri="{FF2B5EF4-FFF2-40B4-BE49-F238E27FC236}">
-                <a16:creationId xmlns:a16="http://schemas.microsoft.com/office/drawing/2014/main" id="{E10D53F0-FAA5-9A52-EE71-12974BDA61E4}"/>
+                <a16:creationId xmlns:a16="http://schemas.microsoft.com/office/drawing/2014/main" id="{E822A3B8-4BC5-2A80-2B17-AEF9953AD521}"/>
               </a:ext>
             </a:extLst>
           </p:cNvPr>
@@ -21974,8 +28402,8 @@
         </p:blipFill>
         <p:spPr bwMode="auto">
           <a:xfrm>
-            <a:off x="0" y="-15111"/>
-            <a:ext cx="1315686" cy="1315686"/>
+            <a:off x="210542" y="221370"/>
+            <a:ext cx="855536" cy="855536"/>
           </a:xfrm>
           <a:prstGeom prst="rect">
             <a:avLst/>
@@ -22005,7 +28433,7 @@
 </p:sld>
 </file>
 
-<file path=ppt/slides/slide6.xml><?xml version="1.0" encoding="utf-8"?>
+<file path=ppt/slides/slide9.xml><?xml version="1.0" encoding="utf-8"?>
 <p:sld xmlns:a="http://schemas.openxmlformats.org/drawingml/2006/main" xmlns:r="http://schemas.openxmlformats.org/officeDocument/2006/relationships" xmlns:p="http://schemas.openxmlformats.org/presentationml/2006/main">
   <p:cSld>
     <p:bg>
@@ -22347,26 +28775,26 @@
           </a:lstStyle>
           <a:p>
             <a:r>
-              <a:rPr lang="en-US" sz="4400" b="1">
+              <a:rPr lang="en-US" sz="4400" b="1" dirty="0">
                 <a:solidFill>
                   <a:schemeClr val="tx1">
                     <a:lumMod val="75000"/>
                     <a:lumOff val="25000"/>
                   </a:schemeClr>
                 </a:solidFill>
-                <a:latin typeface="Segoe UI Black"/>
+                <a:latin typeface="Avenir Next" panose="020B0503020202020204" pitchFamily="34" charset="0"/>
                 <a:ea typeface="Segoe UI Black"/>
               </a:rPr>
               <a:t>Residual Risk</a:t>
             </a:r>
-            <a:endParaRPr lang="en-US" sz="4400">
+            <a:endParaRPr lang="en-US" sz="4400" dirty="0">
               <a:solidFill>
                 <a:schemeClr val="tx1">
                   <a:lumMod val="75000"/>
                   <a:lumOff val="25000"/>
                 </a:schemeClr>
               </a:solidFill>
-              <a:latin typeface="Segoe UI Black"/>
+              <a:latin typeface="Avenir Next" panose="020B0503020202020204" pitchFamily="34" charset="0"/>
               <a:ea typeface="Segoe UI Black"/>
             </a:endParaRPr>
           </a:p>
@@ -23925,10 +30353,10 @@
       </p:graphicFrame>
       <p:pic>
         <p:nvPicPr>
-          <p:cNvPr id="4" name="Picture 4" descr="Cruise Line Icon Vector, Boat, Cruise, Travel PNG and Vector with  Transparent Background for Free Download">
+          <p:cNvPr id="7" name="Picture 4" descr="Cruise Line Icon Vector, Boat, Cruise, Travel PNG and Vector with  Transparent Background for Free Download">
             <a:extLst>
               <a:ext uri="{FF2B5EF4-FFF2-40B4-BE49-F238E27FC236}">
-                <a16:creationId xmlns:a16="http://schemas.microsoft.com/office/drawing/2014/main" id="{17680FC2-AA3C-0B4F-13B6-39D31E27DA38}"/>
+                <a16:creationId xmlns:a16="http://schemas.microsoft.com/office/drawing/2014/main" id="{89AA7876-8530-C0FC-D38B-CDA6E7873AB5}"/>
               </a:ext>
             </a:extLst>
           </p:cNvPr>
@@ -23952,8 +30380,8 @@
         </p:blipFill>
         <p:spPr bwMode="auto">
           <a:xfrm>
-            <a:off x="0" y="-27637"/>
-            <a:ext cx="1315686" cy="1315686"/>
+            <a:off x="210542" y="221370"/>
+            <a:ext cx="855536" cy="855536"/>
           </a:xfrm>
           <a:prstGeom prst="rect">
             <a:avLst/>
@@ -23974,2420 +30402,6 @@
     <p:extLst>
       <p:ext uri="{BB962C8B-B14F-4D97-AF65-F5344CB8AC3E}">
         <p14:creationId xmlns:p14="http://schemas.microsoft.com/office/powerpoint/2010/main" val="3661508739"/>
-      </p:ext>
-    </p:extLst>
-  </p:cSld>
-  <p:clrMapOvr>
-    <a:masterClrMapping/>
-  </p:clrMapOvr>
-</p:sld>
-</file>
-
-<file path=ppt/slides/slide7.xml><?xml version="1.0" encoding="utf-8"?>
-<p:sld xmlns:a="http://schemas.openxmlformats.org/drawingml/2006/main" xmlns:r="http://schemas.openxmlformats.org/officeDocument/2006/relationships" xmlns:p="http://schemas.openxmlformats.org/presentationml/2006/main">
-  <p:cSld>
-    <p:bg>
-      <p:bgPr>
-        <a:solidFill>
-          <a:schemeClr val="bg1"/>
-        </a:solidFill>
-        <a:effectLst/>
-      </p:bgPr>
-    </p:bg>
-    <p:spTree>
-      <p:nvGrpSpPr>
-        <p:cNvPr id="1" name="">
-          <a:extLst>
-            <a:ext uri="{FF2B5EF4-FFF2-40B4-BE49-F238E27FC236}">
-              <a16:creationId xmlns:a16="http://schemas.microsoft.com/office/drawing/2014/main" id="{A6BDF0DD-6498-07D8-4C61-C64E286DFD1E}"/>
-            </a:ext>
-          </a:extLst>
-        </p:cNvPr>
-        <p:cNvGrpSpPr/>
-        <p:nvPr/>
-      </p:nvGrpSpPr>
-      <p:grpSpPr>
-        <a:xfrm>
-          <a:off x="0" y="0"/>
-          <a:ext cx="0" cy="0"/>
-          <a:chOff x="0" y="0"/>
-          <a:chExt cx="0" cy="0"/>
-        </a:xfrm>
-      </p:grpSpPr>
-      <p:sp>
-        <p:nvSpPr>
-          <p:cNvPr id="5" name="Rectangle 4">
-            <a:extLst>
-              <a:ext uri="{FF2B5EF4-FFF2-40B4-BE49-F238E27FC236}">
-                <a16:creationId xmlns:a16="http://schemas.microsoft.com/office/drawing/2014/main" id="{821B1D92-A96D-0229-D393-827D1F03B176}"/>
-              </a:ext>
-            </a:extLst>
-          </p:cNvPr>
-          <p:cNvSpPr/>
-          <p:nvPr/>
-        </p:nvSpPr>
-        <p:spPr>
-          <a:xfrm>
-            <a:off x="0" y="6246000"/>
-            <a:ext cx="12198000" cy="612000"/>
-          </a:xfrm>
-          <a:prstGeom prst="rect">
-            <a:avLst/>
-          </a:prstGeom>
-          <a:solidFill>
-            <a:schemeClr val="accent5">
-              <a:lumMod val="75000"/>
-            </a:schemeClr>
-          </a:solidFill>
-          <a:ln>
-            <a:noFill/>
-          </a:ln>
-        </p:spPr>
-        <p:style>
-          <a:lnRef idx="2">
-            <a:schemeClr val="accent1">
-              <a:shade val="15000"/>
-            </a:schemeClr>
-          </a:lnRef>
-          <a:fillRef idx="1">
-            <a:schemeClr val="accent1"/>
-          </a:fillRef>
-          <a:effectRef idx="0">
-            <a:schemeClr val="accent1"/>
-          </a:effectRef>
-          <a:fontRef idx="minor">
-            <a:schemeClr val="lt1"/>
-          </a:fontRef>
-        </p:style>
-        <p:txBody>
-          <a:bodyPr lIns="91440" tIns="45720" rIns="91440" bIns="45720" rtlCol="0" anchor="ctr"/>
-          <a:lstStyle/>
-          <a:p>
-            <a:pPr algn="ctr"/>
-            <a:endParaRPr lang="en-US">
-              <a:solidFill>
-                <a:srgbClr val="1148ED"/>
-              </a:solidFill>
-              <a:cs typeface="Calibri"/>
-            </a:endParaRPr>
-          </a:p>
-        </p:txBody>
-      </p:sp>
-      <p:pic>
-        <p:nvPicPr>
-          <p:cNvPr id="2" name="Picture 1">
-            <a:extLst>
-              <a:ext uri="{FF2B5EF4-FFF2-40B4-BE49-F238E27FC236}">
-                <a16:creationId xmlns:a16="http://schemas.microsoft.com/office/drawing/2014/main" id="{B6516D06-85F2-BAE1-189E-216B8B7905AA}"/>
-              </a:ext>
-            </a:extLst>
-          </p:cNvPr>
-          <p:cNvPicPr>
-            <a:picLocks noChangeAspect="1"/>
-          </p:cNvPicPr>
-          <p:nvPr/>
-        </p:nvPicPr>
-        <p:blipFill>
-          <a:blip r:embed="rId2" cstate="print">
-            <a:lum bright="70000" contrast="-70000"/>
-            <a:extLst>
-              <a:ext uri="{28A0092B-C50C-407E-A947-70E740481C1C}">
-                <a14:useLocalDpi xmlns:a14="http://schemas.microsoft.com/office/drawing/2010/main" val="0"/>
-              </a:ext>
-            </a:extLst>
-          </a:blip>
-          <a:srcRect/>
-          <a:stretch>
-            <a:fillRect/>
-          </a:stretch>
-        </p:blipFill>
-        <p:spPr bwMode="auto">
-          <a:xfrm>
-            <a:off x="5410200" y="6314721"/>
-            <a:ext cx="1371600" cy="466725"/>
-          </a:xfrm>
-          <a:prstGeom prst="rect">
-            <a:avLst/>
-          </a:prstGeom>
-          <a:noFill/>
-          <a:ln>
-            <a:noFill/>
-          </a:ln>
-        </p:spPr>
-      </p:pic>
-      <p:sp>
-        <p:nvSpPr>
-          <p:cNvPr id="9" name="Rectangle 8">
-            <a:extLst>
-              <a:ext uri="{FF2B5EF4-FFF2-40B4-BE49-F238E27FC236}">
-                <a16:creationId xmlns:a16="http://schemas.microsoft.com/office/drawing/2014/main" id="{94071C4B-7B87-2F2A-BE63-91E3F4EED397}"/>
-              </a:ext>
-            </a:extLst>
-          </p:cNvPr>
-          <p:cNvSpPr/>
-          <p:nvPr/>
-        </p:nvSpPr>
-        <p:spPr>
-          <a:xfrm>
-            <a:off x="-1" y="0"/>
-            <a:ext cx="12198000" cy="145143"/>
-          </a:xfrm>
-          <a:prstGeom prst="rect">
-            <a:avLst/>
-          </a:prstGeom>
-          <a:solidFill>
-            <a:schemeClr val="accent5">
-              <a:lumMod val="75000"/>
-            </a:schemeClr>
-          </a:solidFill>
-          <a:ln>
-            <a:noFill/>
-          </a:ln>
-        </p:spPr>
-        <p:style>
-          <a:lnRef idx="2">
-            <a:schemeClr val="accent1">
-              <a:shade val="15000"/>
-            </a:schemeClr>
-          </a:lnRef>
-          <a:fillRef idx="1">
-            <a:schemeClr val="accent1"/>
-          </a:fillRef>
-          <a:effectRef idx="0">
-            <a:schemeClr val="accent1"/>
-          </a:effectRef>
-          <a:fontRef idx="minor">
-            <a:schemeClr val="lt1"/>
-          </a:fontRef>
-        </p:style>
-        <p:txBody>
-          <a:bodyPr lIns="91440" tIns="45720" rIns="91440" bIns="45720" rtlCol="0" anchor="ctr"/>
-          <a:lstStyle/>
-          <a:p>
-            <a:pPr algn="ctr"/>
-            <a:endParaRPr lang="en-US">
-              <a:solidFill>
-                <a:srgbClr val="1148ED"/>
-              </a:solidFill>
-              <a:cs typeface="Calibri"/>
-            </a:endParaRPr>
-          </a:p>
-        </p:txBody>
-      </p:sp>
-      <p:sp>
-        <p:nvSpPr>
-          <p:cNvPr id="3" name="TextBox 1">
-            <a:extLst>
-              <a:ext uri="{FF2B5EF4-FFF2-40B4-BE49-F238E27FC236}">
-                <a16:creationId xmlns:a16="http://schemas.microsoft.com/office/drawing/2014/main" id="{CCF905B4-1529-DB56-5DBA-D7A0B2817C4F}"/>
-              </a:ext>
-            </a:extLst>
-          </p:cNvPr>
-          <p:cNvSpPr txBox="1"/>
-          <p:nvPr/>
-        </p:nvSpPr>
-        <p:spPr>
-          <a:xfrm>
-            <a:off x="1578282" y="407602"/>
-            <a:ext cx="10019930" cy="769441"/>
-          </a:xfrm>
-          <a:prstGeom prst="rect">
-            <a:avLst/>
-          </a:prstGeom>
-          <a:noFill/>
-        </p:spPr>
-        <p:txBody>
-          <a:bodyPr wrap="square" lIns="91440" tIns="45720" rIns="91440" bIns="45720" rtlCol="0" anchor="t">
-            <a:spAutoFit/>
-          </a:bodyPr>
-          <a:lstStyle>
-            <a:defPPr>
-              <a:defRPr lang="en-US"/>
-            </a:defPPr>
-            <a:lvl1pPr marL="0" algn="l" defTabSz="914400" rtl="0" eaLnBrk="1" latinLnBrk="0" hangingPunct="1">
-              <a:defRPr sz="1800" kern="1200">
-                <a:solidFill>
-                  <a:schemeClr val="tx1"/>
-                </a:solidFill>
-                <a:latin typeface="+mn-lt"/>
-                <a:ea typeface="+mn-ea"/>
-                <a:cs typeface="+mn-cs"/>
-              </a:defRPr>
-            </a:lvl1pPr>
-            <a:lvl2pPr marL="457200" algn="l" defTabSz="914400" rtl="0" eaLnBrk="1" latinLnBrk="0" hangingPunct="1">
-              <a:defRPr sz="1800" kern="1200">
-                <a:solidFill>
-                  <a:schemeClr val="tx1"/>
-                </a:solidFill>
-                <a:latin typeface="+mn-lt"/>
-                <a:ea typeface="+mn-ea"/>
-                <a:cs typeface="+mn-cs"/>
-              </a:defRPr>
-            </a:lvl2pPr>
-            <a:lvl3pPr marL="914400" algn="l" defTabSz="914400" rtl="0" eaLnBrk="1" latinLnBrk="0" hangingPunct="1">
-              <a:defRPr sz="1800" kern="1200">
-                <a:solidFill>
-                  <a:schemeClr val="tx1"/>
-                </a:solidFill>
-                <a:latin typeface="+mn-lt"/>
-                <a:ea typeface="+mn-ea"/>
-                <a:cs typeface="+mn-cs"/>
-              </a:defRPr>
-            </a:lvl3pPr>
-            <a:lvl4pPr marL="1371600" algn="l" defTabSz="914400" rtl="0" eaLnBrk="1" latinLnBrk="0" hangingPunct="1">
-              <a:defRPr sz="1800" kern="1200">
-                <a:solidFill>
-                  <a:schemeClr val="tx1"/>
-                </a:solidFill>
-                <a:latin typeface="+mn-lt"/>
-                <a:ea typeface="+mn-ea"/>
-                <a:cs typeface="+mn-cs"/>
-              </a:defRPr>
-            </a:lvl4pPr>
-            <a:lvl5pPr marL="1828800" algn="l" defTabSz="914400" rtl="0" eaLnBrk="1" latinLnBrk="0" hangingPunct="1">
-              <a:defRPr sz="1800" kern="1200">
-                <a:solidFill>
-                  <a:schemeClr val="tx1"/>
-                </a:solidFill>
-                <a:latin typeface="+mn-lt"/>
-                <a:ea typeface="+mn-ea"/>
-                <a:cs typeface="+mn-cs"/>
-              </a:defRPr>
-            </a:lvl5pPr>
-            <a:lvl6pPr marL="2286000" algn="l" defTabSz="914400" rtl="0" eaLnBrk="1" latinLnBrk="0" hangingPunct="1">
-              <a:defRPr sz="1800" kern="1200">
-                <a:solidFill>
-                  <a:schemeClr val="tx1"/>
-                </a:solidFill>
-                <a:latin typeface="+mn-lt"/>
-                <a:ea typeface="+mn-ea"/>
-                <a:cs typeface="+mn-cs"/>
-              </a:defRPr>
-            </a:lvl6pPr>
-            <a:lvl7pPr marL="2743200" algn="l" defTabSz="914400" rtl="0" eaLnBrk="1" latinLnBrk="0" hangingPunct="1">
-              <a:defRPr sz="1800" kern="1200">
-                <a:solidFill>
-                  <a:schemeClr val="tx1"/>
-                </a:solidFill>
-                <a:latin typeface="+mn-lt"/>
-                <a:ea typeface="+mn-ea"/>
-                <a:cs typeface="+mn-cs"/>
-              </a:defRPr>
-            </a:lvl7pPr>
-            <a:lvl8pPr marL="3200400" algn="l" defTabSz="914400" rtl="0" eaLnBrk="1" latinLnBrk="0" hangingPunct="1">
-              <a:defRPr sz="1800" kern="1200">
-                <a:solidFill>
-                  <a:schemeClr val="tx1"/>
-                </a:solidFill>
-                <a:latin typeface="+mn-lt"/>
-                <a:ea typeface="+mn-ea"/>
-                <a:cs typeface="+mn-cs"/>
-              </a:defRPr>
-            </a:lvl8pPr>
-            <a:lvl9pPr marL="3657600" algn="l" defTabSz="914400" rtl="0" eaLnBrk="1" latinLnBrk="0" hangingPunct="1">
-              <a:defRPr sz="1800" kern="1200">
-                <a:solidFill>
-                  <a:schemeClr val="tx1"/>
-                </a:solidFill>
-                <a:latin typeface="+mn-lt"/>
-                <a:ea typeface="+mn-ea"/>
-                <a:cs typeface="+mn-cs"/>
-              </a:defRPr>
-            </a:lvl9pPr>
-          </a:lstStyle>
-          <a:p>
-            <a:r>
-              <a:rPr lang="en-US" sz="4400" b="1">
-                <a:solidFill>
-                  <a:schemeClr val="tx1">
-                    <a:lumMod val="75000"/>
-                    <a:lumOff val="25000"/>
-                  </a:schemeClr>
-                </a:solidFill>
-                <a:latin typeface="Segoe UI Black"/>
-                <a:ea typeface="Segoe UI Black"/>
-              </a:rPr>
-              <a:t>Security Strengths</a:t>
-            </a:r>
-            <a:endParaRPr lang="en-US"/>
-          </a:p>
-        </p:txBody>
-      </p:sp>
-      <p:sp>
-        <p:nvSpPr>
-          <p:cNvPr id="7" name="Rectangle: Rounded Corners 6">
-            <a:extLst>
-              <a:ext uri="{FF2B5EF4-FFF2-40B4-BE49-F238E27FC236}">
-                <a16:creationId xmlns:a16="http://schemas.microsoft.com/office/drawing/2014/main" id="{C326396A-2BF6-6A4B-3C1D-6179EB03B022}"/>
-              </a:ext>
-            </a:extLst>
-          </p:cNvPr>
-          <p:cNvSpPr/>
-          <p:nvPr/>
-        </p:nvSpPr>
-        <p:spPr>
-          <a:xfrm>
-            <a:off x="7494763" y="1898484"/>
-            <a:ext cx="2288596" cy="3657600"/>
-          </a:xfrm>
-          <a:prstGeom prst="roundRect">
-            <a:avLst/>
-          </a:prstGeom>
-          <a:solidFill>
-            <a:schemeClr val="accent5">
-              <a:lumMod val="75000"/>
-            </a:schemeClr>
-          </a:solidFill>
-          <a:ln>
-            <a:noFill/>
-          </a:ln>
-        </p:spPr>
-        <p:style>
-          <a:lnRef idx="2">
-            <a:schemeClr val="accent1">
-              <a:shade val="15000"/>
-            </a:schemeClr>
-          </a:lnRef>
-          <a:fillRef idx="1">
-            <a:schemeClr val="accent1"/>
-          </a:fillRef>
-          <a:effectRef idx="0">
-            <a:schemeClr val="accent1"/>
-          </a:effectRef>
-          <a:fontRef idx="minor">
-            <a:schemeClr val="lt1"/>
-          </a:fontRef>
-        </p:style>
-        <p:txBody>
-          <a:bodyPr rtlCol="0" anchor="ctr"/>
-          <a:lstStyle/>
-          <a:p>
-            <a:pPr algn="ctr"/>
-            <a:endParaRPr lang="en-US"/>
-          </a:p>
-        </p:txBody>
-      </p:sp>
-      <p:sp>
-        <p:nvSpPr>
-          <p:cNvPr id="8" name="Rectangle: Rounded Corners 7">
-            <a:extLst>
-              <a:ext uri="{FF2B5EF4-FFF2-40B4-BE49-F238E27FC236}">
-                <a16:creationId xmlns:a16="http://schemas.microsoft.com/office/drawing/2014/main" id="{2E33E3F8-4212-0AA2-F31C-33E88F1BD832}"/>
-              </a:ext>
-            </a:extLst>
-          </p:cNvPr>
-          <p:cNvSpPr/>
-          <p:nvPr/>
-        </p:nvSpPr>
-        <p:spPr>
-          <a:xfrm>
-            <a:off x="4951702" y="1898483"/>
-            <a:ext cx="2288596" cy="3657600"/>
-          </a:xfrm>
-          <a:prstGeom prst="roundRect">
-            <a:avLst/>
-          </a:prstGeom>
-          <a:solidFill>
-            <a:schemeClr val="accent5">
-              <a:lumMod val="75000"/>
-            </a:schemeClr>
-          </a:solidFill>
-          <a:ln>
-            <a:noFill/>
-          </a:ln>
-        </p:spPr>
-        <p:style>
-          <a:lnRef idx="2">
-            <a:schemeClr val="accent1">
-              <a:shade val="15000"/>
-            </a:schemeClr>
-          </a:lnRef>
-          <a:fillRef idx="1">
-            <a:schemeClr val="accent1"/>
-          </a:fillRef>
-          <a:effectRef idx="0">
-            <a:schemeClr val="accent1"/>
-          </a:effectRef>
-          <a:fontRef idx="minor">
-            <a:schemeClr val="lt1"/>
-          </a:fontRef>
-        </p:style>
-        <p:txBody>
-          <a:bodyPr rtlCol="0" anchor="ctr"/>
-          <a:lstStyle/>
-          <a:p>
-            <a:pPr algn="ctr"/>
-            <a:endParaRPr lang="en-US"/>
-          </a:p>
-        </p:txBody>
-      </p:sp>
-      <p:sp>
-        <p:nvSpPr>
-          <p:cNvPr id="10" name="Rectangle: Rounded Corners 9">
-            <a:extLst>
-              <a:ext uri="{FF2B5EF4-FFF2-40B4-BE49-F238E27FC236}">
-                <a16:creationId xmlns:a16="http://schemas.microsoft.com/office/drawing/2014/main" id="{B7BC7069-5C76-F0BD-6C5D-934312A8DE4C}"/>
-              </a:ext>
-            </a:extLst>
-          </p:cNvPr>
-          <p:cNvSpPr/>
-          <p:nvPr/>
-        </p:nvSpPr>
-        <p:spPr>
-          <a:xfrm>
-            <a:off x="2408641" y="1884714"/>
-            <a:ext cx="2288596" cy="3657600"/>
-          </a:xfrm>
-          <a:prstGeom prst="roundRect">
-            <a:avLst/>
-          </a:prstGeom>
-          <a:solidFill>
-            <a:schemeClr val="accent5">
-              <a:lumMod val="75000"/>
-            </a:schemeClr>
-          </a:solidFill>
-          <a:ln>
-            <a:noFill/>
-          </a:ln>
-        </p:spPr>
-        <p:style>
-          <a:lnRef idx="2">
-            <a:schemeClr val="accent1">
-              <a:shade val="15000"/>
-            </a:schemeClr>
-          </a:lnRef>
-          <a:fillRef idx="1">
-            <a:schemeClr val="accent1"/>
-          </a:fillRef>
-          <a:effectRef idx="0">
-            <a:schemeClr val="accent1"/>
-          </a:effectRef>
-          <a:fontRef idx="minor">
-            <a:schemeClr val="lt1"/>
-          </a:fontRef>
-        </p:style>
-        <p:txBody>
-          <a:bodyPr rtlCol="0" anchor="ctr"/>
-          <a:lstStyle/>
-          <a:p>
-            <a:pPr algn="ctr"/>
-            <a:endParaRPr lang="en-US"/>
-          </a:p>
-        </p:txBody>
-      </p:sp>
-      <p:sp>
-        <p:nvSpPr>
-          <p:cNvPr id="13" name="Rectangle: Rounded Corners 12">
-            <a:extLst>
-              <a:ext uri="{FF2B5EF4-FFF2-40B4-BE49-F238E27FC236}">
-                <a16:creationId xmlns:a16="http://schemas.microsoft.com/office/drawing/2014/main" id="{5B579B44-144F-3B37-571A-AB9B0F4458B8}"/>
-              </a:ext>
-            </a:extLst>
-          </p:cNvPr>
-          <p:cNvSpPr/>
-          <p:nvPr/>
-        </p:nvSpPr>
-        <p:spPr>
-          <a:xfrm>
-            <a:off x="2535559" y="2009460"/>
-            <a:ext cx="2034760" cy="3404122"/>
-          </a:xfrm>
-          <a:prstGeom prst="roundRect">
-            <a:avLst>
-              <a:gd name="adj" fmla="val 14511"/>
-            </a:avLst>
-          </a:prstGeom>
-          <a:solidFill>
-            <a:schemeClr val="bg1"/>
-          </a:solidFill>
-          <a:ln>
-            <a:noFill/>
-          </a:ln>
-        </p:spPr>
-        <p:style>
-          <a:lnRef idx="2">
-            <a:schemeClr val="accent1">
-              <a:shade val="15000"/>
-            </a:schemeClr>
-          </a:lnRef>
-          <a:fillRef idx="1">
-            <a:schemeClr val="accent1"/>
-          </a:fillRef>
-          <a:effectRef idx="0">
-            <a:schemeClr val="accent1"/>
-          </a:effectRef>
-          <a:fontRef idx="minor">
-            <a:schemeClr val="lt1"/>
-          </a:fontRef>
-        </p:style>
-        <p:txBody>
-          <a:bodyPr lIns="91440" tIns="45720" rIns="91440" bIns="45720" rtlCol="0" anchor="ctr"/>
-          <a:lstStyle/>
-          <a:p>
-            <a:pPr algn="ctr"/>
-            <a:endParaRPr lang="en-US" sz="1600" b="1">
-              <a:latin typeface="Grandview Display"/>
-            </a:endParaRPr>
-          </a:p>
-        </p:txBody>
-      </p:sp>
-      <p:sp>
-        <p:nvSpPr>
-          <p:cNvPr id="4" name="Rectangle: Rounded Corners 3">
-            <a:extLst>
-              <a:ext uri="{FF2B5EF4-FFF2-40B4-BE49-F238E27FC236}">
-                <a16:creationId xmlns:a16="http://schemas.microsoft.com/office/drawing/2014/main" id="{7410B84B-3649-0941-127D-7D03A3C5CA22}"/>
-              </a:ext>
-            </a:extLst>
-          </p:cNvPr>
-          <p:cNvSpPr/>
-          <p:nvPr/>
-        </p:nvSpPr>
-        <p:spPr>
-          <a:xfrm>
-            <a:off x="5094173" y="2009461"/>
-            <a:ext cx="2034760" cy="3404122"/>
-          </a:xfrm>
-          <a:prstGeom prst="roundRect">
-            <a:avLst>
-              <a:gd name="adj" fmla="val 14511"/>
-            </a:avLst>
-          </a:prstGeom>
-          <a:solidFill>
-            <a:schemeClr val="bg1"/>
-          </a:solidFill>
-          <a:ln>
-            <a:noFill/>
-          </a:ln>
-        </p:spPr>
-        <p:style>
-          <a:lnRef idx="2">
-            <a:schemeClr val="accent1">
-              <a:shade val="15000"/>
-            </a:schemeClr>
-          </a:lnRef>
-          <a:fillRef idx="1">
-            <a:schemeClr val="accent1"/>
-          </a:fillRef>
-          <a:effectRef idx="0">
-            <a:schemeClr val="accent1"/>
-          </a:effectRef>
-          <a:fontRef idx="minor">
-            <a:schemeClr val="lt1"/>
-          </a:fontRef>
-        </p:style>
-        <p:txBody>
-          <a:bodyPr lIns="91440" tIns="45720" rIns="91440" bIns="45720" rtlCol="0" anchor="ctr"/>
-          <a:lstStyle/>
-          <a:p>
-            <a:pPr algn="ctr"/>
-            <a:endParaRPr lang="en-US" sz="1600" b="1">
-              <a:latin typeface="Grandview Display"/>
-            </a:endParaRPr>
-          </a:p>
-        </p:txBody>
-      </p:sp>
-      <p:sp>
-        <p:nvSpPr>
-          <p:cNvPr id="14" name="Rectangle: Rounded Corners 13">
-            <a:extLst>
-              <a:ext uri="{FF2B5EF4-FFF2-40B4-BE49-F238E27FC236}">
-                <a16:creationId xmlns:a16="http://schemas.microsoft.com/office/drawing/2014/main" id="{D2618E41-1A41-2EAE-1AC7-B75170F3F173}"/>
-              </a:ext>
-            </a:extLst>
-          </p:cNvPr>
-          <p:cNvSpPr/>
-          <p:nvPr/>
-        </p:nvSpPr>
-        <p:spPr>
-          <a:xfrm>
-            <a:off x="7621681" y="2009461"/>
-            <a:ext cx="2034760" cy="3404120"/>
-          </a:xfrm>
-          <a:prstGeom prst="roundRect">
-            <a:avLst>
-              <a:gd name="adj" fmla="val 14511"/>
-            </a:avLst>
-          </a:prstGeom>
-          <a:solidFill>
-            <a:schemeClr val="bg1"/>
-          </a:solidFill>
-          <a:ln>
-            <a:noFill/>
-          </a:ln>
-        </p:spPr>
-        <p:style>
-          <a:lnRef idx="2">
-            <a:schemeClr val="accent1">
-              <a:shade val="15000"/>
-            </a:schemeClr>
-          </a:lnRef>
-          <a:fillRef idx="1">
-            <a:schemeClr val="accent1"/>
-          </a:fillRef>
-          <a:effectRef idx="0">
-            <a:schemeClr val="accent1"/>
-          </a:effectRef>
-          <a:fontRef idx="minor">
-            <a:schemeClr val="lt1"/>
-          </a:fontRef>
-        </p:style>
-        <p:txBody>
-          <a:bodyPr lIns="91440" tIns="45720" rIns="91440" bIns="45720" rtlCol="0" anchor="ctr"/>
-          <a:lstStyle/>
-          <a:p>
-            <a:pPr algn="ctr"/>
-            <a:endParaRPr lang="en-US" sz="1600" b="1">
-              <a:latin typeface="Grandview Display"/>
-            </a:endParaRPr>
-          </a:p>
-        </p:txBody>
-      </p:sp>
-      <p:sp>
-        <p:nvSpPr>
-          <p:cNvPr id="17" name="TextBox 16">
-            <a:extLst>
-              <a:ext uri="{FF2B5EF4-FFF2-40B4-BE49-F238E27FC236}">
-                <a16:creationId xmlns:a16="http://schemas.microsoft.com/office/drawing/2014/main" id="{B0D7A845-207C-8DF3-2533-81E29BC3BD12}"/>
-              </a:ext>
-            </a:extLst>
-          </p:cNvPr>
-          <p:cNvSpPr txBox="1"/>
-          <p:nvPr/>
-        </p:nvSpPr>
-        <p:spPr>
-          <a:xfrm>
-            <a:off x="2736194" y="4073486"/>
-            <a:ext cx="1633491" cy="646331"/>
-          </a:xfrm>
-          <a:prstGeom prst="rect">
-            <a:avLst/>
-          </a:prstGeom>
-          <a:noFill/>
-        </p:spPr>
-        <p:txBody>
-          <a:bodyPr wrap="square" lIns="91440" tIns="45720" rIns="91440" bIns="45720" rtlCol="0" anchor="t">
-            <a:spAutoFit/>
-          </a:bodyPr>
-          <a:lstStyle/>
-          <a:p>
-            <a:pPr algn="ctr"/>
-            <a:r>
-              <a:rPr lang="en-US" dirty="0">
-                <a:latin typeface="Grandview"/>
-              </a:rPr>
-              <a:t>Doing that one thing</a:t>
-            </a:r>
-          </a:p>
-        </p:txBody>
-      </p:sp>
-      <p:sp>
-        <p:nvSpPr>
-          <p:cNvPr id="18" name="TextBox 17">
-            <a:extLst>
-              <a:ext uri="{FF2B5EF4-FFF2-40B4-BE49-F238E27FC236}">
-                <a16:creationId xmlns:a16="http://schemas.microsoft.com/office/drawing/2014/main" id="{7BA5D126-1AD7-FD5C-8C81-BB4EBC7064A9}"/>
-              </a:ext>
-            </a:extLst>
-          </p:cNvPr>
-          <p:cNvSpPr txBox="1"/>
-          <p:nvPr/>
-        </p:nvSpPr>
-        <p:spPr>
-          <a:xfrm>
-            <a:off x="5279254" y="4073486"/>
-            <a:ext cx="1633491" cy="646331"/>
-          </a:xfrm>
-          <a:prstGeom prst="rect">
-            <a:avLst/>
-          </a:prstGeom>
-          <a:noFill/>
-        </p:spPr>
-        <p:txBody>
-          <a:bodyPr wrap="square" rtlCol="0">
-            <a:spAutoFit/>
-          </a:bodyPr>
-          <a:lstStyle/>
-          <a:p>
-            <a:pPr algn="ctr"/>
-            <a:r>
-              <a:rPr lang="en-US" dirty="0">
-                <a:latin typeface="Grandview" panose="020B0502040204020203" pitchFamily="34" charset="0"/>
-              </a:rPr>
-              <a:t>Doing that other thing</a:t>
-            </a:r>
-          </a:p>
-        </p:txBody>
-      </p:sp>
-      <p:sp>
-        <p:nvSpPr>
-          <p:cNvPr id="19" name="TextBox 18">
-            <a:extLst>
-              <a:ext uri="{FF2B5EF4-FFF2-40B4-BE49-F238E27FC236}">
-                <a16:creationId xmlns:a16="http://schemas.microsoft.com/office/drawing/2014/main" id="{8624F98B-32AB-8CF9-55F5-5239FB8EAE9B}"/>
-              </a:ext>
-            </a:extLst>
-          </p:cNvPr>
-          <p:cNvSpPr txBox="1"/>
-          <p:nvPr/>
-        </p:nvSpPr>
-        <p:spPr>
-          <a:xfrm>
-            <a:off x="7822315" y="4073486"/>
-            <a:ext cx="1633491" cy="923330"/>
-          </a:xfrm>
-          <a:prstGeom prst="rect">
-            <a:avLst/>
-          </a:prstGeom>
-          <a:noFill/>
-        </p:spPr>
-        <p:txBody>
-          <a:bodyPr wrap="square" lIns="91440" tIns="45720" rIns="91440" bIns="45720" rtlCol="0" anchor="t">
-            <a:spAutoFit/>
-          </a:bodyPr>
-          <a:lstStyle/>
-          <a:p>
-            <a:pPr algn="ctr"/>
-            <a:r>
-              <a:rPr lang="en-US" dirty="0">
-                <a:latin typeface="Grandview"/>
-              </a:rPr>
-              <a:t>Doing that other </a:t>
-            </a:r>
-            <a:r>
-              <a:rPr lang="en-US" dirty="0" err="1">
-                <a:latin typeface="Grandview"/>
-              </a:rPr>
-              <a:t>other</a:t>
-            </a:r>
-            <a:r>
-              <a:rPr lang="en-US" dirty="0">
-                <a:latin typeface="Grandview"/>
-              </a:rPr>
-              <a:t> thing</a:t>
-            </a:r>
-          </a:p>
-        </p:txBody>
-      </p:sp>
-      <p:pic>
-        <p:nvPicPr>
-          <p:cNvPr id="22" name="Picture 21">
-            <a:extLst>
-              <a:ext uri="{FF2B5EF4-FFF2-40B4-BE49-F238E27FC236}">
-                <a16:creationId xmlns:a16="http://schemas.microsoft.com/office/drawing/2014/main" id="{62A06071-7EB0-67CB-5ADE-DC69C1F65146}"/>
-              </a:ext>
-            </a:extLst>
-          </p:cNvPr>
-          <p:cNvPicPr>
-            <a:picLocks noChangeAspect="1"/>
-          </p:cNvPicPr>
-          <p:nvPr/>
-        </p:nvPicPr>
-        <p:blipFill rotWithShape="1">
-          <a:blip r:embed="rId3" cstate="print">
-            <a:extLst>
-              <a:ext uri="{28A0092B-C50C-407E-A947-70E740481C1C}">
-                <a14:useLocalDpi xmlns:a14="http://schemas.microsoft.com/office/drawing/2010/main" val="0"/>
-              </a:ext>
-            </a:extLst>
-          </a:blip>
-          <a:srcRect l="8978" r="8978"/>
-          <a:stretch/>
-        </p:blipFill>
-        <p:spPr>
-          <a:xfrm>
-            <a:off x="2940631" y="2420586"/>
-            <a:ext cx="1213377" cy="1236134"/>
-          </a:xfrm>
-          <a:prstGeom prst="rect">
-            <a:avLst/>
-          </a:prstGeom>
-        </p:spPr>
-      </p:pic>
-      <p:pic>
-        <p:nvPicPr>
-          <p:cNvPr id="26" name="Picture 25">
-            <a:extLst>
-              <a:ext uri="{FF2B5EF4-FFF2-40B4-BE49-F238E27FC236}">
-                <a16:creationId xmlns:a16="http://schemas.microsoft.com/office/drawing/2014/main" id="{EF796913-D327-AFCA-FDE3-A6EB153723D6}"/>
-              </a:ext>
-            </a:extLst>
-          </p:cNvPr>
-          <p:cNvPicPr>
-            <a:picLocks noChangeAspect="1"/>
-          </p:cNvPicPr>
-          <p:nvPr/>
-        </p:nvPicPr>
-        <p:blipFill>
-          <a:blip r:embed="rId4" cstate="print">
-            <a:extLst>
-              <a:ext uri="{28A0092B-C50C-407E-A947-70E740481C1C}">
-                <a14:useLocalDpi xmlns:a14="http://schemas.microsoft.com/office/drawing/2010/main" val="0"/>
-              </a:ext>
-            </a:extLst>
-          </a:blip>
-          <a:srcRect/>
-          <a:stretch/>
-        </p:blipFill>
-        <p:spPr>
-          <a:xfrm>
-            <a:off x="7956519" y="2532645"/>
-            <a:ext cx="1365081" cy="1140963"/>
-          </a:xfrm>
-          <a:prstGeom prst="rect">
-            <a:avLst/>
-          </a:prstGeom>
-        </p:spPr>
-      </p:pic>
-      <p:pic>
-        <p:nvPicPr>
-          <p:cNvPr id="30" name="Picture 29">
-            <a:extLst>
-              <a:ext uri="{FF2B5EF4-FFF2-40B4-BE49-F238E27FC236}">
-                <a16:creationId xmlns:a16="http://schemas.microsoft.com/office/drawing/2014/main" id="{E0889059-7591-B1EB-1F38-1EFD3B888F31}"/>
-              </a:ext>
-            </a:extLst>
-          </p:cNvPr>
-          <p:cNvPicPr>
-            <a:picLocks noChangeAspect="1"/>
-          </p:cNvPicPr>
-          <p:nvPr/>
-        </p:nvPicPr>
-        <p:blipFill>
-          <a:blip r:embed="rId5" cstate="print">
-            <a:extLst>
-              <a:ext uri="{28A0092B-C50C-407E-A947-70E740481C1C}">
-                <a14:useLocalDpi xmlns:a14="http://schemas.microsoft.com/office/drawing/2010/main" val="0"/>
-              </a:ext>
-            </a:extLst>
-          </a:blip>
-          <a:srcRect/>
-          <a:stretch/>
-        </p:blipFill>
-        <p:spPr>
-          <a:xfrm>
-            <a:off x="5535165" y="2559716"/>
-            <a:ext cx="1152776" cy="963514"/>
-          </a:xfrm>
-          <a:prstGeom prst="rect">
-            <a:avLst/>
-          </a:prstGeom>
-        </p:spPr>
-      </p:pic>
-      <p:pic>
-        <p:nvPicPr>
-          <p:cNvPr id="3076" name="Picture 4" descr="Cruise Line Icon Vector, Boat, Cruise, Travel PNG and Vector with  Transparent Background for Free Download">
-            <a:extLst>
-              <a:ext uri="{FF2B5EF4-FFF2-40B4-BE49-F238E27FC236}">
-                <a16:creationId xmlns:a16="http://schemas.microsoft.com/office/drawing/2014/main" id="{9EED351E-50E8-0ECC-EA48-8709F2B934F4}"/>
-              </a:ext>
-            </a:extLst>
-          </p:cNvPr>
-          <p:cNvPicPr>
-            <a:picLocks noChangeAspect="1" noChangeArrowheads="1"/>
-          </p:cNvPicPr>
-          <p:nvPr/>
-        </p:nvPicPr>
-        <p:blipFill>
-          <a:blip r:embed="rId6">
-            <a:extLst>
-              <a:ext uri="{28A0092B-C50C-407E-A947-70E740481C1C}">
-                <a14:useLocalDpi xmlns:a14="http://schemas.microsoft.com/office/drawing/2010/main" val="0"/>
-              </a:ext>
-            </a:extLst>
-          </a:blip>
-          <a:srcRect/>
-          <a:stretch>
-            <a:fillRect/>
-          </a:stretch>
-        </p:blipFill>
-        <p:spPr bwMode="auto">
-          <a:xfrm>
-            <a:off x="0" y="22467"/>
-            <a:ext cx="1315686" cy="1315686"/>
-          </a:xfrm>
-          <a:prstGeom prst="rect">
-            <a:avLst/>
-          </a:prstGeom>
-          <a:noFill/>
-          <a:extLst>
-            <a:ext uri="{909E8E84-426E-40DD-AFC4-6F175D3DCCD1}">
-              <a14:hiddenFill xmlns:a14="http://schemas.microsoft.com/office/drawing/2010/main">
-                <a:solidFill>
-                  <a:srgbClr val="FFFFFF"/>
-                </a:solidFill>
-              </a14:hiddenFill>
-            </a:ext>
-          </a:extLst>
-        </p:spPr>
-      </p:pic>
-    </p:spTree>
-    <p:extLst>
-      <p:ext uri="{BB962C8B-B14F-4D97-AF65-F5344CB8AC3E}">
-        <p14:creationId xmlns:p14="http://schemas.microsoft.com/office/powerpoint/2010/main" val="288272146"/>
-      </p:ext>
-    </p:extLst>
-  </p:cSld>
-  <p:clrMapOvr>
-    <a:masterClrMapping/>
-  </p:clrMapOvr>
-</p:sld>
-</file>
-
-<file path=ppt/slides/slide8.xml><?xml version="1.0" encoding="utf-8"?>
-<p:sld xmlns:a="http://schemas.openxmlformats.org/drawingml/2006/main" xmlns:r="http://schemas.openxmlformats.org/officeDocument/2006/relationships" xmlns:p="http://schemas.openxmlformats.org/presentationml/2006/main">
-  <p:cSld>
-    <p:bg>
-      <p:bgPr>
-        <a:solidFill>
-          <a:schemeClr val="bg1"/>
-        </a:solidFill>
-        <a:effectLst/>
-      </p:bgPr>
-    </p:bg>
-    <p:spTree>
-      <p:nvGrpSpPr>
-        <p:cNvPr id="1" name="">
-          <a:extLst>
-            <a:ext uri="{FF2B5EF4-FFF2-40B4-BE49-F238E27FC236}">
-              <a16:creationId xmlns:a16="http://schemas.microsoft.com/office/drawing/2014/main" id="{C77CDE45-2F09-5A99-2F3D-6A1C23445703}"/>
-            </a:ext>
-          </a:extLst>
-        </p:cNvPr>
-        <p:cNvGrpSpPr/>
-        <p:nvPr/>
-      </p:nvGrpSpPr>
-      <p:grpSpPr>
-        <a:xfrm>
-          <a:off x="0" y="0"/>
-          <a:ext cx="0" cy="0"/>
-          <a:chOff x="0" y="0"/>
-          <a:chExt cx="0" cy="0"/>
-        </a:xfrm>
-      </p:grpSpPr>
-      <p:sp>
-        <p:nvSpPr>
-          <p:cNvPr id="5" name="Rectangle 4">
-            <a:extLst>
-              <a:ext uri="{FF2B5EF4-FFF2-40B4-BE49-F238E27FC236}">
-                <a16:creationId xmlns:a16="http://schemas.microsoft.com/office/drawing/2014/main" id="{14DC3C56-25B6-2254-14BD-4E24D665F864}"/>
-              </a:ext>
-            </a:extLst>
-          </p:cNvPr>
-          <p:cNvSpPr/>
-          <p:nvPr/>
-        </p:nvSpPr>
-        <p:spPr>
-          <a:xfrm>
-            <a:off x="0" y="6246000"/>
-            <a:ext cx="12198000" cy="612000"/>
-          </a:xfrm>
-          <a:prstGeom prst="rect">
-            <a:avLst/>
-          </a:prstGeom>
-          <a:solidFill>
-            <a:schemeClr val="accent5">
-              <a:lumMod val="75000"/>
-            </a:schemeClr>
-          </a:solidFill>
-          <a:ln>
-            <a:noFill/>
-          </a:ln>
-        </p:spPr>
-        <p:style>
-          <a:lnRef idx="2">
-            <a:schemeClr val="accent1">
-              <a:shade val="15000"/>
-            </a:schemeClr>
-          </a:lnRef>
-          <a:fillRef idx="1">
-            <a:schemeClr val="accent1"/>
-          </a:fillRef>
-          <a:effectRef idx="0">
-            <a:schemeClr val="accent1"/>
-          </a:effectRef>
-          <a:fontRef idx="minor">
-            <a:schemeClr val="lt1"/>
-          </a:fontRef>
-        </p:style>
-        <p:txBody>
-          <a:bodyPr lIns="91440" tIns="45720" rIns="91440" bIns="45720" rtlCol="0" anchor="ctr"/>
-          <a:lstStyle/>
-          <a:p>
-            <a:pPr algn="ctr"/>
-            <a:endParaRPr lang="en-US">
-              <a:solidFill>
-                <a:srgbClr val="1148ED"/>
-              </a:solidFill>
-              <a:cs typeface="Calibri"/>
-            </a:endParaRPr>
-          </a:p>
-        </p:txBody>
-      </p:sp>
-      <p:pic>
-        <p:nvPicPr>
-          <p:cNvPr id="2" name="Picture 1">
-            <a:extLst>
-              <a:ext uri="{FF2B5EF4-FFF2-40B4-BE49-F238E27FC236}">
-                <a16:creationId xmlns:a16="http://schemas.microsoft.com/office/drawing/2014/main" id="{9581EDE2-D7CF-EEE9-3B28-E7E894EC42BB}"/>
-              </a:ext>
-            </a:extLst>
-          </p:cNvPr>
-          <p:cNvPicPr>
-            <a:picLocks noChangeAspect="1"/>
-          </p:cNvPicPr>
-          <p:nvPr/>
-        </p:nvPicPr>
-        <p:blipFill>
-          <a:blip r:embed="rId2" cstate="print">
-            <a:lum bright="70000" contrast="-70000"/>
-            <a:extLst>
-              <a:ext uri="{28A0092B-C50C-407E-A947-70E740481C1C}">
-                <a14:useLocalDpi xmlns:a14="http://schemas.microsoft.com/office/drawing/2010/main" val="0"/>
-              </a:ext>
-            </a:extLst>
-          </a:blip>
-          <a:srcRect/>
-          <a:stretch>
-            <a:fillRect/>
-          </a:stretch>
-        </p:blipFill>
-        <p:spPr bwMode="auto">
-          <a:xfrm>
-            <a:off x="5410200" y="6314721"/>
-            <a:ext cx="1371600" cy="466725"/>
-          </a:xfrm>
-          <a:prstGeom prst="rect">
-            <a:avLst/>
-          </a:prstGeom>
-          <a:noFill/>
-          <a:ln>
-            <a:noFill/>
-          </a:ln>
-        </p:spPr>
-      </p:pic>
-      <p:sp>
-        <p:nvSpPr>
-          <p:cNvPr id="9" name="Rectangle 8">
-            <a:extLst>
-              <a:ext uri="{FF2B5EF4-FFF2-40B4-BE49-F238E27FC236}">
-                <a16:creationId xmlns:a16="http://schemas.microsoft.com/office/drawing/2014/main" id="{1B12FAD2-C66E-0A12-CA45-D0068DB0EBFA}"/>
-              </a:ext>
-            </a:extLst>
-          </p:cNvPr>
-          <p:cNvSpPr/>
-          <p:nvPr/>
-        </p:nvSpPr>
-        <p:spPr>
-          <a:xfrm>
-            <a:off x="-1" y="0"/>
-            <a:ext cx="12198000" cy="145143"/>
-          </a:xfrm>
-          <a:prstGeom prst="rect">
-            <a:avLst/>
-          </a:prstGeom>
-          <a:solidFill>
-            <a:schemeClr val="accent5">
-              <a:lumMod val="75000"/>
-            </a:schemeClr>
-          </a:solidFill>
-          <a:ln>
-            <a:noFill/>
-          </a:ln>
-        </p:spPr>
-        <p:style>
-          <a:lnRef idx="2">
-            <a:schemeClr val="accent1">
-              <a:shade val="15000"/>
-            </a:schemeClr>
-          </a:lnRef>
-          <a:fillRef idx="1">
-            <a:schemeClr val="accent1"/>
-          </a:fillRef>
-          <a:effectRef idx="0">
-            <a:schemeClr val="accent1"/>
-          </a:effectRef>
-          <a:fontRef idx="minor">
-            <a:schemeClr val="lt1"/>
-          </a:fontRef>
-        </p:style>
-        <p:txBody>
-          <a:bodyPr lIns="91440" tIns="45720" rIns="91440" bIns="45720" rtlCol="0" anchor="ctr"/>
-          <a:lstStyle/>
-          <a:p>
-            <a:pPr algn="ctr"/>
-            <a:endParaRPr lang="en-US">
-              <a:solidFill>
-                <a:srgbClr val="1148ED"/>
-              </a:solidFill>
-              <a:cs typeface="Calibri"/>
-            </a:endParaRPr>
-          </a:p>
-        </p:txBody>
-      </p:sp>
-      <p:sp>
-        <p:nvSpPr>
-          <p:cNvPr id="3" name="TextBox 1">
-            <a:extLst>
-              <a:ext uri="{FF2B5EF4-FFF2-40B4-BE49-F238E27FC236}">
-                <a16:creationId xmlns:a16="http://schemas.microsoft.com/office/drawing/2014/main" id="{9E3CC5C7-C143-1800-EFA6-9768A8338AF0}"/>
-              </a:ext>
-            </a:extLst>
-          </p:cNvPr>
-          <p:cNvSpPr txBox="1"/>
-          <p:nvPr/>
-        </p:nvSpPr>
-        <p:spPr>
-          <a:xfrm>
-            <a:off x="1578282" y="407602"/>
-            <a:ext cx="10019930" cy="769441"/>
-          </a:xfrm>
-          <a:prstGeom prst="rect">
-            <a:avLst/>
-          </a:prstGeom>
-          <a:noFill/>
-        </p:spPr>
-        <p:txBody>
-          <a:bodyPr wrap="square" lIns="91440" tIns="45720" rIns="91440" bIns="45720" rtlCol="0" anchor="t">
-            <a:spAutoFit/>
-          </a:bodyPr>
-          <a:lstStyle>
-            <a:defPPr>
-              <a:defRPr lang="en-US"/>
-            </a:defPPr>
-            <a:lvl1pPr marL="0" algn="l" defTabSz="914400" rtl="0" eaLnBrk="1" latinLnBrk="0" hangingPunct="1">
-              <a:defRPr sz="1800" kern="1200">
-                <a:solidFill>
-                  <a:schemeClr val="tx1"/>
-                </a:solidFill>
-                <a:latin typeface="+mn-lt"/>
-                <a:ea typeface="+mn-ea"/>
-                <a:cs typeface="+mn-cs"/>
-              </a:defRPr>
-            </a:lvl1pPr>
-            <a:lvl2pPr marL="457200" algn="l" defTabSz="914400" rtl="0" eaLnBrk="1" latinLnBrk="0" hangingPunct="1">
-              <a:defRPr sz="1800" kern="1200">
-                <a:solidFill>
-                  <a:schemeClr val="tx1"/>
-                </a:solidFill>
-                <a:latin typeface="+mn-lt"/>
-                <a:ea typeface="+mn-ea"/>
-                <a:cs typeface="+mn-cs"/>
-              </a:defRPr>
-            </a:lvl2pPr>
-            <a:lvl3pPr marL="914400" algn="l" defTabSz="914400" rtl="0" eaLnBrk="1" latinLnBrk="0" hangingPunct="1">
-              <a:defRPr sz="1800" kern="1200">
-                <a:solidFill>
-                  <a:schemeClr val="tx1"/>
-                </a:solidFill>
-                <a:latin typeface="+mn-lt"/>
-                <a:ea typeface="+mn-ea"/>
-                <a:cs typeface="+mn-cs"/>
-              </a:defRPr>
-            </a:lvl3pPr>
-            <a:lvl4pPr marL="1371600" algn="l" defTabSz="914400" rtl="0" eaLnBrk="1" latinLnBrk="0" hangingPunct="1">
-              <a:defRPr sz="1800" kern="1200">
-                <a:solidFill>
-                  <a:schemeClr val="tx1"/>
-                </a:solidFill>
-                <a:latin typeface="+mn-lt"/>
-                <a:ea typeface="+mn-ea"/>
-                <a:cs typeface="+mn-cs"/>
-              </a:defRPr>
-            </a:lvl4pPr>
-            <a:lvl5pPr marL="1828800" algn="l" defTabSz="914400" rtl="0" eaLnBrk="1" latinLnBrk="0" hangingPunct="1">
-              <a:defRPr sz="1800" kern="1200">
-                <a:solidFill>
-                  <a:schemeClr val="tx1"/>
-                </a:solidFill>
-                <a:latin typeface="+mn-lt"/>
-                <a:ea typeface="+mn-ea"/>
-                <a:cs typeface="+mn-cs"/>
-              </a:defRPr>
-            </a:lvl5pPr>
-            <a:lvl6pPr marL="2286000" algn="l" defTabSz="914400" rtl="0" eaLnBrk="1" latinLnBrk="0" hangingPunct="1">
-              <a:defRPr sz="1800" kern="1200">
-                <a:solidFill>
-                  <a:schemeClr val="tx1"/>
-                </a:solidFill>
-                <a:latin typeface="+mn-lt"/>
-                <a:ea typeface="+mn-ea"/>
-                <a:cs typeface="+mn-cs"/>
-              </a:defRPr>
-            </a:lvl6pPr>
-            <a:lvl7pPr marL="2743200" algn="l" defTabSz="914400" rtl="0" eaLnBrk="1" latinLnBrk="0" hangingPunct="1">
-              <a:defRPr sz="1800" kern="1200">
-                <a:solidFill>
-                  <a:schemeClr val="tx1"/>
-                </a:solidFill>
-                <a:latin typeface="+mn-lt"/>
-                <a:ea typeface="+mn-ea"/>
-                <a:cs typeface="+mn-cs"/>
-              </a:defRPr>
-            </a:lvl7pPr>
-            <a:lvl8pPr marL="3200400" algn="l" defTabSz="914400" rtl="0" eaLnBrk="1" latinLnBrk="0" hangingPunct="1">
-              <a:defRPr sz="1800" kern="1200">
-                <a:solidFill>
-                  <a:schemeClr val="tx1"/>
-                </a:solidFill>
-                <a:latin typeface="+mn-lt"/>
-                <a:ea typeface="+mn-ea"/>
-                <a:cs typeface="+mn-cs"/>
-              </a:defRPr>
-            </a:lvl8pPr>
-            <a:lvl9pPr marL="3657600" algn="l" defTabSz="914400" rtl="0" eaLnBrk="1" latinLnBrk="0" hangingPunct="1">
-              <a:defRPr sz="1800" kern="1200">
-                <a:solidFill>
-                  <a:schemeClr val="tx1"/>
-                </a:solidFill>
-                <a:latin typeface="+mn-lt"/>
-                <a:ea typeface="+mn-ea"/>
-                <a:cs typeface="+mn-cs"/>
-              </a:defRPr>
-            </a:lvl9pPr>
-          </a:lstStyle>
-          <a:p>
-            <a:r>
-              <a:rPr lang="en-US" sz="4400" b="1">
-                <a:solidFill>
-                  <a:schemeClr val="tx1">
-                    <a:lumMod val="75000"/>
-                    <a:lumOff val="25000"/>
-                  </a:schemeClr>
-                </a:solidFill>
-                <a:latin typeface="Segoe UI Black"/>
-                <a:ea typeface="Segoe UI Black"/>
-              </a:rPr>
-              <a:t>Key Findings</a:t>
-            </a:r>
-          </a:p>
-        </p:txBody>
-      </p:sp>
-      <p:sp>
-        <p:nvSpPr>
-          <p:cNvPr id="6" name="Rectangle: Rounded Corners 5">
-            <a:extLst>
-              <a:ext uri="{FF2B5EF4-FFF2-40B4-BE49-F238E27FC236}">
-                <a16:creationId xmlns:a16="http://schemas.microsoft.com/office/drawing/2014/main" id="{C9F87673-DD1C-2623-A2D5-3551181EBE1C}"/>
-              </a:ext>
-            </a:extLst>
-          </p:cNvPr>
-          <p:cNvSpPr/>
-          <p:nvPr/>
-        </p:nvSpPr>
-        <p:spPr>
-          <a:xfrm>
-            <a:off x="463714" y="4389062"/>
-            <a:ext cx="7414194" cy="1339615"/>
-          </a:xfrm>
-          <a:prstGeom prst="roundRect">
-            <a:avLst/>
-          </a:prstGeom>
-          <a:solidFill>
-            <a:schemeClr val="accent5">
-              <a:lumMod val="75000"/>
-            </a:schemeClr>
-          </a:solidFill>
-          <a:ln>
-            <a:noFill/>
-          </a:ln>
-        </p:spPr>
-        <p:style>
-          <a:lnRef idx="2">
-            <a:schemeClr val="accent1">
-              <a:shade val="15000"/>
-            </a:schemeClr>
-          </a:lnRef>
-          <a:fillRef idx="1">
-            <a:schemeClr val="accent1"/>
-          </a:fillRef>
-          <a:effectRef idx="0">
-            <a:schemeClr val="accent1"/>
-          </a:effectRef>
-          <a:fontRef idx="minor">
-            <a:schemeClr val="lt1"/>
-          </a:fontRef>
-        </p:style>
-        <p:txBody>
-          <a:bodyPr rtlCol="0" anchor="ctr"/>
-          <a:lstStyle/>
-          <a:p>
-            <a:pPr algn="ctr"/>
-            <a:r>
-              <a:rPr lang="en-US" dirty="0">
-                <a:latin typeface="Grandview"/>
-              </a:rPr>
-              <a:t>HIGH LEVEL MITIGATIONS</a:t>
-            </a:r>
-          </a:p>
-        </p:txBody>
-      </p:sp>
-      <p:sp>
-        <p:nvSpPr>
-          <p:cNvPr id="8" name="Rectangle: Rounded Corners 7">
-            <a:extLst>
-              <a:ext uri="{FF2B5EF4-FFF2-40B4-BE49-F238E27FC236}">
-                <a16:creationId xmlns:a16="http://schemas.microsoft.com/office/drawing/2014/main" id="{F339326E-6EF3-465B-A265-8187CAA96F81}"/>
-              </a:ext>
-            </a:extLst>
-          </p:cNvPr>
-          <p:cNvSpPr/>
-          <p:nvPr/>
-        </p:nvSpPr>
-        <p:spPr>
-          <a:xfrm>
-            <a:off x="463714" y="3413731"/>
-            <a:ext cx="7414193" cy="898769"/>
-          </a:xfrm>
-          <a:prstGeom prst="roundRect">
-            <a:avLst/>
-          </a:prstGeom>
-          <a:solidFill>
-            <a:schemeClr val="accent5">
-              <a:lumMod val="75000"/>
-            </a:schemeClr>
-          </a:solidFill>
-          <a:ln>
-            <a:noFill/>
-          </a:ln>
-        </p:spPr>
-        <p:style>
-          <a:lnRef idx="2">
-            <a:schemeClr val="accent1">
-              <a:shade val="15000"/>
-            </a:schemeClr>
-          </a:lnRef>
-          <a:fillRef idx="1">
-            <a:schemeClr val="accent1"/>
-          </a:fillRef>
-          <a:effectRef idx="0">
-            <a:schemeClr val="accent1"/>
-          </a:effectRef>
-          <a:fontRef idx="minor">
-            <a:schemeClr val="lt1"/>
-          </a:fontRef>
-        </p:style>
-        <p:txBody>
-          <a:bodyPr rtlCol="0" anchor="ctr"/>
-          <a:lstStyle/>
-          <a:p>
-            <a:pPr algn="ctr"/>
-            <a:r>
-              <a:rPr lang="en-US">
-                <a:latin typeface="Grandview"/>
-              </a:rPr>
-              <a:t>HOW IT IMPACTS THE COMPANY</a:t>
-            </a:r>
-          </a:p>
-        </p:txBody>
-      </p:sp>
-      <p:sp>
-        <p:nvSpPr>
-          <p:cNvPr id="11" name="Rectangle: Rounded Corners 10">
-            <a:extLst>
-              <a:ext uri="{FF2B5EF4-FFF2-40B4-BE49-F238E27FC236}">
-                <a16:creationId xmlns:a16="http://schemas.microsoft.com/office/drawing/2014/main" id="{BCC8C799-0729-D904-B77A-15D41C0B841C}"/>
-              </a:ext>
-            </a:extLst>
-          </p:cNvPr>
-          <p:cNvSpPr/>
-          <p:nvPr/>
-        </p:nvSpPr>
-        <p:spPr>
-          <a:xfrm>
-            <a:off x="463716" y="2438400"/>
-            <a:ext cx="7414192" cy="898769"/>
-          </a:xfrm>
-          <a:prstGeom prst="roundRect">
-            <a:avLst/>
-          </a:prstGeom>
-          <a:solidFill>
-            <a:schemeClr val="accent5">
-              <a:lumMod val="75000"/>
-            </a:schemeClr>
-          </a:solidFill>
-          <a:ln>
-            <a:noFill/>
-          </a:ln>
-        </p:spPr>
-        <p:style>
-          <a:lnRef idx="2">
-            <a:schemeClr val="accent1">
-              <a:shade val="15000"/>
-            </a:schemeClr>
-          </a:lnRef>
-          <a:fillRef idx="1">
-            <a:schemeClr val="accent1"/>
-          </a:fillRef>
-          <a:effectRef idx="0">
-            <a:schemeClr val="accent1"/>
-          </a:effectRef>
-          <a:fontRef idx="minor">
-            <a:schemeClr val="lt1"/>
-          </a:fontRef>
-        </p:style>
-        <p:txBody>
-          <a:bodyPr rtlCol="0" anchor="ctr"/>
-          <a:lstStyle/>
-          <a:p>
-            <a:pPr algn="ctr"/>
-            <a:r>
-              <a:rPr lang="en-US">
-                <a:latin typeface="Grandview"/>
-              </a:rPr>
-              <a:t>AFFECTED GENERAL AREAS</a:t>
-            </a:r>
-          </a:p>
-        </p:txBody>
-      </p:sp>
-      <p:grpSp>
-        <p:nvGrpSpPr>
-          <p:cNvPr id="16" name="Group 15">
-            <a:extLst>
-              <a:ext uri="{FF2B5EF4-FFF2-40B4-BE49-F238E27FC236}">
-                <a16:creationId xmlns:a16="http://schemas.microsoft.com/office/drawing/2014/main" id="{88D1DC6A-E77C-F1DE-94F7-FE81A9B1C807}"/>
-              </a:ext>
-            </a:extLst>
-          </p:cNvPr>
-          <p:cNvGrpSpPr/>
-          <p:nvPr/>
-        </p:nvGrpSpPr>
-        <p:grpSpPr>
-          <a:xfrm>
-            <a:off x="8112229" y="1463069"/>
-            <a:ext cx="3616055" cy="4265608"/>
-            <a:chOff x="8194947" y="992192"/>
-            <a:chExt cx="3616055" cy="4265608"/>
-          </a:xfrm>
-        </p:grpSpPr>
-        <p:sp>
-          <p:nvSpPr>
-            <p:cNvPr id="14" name="Rectangle: Rounded Corners 13">
-              <a:extLst>
-                <a:ext uri="{FF2B5EF4-FFF2-40B4-BE49-F238E27FC236}">
-                  <a16:creationId xmlns:a16="http://schemas.microsoft.com/office/drawing/2014/main" id="{A2EC1C94-5CEF-D9A5-E106-5D9B162E4251}"/>
-                </a:ext>
-              </a:extLst>
-            </p:cNvPr>
-            <p:cNvSpPr/>
-            <p:nvPr/>
-          </p:nvSpPr>
-          <p:spPr>
-            <a:xfrm>
-              <a:off x="8194947" y="992192"/>
-              <a:ext cx="3616055" cy="4265608"/>
-            </a:xfrm>
-            <a:prstGeom prst="roundRect">
-              <a:avLst/>
-            </a:prstGeom>
-            <a:solidFill>
-              <a:schemeClr val="accent5">
-                <a:lumMod val="75000"/>
-              </a:schemeClr>
-            </a:solidFill>
-            <a:ln>
-              <a:noFill/>
-            </a:ln>
-          </p:spPr>
-          <p:style>
-            <a:lnRef idx="2">
-              <a:schemeClr val="accent1">
-                <a:shade val="15000"/>
-              </a:schemeClr>
-            </a:lnRef>
-            <a:fillRef idx="1">
-              <a:schemeClr val="accent1"/>
-            </a:fillRef>
-            <a:effectRef idx="0">
-              <a:schemeClr val="accent1"/>
-            </a:effectRef>
-            <a:fontRef idx="minor">
-              <a:schemeClr val="lt1"/>
-            </a:fontRef>
-          </p:style>
-          <p:txBody>
-            <a:bodyPr rtlCol="0" anchor="ctr"/>
-            <a:lstStyle/>
-            <a:p>
-              <a:pPr algn="ctr"/>
-              <a:endParaRPr lang="en-US"/>
-            </a:p>
-          </p:txBody>
-        </p:sp>
-        <p:pic>
-          <p:nvPicPr>
-            <p:cNvPr id="15" name="Picture 14">
-              <a:extLst>
-                <a:ext uri="{FF2B5EF4-FFF2-40B4-BE49-F238E27FC236}">
-                  <a16:creationId xmlns:a16="http://schemas.microsoft.com/office/drawing/2014/main" id="{99BF68FC-7491-CFAB-4422-34117BA5382C}"/>
-                </a:ext>
-              </a:extLst>
-            </p:cNvPr>
-            <p:cNvPicPr>
-              <a:picLocks noChangeAspect="1"/>
-            </p:cNvPicPr>
-            <p:nvPr/>
-          </p:nvPicPr>
-          <p:blipFill>
-            <a:blip r:embed="rId3">
-              <a:extLst>
-                <a:ext uri="{28A0092B-C50C-407E-A947-70E740481C1C}">
-                  <a14:useLocalDpi xmlns:a14="http://schemas.microsoft.com/office/drawing/2010/main" val="0"/>
-                </a:ext>
-              </a:extLst>
-            </a:blip>
-            <a:srcRect/>
-            <a:stretch/>
-          </p:blipFill>
-          <p:spPr>
-            <a:xfrm>
-              <a:off x="8367887" y="1576214"/>
-              <a:ext cx="3270174" cy="2733279"/>
-            </a:xfrm>
-            <a:prstGeom prst="rect">
-              <a:avLst/>
-            </a:prstGeom>
-            <a:solidFill>
-              <a:schemeClr val="accent5">
-                <a:lumMod val="75000"/>
-              </a:schemeClr>
-            </a:solidFill>
-          </p:spPr>
-        </p:pic>
-      </p:grpSp>
-      <p:sp>
-        <p:nvSpPr>
-          <p:cNvPr id="18" name="Rectangle: Rounded Corners 17">
-            <a:extLst>
-              <a:ext uri="{FF2B5EF4-FFF2-40B4-BE49-F238E27FC236}">
-                <a16:creationId xmlns:a16="http://schemas.microsoft.com/office/drawing/2014/main" id="{19575027-35CE-D42C-6A41-7F5007C63556}"/>
-              </a:ext>
-            </a:extLst>
-          </p:cNvPr>
-          <p:cNvSpPr/>
-          <p:nvPr/>
-        </p:nvSpPr>
-        <p:spPr>
-          <a:xfrm>
-            <a:off x="463714" y="1463069"/>
-            <a:ext cx="7414192" cy="898769"/>
-          </a:xfrm>
-          <a:prstGeom prst="roundRect">
-            <a:avLst/>
-          </a:prstGeom>
-          <a:solidFill>
-            <a:schemeClr val="accent5">
-              <a:lumMod val="75000"/>
-            </a:schemeClr>
-          </a:solidFill>
-          <a:ln>
-            <a:noFill/>
-          </a:ln>
-        </p:spPr>
-        <p:style>
-          <a:lnRef idx="2">
-            <a:schemeClr val="accent1">
-              <a:shade val="15000"/>
-            </a:schemeClr>
-          </a:lnRef>
-          <a:fillRef idx="1">
-            <a:schemeClr val="accent1"/>
-          </a:fillRef>
-          <a:effectRef idx="0">
-            <a:schemeClr val="accent1"/>
-          </a:effectRef>
-          <a:fontRef idx="minor">
-            <a:schemeClr val="lt1"/>
-          </a:fontRef>
-        </p:style>
-        <p:txBody>
-          <a:bodyPr rtlCol="0" anchor="ctr"/>
-          <a:lstStyle/>
-          <a:p>
-            <a:pPr algn="ctr"/>
-            <a:r>
-              <a:rPr lang="en-US">
-                <a:latin typeface="Grandview"/>
-              </a:rPr>
-              <a:t>FINDING TITLE</a:t>
-            </a:r>
-          </a:p>
-        </p:txBody>
-      </p:sp>
-      <p:pic>
-        <p:nvPicPr>
-          <p:cNvPr id="4" name="Picture 4" descr="Cruise Line Icon Vector, Boat, Cruise, Travel PNG and Vector with  Transparent Background for Free Download">
-            <a:extLst>
-              <a:ext uri="{FF2B5EF4-FFF2-40B4-BE49-F238E27FC236}">
-                <a16:creationId xmlns:a16="http://schemas.microsoft.com/office/drawing/2014/main" id="{6347E56F-D11D-0A0F-D1CC-7C310C904BB4}"/>
-              </a:ext>
-            </a:extLst>
-          </p:cNvPr>
-          <p:cNvPicPr>
-            <a:picLocks noChangeAspect="1" noChangeArrowheads="1"/>
-          </p:cNvPicPr>
-          <p:nvPr/>
-        </p:nvPicPr>
-        <p:blipFill>
-          <a:blip r:embed="rId4">
-            <a:extLst>
-              <a:ext uri="{28A0092B-C50C-407E-A947-70E740481C1C}">
-                <a14:useLocalDpi xmlns:a14="http://schemas.microsoft.com/office/drawing/2010/main" val="0"/>
-              </a:ext>
-            </a:extLst>
-          </a:blip>
-          <a:srcRect/>
-          <a:stretch>
-            <a:fillRect/>
-          </a:stretch>
-        </p:blipFill>
-        <p:spPr bwMode="auto">
-          <a:xfrm>
-            <a:off x="0" y="22467"/>
-            <a:ext cx="1315686" cy="1315686"/>
-          </a:xfrm>
-          <a:prstGeom prst="rect">
-            <a:avLst/>
-          </a:prstGeom>
-          <a:noFill/>
-          <a:extLst>
-            <a:ext uri="{909E8E84-426E-40DD-AFC4-6F175D3DCCD1}">
-              <a14:hiddenFill xmlns:a14="http://schemas.microsoft.com/office/drawing/2010/main">
-                <a:solidFill>
-                  <a:srgbClr val="FFFFFF"/>
-                </a:solidFill>
-              </a14:hiddenFill>
-            </a:ext>
-          </a:extLst>
-        </p:spPr>
-      </p:pic>
-    </p:spTree>
-    <p:extLst>
-      <p:ext uri="{BB962C8B-B14F-4D97-AF65-F5344CB8AC3E}">
-        <p14:creationId xmlns:p14="http://schemas.microsoft.com/office/powerpoint/2010/main" val="883150978"/>
-      </p:ext>
-    </p:extLst>
-  </p:cSld>
-  <p:clrMapOvr>
-    <a:masterClrMapping/>
-  </p:clrMapOvr>
-</p:sld>
-</file>
-
-<file path=ppt/slides/slide9.xml><?xml version="1.0" encoding="utf-8"?>
-<p:sld xmlns:a="http://schemas.openxmlformats.org/drawingml/2006/main" xmlns:r="http://schemas.openxmlformats.org/officeDocument/2006/relationships" xmlns:p="http://schemas.openxmlformats.org/presentationml/2006/main">
-  <p:cSld>
-    <p:bg>
-      <p:bgPr>
-        <a:solidFill>
-          <a:schemeClr val="bg1"/>
-        </a:solidFill>
-        <a:effectLst/>
-      </p:bgPr>
-    </p:bg>
-    <p:spTree>
-      <p:nvGrpSpPr>
-        <p:cNvPr id="1" name="">
-          <a:extLst>
-            <a:ext uri="{FF2B5EF4-FFF2-40B4-BE49-F238E27FC236}">
-              <a16:creationId xmlns:a16="http://schemas.microsoft.com/office/drawing/2014/main" id="{770DEF4F-F3ED-1BBA-E8A1-E5337BEA04C0}"/>
-            </a:ext>
-          </a:extLst>
-        </p:cNvPr>
-        <p:cNvGrpSpPr/>
-        <p:nvPr/>
-      </p:nvGrpSpPr>
-      <p:grpSpPr>
-        <a:xfrm>
-          <a:off x="0" y="0"/>
-          <a:ext cx="0" cy="0"/>
-          <a:chOff x="0" y="0"/>
-          <a:chExt cx="0" cy="0"/>
-        </a:xfrm>
-      </p:grpSpPr>
-      <p:sp>
-        <p:nvSpPr>
-          <p:cNvPr id="5" name="Rectangle 4">
-            <a:extLst>
-              <a:ext uri="{FF2B5EF4-FFF2-40B4-BE49-F238E27FC236}">
-                <a16:creationId xmlns:a16="http://schemas.microsoft.com/office/drawing/2014/main" id="{FBE4F474-3758-5A79-3A3A-21624443ADA5}"/>
-              </a:ext>
-            </a:extLst>
-          </p:cNvPr>
-          <p:cNvSpPr/>
-          <p:nvPr/>
-        </p:nvSpPr>
-        <p:spPr>
-          <a:xfrm>
-            <a:off x="0" y="6246000"/>
-            <a:ext cx="12198000" cy="612000"/>
-          </a:xfrm>
-          <a:prstGeom prst="rect">
-            <a:avLst/>
-          </a:prstGeom>
-          <a:solidFill>
-            <a:schemeClr val="accent5">
-              <a:lumMod val="75000"/>
-            </a:schemeClr>
-          </a:solidFill>
-          <a:ln>
-            <a:noFill/>
-          </a:ln>
-        </p:spPr>
-        <p:style>
-          <a:lnRef idx="2">
-            <a:schemeClr val="accent1">
-              <a:shade val="15000"/>
-            </a:schemeClr>
-          </a:lnRef>
-          <a:fillRef idx="1">
-            <a:schemeClr val="accent1"/>
-          </a:fillRef>
-          <a:effectRef idx="0">
-            <a:schemeClr val="accent1"/>
-          </a:effectRef>
-          <a:fontRef idx="minor">
-            <a:schemeClr val="lt1"/>
-          </a:fontRef>
-        </p:style>
-        <p:txBody>
-          <a:bodyPr lIns="91440" tIns="45720" rIns="91440" bIns="45720" rtlCol="0" anchor="ctr"/>
-          <a:lstStyle/>
-          <a:p>
-            <a:pPr algn="ctr"/>
-            <a:endParaRPr lang="en-US">
-              <a:solidFill>
-                <a:srgbClr val="1148ED"/>
-              </a:solidFill>
-              <a:cs typeface="Calibri"/>
-            </a:endParaRPr>
-          </a:p>
-        </p:txBody>
-      </p:sp>
-      <p:pic>
-        <p:nvPicPr>
-          <p:cNvPr id="2" name="Picture 1">
-            <a:extLst>
-              <a:ext uri="{FF2B5EF4-FFF2-40B4-BE49-F238E27FC236}">
-                <a16:creationId xmlns:a16="http://schemas.microsoft.com/office/drawing/2014/main" id="{4FEF0E71-F557-A29C-F195-B05B3924C8AD}"/>
-              </a:ext>
-            </a:extLst>
-          </p:cNvPr>
-          <p:cNvPicPr>
-            <a:picLocks noChangeAspect="1"/>
-          </p:cNvPicPr>
-          <p:nvPr/>
-        </p:nvPicPr>
-        <p:blipFill>
-          <a:blip r:embed="rId2" cstate="print">
-            <a:lum bright="70000" contrast="-70000"/>
-            <a:extLst>
-              <a:ext uri="{28A0092B-C50C-407E-A947-70E740481C1C}">
-                <a14:useLocalDpi xmlns:a14="http://schemas.microsoft.com/office/drawing/2010/main" val="0"/>
-              </a:ext>
-            </a:extLst>
-          </a:blip>
-          <a:srcRect/>
-          <a:stretch>
-            <a:fillRect/>
-          </a:stretch>
-        </p:blipFill>
-        <p:spPr bwMode="auto">
-          <a:xfrm>
-            <a:off x="5410200" y="6314721"/>
-            <a:ext cx="1371600" cy="466725"/>
-          </a:xfrm>
-          <a:prstGeom prst="rect">
-            <a:avLst/>
-          </a:prstGeom>
-          <a:noFill/>
-          <a:ln>
-            <a:noFill/>
-          </a:ln>
-        </p:spPr>
-      </p:pic>
-      <p:sp>
-        <p:nvSpPr>
-          <p:cNvPr id="9" name="Rectangle 8">
-            <a:extLst>
-              <a:ext uri="{FF2B5EF4-FFF2-40B4-BE49-F238E27FC236}">
-                <a16:creationId xmlns:a16="http://schemas.microsoft.com/office/drawing/2014/main" id="{46136282-6F06-B764-BC92-5DC4EC437C6D}"/>
-              </a:ext>
-            </a:extLst>
-          </p:cNvPr>
-          <p:cNvSpPr/>
-          <p:nvPr/>
-        </p:nvSpPr>
-        <p:spPr>
-          <a:xfrm>
-            <a:off x="-1" y="0"/>
-            <a:ext cx="12198000" cy="145143"/>
-          </a:xfrm>
-          <a:prstGeom prst="rect">
-            <a:avLst/>
-          </a:prstGeom>
-          <a:solidFill>
-            <a:schemeClr val="accent5">
-              <a:lumMod val="75000"/>
-            </a:schemeClr>
-          </a:solidFill>
-          <a:ln>
-            <a:noFill/>
-          </a:ln>
-        </p:spPr>
-        <p:style>
-          <a:lnRef idx="2">
-            <a:schemeClr val="accent1">
-              <a:shade val="15000"/>
-            </a:schemeClr>
-          </a:lnRef>
-          <a:fillRef idx="1">
-            <a:schemeClr val="accent1"/>
-          </a:fillRef>
-          <a:effectRef idx="0">
-            <a:schemeClr val="accent1"/>
-          </a:effectRef>
-          <a:fontRef idx="minor">
-            <a:schemeClr val="lt1"/>
-          </a:fontRef>
-        </p:style>
-        <p:txBody>
-          <a:bodyPr lIns="91440" tIns="45720" rIns="91440" bIns="45720" rtlCol="0" anchor="ctr"/>
-          <a:lstStyle/>
-          <a:p>
-            <a:pPr algn="ctr"/>
-            <a:endParaRPr lang="en-US">
-              <a:solidFill>
-                <a:srgbClr val="1148ED"/>
-              </a:solidFill>
-              <a:cs typeface="Calibri"/>
-            </a:endParaRPr>
-          </a:p>
-        </p:txBody>
-      </p:sp>
-      <p:sp>
-        <p:nvSpPr>
-          <p:cNvPr id="3" name="TextBox 1">
-            <a:extLst>
-              <a:ext uri="{FF2B5EF4-FFF2-40B4-BE49-F238E27FC236}">
-                <a16:creationId xmlns:a16="http://schemas.microsoft.com/office/drawing/2014/main" id="{4E6EE496-31A7-6C3F-2E38-F04E988144B8}"/>
-              </a:ext>
-            </a:extLst>
-          </p:cNvPr>
-          <p:cNvSpPr txBox="1"/>
-          <p:nvPr/>
-        </p:nvSpPr>
-        <p:spPr>
-          <a:xfrm>
-            <a:off x="1578282" y="407602"/>
-            <a:ext cx="10019930" cy="769441"/>
-          </a:xfrm>
-          <a:prstGeom prst="rect">
-            <a:avLst/>
-          </a:prstGeom>
-          <a:noFill/>
-        </p:spPr>
-        <p:txBody>
-          <a:bodyPr wrap="square" lIns="91440" tIns="45720" rIns="91440" bIns="45720" rtlCol="0" anchor="t">
-            <a:spAutoFit/>
-          </a:bodyPr>
-          <a:lstStyle>
-            <a:defPPr>
-              <a:defRPr lang="en-US"/>
-            </a:defPPr>
-            <a:lvl1pPr marL="0" algn="l" defTabSz="914400" rtl="0" eaLnBrk="1" latinLnBrk="0" hangingPunct="1">
-              <a:defRPr sz="1800" kern="1200">
-                <a:solidFill>
-                  <a:schemeClr val="tx1"/>
-                </a:solidFill>
-                <a:latin typeface="+mn-lt"/>
-                <a:ea typeface="+mn-ea"/>
-                <a:cs typeface="+mn-cs"/>
-              </a:defRPr>
-            </a:lvl1pPr>
-            <a:lvl2pPr marL="457200" algn="l" defTabSz="914400" rtl="0" eaLnBrk="1" latinLnBrk="0" hangingPunct="1">
-              <a:defRPr sz="1800" kern="1200">
-                <a:solidFill>
-                  <a:schemeClr val="tx1"/>
-                </a:solidFill>
-                <a:latin typeface="+mn-lt"/>
-                <a:ea typeface="+mn-ea"/>
-                <a:cs typeface="+mn-cs"/>
-              </a:defRPr>
-            </a:lvl2pPr>
-            <a:lvl3pPr marL="914400" algn="l" defTabSz="914400" rtl="0" eaLnBrk="1" latinLnBrk="0" hangingPunct="1">
-              <a:defRPr sz="1800" kern="1200">
-                <a:solidFill>
-                  <a:schemeClr val="tx1"/>
-                </a:solidFill>
-                <a:latin typeface="+mn-lt"/>
-                <a:ea typeface="+mn-ea"/>
-                <a:cs typeface="+mn-cs"/>
-              </a:defRPr>
-            </a:lvl3pPr>
-            <a:lvl4pPr marL="1371600" algn="l" defTabSz="914400" rtl="0" eaLnBrk="1" latinLnBrk="0" hangingPunct="1">
-              <a:defRPr sz="1800" kern="1200">
-                <a:solidFill>
-                  <a:schemeClr val="tx1"/>
-                </a:solidFill>
-                <a:latin typeface="+mn-lt"/>
-                <a:ea typeface="+mn-ea"/>
-                <a:cs typeface="+mn-cs"/>
-              </a:defRPr>
-            </a:lvl4pPr>
-            <a:lvl5pPr marL="1828800" algn="l" defTabSz="914400" rtl="0" eaLnBrk="1" latinLnBrk="0" hangingPunct="1">
-              <a:defRPr sz="1800" kern="1200">
-                <a:solidFill>
-                  <a:schemeClr val="tx1"/>
-                </a:solidFill>
-                <a:latin typeface="+mn-lt"/>
-                <a:ea typeface="+mn-ea"/>
-                <a:cs typeface="+mn-cs"/>
-              </a:defRPr>
-            </a:lvl5pPr>
-            <a:lvl6pPr marL="2286000" algn="l" defTabSz="914400" rtl="0" eaLnBrk="1" latinLnBrk="0" hangingPunct="1">
-              <a:defRPr sz="1800" kern="1200">
-                <a:solidFill>
-                  <a:schemeClr val="tx1"/>
-                </a:solidFill>
-                <a:latin typeface="+mn-lt"/>
-                <a:ea typeface="+mn-ea"/>
-                <a:cs typeface="+mn-cs"/>
-              </a:defRPr>
-            </a:lvl6pPr>
-            <a:lvl7pPr marL="2743200" algn="l" defTabSz="914400" rtl="0" eaLnBrk="1" latinLnBrk="0" hangingPunct="1">
-              <a:defRPr sz="1800" kern="1200">
-                <a:solidFill>
-                  <a:schemeClr val="tx1"/>
-                </a:solidFill>
-                <a:latin typeface="+mn-lt"/>
-                <a:ea typeface="+mn-ea"/>
-                <a:cs typeface="+mn-cs"/>
-              </a:defRPr>
-            </a:lvl7pPr>
-            <a:lvl8pPr marL="3200400" algn="l" defTabSz="914400" rtl="0" eaLnBrk="1" latinLnBrk="0" hangingPunct="1">
-              <a:defRPr sz="1800" kern="1200">
-                <a:solidFill>
-                  <a:schemeClr val="tx1"/>
-                </a:solidFill>
-                <a:latin typeface="+mn-lt"/>
-                <a:ea typeface="+mn-ea"/>
-                <a:cs typeface="+mn-cs"/>
-              </a:defRPr>
-            </a:lvl8pPr>
-            <a:lvl9pPr marL="3657600" algn="l" defTabSz="914400" rtl="0" eaLnBrk="1" latinLnBrk="0" hangingPunct="1">
-              <a:defRPr sz="1800" kern="1200">
-                <a:solidFill>
-                  <a:schemeClr val="tx1"/>
-                </a:solidFill>
-                <a:latin typeface="+mn-lt"/>
-                <a:ea typeface="+mn-ea"/>
-                <a:cs typeface="+mn-cs"/>
-              </a:defRPr>
-            </a:lvl9pPr>
-          </a:lstStyle>
-          <a:p>
-            <a:r>
-              <a:rPr lang="en-US" sz="4400" b="1">
-                <a:solidFill>
-                  <a:schemeClr val="tx1">
-                    <a:lumMod val="75000"/>
-                    <a:lumOff val="25000"/>
-                  </a:schemeClr>
-                </a:solidFill>
-                <a:latin typeface="Segoe UI Black"/>
-                <a:ea typeface="Segoe UI Black"/>
-              </a:rPr>
-              <a:t>PCI DSS Compliance</a:t>
-            </a:r>
-            <a:endParaRPr lang="en-US" sz="4400">
-              <a:solidFill>
-                <a:schemeClr val="tx1">
-                  <a:lumMod val="75000"/>
-                  <a:lumOff val="25000"/>
-                </a:schemeClr>
-              </a:solidFill>
-              <a:latin typeface="Segoe UI Black"/>
-              <a:ea typeface="Segoe UI Black"/>
-            </a:endParaRPr>
-          </a:p>
-        </p:txBody>
-      </p:sp>
-      <p:pic>
-        <p:nvPicPr>
-          <p:cNvPr id="6" name="Picture 5" descr="PCI Security Standards Council - YouTube">
-            <a:extLst>
-              <a:ext uri="{FF2B5EF4-FFF2-40B4-BE49-F238E27FC236}">
-                <a16:creationId xmlns:a16="http://schemas.microsoft.com/office/drawing/2014/main" id="{0188D994-9A35-B292-CAAE-F49D788FCA7F}"/>
-              </a:ext>
-            </a:extLst>
-          </p:cNvPr>
-          <p:cNvPicPr>
-            <a:picLocks noChangeAspect="1"/>
-          </p:cNvPicPr>
-          <p:nvPr/>
-        </p:nvPicPr>
-        <p:blipFill rotWithShape="1">
-          <a:blip r:embed="rId3"/>
-          <a:srcRect t="16268" r="335" b="15789"/>
-          <a:stretch/>
-        </p:blipFill>
-        <p:spPr>
-          <a:xfrm>
-            <a:off x="9454376" y="248383"/>
-            <a:ext cx="2734027" cy="1863815"/>
-          </a:xfrm>
-          <a:prstGeom prst="rect">
-            <a:avLst/>
-          </a:prstGeom>
-        </p:spPr>
-      </p:pic>
-      <p:graphicFrame>
-        <p:nvGraphicFramePr>
-          <p:cNvPr id="11" name="Chart 10">
-            <a:extLst>
-              <a:ext uri="{FF2B5EF4-FFF2-40B4-BE49-F238E27FC236}">
-                <a16:creationId xmlns:a16="http://schemas.microsoft.com/office/drawing/2014/main" id="{D37986F3-9227-5EB9-71F4-26E257D06AA0}"/>
-              </a:ext>
-            </a:extLst>
-          </p:cNvPr>
-          <p:cNvGraphicFramePr/>
-          <p:nvPr>
-            <p:extLst>
-              <p:ext uri="{D42A27DB-BD31-4B8C-83A1-F6EECF244321}">
-                <p14:modId xmlns:p14="http://schemas.microsoft.com/office/powerpoint/2010/main" val="2790378515"/>
-              </p:ext>
-            </p:extLst>
-          </p:nvPr>
-        </p:nvGraphicFramePr>
-        <p:xfrm>
-          <a:off x="310725" y="1449663"/>
-          <a:ext cx="4064000" cy="4523717"/>
-        </p:xfrm>
-        <a:graphic>
-          <a:graphicData uri="http://schemas.openxmlformats.org/drawingml/2006/chart">
-            <c:chart xmlns:c="http://schemas.openxmlformats.org/drawingml/2006/chart" xmlns:r="http://schemas.openxmlformats.org/officeDocument/2006/relationships" r:id="rId4"/>
-          </a:graphicData>
-        </a:graphic>
-      </p:graphicFrame>
-      <p:sp>
-        <p:nvSpPr>
-          <p:cNvPr id="14" name="Content Placeholder 10">
-            <a:extLst>
-              <a:ext uri="{FF2B5EF4-FFF2-40B4-BE49-F238E27FC236}">
-                <a16:creationId xmlns:a16="http://schemas.microsoft.com/office/drawing/2014/main" id="{8FACA365-8507-DC52-FB59-B6883D95C282}"/>
-              </a:ext>
-            </a:extLst>
-          </p:cNvPr>
-          <p:cNvSpPr txBox="1">
-            <a:spLocks/>
-          </p:cNvSpPr>
-          <p:nvPr/>
-        </p:nvSpPr>
-        <p:spPr>
-          <a:xfrm>
-            <a:off x="4374725" y="2110878"/>
-            <a:ext cx="7427352" cy="3750172"/>
-          </a:xfrm>
-          <a:prstGeom prst="rect">
-            <a:avLst/>
-          </a:prstGeom>
-        </p:spPr>
-        <p:txBody>
-          <a:bodyPr vert="horz" lIns="91440" tIns="45720" rIns="91440" bIns="45720" rtlCol="0" anchor="t">
-            <a:normAutofit/>
-          </a:bodyPr>
-          <a:lstStyle>
-            <a:lvl1pPr marL="0" indent="0" algn="ctr" defTabSz="914400" rtl="0" eaLnBrk="1" latinLnBrk="0" hangingPunct="1">
-              <a:lnSpc>
-                <a:spcPct val="90000"/>
-              </a:lnSpc>
-              <a:spcBef>
-                <a:spcPts val="1000"/>
-              </a:spcBef>
-              <a:buFont typeface="Arial" panose="020B0604020202020204" pitchFamily="34" charset="0"/>
-              <a:buNone/>
-              <a:defRPr sz="2400" kern="1200">
-                <a:solidFill>
-                  <a:schemeClr val="tx1"/>
-                </a:solidFill>
-                <a:latin typeface="+mn-lt"/>
-                <a:ea typeface="+mn-ea"/>
-                <a:cs typeface="+mn-cs"/>
-              </a:defRPr>
-            </a:lvl1pPr>
-            <a:lvl2pPr marL="457200" indent="0" algn="ctr" defTabSz="914400" rtl="0" eaLnBrk="1" latinLnBrk="0" hangingPunct="1">
-              <a:lnSpc>
-                <a:spcPct val="90000"/>
-              </a:lnSpc>
-              <a:spcBef>
-                <a:spcPts val="500"/>
-              </a:spcBef>
-              <a:buFont typeface="Arial" panose="020B0604020202020204" pitchFamily="34" charset="0"/>
-              <a:buNone/>
-              <a:defRPr sz="2000" kern="1200">
-                <a:solidFill>
-                  <a:schemeClr val="tx1"/>
-                </a:solidFill>
-                <a:latin typeface="+mn-lt"/>
-                <a:ea typeface="+mn-ea"/>
-                <a:cs typeface="+mn-cs"/>
-              </a:defRPr>
-            </a:lvl2pPr>
-            <a:lvl3pPr marL="914400" indent="0" algn="ctr" defTabSz="914400" rtl="0" eaLnBrk="1" latinLnBrk="0" hangingPunct="1">
-              <a:lnSpc>
-                <a:spcPct val="90000"/>
-              </a:lnSpc>
-              <a:spcBef>
-                <a:spcPts val="500"/>
-              </a:spcBef>
-              <a:buFont typeface="Arial" panose="020B0604020202020204" pitchFamily="34" charset="0"/>
-              <a:buNone/>
-              <a:defRPr sz="1800" kern="1200">
-                <a:solidFill>
-                  <a:schemeClr val="tx1"/>
-                </a:solidFill>
-                <a:latin typeface="+mn-lt"/>
-                <a:ea typeface="+mn-ea"/>
-                <a:cs typeface="+mn-cs"/>
-              </a:defRPr>
-            </a:lvl3pPr>
-            <a:lvl4pPr marL="1371600" indent="0" algn="ctr" defTabSz="914400" rtl="0" eaLnBrk="1" latinLnBrk="0" hangingPunct="1">
-              <a:lnSpc>
-                <a:spcPct val="90000"/>
-              </a:lnSpc>
-              <a:spcBef>
-                <a:spcPts val="500"/>
-              </a:spcBef>
-              <a:buFont typeface="Arial" panose="020B0604020202020204" pitchFamily="34" charset="0"/>
-              <a:buNone/>
-              <a:defRPr sz="1600" kern="1200">
-                <a:solidFill>
-                  <a:schemeClr val="tx1"/>
-                </a:solidFill>
-                <a:latin typeface="+mn-lt"/>
-                <a:ea typeface="+mn-ea"/>
-                <a:cs typeface="+mn-cs"/>
-              </a:defRPr>
-            </a:lvl4pPr>
-            <a:lvl5pPr marL="1828800" indent="0" algn="ctr" defTabSz="914400" rtl="0" eaLnBrk="1" latinLnBrk="0" hangingPunct="1">
-              <a:lnSpc>
-                <a:spcPct val="90000"/>
-              </a:lnSpc>
-              <a:spcBef>
-                <a:spcPts val="500"/>
-              </a:spcBef>
-              <a:buFont typeface="Arial" panose="020B0604020202020204" pitchFamily="34" charset="0"/>
-              <a:buNone/>
-              <a:defRPr sz="1600" kern="1200">
-                <a:solidFill>
-                  <a:schemeClr val="tx1"/>
-                </a:solidFill>
-                <a:latin typeface="+mn-lt"/>
-                <a:ea typeface="+mn-ea"/>
-                <a:cs typeface="+mn-cs"/>
-              </a:defRPr>
-            </a:lvl5pPr>
-            <a:lvl6pPr marL="2286000" indent="0" algn="ctr" defTabSz="914400" rtl="0" eaLnBrk="1" latinLnBrk="0" hangingPunct="1">
-              <a:lnSpc>
-                <a:spcPct val="90000"/>
-              </a:lnSpc>
-              <a:spcBef>
-                <a:spcPts val="500"/>
-              </a:spcBef>
-              <a:buFont typeface="Arial" panose="020B0604020202020204" pitchFamily="34" charset="0"/>
-              <a:buNone/>
-              <a:defRPr sz="1600" kern="1200">
-                <a:solidFill>
-                  <a:schemeClr val="tx1"/>
-                </a:solidFill>
-                <a:latin typeface="+mn-lt"/>
-                <a:ea typeface="+mn-ea"/>
-                <a:cs typeface="+mn-cs"/>
-              </a:defRPr>
-            </a:lvl6pPr>
-            <a:lvl7pPr marL="2743200" indent="0" algn="ctr" defTabSz="914400" rtl="0" eaLnBrk="1" latinLnBrk="0" hangingPunct="1">
-              <a:lnSpc>
-                <a:spcPct val="90000"/>
-              </a:lnSpc>
-              <a:spcBef>
-                <a:spcPts val="500"/>
-              </a:spcBef>
-              <a:buFont typeface="Arial" panose="020B0604020202020204" pitchFamily="34" charset="0"/>
-              <a:buNone/>
-              <a:defRPr sz="1600" kern="1200">
-                <a:solidFill>
-                  <a:schemeClr val="tx1"/>
-                </a:solidFill>
-                <a:latin typeface="+mn-lt"/>
-                <a:ea typeface="+mn-ea"/>
-                <a:cs typeface="+mn-cs"/>
-              </a:defRPr>
-            </a:lvl7pPr>
-            <a:lvl8pPr marL="3200400" indent="0" algn="ctr" defTabSz="914400" rtl="0" eaLnBrk="1" latinLnBrk="0" hangingPunct="1">
-              <a:lnSpc>
-                <a:spcPct val="90000"/>
-              </a:lnSpc>
-              <a:spcBef>
-                <a:spcPts val="500"/>
-              </a:spcBef>
-              <a:buFont typeface="Arial" panose="020B0604020202020204" pitchFamily="34" charset="0"/>
-              <a:buNone/>
-              <a:defRPr sz="1600" kern="1200">
-                <a:solidFill>
-                  <a:schemeClr val="tx1"/>
-                </a:solidFill>
-                <a:latin typeface="+mn-lt"/>
-                <a:ea typeface="+mn-ea"/>
-                <a:cs typeface="+mn-cs"/>
-              </a:defRPr>
-            </a:lvl8pPr>
-            <a:lvl9pPr marL="3657600" indent="0" algn="ctr" defTabSz="914400" rtl="0" eaLnBrk="1" latinLnBrk="0" hangingPunct="1">
-              <a:lnSpc>
-                <a:spcPct val="90000"/>
-              </a:lnSpc>
-              <a:spcBef>
-                <a:spcPts val="500"/>
-              </a:spcBef>
-              <a:buFont typeface="Arial" panose="020B0604020202020204" pitchFamily="34" charset="0"/>
-              <a:buNone/>
-              <a:defRPr sz="1600" kern="1200">
-                <a:solidFill>
-                  <a:schemeClr val="tx1"/>
-                </a:solidFill>
-                <a:latin typeface="+mn-lt"/>
-                <a:ea typeface="+mn-ea"/>
-                <a:cs typeface="+mn-cs"/>
-              </a:defRPr>
-            </a:lvl9pPr>
-          </a:lstStyle>
-          <a:p>
-            <a:pPr marL="285750" indent="-285750" algn="l">
-              <a:buFont typeface="Arial"/>
-              <a:buChar char="•"/>
-            </a:pPr>
-            <a:r>
-              <a:rPr lang="en-US" sz="3200" dirty="0">
-                <a:latin typeface="Grandview Display"/>
-                <a:ea typeface="+mn-lt"/>
-                <a:cs typeface="+mn-lt"/>
-              </a:rPr>
-              <a:t>Payment Card Industry </a:t>
-            </a:r>
-            <a:br>
-              <a:rPr lang="en-US" sz="3200" dirty="0">
-                <a:latin typeface="Grandview Display"/>
-                <a:ea typeface="+mn-lt"/>
-                <a:cs typeface="+mn-lt"/>
-              </a:rPr>
-            </a:br>
-            <a:r>
-              <a:rPr lang="en-US" sz="3200" dirty="0">
-                <a:latin typeface="Grandview Display"/>
-                <a:ea typeface="+mn-lt"/>
-                <a:cs typeface="+mn-lt"/>
-              </a:rPr>
-              <a:t>Data Security Standard</a:t>
-            </a:r>
-          </a:p>
-          <a:p>
-            <a:pPr marL="285750" indent="-285750" algn="l">
-              <a:buFont typeface="Arial"/>
-              <a:buChar char="•"/>
-            </a:pPr>
-            <a:r>
-              <a:rPr lang="en-US" sz="3200" dirty="0">
-                <a:latin typeface="Grandview Display"/>
-                <a:ea typeface="Calibri"/>
-                <a:cs typeface="Calibri"/>
-              </a:rPr>
-              <a:t>XX Related findings in total</a:t>
-            </a:r>
-          </a:p>
-          <a:p>
-            <a:pPr marL="285750" indent="-285750" algn="l">
-              <a:buFont typeface="Arial"/>
-              <a:buChar char="•"/>
-            </a:pPr>
-            <a:r>
-              <a:rPr lang="en-US" sz="3200" dirty="0">
-                <a:latin typeface="Grandview Display"/>
-                <a:ea typeface="Calibri"/>
-                <a:cs typeface="Calibri"/>
-              </a:rPr>
-              <a:t>Estimated Cost of Monthly Fines</a:t>
-            </a:r>
-          </a:p>
-          <a:p>
-            <a:pPr marL="742950" lvl="1" indent="-285750" algn="l">
-              <a:buFont typeface="Arial"/>
-              <a:buChar char="•"/>
-            </a:pPr>
-            <a:r>
-              <a:rPr lang="en-US" sz="2800" dirty="0">
-                <a:latin typeface="Grandview Display"/>
-                <a:ea typeface="Calibri"/>
-                <a:cs typeface="Calibri"/>
-              </a:rPr>
-              <a:t>$XX,XXX/month</a:t>
-            </a:r>
-            <a:endParaRPr lang="en-US" sz="2800" dirty="0">
-              <a:latin typeface="Grandview Display"/>
-            </a:endParaRPr>
-          </a:p>
-        </p:txBody>
-      </p:sp>
-      <p:pic>
-        <p:nvPicPr>
-          <p:cNvPr id="4" name="Picture 4" descr="Cruise Line Icon Vector, Boat, Cruise, Travel PNG and Vector with  Transparent Background for Free Download">
-            <a:extLst>
-              <a:ext uri="{FF2B5EF4-FFF2-40B4-BE49-F238E27FC236}">
-                <a16:creationId xmlns:a16="http://schemas.microsoft.com/office/drawing/2014/main" id="{A6BD41AF-A376-26A7-0747-DE48DE880932}"/>
-              </a:ext>
-            </a:extLst>
-          </p:cNvPr>
-          <p:cNvPicPr>
-            <a:picLocks noChangeAspect="1" noChangeArrowheads="1"/>
-          </p:cNvPicPr>
-          <p:nvPr/>
-        </p:nvPicPr>
-        <p:blipFill>
-          <a:blip r:embed="rId5">
-            <a:extLst>
-              <a:ext uri="{28A0092B-C50C-407E-A947-70E740481C1C}">
-                <a14:useLocalDpi xmlns:a14="http://schemas.microsoft.com/office/drawing/2010/main" val="0"/>
-              </a:ext>
-            </a:extLst>
-          </a:blip>
-          <a:srcRect/>
-          <a:stretch>
-            <a:fillRect/>
-          </a:stretch>
-        </p:blipFill>
-        <p:spPr bwMode="auto">
-          <a:xfrm>
-            <a:off x="0" y="22467"/>
-            <a:ext cx="1315686" cy="1315686"/>
-          </a:xfrm>
-          <a:prstGeom prst="rect">
-            <a:avLst/>
-          </a:prstGeom>
-          <a:noFill/>
-          <a:extLst>
-            <a:ext uri="{909E8E84-426E-40DD-AFC4-6F175D3DCCD1}">
-              <a14:hiddenFill xmlns:a14="http://schemas.microsoft.com/office/drawing/2010/main">
-                <a:solidFill>
-                  <a:srgbClr val="FFFFFF"/>
-                </a:solidFill>
-              </a14:hiddenFill>
-            </a:ext>
-          </a:extLst>
-        </p:spPr>
-      </p:pic>
-    </p:spTree>
-    <p:extLst>
-      <p:ext uri="{BB962C8B-B14F-4D97-AF65-F5344CB8AC3E}">
-        <p14:creationId xmlns:p14="http://schemas.microsoft.com/office/powerpoint/2010/main" val="1678246074"/>
       </p:ext>
     </p:extLst>
   </p:cSld>

--- a/report/APT-UTSA-Presentation.pptx
+++ b/report/APT-UTSA-Presentation.pptx
@@ -5,7 +5,7 @@
     <p:sldMasterId id="2147483725" r:id="rId1"/>
   </p:sldMasterIdLst>
   <p:notesMasterIdLst>
-    <p:notesMasterId r:id="rId17"/>
+    <p:notesMasterId r:id="rId18"/>
   </p:notesMasterIdLst>
   <p:sldIdLst>
     <p:sldId id="311" r:id="rId2"/>
@@ -13,16 +13,17 @@
     <p:sldId id="296" r:id="rId4"/>
     <p:sldId id="299" r:id="rId5"/>
     <p:sldId id="313" r:id="rId6"/>
-    <p:sldId id="314" r:id="rId7"/>
-    <p:sldId id="315" r:id="rId8"/>
-    <p:sldId id="301" r:id="rId9"/>
-    <p:sldId id="302" r:id="rId10"/>
-    <p:sldId id="304" r:id="rId11"/>
-    <p:sldId id="305" r:id="rId12"/>
-    <p:sldId id="308" r:id="rId13"/>
-    <p:sldId id="312" r:id="rId14"/>
-    <p:sldId id="303" r:id="rId15"/>
-    <p:sldId id="288" r:id="rId16"/>
+    <p:sldId id="316" r:id="rId7"/>
+    <p:sldId id="314" r:id="rId8"/>
+    <p:sldId id="315" r:id="rId9"/>
+    <p:sldId id="301" r:id="rId10"/>
+    <p:sldId id="302" r:id="rId11"/>
+    <p:sldId id="304" r:id="rId12"/>
+    <p:sldId id="305" r:id="rId13"/>
+    <p:sldId id="308" r:id="rId14"/>
+    <p:sldId id="312" r:id="rId15"/>
+    <p:sldId id="303" r:id="rId16"/>
+    <p:sldId id="288" r:id="rId17"/>
   </p:sldIdLst>
   <p:sldSz cx="12192000" cy="6858000"/>
   <p:notesSz cx="6858000" cy="9144000"/>
@@ -9390,7 +9391,7 @@
           <a:p>
             <a:fld id="{982001A8-5562-4B51-8F2E-D951C19B7D63}" type="slidenum">
               <a:rPr lang="en-US" smtClean="0"/>
-              <a:t>9</a:t>
+              <a:t>10</a:t>
             </a:fld>
             <a:endParaRPr lang="en-US"/>
           </a:p>
@@ -12753,6 +12754,1984 @@
         <p:cNvPr id="1" name="">
           <a:extLst>
             <a:ext uri="{FF2B5EF4-FFF2-40B4-BE49-F238E27FC236}">
+              <a16:creationId xmlns:a16="http://schemas.microsoft.com/office/drawing/2014/main" id="{DC7ABD73-4FF8-D9E2-FD8D-942FFAAC984E}"/>
+            </a:ext>
+          </a:extLst>
+        </p:cNvPr>
+        <p:cNvGrpSpPr/>
+        <p:nvPr/>
+      </p:nvGrpSpPr>
+      <p:grpSpPr>
+        <a:xfrm>
+          <a:off x="0" y="0"/>
+          <a:ext cx="0" cy="0"/>
+          <a:chOff x="0" y="0"/>
+          <a:chExt cx="0" cy="0"/>
+        </a:xfrm>
+      </p:grpSpPr>
+      <p:graphicFrame>
+        <p:nvGraphicFramePr>
+          <p:cNvPr id="6" name="Chart 5">
+            <a:extLst>
+              <a:ext uri="{FF2B5EF4-FFF2-40B4-BE49-F238E27FC236}">
+                <a16:creationId xmlns:a16="http://schemas.microsoft.com/office/drawing/2014/main" id="{5C608844-76B1-DBC0-0FF1-5DB8ACA79366}"/>
+              </a:ext>
+            </a:extLst>
+          </p:cNvPr>
+          <p:cNvGraphicFramePr/>
+          <p:nvPr>
+            <p:extLst>
+              <p:ext uri="{D42A27DB-BD31-4B8C-83A1-F6EECF244321}">
+                <p14:modId xmlns:p14="http://schemas.microsoft.com/office/powerpoint/2010/main" val="1882020031"/>
+              </p:ext>
+            </p:extLst>
+          </p:nvPr>
+        </p:nvGraphicFramePr>
+        <p:xfrm>
+          <a:off x="3589152" y="1358142"/>
+          <a:ext cx="7850909" cy="4766422"/>
+        </p:xfrm>
+        <a:graphic>
+          <a:graphicData uri="http://schemas.openxmlformats.org/drawingml/2006/chart">
+            <c:chart xmlns:c="http://schemas.openxmlformats.org/drawingml/2006/chart" xmlns:r="http://schemas.openxmlformats.org/officeDocument/2006/relationships" r:id="rId3"/>
+          </a:graphicData>
+        </a:graphic>
+      </p:graphicFrame>
+      <p:sp>
+        <p:nvSpPr>
+          <p:cNvPr id="5" name="Rectangle 4">
+            <a:extLst>
+              <a:ext uri="{FF2B5EF4-FFF2-40B4-BE49-F238E27FC236}">
+                <a16:creationId xmlns:a16="http://schemas.microsoft.com/office/drawing/2014/main" id="{230D9A34-47D4-9EC0-2CD4-C773B70D5D40}"/>
+              </a:ext>
+            </a:extLst>
+          </p:cNvPr>
+          <p:cNvSpPr/>
+          <p:nvPr/>
+        </p:nvSpPr>
+        <p:spPr>
+          <a:xfrm>
+            <a:off x="0" y="6246000"/>
+            <a:ext cx="12198000" cy="612000"/>
+          </a:xfrm>
+          <a:prstGeom prst="rect">
+            <a:avLst/>
+          </a:prstGeom>
+          <a:solidFill>
+            <a:schemeClr val="accent5">
+              <a:lumMod val="75000"/>
+            </a:schemeClr>
+          </a:solidFill>
+          <a:ln>
+            <a:noFill/>
+          </a:ln>
+        </p:spPr>
+        <p:style>
+          <a:lnRef idx="2">
+            <a:schemeClr val="accent1">
+              <a:shade val="15000"/>
+            </a:schemeClr>
+          </a:lnRef>
+          <a:fillRef idx="1">
+            <a:schemeClr val="accent1"/>
+          </a:fillRef>
+          <a:effectRef idx="0">
+            <a:schemeClr val="accent1"/>
+          </a:effectRef>
+          <a:fontRef idx="minor">
+            <a:schemeClr val="lt1"/>
+          </a:fontRef>
+        </p:style>
+        <p:txBody>
+          <a:bodyPr lIns="91440" tIns="45720" rIns="91440" bIns="45720" rtlCol="0" anchor="ctr"/>
+          <a:lstStyle/>
+          <a:p>
+            <a:pPr algn="ctr"/>
+            <a:endParaRPr lang="en-US">
+              <a:solidFill>
+                <a:srgbClr val="1148ED"/>
+              </a:solidFill>
+              <a:cs typeface="Calibri"/>
+            </a:endParaRPr>
+          </a:p>
+        </p:txBody>
+      </p:sp>
+      <p:pic>
+        <p:nvPicPr>
+          <p:cNvPr id="2" name="Picture 1">
+            <a:extLst>
+              <a:ext uri="{FF2B5EF4-FFF2-40B4-BE49-F238E27FC236}">
+                <a16:creationId xmlns:a16="http://schemas.microsoft.com/office/drawing/2014/main" id="{D2081E82-A6A6-B81A-6099-D93CAA3A2EBC}"/>
+              </a:ext>
+            </a:extLst>
+          </p:cNvPr>
+          <p:cNvPicPr>
+            <a:picLocks noChangeAspect="1"/>
+          </p:cNvPicPr>
+          <p:nvPr/>
+        </p:nvPicPr>
+        <p:blipFill>
+          <a:blip r:embed="rId4" cstate="print">
+            <a:lum bright="70000" contrast="-70000"/>
+            <a:extLst>
+              <a:ext uri="{28A0092B-C50C-407E-A947-70E740481C1C}">
+                <a14:useLocalDpi xmlns:a14="http://schemas.microsoft.com/office/drawing/2010/main" val="0"/>
+              </a:ext>
+            </a:extLst>
+          </a:blip>
+          <a:srcRect/>
+          <a:stretch>
+            <a:fillRect/>
+          </a:stretch>
+        </p:blipFill>
+        <p:spPr bwMode="auto">
+          <a:xfrm>
+            <a:off x="5410200" y="6314721"/>
+            <a:ext cx="1371600" cy="466725"/>
+          </a:xfrm>
+          <a:prstGeom prst="rect">
+            <a:avLst/>
+          </a:prstGeom>
+          <a:noFill/>
+          <a:ln>
+            <a:noFill/>
+          </a:ln>
+        </p:spPr>
+      </p:pic>
+      <p:sp>
+        <p:nvSpPr>
+          <p:cNvPr id="9" name="Rectangle 8">
+            <a:extLst>
+              <a:ext uri="{FF2B5EF4-FFF2-40B4-BE49-F238E27FC236}">
+                <a16:creationId xmlns:a16="http://schemas.microsoft.com/office/drawing/2014/main" id="{7F0A28A9-5B25-82D5-73FB-0526E1D1AFCE}"/>
+              </a:ext>
+            </a:extLst>
+          </p:cNvPr>
+          <p:cNvSpPr/>
+          <p:nvPr/>
+        </p:nvSpPr>
+        <p:spPr>
+          <a:xfrm>
+            <a:off x="-1" y="-42548"/>
+            <a:ext cx="12198000" cy="187691"/>
+          </a:xfrm>
+          <a:prstGeom prst="rect">
+            <a:avLst/>
+          </a:prstGeom>
+          <a:solidFill>
+            <a:schemeClr val="accent5">
+              <a:lumMod val="75000"/>
+            </a:schemeClr>
+          </a:solidFill>
+          <a:ln>
+            <a:noFill/>
+          </a:ln>
+        </p:spPr>
+        <p:style>
+          <a:lnRef idx="2">
+            <a:schemeClr val="accent1">
+              <a:shade val="15000"/>
+            </a:schemeClr>
+          </a:lnRef>
+          <a:fillRef idx="1">
+            <a:schemeClr val="accent1"/>
+          </a:fillRef>
+          <a:effectRef idx="0">
+            <a:schemeClr val="accent1"/>
+          </a:effectRef>
+          <a:fontRef idx="minor">
+            <a:schemeClr val="lt1"/>
+          </a:fontRef>
+        </p:style>
+        <p:txBody>
+          <a:bodyPr lIns="91440" tIns="45720" rIns="91440" bIns="45720" rtlCol="0" anchor="ctr"/>
+          <a:lstStyle/>
+          <a:p>
+            <a:pPr algn="ctr"/>
+            <a:endParaRPr lang="en-US">
+              <a:solidFill>
+                <a:srgbClr val="1148ED"/>
+              </a:solidFill>
+              <a:cs typeface="Calibri"/>
+            </a:endParaRPr>
+          </a:p>
+        </p:txBody>
+      </p:sp>
+      <p:sp>
+        <p:nvSpPr>
+          <p:cNvPr id="3" name="TextBox 1">
+            <a:extLst>
+              <a:ext uri="{FF2B5EF4-FFF2-40B4-BE49-F238E27FC236}">
+                <a16:creationId xmlns:a16="http://schemas.microsoft.com/office/drawing/2014/main" id="{9BE3C8C1-6848-C21C-5399-78A40AA0E56F}"/>
+              </a:ext>
+            </a:extLst>
+          </p:cNvPr>
+          <p:cNvSpPr txBox="1"/>
+          <p:nvPr/>
+        </p:nvSpPr>
+        <p:spPr>
+          <a:xfrm>
+            <a:off x="1578282" y="407602"/>
+            <a:ext cx="10019930" cy="769441"/>
+          </a:xfrm>
+          <a:prstGeom prst="rect">
+            <a:avLst/>
+          </a:prstGeom>
+          <a:noFill/>
+        </p:spPr>
+        <p:txBody>
+          <a:bodyPr wrap="square" lIns="91440" tIns="45720" rIns="91440" bIns="45720" rtlCol="0" anchor="t">
+            <a:spAutoFit/>
+          </a:bodyPr>
+          <a:lstStyle>
+            <a:defPPr>
+              <a:defRPr lang="en-US"/>
+            </a:defPPr>
+            <a:lvl1pPr marL="0" algn="l" defTabSz="914400" rtl="0" eaLnBrk="1" latinLnBrk="0" hangingPunct="1">
+              <a:defRPr sz="1800" kern="1200">
+                <a:solidFill>
+                  <a:schemeClr val="tx1"/>
+                </a:solidFill>
+                <a:latin typeface="+mn-lt"/>
+                <a:ea typeface="+mn-ea"/>
+                <a:cs typeface="+mn-cs"/>
+              </a:defRPr>
+            </a:lvl1pPr>
+            <a:lvl2pPr marL="457200" algn="l" defTabSz="914400" rtl="0" eaLnBrk="1" latinLnBrk="0" hangingPunct="1">
+              <a:defRPr sz="1800" kern="1200">
+                <a:solidFill>
+                  <a:schemeClr val="tx1"/>
+                </a:solidFill>
+                <a:latin typeface="+mn-lt"/>
+                <a:ea typeface="+mn-ea"/>
+                <a:cs typeface="+mn-cs"/>
+              </a:defRPr>
+            </a:lvl2pPr>
+            <a:lvl3pPr marL="914400" algn="l" defTabSz="914400" rtl="0" eaLnBrk="1" latinLnBrk="0" hangingPunct="1">
+              <a:defRPr sz="1800" kern="1200">
+                <a:solidFill>
+                  <a:schemeClr val="tx1"/>
+                </a:solidFill>
+                <a:latin typeface="+mn-lt"/>
+                <a:ea typeface="+mn-ea"/>
+                <a:cs typeface="+mn-cs"/>
+              </a:defRPr>
+            </a:lvl3pPr>
+            <a:lvl4pPr marL="1371600" algn="l" defTabSz="914400" rtl="0" eaLnBrk="1" latinLnBrk="0" hangingPunct="1">
+              <a:defRPr sz="1800" kern="1200">
+                <a:solidFill>
+                  <a:schemeClr val="tx1"/>
+                </a:solidFill>
+                <a:latin typeface="+mn-lt"/>
+                <a:ea typeface="+mn-ea"/>
+                <a:cs typeface="+mn-cs"/>
+              </a:defRPr>
+            </a:lvl4pPr>
+            <a:lvl5pPr marL="1828800" algn="l" defTabSz="914400" rtl="0" eaLnBrk="1" latinLnBrk="0" hangingPunct="1">
+              <a:defRPr sz="1800" kern="1200">
+                <a:solidFill>
+                  <a:schemeClr val="tx1"/>
+                </a:solidFill>
+                <a:latin typeface="+mn-lt"/>
+                <a:ea typeface="+mn-ea"/>
+                <a:cs typeface="+mn-cs"/>
+              </a:defRPr>
+            </a:lvl5pPr>
+            <a:lvl6pPr marL="2286000" algn="l" defTabSz="914400" rtl="0" eaLnBrk="1" latinLnBrk="0" hangingPunct="1">
+              <a:defRPr sz="1800" kern="1200">
+                <a:solidFill>
+                  <a:schemeClr val="tx1"/>
+                </a:solidFill>
+                <a:latin typeface="+mn-lt"/>
+                <a:ea typeface="+mn-ea"/>
+                <a:cs typeface="+mn-cs"/>
+              </a:defRPr>
+            </a:lvl6pPr>
+            <a:lvl7pPr marL="2743200" algn="l" defTabSz="914400" rtl="0" eaLnBrk="1" latinLnBrk="0" hangingPunct="1">
+              <a:defRPr sz="1800" kern="1200">
+                <a:solidFill>
+                  <a:schemeClr val="tx1"/>
+                </a:solidFill>
+                <a:latin typeface="+mn-lt"/>
+                <a:ea typeface="+mn-ea"/>
+                <a:cs typeface="+mn-cs"/>
+              </a:defRPr>
+            </a:lvl7pPr>
+            <a:lvl8pPr marL="3200400" algn="l" defTabSz="914400" rtl="0" eaLnBrk="1" latinLnBrk="0" hangingPunct="1">
+              <a:defRPr sz="1800" kern="1200">
+                <a:solidFill>
+                  <a:schemeClr val="tx1"/>
+                </a:solidFill>
+                <a:latin typeface="+mn-lt"/>
+                <a:ea typeface="+mn-ea"/>
+                <a:cs typeface="+mn-cs"/>
+              </a:defRPr>
+            </a:lvl8pPr>
+            <a:lvl9pPr marL="3657600" algn="l" defTabSz="914400" rtl="0" eaLnBrk="1" latinLnBrk="0" hangingPunct="1">
+              <a:defRPr sz="1800" kern="1200">
+                <a:solidFill>
+                  <a:schemeClr val="tx1"/>
+                </a:solidFill>
+                <a:latin typeface="+mn-lt"/>
+                <a:ea typeface="+mn-ea"/>
+                <a:cs typeface="+mn-cs"/>
+              </a:defRPr>
+            </a:lvl9pPr>
+          </a:lstStyle>
+          <a:p>
+            <a:r>
+              <a:rPr lang="en-US" sz="4400" b="1" dirty="0">
+                <a:solidFill>
+                  <a:schemeClr val="tx1">
+                    <a:lumMod val="75000"/>
+                    <a:lumOff val="25000"/>
+                  </a:schemeClr>
+                </a:solidFill>
+                <a:latin typeface="Avenir Next" panose="020B0503020202020204" pitchFamily="34" charset="0"/>
+                <a:ea typeface="Segoe UI Black"/>
+              </a:rPr>
+              <a:t>Residual Risk</a:t>
+            </a:r>
+            <a:endParaRPr lang="en-US" sz="4400" dirty="0">
+              <a:solidFill>
+                <a:schemeClr val="tx1">
+                  <a:lumMod val="75000"/>
+                  <a:lumOff val="25000"/>
+                </a:schemeClr>
+              </a:solidFill>
+              <a:latin typeface="Avenir Next" panose="020B0503020202020204" pitchFamily="34" charset="0"/>
+              <a:ea typeface="Segoe UI Black"/>
+            </a:endParaRPr>
+          </a:p>
+        </p:txBody>
+      </p:sp>
+      <p:sp>
+        <p:nvSpPr>
+          <p:cNvPr id="18" name="Rectangle: Rounded Corners 17">
+            <a:extLst>
+              <a:ext uri="{FF2B5EF4-FFF2-40B4-BE49-F238E27FC236}">
+                <a16:creationId xmlns:a16="http://schemas.microsoft.com/office/drawing/2014/main" id="{AD645F87-EE4B-7827-43C9-217BA6E9DD48}"/>
+              </a:ext>
+            </a:extLst>
+          </p:cNvPr>
+          <p:cNvSpPr/>
+          <p:nvPr/>
+        </p:nvSpPr>
+        <p:spPr>
+          <a:xfrm>
+            <a:off x="839396" y="2286000"/>
+            <a:ext cx="2288596" cy="3143650"/>
+          </a:xfrm>
+          <a:prstGeom prst="roundRect">
+            <a:avLst/>
+          </a:prstGeom>
+          <a:solidFill>
+            <a:srgbClr val="396AAA"/>
+          </a:solidFill>
+          <a:ln>
+            <a:noFill/>
+          </a:ln>
+        </p:spPr>
+        <p:style>
+          <a:lnRef idx="2">
+            <a:schemeClr val="accent1">
+              <a:shade val="15000"/>
+            </a:schemeClr>
+          </a:lnRef>
+          <a:fillRef idx="1">
+            <a:schemeClr val="accent1"/>
+          </a:fillRef>
+          <a:effectRef idx="0">
+            <a:schemeClr val="accent1"/>
+          </a:effectRef>
+          <a:fontRef idx="minor">
+            <a:schemeClr val="lt1"/>
+          </a:fontRef>
+        </p:style>
+        <p:txBody>
+          <a:bodyPr rtlCol="0" anchor="ctr"/>
+          <a:lstStyle/>
+          <a:p>
+            <a:pPr algn="ctr"/>
+            <a:endParaRPr lang="en-US"/>
+          </a:p>
+        </p:txBody>
+      </p:sp>
+      <p:grpSp>
+        <p:nvGrpSpPr>
+          <p:cNvPr id="17" name="Group 16">
+            <a:extLst>
+              <a:ext uri="{FF2B5EF4-FFF2-40B4-BE49-F238E27FC236}">
+                <a16:creationId xmlns:a16="http://schemas.microsoft.com/office/drawing/2014/main" id="{9AA1DB7F-9454-2D7E-25FD-534F47798641}"/>
+              </a:ext>
+            </a:extLst>
+          </p:cNvPr>
+          <p:cNvGrpSpPr/>
+          <p:nvPr/>
+        </p:nvGrpSpPr>
+        <p:grpSpPr>
+          <a:xfrm>
+            <a:off x="5744951" y="5499858"/>
+            <a:ext cx="227965" cy="228599"/>
+            <a:chOff x="0" y="0"/>
+            <a:chExt cx="228352" cy="228599"/>
+          </a:xfrm>
+        </p:grpSpPr>
+        <p:grpSp>
+          <p:nvGrpSpPr>
+            <p:cNvPr id="19" name="Graphic 1">
+              <a:extLst>
+                <a:ext uri="{FF2B5EF4-FFF2-40B4-BE49-F238E27FC236}">
+                  <a16:creationId xmlns:a16="http://schemas.microsoft.com/office/drawing/2014/main" id="{E94E7882-9D24-7DA4-F686-40EE685ACCBA}"/>
+                </a:ext>
+              </a:extLst>
+            </p:cNvPr>
+            <p:cNvGrpSpPr/>
+            <p:nvPr/>
+          </p:nvGrpSpPr>
+          <p:grpSpPr>
+            <a:xfrm>
+              <a:off x="0" y="0"/>
+              <a:ext cx="228352" cy="110728"/>
+              <a:chOff x="0" y="0"/>
+              <a:chExt cx="228352" cy="110728"/>
+            </a:xfrm>
+          </p:grpSpPr>
+          <p:sp>
+            <p:nvSpPr>
+              <p:cNvPr id="23" name="Freeform: Shape 22">
+                <a:extLst>
+                  <a:ext uri="{FF2B5EF4-FFF2-40B4-BE49-F238E27FC236}">
+                    <a16:creationId xmlns:a16="http://schemas.microsoft.com/office/drawing/2014/main" id="{F542B01A-C26F-B350-140B-8A292A11F8DD}"/>
+                  </a:ext>
+                </a:extLst>
+              </p:cNvPr>
+              <p:cNvSpPr/>
+              <p:nvPr/>
+            </p:nvSpPr>
+            <p:spPr>
+              <a:xfrm>
+                <a:off x="3634" y="3571"/>
+                <a:ext cx="221089" cy="103584"/>
+              </a:xfrm>
+              <a:custGeom>
+                <a:avLst/>
+                <a:gdLst>
+                  <a:gd name="connsiteX0" fmla="*/ 12474 w 221089"/>
+                  <a:gd name="connsiteY0" fmla="*/ 103584 h 103584"/>
+                  <a:gd name="connsiteX1" fmla="*/ 2822 w 221089"/>
+                  <a:gd name="connsiteY1" fmla="*/ 99084 h 103584"/>
+                  <a:gd name="connsiteX2" fmla="*/ 246 w 221089"/>
+                  <a:gd name="connsiteY2" fmla="*/ 88940 h 103584"/>
+                  <a:gd name="connsiteX3" fmla="*/ 110542 w 221089"/>
+                  <a:gd name="connsiteY3" fmla="*/ 0 h 103584"/>
+                  <a:gd name="connsiteX4" fmla="*/ 220851 w 221089"/>
+                  <a:gd name="connsiteY4" fmla="*/ 88940 h 103584"/>
+                  <a:gd name="connsiteX5" fmla="*/ 218262 w 221089"/>
+                  <a:gd name="connsiteY5" fmla="*/ 99084 h 103584"/>
+                  <a:gd name="connsiteX6" fmla="*/ 208610 w 221089"/>
+                  <a:gd name="connsiteY6" fmla="*/ 103584 h 103584"/>
+                  <a:gd name="connsiteX7" fmla="*/ 12474 w 221089"/>
+                  <a:gd name="connsiteY7" fmla="*/ 103584 h 103584"/>
+                </a:gdLst>
+                <a:ahLst/>
+                <a:cxnLst>
+                  <a:cxn ang="0">
+                    <a:pos x="connsiteX0" y="connsiteY0"/>
+                  </a:cxn>
+                  <a:cxn ang="0">
+                    <a:pos x="connsiteX1" y="connsiteY1"/>
+                  </a:cxn>
+                  <a:cxn ang="0">
+                    <a:pos x="connsiteX2" y="connsiteY2"/>
+                  </a:cxn>
+                  <a:cxn ang="0">
+                    <a:pos x="connsiteX3" y="connsiteY3"/>
+                  </a:cxn>
+                  <a:cxn ang="0">
+                    <a:pos x="connsiteX4" y="connsiteY4"/>
+                  </a:cxn>
+                  <a:cxn ang="0">
+                    <a:pos x="connsiteX5" y="connsiteY5"/>
+                  </a:cxn>
+                  <a:cxn ang="0">
+                    <a:pos x="connsiteX6" y="connsiteY6"/>
+                  </a:cxn>
+                  <a:cxn ang="0">
+                    <a:pos x="connsiteX7" y="connsiteY7"/>
+                  </a:cxn>
+                </a:cxnLst>
+                <a:rect l="l" t="t" r="r" b="b"/>
+                <a:pathLst>
+                  <a:path w="221089" h="103584">
+                    <a:moveTo>
+                      <a:pt x="12474" y="103584"/>
+                    </a:moveTo>
+                    <a:cubicBezTo>
+                      <a:pt x="8724" y="103584"/>
+                      <a:pt x="5205" y="101941"/>
+                      <a:pt x="2822" y="99084"/>
+                    </a:cubicBezTo>
+                    <a:cubicBezTo>
+                      <a:pt x="451" y="96238"/>
+                      <a:pt x="-492" y="92535"/>
+                      <a:pt x="246" y="88940"/>
+                    </a:cubicBezTo>
+                    <a:cubicBezTo>
+                      <a:pt x="10684" y="37409"/>
+                      <a:pt x="57069" y="0"/>
+                      <a:pt x="110542" y="0"/>
+                    </a:cubicBezTo>
+                    <a:cubicBezTo>
+                      <a:pt x="164015" y="0"/>
+                      <a:pt x="210400" y="37409"/>
+                      <a:pt x="220851" y="88940"/>
+                    </a:cubicBezTo>
+                    <a:cubicBezTo>
+                      <a:pt x="221576" y="92535"/>
+                      <a:pt x="220633" y="96238"/>
+                      <a:pt x="218262" y="99084"/>
+                    </a:cubicBezTo>
+                    <a:cubicBezTo>
+                      <a:pt x="215880" y="101941"/>
+                      <a:pt x="212360" y="103584"/>
+                      <a:pt x="208610" y="103584"/>
+                    </a:cubicBezTo>
+                    <a:lnTo>
+                      <a:pt x="12474" y="103584"/>
+                    </a:lnTo>
+                    <a:close/>
+                  </a:path>
+                </a:pathLst>
+              </a:custGeom>
+              <a:solidFill>
+                <a:srgbClr val="D52D2F"/>
+              </a:solidFill>
+              <a:ln w="0" cap="flat">
+                <a:noFill/>
+                <a:prstDash val="solid"/>
+                <a:miter/>
+              </a:ln>
+            </p:spPr>
+            <p:txBody>
+              <a:bodyPr rot="0" spcFirstLastPara="0" vert="horz" wrap="square" lIns="91440" tIns="45720" rIns="91440" bIns="45720" numCol="1" spcCol="0" rtlCol="0" fromWordArt="0" anchor="ctr" anchorCtr="0" forceAA="0" compatLnSpc="1">
+                <a:prstTxWarp prst="textNoShape">
+                  <a:avLst/>
+                </a:prstTxWarp>
+                <a:noAutofit/>
+              </a:bodyPr>
+              <a:lstStyle/>
+              <a:p>
+                <a:endParaRPr lang="en-US"/>
+              </a:p>
+            </p:txBody>
+          </p:sp>
+          <p:sp>
+            <p:nvSpPr>
+              <p:cNvPr id="24" name="Freeform: Shape 23">
+                <a:extLst>
+                  <a:ext uri="{FF2B5EF4-FFF2-40B4-BE49-F238E27FC236}">
+                    <a16:creationId xmlns:a16="http://schemas.microsoft.com/office/drawing/2014/main" id="{F251AECA-A5A0-F897-78EC-88D17F01CE22}"/>
+                  </a:ext>
+                </a:extLst>
+              </p:cNvPr>
+              <p:cNvSpPr/>
+              <p:nvPr/>
+            </p:nvSpPr>
+            <p:spPr>
+              <a:xfrm>
+                <a:off x="0" y="0"/>
+                <a:ext cx="228352" cy="110728"/>
+              </a:xfrm>
+              <a:custGeom>
+                <a:avLst/>
+                <a:gdLst>
+                  <a:gd name="connsiteX0" fmla="*/ 114176 w 228352"/>
+                  <a:gd name="connsiteY0" fmla="*/ 7144 h 110728"/>
+                  <a:gd name="connsiteX1" fmla="*/ 220929 w 228352"/>
+                  <a:gd name="connsiteY1" fmla="*/ 93214 h 110728"/>
+                  <a:gd name="connsiteX2" fmla="*/ 212257 w 228352"/>
+                  <a:gd name="connsiteY2" fmla="*/ 103584 h 110728"/>
+                  <a:gd name="connsiteX3" fmla="*/ 16108 w 228352"/>
+                  <a:gd name="connsiteY3" fmla="*/ 103584 h 110728"/>
+                  <a:gd name="connsiteX4" fmla="*/ 7436 w 228352"/>
+                  <a:gd name="connsiteY4" fmla="*/ 93214 h 110728"/>
+                  <a:gd name="connsiteX5" fmla="*/ 114176 w 228352"/>
+                  <a:gd name="connsiteY5" fmla="*/ 7144 h 110728"/>
+                  <a:gd name="connsiteX6" fmla="*/ 114176 w 228352"/>
+                  <a:gd name="connsiteY6" fmla="*/ 0 h 110728"/>
+                  <a:gd name="connsiteX7" fmla="*/ 312 w 228352"/>
+                  <a:gd name="connsiteY7" fmla="*/ 91809 h 110728"/>
+                  <a:gd name="connsiteX8" fmla="*/ 3650 w 228352"/>
+                  <a:gd name="connsiteY8" fmla="*/ 104918 h 110728"/>
+                  <a:gd name="connsiteX9" fmla="*/ 16108 w 228352"/>
+                  <a:gd name="connsiteY9" fmla="*/ 110728 h 110728"/>
+                  <a:gd name="connsiteX10" fmla="*/ 212245 w 228352"/>
+                  <a:gd name="connsiteY10" fmla="*/ 110728 h 110728"/>
+                  <a:gd name="connsiteX11" fmla="*/ 224703 w 228352"/>
+                  <a:gd name="connsiteY11" fmla="*/ 104918 h 110728"/>
+                  <a:gd name="connsiteX12" fmla="*/ 228041 w 228352"/>
+                  <a:gd name="connsiteY12" fmla="*/ 91809 h 110728"/>
+                  <a:gd name="connsiteX13" fmla="*/ 114176 w 228352"/>
+                  <a:gd name="connsiteY13" fmla="*/ 0 h 110728"/>
+                  <a:gd name="connsiteX14" fmla="*/ 114176 w 228352"/>
+                  <a:gd name="connsiteY14" fmla="*/ 0 h 110728"/>
+                </a:gdLst>
+                <a:ahLst/>
+                <a:cxnLst>
+                  <a:cxn ang="0">
+                    <a:pos x="connsiteX0" y="connsiteY0"/>
+                  </a:cxn>
+                  <a:cxn ang="0">
+                    <a:pos x="connsiteX1" y="connsiteY1"/>
+                  </a:cxn>
+                  <a:cxn ang="0">
+                    <a:pos x="connsiteX2" y="connsiteY2"/>
+                  </a:cxn>
+                  <a:cxn ang="0">
+                    <a:pos x="connsiteX3" y="connsiteY3"/>
+                  </a:cxn>
+                  <a:cxn ang="0">
+                    <a:pos x="connsiteX4" y="connsiteY4"/>
+                  </a:cxn>
+                  <a:cxn ang="0">
+                    <a:pos x="connsiteX5" y="connsiteY5"/>
+                  </a:cxn>
+                  <a:cxn ang="0">
+                    <a:pos x="connsiteX6" y="connsiteY6"/>
+                  </a:cxn>
+                  <a:cxn ang="0">
+                    <a:pos x="connsiteX7" y="connsiteY7"/>
+                  </a:cxn>
+                  <a:cxn ang="0">
+                    <a:pos x="connsiteX8" y="connsiteY8"/>
+                  </a:cxn>
+                  <a:cxn ang="0">
+                    <a:pos x="connsiteX9" y="connsiteY9"/>
+                  </a:cxn>
+                  <a:cxn ang="0">
+                    <a:pos x="connsiteX10" y="connsiteY10"/>
+                  </a:cxn>
+                  <a:cxn ang="0">
+                    <a:pos x="connsiteX11" y="connsiteY11"/>
+                  </a:cxn>
+                  <a:cxn ang="0">
+                    <a:pos x="connsiteX12" y="connsiteY12"/>
+                  </a:cxn>
+                  <a:cxn ang="0">
+                    <a:pos x="connsiteX13" y="connsiteY13"/>
+                  </a:cxn>
+                  <a:cxn ang="0">
+                    <a:pos x="connsiteX14" y="connsiteY14"/>
+                  </a:cxn>
+                </a:cxnLst>
+                <a:rect l="l" t="t" r="r" b="b"/>
+                <a:pathLst>
+                  <a:path w="228352" h="110728">
+                    <a:moveTo>
+                      <a:pt x="114176" y="7144"/>
+                    </a:moveTo>
+                    <a:cubicBezTo>
+                      <a:pt x="166960" y="7144"/>
+                      <a:pt x="210975" y="44136"/>
+                      <a:pt x="220929" y="93214"/>
+                    </a:cubicBezTo>
+                    <a:cubicBezTo>
+                      <a:pt x="222018" y="98584"/>
+                      <a:pt x="217808" y="103584"/>
+                      <a:pt x="212257" y="103584"/>
+                    </a:cubicBezTo>
+                    <a:lnTo>
+                      <a:pt x="16108" y="103584"/>
+                    </a:lnTo>
+                    <a:cubicBezTo>
+                      <a:pt x="10544" y="103584"/>
+                      <a:pt x="6347" y="98584"/>
+                      <a:pt x="7436" y="93214"/>
+                    </a:cubicBezTo>
+                    <a:cubicBezTo>
+                      <a:pt x="17378" y="44136"/>
+                      <a:pt x="61381" y="7144"/>
+                      <a:pt x="114176" y="7144"/>
+                    </a:cubicBezTo>
+                    <a:moveTo>
+                      <a:pt x="114176" y="0"/>
+                    </a:moveTo>
+                    <a:cubicBezTo>
+                      <a:pt x="58986" y="0"/>
+                      <a:pt x="11101" y="38612"/>
+                      <a:pt x="312" y="91809"/>
+                    </a:cubicBezTo>
+                    <a:cubicBezTo>
+                      <a:pt x="-632" y="96464"/>
+                      <a:pt x="590" y="101239"/>
+                      <a:pt x="3650" y="104918"/>
+                    </a:cubicBezTo>
+                    <a:cubicBezTo>
+                      <a:pt x="6722" y="108609"/>
+                      <a:pt x="11270" y="110728"/>
+                      <a:pt x="16108" y="110728"/>
+                    </a:cubicBezTo>
+                    <a:lnTo>
+                      <a:pt x="212245" y="110728"/>
+                    </a:lnTo>
+                    <a:cubicBezTo>
+                      <a:pt x="217095" y="110728"/>
+                      <a:pt x="221630" y="108609"/>
+                      <a:pt x="224703" y="104918"/>
+                    </a:cubicBezTo>
+                    <a:cubicBezTo>
+                      <a:pt x="227763" y="101239"/>
+                      <a:pt x="228984" y="96464"/>
+                      <a:pt x="228041" y="91809"/>
+                    </a:cubicBezTo>
+                    <a:cubicBezTo>
+                      <a:pt x="217252" y="38612"/>
+                      <a:pt x="169367" y="0"/>
+                      <a:pt x="114176" y="0"/>
+                    </a:cubicBezTo>
+                    <a:lnTo>
+                      <a:pt x="114176" y="0"/>
+                    </a:lnTo>
+                    <a:close/>
+                  </a:path>
+                </a:pathLst>
+              </a:custGeom>
+              <a:solidFill>
+                <a:srgbClr val="FFFFFF"/>
+              </a:solidFill>
+              <a:ln w="0" cap="flat">
+                <a:noFill/>
+                <a:prstDash val="solid"/>
+                <a:miter/>
+              </a:ln>
+            </p:spPr>
+            <p:txBody>
+              <a:bodyPr rot="0" spcFirstLastPara="0" vert="horz" wrap="square" lIns="91440" tIns="45720" rIns="91440" bIns="45720" numCol="1" spcCol="0" rtlCol="0" fromWordArt="0" anchor="ctr" anchorCtr="0" forceAA="0" compatLnSpc="1">
+                <a:prstTxWarp prst="textNoShape">
+                  <a:avLst/>
+                </a:prstTxWarp>
+                <a:noAutofit/>
+              </a:bodyPr>
+              <a:lstStyle/>
+              <a:p>
+                <a:endParaRPr lang="en-US"/>
+              </a:p>
+            </p:txBody>
+          </p:sp>
+        </p:grpSp>
+        <p:grpSp>
+          <p:nvGrpSpPr>
+            <p:cNvPr id="20" name="Graphic 1">
+              <a:extLst>
+                <a:ext uri="{FF2B5EF4-FFF2-40B4-BE49-F238E27FC236}">
+                  <a16:creationId xmlns:a16="http://schemas.microsoft.com/office/drawing/2014/main" id="{B9C3D69E-F35F-B23C-A2D3-8FC2D366426C}"/>
+                </a:ext>
+              </a:extLst>
+            </p:cNvPr>
+            <p:cNvGrpSpPr/>
+            <p:nvPr/>
+          </p:nvGrpSpPr>
+          <p:grpSpPr>
+            <a:xfrm>
+              <a:off x="0" y="117871"/>
+              <a:ext cx="228352" cy="110728"/>
+              <a:chOff x="0" y="117871"/>
+              <a:chExt cx="228352" cy="110728"/>
+            </a:xfrm>
+          </p:grpSpPr>
+          <p:sp>
+            <p:nvSpPr>
+              <p:cNvPr id="21" name="Freeform: Shape 20">
+                <a:extLst>
+                  <a:ext uri="{FF2B5EF4-FFF2-40B4-BE49-F238E27FC236}">
+                    <a16:creationId xmlns:a16="http://schemas.microsoft.com/office/drawing/2014/main" id="{AFB7FCD0-6C5C-2D5D-9AD2-4083ACC9092E}"/>
+                  </a:ext>
+                </a:extLst>
+              </p:cNvPr>
+              <p:cNvSpPr/>
+              <p:nvPr/>
+            </p:nvSpPr>
+            <p:spPr>
+              <a:xfrm>
+                <a:off x="3627" y="121443"/>
+                <a:ext cx="221084" cy="103584"/>
+              </a:xfrm>
+              <a:custGeom>
+                <a:avLst/>
+                <a:gdLst>
+                  <a:gd name="connsiteX0" fmla="*/ 110549 w 221084"/>
+                  <a:gd name="connsiteY0" fmla="*/ 103584 h 103584"/>
+                  <a:gd name="connsiteX1" fmla="*/ 241 w 221084"/>
+                  <a:gd name="connsiteY1" fmla="*/ 14645 h 103584"/>
+                  <a:gd name="connsiteX2" fmla="*/ 2817 w 221084"/>
+                  <a:gd name="connsiteY2" fmla="*/ 4501 h 103584"/>
+                  <a:gd name="connsiteX3" fmla="*/ 12469 w 221084"/>
+                  <a:gd name="connsiteY3" fmla="*/ 0 h 103584"/>
+                  <a:gd name="connsiteX4" fmla="*/ 208605 w 221084"/>
+                  <a:gd name="connsiteY4" fmla="*/ 0 h 103584"/>
+                  <a:gd name="connsiteX5" fmla="*/ 218257 w 221084"/>
+                  <a:gd name="connsiteY5" fmla="*/ 4501 h 103584"/>
+                  <a:gd name="connsiteX6" fmla="*/ 220846 w 221084"/>
+                  <a:gd name="connsiteY6" fmla="*/ 14645 h 103584"/>
+                  <a:gd name="connsiteX7" fmla="*/ 110537 w 221084"/>
+                  <a:gd name="connsiteY7" fmla="*/ 103584 h 103584"/>
+                </a:gdLst>
+                <a:ahLst/>
+                <a:cxnLst>
+                  <a:cxn ang="0">
+                    <a:pos x="connsiteX0" y="connsiteY0"/>
+                  </a:cxn>
+                  <a:cxn ang="0">
+                    <a:pos x="connsiteX1" y="connsiteY1"/>
+                  </a:cxn>
+                  <a:cxn ang="0">
+                    <a:pos x="connsiteX2" y="connsiteY2"/>
+                  </a:cxn>
+                  <a:cxn ang="0">
+                    <a:pos x="connsiteX3" y="connsiteY3"/>
+                  </a:cxn>
+                  <a:cxn ang="0">
+                    <a:pos x="connsiteX4" y="connsiteY4"/>
+                  </a:cxn>
+                  <a:cxn ang="0">
+                    <a:pos x="connsiteX5" y="connsiteY5"/>
+                  </a:cxn>
+                  <a:cxn ang="0">
+                    <a:pos x="connsiteX6" y="connsiteY6"/>
+                  </a:cxn>
+                  <a:cxn ang="0">
+                    <a:pos x="connsiteX7" y="connsiteY7"/>
+                  </a:cxn>
+                </a:cxnLst>
+                <a:rect l="l" t="t" r="r" b="b"/>
+                <a:pathLst>
+                  <a:path w="221084" h="103584">
+                    <a:moveTo>
+                      <a:pt x="110549" y="103584"/>
+                    </a:moveTo>
+                    <a:cubicBezTo>
+                      <a:pt x="57076" y="103584"/>
+                      <a:pt x="10691" y="66175"/>
+                      <a:pt x="241" y="14645"/>
+                    </a:cubicBezTo>
+                    <a:cubicBezTo>
+                      <a:pt x="-485" y="11049"/>
+                      <a:pt x="446" y="7346"/>
+                      <a:pt x="2817" y="4501"/>
+                    </a:cubicBezTo>
+                    <a:cubicBezTo>
+                      <a:pt x="5200" y="1643"/>
+                      <a:pt x="8719" y="0"/>
+                      <a:pt x="12469" y="0"/>
+                    </a:cubicBezTo>
+                    <a:lnTo>
+                      <a:pt x="208605" y="0"/>
+                    </a:lnTo>
+                    <a:cubicBezTo>
+                      <a:pt x="212355" y="0"/>
+                      <a:pt x="215875" y="1643"/>
+                      <a:pt x="218257" y="4501"/>
+                    </a:cubicBezTo>
+                    <a:cubicBezTo>
+                      <a:pt x="220628" y="7346"/>
+                      <a:pt x="221571" y="11049"/>
+                      <a:pt x="220846" y="14645"/>
+                    </a:cubicBezTo>
+                    <a:cubicBezTo>
+                      <a:pt x="210395" y="66187"/>
+                      <a:pt x="164010" y="103584"/>
+                      <a:pt x="110537" y="103584"/>
+                    </a:cubicBezTo>
+                    <a:close/>
+                  </a:path>
+                </a:pathLst>
+              </a:custGeom>
+              <a:solidFill>
+                <a:srgbClr val="D52D2F"/>
+              </a:solidFill>
+              <a:ln w="0" cap="flat">
+                <a:noFill/>
+                <a:prstDash val="solid"/>
+                <a:miter/>
+              </a:ln>
+            </p:spPr>
+            <p:txBody>
+              <a:bodyPr rot="0" spcFirstLastPara="0" vert="horz" wrap="square" lIns="91440" tIns="45720" rIns="91440" bIns="45720" numCol="1" spcCol="0" rtlCol="0" fromWordArt="0" anchor="ctr" anchorCtr="0" forceAA="0" compatLnSpc="1">
+                <a:prstTxWarp prst="textNoShape">
+                  <a:avLst/>
+                </a:prstTxWarp>
+                <a:noAutofit/>
+              </a:bodyPr>
+              <a:lstStyle/>
+              <a:p>
+                <a:endParaRPr lang="en-US"/>
+              </a:p>
+            </p:txBody>
+          </p:sp>
+          <p:sp>
+            <p:nvSpPr>
+              <p:cNvPr id="22" name="Freeform: Shape 21">
+                <a:extLst>
+                  <a:ext uri="{FF2B5EF4-FFF2-40B4-BE49-F238E27FC236}">
+                    <a16:creationId xmlns:a16="http://schemas.microsoft.com/office/drawing/2014/main" id="{30F3EC01-D49F-9BC6-399D-9B01C98E1213}"/>
+                  </a:ext>
+                </a:extLst>
+              </p:cNvPr>
+              <p:cNvSpPr/>
+              <p:nvPr/>
+            </p:nvSpPr>
+            <p:spPr>
+              <a:xfrm>
+                <a:off x="0" y="117871"/>
+                <a:ext cx="228352" cy="110728"/>
+              </a:xfrm>
+              <a:custGeom>
+                <a:avLst/>
+                <a:gdLst>
+                  <a:gd name="connsiteX0" fmla="*/ 212245 w 228352"/>
+                  <a:gd name="connsiteY0" fmla="*/ 7144 h 110728"/>
+                  <a:gd name="connsiteX1" fmla="*/ 220917 w 228352"/>
+                  <a:gd name="connsiteY1" fmla="*/ 17514 h 110728"/>
+                  <a:gd name="connsiteX2" fmla="*/ 114164 w 228352"/>
+                  <a:gd name="connsiteY2" fmla="*/ 103584 h 110728"/>
+                  <a:gd name="connsiteX3" fmla="*/ 7424 w 228352"/>
+                  <a:gd name="connsiteY3" fmla="*/ 17514 h 110728"/>
+                  <a:gd name="connsiteX4" fmla="*/ 16096 w 228352"/>
+                  <a:gd name="connsiteY4" fmla="*/ 7144 h 110728"/>
+                  <a:gd name="connsiteX5" fmla="*/ 212232 w 228352"/>
+                  <a:gd name="connsiteY5" fmla="*/ 7144 h 110728"/>
+                  <a:gd name="connsiteX6" fmla="*/ 212232 w 228352"/>
+                  <a:gd name="connsiteY6" fmla="*/ 0 h 110728"/>
+                  <a:gd name="connsiteX7" fmla="*/ 16108 w 228352"/>
+                  <a:gd name="connsiteY7" fmla="*/ 0 h 110728"/>
+                  <a:gd name="connsiteX8" fmla="*/ 3650 w 228352"/>
+                  <a:gd name="connsiteY8" fmla="*/ 5810 h 110728"/>
+                  <a:gd name="connsiteX9" fmla="*/ 312 w 228352"/>
+                  <a:gd name="connsiteY9" fmla="*/ 18919 h 110728"/>
+                  <a:gd name="connsiteX10" fmla="*/ 114176 w 228352"/>
+                  <a:gd name="connsiteY10" fmla="*/ 110728 h 110728"/>
+                  <a:gd name="connsiteX11" fmla="*/ 228041 w 228352"/>
+                  <a:gd name="connsiteY11" fmla="*/ 18919 h 110728"/>
+                  <a:gd name="connsiteX12" fmla="*/ 224703 w 228352"/>
+                  <a:gd name="connsiteY12" fmla="*/ 5810 h 110728"/>
+                  <a:gd name="connsiteX13" fmla="*/ 212245 w 228352"/>
+                  <a:gd name="connsiteY13" fmla="*/ 0 h 110728"/>
+                  <a:gd name="connsiteX14" fmla="*/ 212245 w 228352"/>
+                  <a:gd name="connsiteY14" fmla="*/ 0 h 110728"/>
+                </a:gdLst>
+                <a:ahLst/>
+                <a:cxnLst>
+                  <a:cxn ang="0">
+                    <a:pos x="connsiteX0" y="connsiteY0"/>
+                  </a:cxn>
+                  <a:cxn ang="0">
+                    <a:pos x="connsiteX1" y="connsiteY1"/>
+                  </a:cxn>
+                  <a:cxn ang="0">
+                    <a:pos x="connsiteX2" y="connsiteY2"/>
+                  </a:cxn>
+                  <a:cxn ang="0">
+                    <a:pos x="connsiteX3" y="connsiteY3"/>
+                  </a:cxn>
+                  <a:cxn ang="0">
+                    <a:pos x="connsiteX4" y="connsiteY4"/>
+                  </a:cxn>
+                  <a:cxn ang="0">
+                    <a:pos x="connsiteX5" y="connsiteY5"/>
+                  </a:cxn>
+                  <a:cxn ang="0">
+                    <a:pos x="connsiteX6" y="connsiteY6"/>
+                  </a:cxn>
+                  <a:cxn ang="0">
+                    <a:pos x="connsiteX7" y="connsiteY7"/>
+                  </a:cxn>
+                  <a:cxn ang="0">
+                    <a:pos x="connsiteX8" y="connsiteY8"/>
+                  </a:cxn>
+                  <a:cxn ang="0">
+                    <a:pos x="connsiteX9" y="connsiteY9"/>
+                  </a:cxn>
+                  <a:cxn ang="0">
+                    <a:pos x="connsiteX10" y="connsiteY10"/>
+                  </a:cxn>
+                  <a:cxn ang="0">
+                    <a:pos x="connsiteX11" y="connsiteY11"/>
+                  </a:cxn>
+                  <a:cxn ang="0">
+                    <a:pos x="connsiteX12" y="connsiteY12"/>
+                  </a:cxn>
+                  <a:cxn ang="0">
+                    <a:pos x="connsiteX13" y="connsiteY13"/>
+                  </a:cxn>
+                  <a:cxn ang="0">
+                    <a:pos x="connsiteX14" y="connsiteY14"/>
+                  </a:cxn>
+                </a:cxnLst>
+                <a:rect l="l" t="t" r="r" b="b"/>
+                <a:pathLst>
+                  <a:path w="228352" h="110728">
+                    <a:moveTo>
+                      <a:pt x="212245" y="7144"/>
+                    </a:moveTo>
+                    <a:cubicBezTo>
+                      <a:pt x="217808" y="7144"/>
+                      <a:pt x="222005" y="12144"/>
+                      <a:pt x="220917" y="17514"/>
+                    </a:cubicBezTo>
+                    <a:cubicBezTo>
+                      <a:pt x="210962" y="66592"/>
+                      <a:pt x="166960" y="103584"/>
+                      <a:pt x="114164" y="103584"/>
+                    </a:cubicBezTo>
+                    <a:cubicBezTo>
+                      <a:pt x="61369" y="103584"/>
+                      <a:pt x="17378" y="66592"/>
+                      <a:pt x="7424" y="17514"/>
+                    </a:cubicBezTo>
+                    <a:cubicBezTo>
+                      <a:pt x="6335" y="12144"/>
+                      <a:pt x="10544" y="7144"/>
+                      <a:pt x="16096" y="7144"/>
+                    </a:cubicBezTo>
+                    <a:lnTo>
+                      <a:pt x="212232" y="7144"/>
+                    </a:lnTo>
+                    <a:moveTo>
+                      <a:pt x="212232" y="0"/>
+                    </a:moveTo>
+                    <a:lnTo>
+                      <a:pt x="16108" y="0"/>
+                    </a:lnTo>
+                    <a:cubicBezTo>
+                      <a:pt x="11258" y="0"/>
+                      <a:pt x="6722" y="2119"/>
+                      <a:pt x="3650" y="5810"/>
+                    </a:cubicBezTo>
+                    <a:cubicBezTo>
+                      <a:pt x="590" y="9489"/>
+                      <a:pt x="-632" y="14264"/>
+                      <a:pt x="312" y="18919"/>
+                    </a:cubicBezTo>
+                    <a:cubicBezTo>
+                      <a:pt x="11101" y="72116"/>
+                      <a:pt x="58986" y="110728"/>
+                      <a:pt x="114176" y="110728"/>
+                    </a:cubicBezTo>
+                    <a:cubicBezTo>
+                      <a:pt x="169367" y="110728"/>
+                      <a:pt x="217252" y="72116"/>
+                      <a:pt x="228041" y="18919"/>
+                    </a:cubicBezTo>
+                    <a:cubicBezTo>
+                      <a:pt x="228984" y="14264"/>
+                      <a:pt x="227763" y="9489"/>
+                      <a:pt x="224703" y="5810"/>
+                    </a:cubicBezTo>
+                    <a:cubicBezTo>
+                      <a:pt x="221630" y="2119"/>
+                      <a:pt x="217083" y="0"/>
+                      <a:pt x="212245" y="0"/>
+                    </a:cubicBezTo>
+                    <a:lnTo>
+                      <a:pt x="212245" y="0"/>
+                    </a:lnTo>
+                    <a:close/>
+                  </a:path>
+                </a:pathLst>
+              </a:custGeom>
+              <a:solidFill>
+                <a:srgbClr val="FFFFFF"/>
+              </a:solidFill>
+              <a:ln w="0" cap="flat">
+                <a:noFill/>
+                <a:prstDash val="solid"/>
+                <a:miter/>
+              </a:ln>
+            </p:spPr>
+            <p:txBody>
+              <a:bodyPr rot="0" spcFirstLastPara="0" vert="horz" wrap="square" lIns="91440" tIns="45720" rIns="91440" bIns="45720" numCol="1" spcCol="0" rtlCol="0" fromWordArt="0" anchor="ctr" anchorCtr="0" forceAA="0" compatLnSpc="1">
+                <a:prstTxWarp prst="textNoShape">
+                  <a:avLst/>
+                </a:prstTxWarp>
+                <a:noAutofit/>
+              </a:bodyPr>
+              <a:lstStyle/>
+              <a:p>
+                <a:endParaRPr lang="en-US"/>
+              </a:p>
+            </p:txBody>
+          </p:sp>
+        </p:grpSp>
+      </p:grpSp>
+      <p:grpSp>
+        <p:nvGrpSpPr>
+          <p:cNvPr id="25" name="Group 24">
+            <a:extLst>
+              <a:ext uri="{FF2B5EF4-FFF2-40B4-BE49-F238E27FC236}">
+                <a16:creationId xmlns:a16="http://schemas.microsoft.com/office/drawing/2014/main" id="{37B8A73F-FA5D-281B-86DD-04F7774BA22F}"/>
+              </a:ext>
+            </a:extLst>
+          </p:cNvPr>
+          <p:cNvGrpSpPr/>
+          <p:nvPr/>
+        </p:nvGrpSpPr>
+        <p:grpSpPr>
+          <a:xfrm>
+            <a:off x="9829800" y="5499858"/>
+            <a:ext cx="228600" cy="228600"/>
+            <a:chOff x="0" y="0"/>
+            <a:chExt cx="228600" cy="228600"/>
+          </a:xfrm>
+        </p:grpSpPr>
+        <p:grpSp>
+          <p:nvGrpSpPr>
+            <p:cNvPr id="26" name="Graphic 1">
+              <a:extLst>
+                <a:ext uri="{FF2B5EF4-FFF2-40B4-BE49-F238E27FC236}">
+                  <a16:creationId xmlns:a16="http://schemas.microsoft.com/office/drawing/2014/main" id="{68FB6F7B-5F12-DCD7-A3F6-8B4BB8E7A315}"/>
+                </a:ext>
+              </a:extLst>
+            </p:cNvPr>
+            <p:cNvGrpSpPr/>
+            <p:nvPr/>
+          </p:nvGrpSpPr>
+          <p:grpSpPr>
+            <a:xfrm>
+              <a:off x="0" y="0"/>
+              <a:ext cx="228600" cy="228600"/>
+              <a:chOff x="0" y="0"/>
+              <a:chExt cx="228600" cy="228600"/>
+            </a:xfrm>
+            <a:solidFill>
+              <a:srgbClr val="FFFFFF"/>
+            </a:solidFill>
+          </p:grpSpPr>
+          <p:sp>
+            <p:nvSpPr>
+              <p:cNvPr id="31" name="Freeform: Shape 30">
+                <a:extLst>
+                  <a:ext uri="{FF2B5EF4-FFF2-40B4-BE49-F238E27FC236}">
+                    <a16:creationId xmlns:a16="http://schemas.microsoft.com/office/drawing/2014/main" id="{2685D828-42B7-A90A-2A88-2E6D58D36764}"/>
+                  </a:ext>
+                </a:extLst>
+              </p:cNvPr>
+              <p:cNvSpPr/>
+              <p:nvPr/>
+            </p:nvSpPr>
+            <p:spPr>
+              <a:xfrm>
+                <a:off x="3571" y="3571"/>
+                <a:ext cx="221456" cy="221456"/>
+              </a:xfrm>
+              <a:custGeom>
+                <a:avLst/>
+                <a:gdLst>
+                  <a:gd name="connsiteX0" fmla="*/ 221456 w 221456"/>
+                  <a:gd name="connsiteY0" fmla="*/ 110728 h 221456"/>
+                  <a:gd name="connsiteX1" fmla="*/ 110728 w 221456"/>
+                  <a:gd name="connsiteY1" fmla="*/ 221456 h 221456"/>
+                  <a:gd name="connsiteX2" fmla="*/ 0 w 221456"/>
+                  <a:gd name="connsiteY2" fmla="*/ 110728 h 221456"/>
+                  <a:gd name="connsiteX3" fmla="*/ 110728 w 221456"/>
+                  <a:gd name="connsiteY3" fmla="*/ 0 h 221456"/>
+                  <a:gd name="connsiteX4" fmla="*/ 221456 w 221456"/>
+                  <a:gd name="connsiteY4" fmla="*/ 110728 h 221456"/>
+                </a:gdLst>
+                <a:ahLst/>
+                <a:cxnLst>
+                  <a:cxn ang="0">
+                    <a:pos x="connsiteX0" y="connsiteY0"/>
+                  </a:cxn>
+                  <a:cxn ang="0">
+                    <a:pos x="connsiteX1" y="connsiteY1"/>
+                  </a:cxn>
+                  <a:cxn ang="0">
+                    <a:pos x="connsiteX2" y="connsiteY2"/>
+                  </a:cxn>
+                  <a:cxn ang="0">
+                    <a:pos x="connsiteX3" y="connsiteY3"/>
+                  </a:cxn>
+                  <a:cxn ang="0">
+                    <a:pos x="connsiteX4" y="connsiteY4"/>
+                  </a:cxn>
+                </a:cxnLst>
+                <a:rect l="l" t="t" r="r" b="b"/>
+                <a:pathLst>
+                  <a:path w="221456" h="221456">
+                    <a:moveTo>
+                      <a:pt x="221456" y="110728"/>
+                    </a:moveTo>
+                    <a:cubicBezTo>
+                      <a:pt x="221456" y="171882"/>
+                      <a:pt x="171882" y="221456"/>
+                      <a:pt x="110728" y="221456"/>
+                    </a:cubicBezTo>
+                    <a:cubicBezTo>
+                      <a:pt x="49575" y="221456"/>
+                      <a:pt x="0" y="171882"/>
+                      <a:pt x="0" y="110728"/>
+                    </a:cubicBezTo>
+                    <a:cubicBezTo>
+                      <a:pt x="0" y="49575"/>
+                      <a:pt x="49575" y="0"/>
+                      <a:pt x="110728" y="0"/>
+                    </a:cubicBezTo>
+                    <a:cubicBezTo>
+                      <a:pt x="171882" y="0"/>
+                      <a:pt x="221456" y="49575"/>
+                      <a:pt x="221456" y="110728"/>
+                    </a:cubicBezTo>
+                    <a:close/>
+                  </a:path>
+                </a:pathLst>
+              </a:custGeom>
+              <a:solidFill>
+                <a:srgbClr val="FFFFFF"/>
+              </a:solidFill>
+              <a:ln w="0" cap="flat">
+                <a:noFill/>
+                <a:prstDash val="solid"/>
+                <a:miter/>
+              </a:ln>
+            </p:spPr>
+            <p:txBody>
+              <a:bodyPr rot="0" spcFirstLastPara="0" vert="horz" wrap="square" lIns="91440" tIns="45720" rIns="91440" bIns="45720" numCol="1" spcCol="0" rtlCol="0" fromWordArt="0" anchor="ctr" anchorCtr="0" forceAA="0" compatLnSpc="1">
+                <a:prstTxWarp prst="textNoShape">
+                  <a:avLst/>
+                </a:prstTxWarp>
+                <a:noAutofit/>
+              </a:bodyPr>
+              <a:lstStyle/>
+              <a:p>
+                <a:endParaRPr lang="en-US"/>
+              </a:p>
+            </p:txBody>
+          </p:sp>
+          <p:sp>
+            <p:nvSpPr>
+              <p:cNvPr id="32" name="Freeform: Shape 31">
+                <a:extLst>
+                  <a:ext uri="{FF2B5EF4-FFF2-40B4-BE49-F238E27FC236}">
+                    <a16:creationId xmlns:a16="http://schemas.microsoft.com/office/drawing/2014/main" id="{197C3AF0-25E6-A0CA-EE19-BAFEE47FAA4A}"/>
+                  </a:ext>
+                </a:extLst>
+              </p:cNvPr>
+              <p:cNvSpPr/>
+              <p:nvPr/>
+            </p:nvSpPr>
+            <p:spPr>
+              <a:xfrm>
+                <a:off x="0" y="0"/>
+                <a:ext cx="228600" cy="228600"/>
+              </a:xfrm>
+              <a:custGeom>
+                <a:avLst/>
+                <a:gdLst>
+                  <a:gd name="connsiteX0" fmla="*/ 114300 w 228600"/>
+                  <a:gd name="connsiteY0" fmla="*/ 7144 h 228600"/>
+                  <a:gd name="connsiteX1" fmla="*/ 221456 w 228600"/>
+                  <a:gd name="connsiteY1" fmla="*/ 114300 h 228600"/>
+                  <a:gd name="connsiteX2" fmla="*/ 114300 w 228600"/>
+                  <a:gd name="connsiteY2" fmla="*/ 221456 h 228600"/>
+                  <a:gd name="connsiteX3" fmla="*/ 7144 w 228600"/>
+                  <a:gd name="connsiteY3" fmla="*/ 114300 h 228600"/>
+                  <a:gd name="connsiteX4" fmla="*/ 114300 w 228600"/>
+                  <a:gd name="connsiteY4" fmla="*/ 7144 h 228600"/>
+                  <a:gd name="connsiteX5" fmla="*/ 114300 w 228600"/>
+                  <a:gd name="connsiteY5" fmla="*/ 0 h 228600"/>
+                  <a:gd name="connsiteX6" fmla="*/ 0 w 228600"/>
+                  <a:gd name="connsiteY6" fmla="*/ 114300 h 228600"/>
+                  <a:gd name="connsiteX7" fmla="*/ 114300 w 228600"/>
+                  <a:gd name="connsiteY7" fmla="*/ 228600 h 228600"/>
+                  <a:gd name="connsiteX8" fmla="*/ 228600 w 228600"/>
+                  <a:gd name="connsiteY8" fmla="*/ 114300 h 228600"/>
+                  <a:gd name="connsiteX9" fmla="*/ 114300 w 228600"/>
+                  <a:gd name="connsiteY9" fmla="*/ 0 h 228600"/>
+                  <a:gd name="connsiteX10" fmla="*/ 114300 w 228600"/>
+                  <a:gd name="connsiteY10" fmla="*/ 0 h 228600"/>
+                </a:gdLst>
+                <a:ahLst/>
+                <a:cxnLst>
+                  <a:cxn ang="0">
+                    <a:pos x="connsiteX0" y="connsiteY0"/>
+                  </a:cxn>
+                  <a:cxn ang="0">
+                    <a:pos x="connsiteX1" y="connsiteY1"/>
+                  </a:cxn>
+                  <a:cxn ang="0">
+                    <a:pos x="connsiteX2" y="connsiteY2"/>
+                  </a:cxn>
+                  <a:cxn ang="0">
+                    <a:pos x="connsiteX3" y="connsiteY3"/>
+                  </a:cxn>
+                  <a:cxn ang="0">
+                    <a:pos x="connsiteX4" y="connsiteY4"/>
+                  </a:cxn>
+                  <a:cxn ang="0">
+                    <a:pos x="connsiteX5" y="connsiteY5"/>
+                  </a:cxn>
+                  <a:cxn ang="0">
+                    <a:pos x="connsiteX6" y="connsiteY6"/>
+                  </a:cxn>
+                  <a:cxn ang="0">
+                    <a:pos x="connsiteX7" y="connsiteY7"/>
+                  </a:cxn>
+                  <a:cxn ang="0">
+                    <a:pos x="connsiteX8" y="connsiteY8"/>
+                  </a:cxn>
+                  <a:cxn ang="0">
+                    <a:pos x="connsiteX9" y="connsiteY9"/>
+                  </a:cxn>
+                  <a:cxn ang="0">
+                    <a:pos x="connsiteX10" y="connsiteY10"/>
+                  </a:cxn>
+                </a:cxnLst>
+                <a:rect l="l" t="t" r="r" b="b"/>
+                <a:pathLst>
+                  <a:path w="228600" h="228600">
+                    <a:moveTo>
+                      <a:pt x="114300" y="7144"/>
+                    </a:moveTo>
+                    <a:cubicBezTo>
+                      <a:pt x="173486" y="7144"/>
+                      <a:pt x="221456" y="55114"/>
+                      <a:pt x="221456" y="114300"/>
+                    </a:cubicBezTo>
+                    <a:cubicBezTo>
+                      <a:pt x="221456" y="173486"/>
+                      <a:pt x="173486" y="221456"/>
+                      <a:pt x="114300" y="221456"/>
+                    </a:cubicBezTo>
+                    <a:cubicBezTo>
+                      <a:pt x="55114" y="221456"/>
+                      <a:pt x="7144" y="173486"/>
+                      <a:pt x="7144" y="114300"/>
+                    </a:cubicBezTo>
+                    <a:cubicBezTo>
+                      <a:pt x="7144" y="55114"/>
+                      <a:pt x="55114" y="7144"/>
+                      <a:pt x="114300" y="7144"/>
+                    </a:cubicBezTo>
+                    <a:moveTo>
+                      <a:pt x="114300" y="0"/>
+                    </a:moveTo>
+                    <a:cubicBezTo>
+                      <a:pt x="51280" y="0"/>
+                      <a:pt x="0" y="51280"/>
+                      <a:pt x="0" y="114300"/>
+                    </a:cubicBezTo>
+                    <a:cubicBezTo>
+                      <a:pt x="0" y="177320"/>
+                      <a:pt x="51280" y="228600"/>
+                      <a:pt x="114300" y="228600"/>
+                    </a:cubicBezTo>
+                    <a:cubicBezTo>
+                      <a:pt x="177320" y="228600"/>
+                      <a:pt x="228600" y="177320"/>
+                      <a:pt x="228600" y="114300"/>
+                    </a:cubicBezTo>
+                    <a:cubicBezTo>
+                      <a:pt x="228600" y="51280"/>
+                      <a:pt x="177320" y="0"/>
+                      <a:pt x="114300" y="0"/>
+                    </a:cubicBezTo>
+                    <a:lnTo>
+                      <a:pt x="114300" y="0"/>
+                    </a:lnTo>
+                    <a:close/>
+                  </a:path>
+                </a:pathLst>
+              </a:custGeom>
+              <a:solidFill>
+                <a:srgbClr val="FFFFFF"/>
+              </a:solidFill>
+              <a:ln w="0" cap="flat">
+                <a:noFill/>
+                <a:prstDash val="solid"/>
+                <a:miter/>
+              </a:ln>
+            </p:spPr>
+            <p:txBody>
+              <a:bodyPr rot="0" spcFirstLastPara="0" vert="horz" wrap="square" lIns="91440" tIns="45720" rIns="91440" bIns="45720" numCol="1" spcCol="0" rtlCol="0" fromWordArt="0" anchor="ctr" anchorCtr="0" forceAA="0" compatLnSpc="1">
+                <a:prstTxWarp prst="textNoShape">
+                  <a:avLst/>
+                </a:prstTxWarp>
+                <a:noAutofit/>
+              </a:bodyPr>
+              <a:lstStyle/>
+              <a:p>
+                <a:endParaRPr lang="en-US"/>
+              </a:p>
+            </p:txBody>
+          </p:sp>
+        </p:grpSp>
+        <p:grpSp>
+          <p:nvGrpSpPr>
+            <p:cNvPr id="27" name="Graphic 1">
+              <a:extLst>
+                <a:ext uri="{FF2B5EF4-FFF2-40B4-BE49-F238E27FC236}">
+                  <a16:creationId xmlns:a16="http://schemas.microsoft.com/office/drawing/2014/main" id="{10B3BAE7-23E2-E8D4-944F-918879AAD432}"/>
+                </a:ext>
+              </a:extLst>
+            </p:cNvPr>
+            <p:cNvGrpSpPr/>
+            <p:nvPr/>
+          </p:nvGrpSpPr>
+          <p:grpSpPr>
+            <a:xfrm>
+              <a:off x="7012" y="7524"/>
+              <a:ext cx="214312" cy="214312"/>
+              <a:chOff x="7012" y="7524"/>
+              <a:chExt cx="214312" cy="214312"/>
+            </a:xfrm>
+          </p:grpSpPr>
+          <p:sp>
+            <p:nvSpPr>
+              <p:cNvPr id="29" name="Freeform: Shape 28">
+                <a:extLst>
+                  <a:ext uri="{FF2B5EF4-FFF2-40B4-BE49-F238E27FC236}">
+                    <a16:creationId xmlns:a16="http://schemas.microsoft.com/office/drawing/2014/main" id="{3A84E9B4-9C20-8D14-C877-7EEAC84F2474}"/>
+                  </a:ext>
+                </a:extLst>
+              </p:cNvPr>
+              <p:cNvSpPr/>
+              <p:nvPr/>
+            </p:nvSpPr>
+            <p:spPr>
+              <a:xfrm>
+                <a:off x="18919" y="19430"/>
+                <a:ext cx="190500" cy="190500"/>
+              </a:xfrm>
+              <a:custGeom>
+                <a:avLst/>
+                <a:gdLst>
+                  <a:gd name="connsiteX0" fmla="*/ 190500 w 190500"/>
+                  <a:gd name="connsiteY0" fmla="*/ 95250 h 190500"/>
+                  <a:gd name="connsiteX1" fmla="*/ 95250 w 190500"/>
+                  <a:gd name="connsiteY1" fmla="*/ 190500 h 190500"/>
+                  <a:gd name="connsiteX2" fmla="*/ 0 w 190500"/>
+                  <a:gd name="connsiteY2" fmla="*/ 95250 h 190500"/>
+                  <a:gd name="connsiteX3" fmla="*/ 95250 w 190500"/>
+                  <a:gd name="connsiteY3" fmla="*/ 0 h 190500"/>
+                  <a:gd name="connsiteX4" fmla="*/ 190500 w 190500"/>
+                  <a:gd name="connsiteY4" fmla="*/ 95250 h 190500"/>
+                </a:gdLst>
+                <a:ahLst/>
+                <a:cxnLst>
+                  <a:cxn ang="0">
+                    <a:pos x="connsiteX0" y="connsiteY0"/>
+                  </a:cxn>
+                  <a:cxn ang="0">
+                    <a:pos x="connsiteX1" y="connsiteY1"/>
+                  </a:cxn>
+                  <a:cxn ang="0">
+                    <a:pos x="connsiteX2" y="connsiteY2"/>
+                  </a:cxn>
+                  <a:cxn ang="0">
+                    <a:pos x="connsiteX3" y="connsiteY3"/>
+                  </a:cxn>
+                  <a:cxn ang="0">
+                    <a:pos x="connsiteX4" y="connsiteY4"/>
+                  </a:cxn>
+                </a:cxnLst>
+                <a:rect l="l" t="t" r="r" b="b"/>
+                <a:pathLst>
+                  <a:path w="190500" h="190500">
+                    <a:moveTo>
+                      <a:pt x="190500" y="95250"/>
+                    </a:moveTo>
+                    <a:cubicBezTo>
+                      <a:pt x="190500" y="147855"/>
+                      <a:pt x="147855" y="190500"/>
+                      <a:pt x="95250" y="190500"/>
+                    </a:cubicBezTo>
+                    <a:cubicBezTo>
+                      <a:pt x="42645" y="190500"/>
+                      <a:pt x="0" y="147855"/>
+                      <a:pt x="0" y="95250"/>
+                    </a:cubicBezTo>
+                    <a:cubicBezTo>
+                      <a:pt x="0" y="42645"/>
+                      <a:pt x="42645" y="0"/>
+                      <a:pt x="95250" y="0"/>
+                    </a:cubicBezTo>
+                    <a:cubicBezTo>
+                      <a:pt x="147855" y="0"/>
+                      <a:pt x="190500" y="42645"/>
+                      <a:pt x="190500" y="95250"/>
+                    </a:cubicBezTo>
+                    <a:close/>
+                  </a:path>
+                </a:pathLst>
+              </a:custGeom>
+              <a:solidFill>
+                <a:srgbClr val="FFFFFF"/>
+              </a:solidFill>
+              <a:ln w="0" cap="flat">
+                <a:noFill/>
+                <a:prstDash val="solid"/>
+                <a:miter/>
+              </a:ln>
+            </p:spPr>
+            <p:txBody>
+              <a:bodyPr rot="0" spcFirstLastPara="0" vert="horz" wrap="square" lIns="91440" tIns="45720" rIns="91440" bIns="45720" numCol="1" spcCol="0" rtlCol="0" fromWordArt="0" anchor="ctr" anchorCtr="0" forceAA="0" compatLnSpc="1">
+                <a:prstTxWarp prst="textNoShape">
+                  <a:avLst/>
+                </a:prstTxWarp>
+                <a:noAutofit/>
+              </a:bodyPr>
+              <a:lstStyle/>
+              <a:p>
+                <a:endParaRPr lang="en-US"/>
+              </a:p>
+            </p:txBody>
+          </p:sp>
+          <p:sp>
+            <p:nvSpPr>
+              <p:cNvPr id="30" name="Freeform: Shape 29">
+                <a:extLst>
+                  <a:ext uri="{FF2B5EF4-FFF2-40B4-BE49-F238E27FC236}">
+                    <a16:creationId xmlns:a16="http://schemas.microsoft.com/office/drawing/2014/main" id="{69F68E15-B884-95B1-C698-373BF8CB0217}"/>
+                  </a:ext>
+                </a:extLst>
+              </p:cNvPr>
+              <p:cNvSpPr/>
+              <p:nvPr/>
+            </p:nvSpPr>
+            <p:spPr>
+              <a:xfrm>
+                <a:off x="7012" y="7524"/>
+                <a:ext cx="214312" cy="214312"/>
+              </a:xfrm>
+              <a:custGeom>
+                <a:avLst/>
+                <a:gdLst>
+                  <a:gd name="connsiteX0" fmla="*/ 107156 w 214312"/>
+                  <a:gd name="connsiteY0" fmla="*/ 23813 h 214312"/>
+                  <a:gd name="connsiteX1" fmla="*/ 190500 w 214312"/>
+                  <a:gd name="connsiteY1" fmla="*/ 107156 h 214312"/>
+                  <a:gd name="connsiteX2" fmla="*/ 107156 w 214312"/>
+                  <a:gd name="connsiteY2" fmla="*/ 190500 h 214312"/>
+                  <a:gd name="connsiteX3" fmla="*/ 23813 w 214312"/>
+                  <a:gd name="connsiteY3" fmla="*/ 107156 h 214312"/>
+                  <a:gd name="connsiteX4" fmla="*/ 107156 w 214312"/>
+                  <a:gd name="connsiteY4" fmla="*/ 23813 h 214312"/>
+                  <a:gd name="connsiteX5" fmla="*/ 107156 w 214312"/>
+                  <a:gd name="connsiteY5" fmla="*/ 0 h 214312"/>
+                  <a:gd name="connsiteX6" fmla="*/ 0 w 214312"/>
+                  <a:gd name="connsiteY6" fmla="*/ 107156 h 214312"/>
+                  <a:gd name="connsiteX7" fmla="*/ 107156 w 214312"/>
+                  <a:gd name="connsiteY7" fmla="*/ 214313 h 214312"/>
+                  <a:gd name="connsiteX8" fmla="*/ 214313 w 214312"/>
+                  <a:gd name="connsiteY8" fmla="*/ 107156 h 214312"/>
+                  <a:gd name="connsiteX9" fmla="*/ 107156 w 214312"/>
+                  <a:gd name="connsiteY9" fmla="*/ 0 h 214312"/>
+                  <a:gd name="connsiteX10" fmla="*/ 107156 w 214312"/>
+                  <a:gd name="connsiteY10" fmla="*/ 0 h 214312"/>
+                </a:gdLst>
+                <a:ahLst/>
+                <a:cxnLst>
+                  <a:cxn ang="0">
+                    <a:pos x="connsiteX0" y="connsiteY0"/>
+                  </a:cxn>
+                  <a:cxn ang="0">
+                    <a:pos x="connsiteX1" y="connsiteY1"/>
+                  </a:cxn>
+                  <a:cxn ang="0">
+                    <a:pos x="connsiteX2" y="connsiteY2"/>
+                  </a:cxn>
+                  <a:cxn ang="0">
+                    <a:pos x="connsiteX3" y="connsiteY3"/>
+                  </a:cxn>
+                  <a:cxn ang="0">
+                    <a:pos x="connsiteX4" y="connsiteY4"/>
+                  </a:cxn>
+                  <a:cxn ang="0">
+                    <a:pos x="connsiteX5" y="connsiteY5"/>
+                  </a:cxn>
+                  <a:cxn ang="0">
+                    <a:pos x="connsiteX6" y="connsiteY6"/>
+                  </a:cxn>
+                  <a:cxn ang="0">
+                    <a:pos x="connsiteX7" y="connsiteY7"/>
+                  </a:cxn>
+                  <a:cxn ang="0">
+                    <a:pos x="connsiteX8" y="connsiteY8"/>
+                  </a:cxn>
+                  <a:cxn ang="0">
+                    <a:pos x="connsiteX9" y="connsiteY9"/>
+                  </a:cxn>
+                  <a:cxn ang="0">
+                    <a:pos x="connsiteX10" y="connsiteY10"/>
+                  </a:cxn>
+                </a:cxnLst>
+                <a:rect l="l" t="t" r="r" b="b"/>
+                <a:pathLst>
+                  <a:path w="214312" h="214312">
+                    <a:moveTo>
+                      <a:pt x="107156" y="23813"/>
+                    </a:moveTo>
+                    <a:cubicBezTo>
+                      <a:pt x="153114" y="23813"/>
+                      <a:pt x="190500" y="61198"/>
+                      <a:pt x="190500" y="107156"/>
+                    </a:cubicBezTo>
+                    <a:cubicBezTo>
+                      <a:pt x="190500" y="153114"/>
+                      <a:pt x="153114" y="190500"/>
+                      <a:pt x="107156" y="190500"/>
+                    </a:cubicBezTo>
+                    <a:cubicBezTo>
+                      <a:pt x="61198" y="190500"/>
+                      <a:pt x="23813" y="153114"/>
+                      <a:pt x="23813" y="107156"/>
+                    </a:cubicBezTo>
+                    <a:cubicBezTo>
+                      <a:pt x="23813" y="61198"/>
+                      <a:pt x="61198" y="23813"/>
+                      <a:pt x="107156" y="23813"/>
+                    </a:cubicBezTo>
+                    <a:moveTo>
+                      <a:pt x="107156" y="0"/>
+                    </a:moveTo>
+                    <a:cubicBezTo>
+                      <a:pt x="47970" y="0"/>
+                      <a:pt x="0" y="47970"/>
+                      <a:pt x="0" y="107156"/>
+                    </a:cubicBezTo>
+                    <a:cubicBezTo>
+                      <a:pt x="0" y="166342"/>
+                      <a:pt x="47970" y="214313"/>
+                      <a:pt x="107156" y="214313"/>
+                    </a:cubicBezTo>
+                    <a:cubicBezTo>
+                      <a:pt x="166342" y="214313"/>
+                      <a:pt x="214313" y="166342"/>
+                      <a:pt x="214313" y="107156"/>
+                    </a:cubicBezTo>
+                    <a:cubicBezTo>
+                      <a:pt x="214313" y="47970"/>
+                      <a:pt x="166342" y="0"/>
+                      <a:pt x="107156" y="0"/>
+                    </a:cubicBezTo>
+                    <a:lnTo>
+                      <a:pt x="107156" y="0"/>
+                    </a:lnTo>
+                    <a:close/>
+                  </a:path>
+                </a:pathLst>
+              </a:custGeom>
+              <a:solidFill>
+                <a:srgbClr val="6491CB"/>
+              </a:solidFill>
+              <a:ln w="0" cap="flat">
+                <a:noFill/>
+                <a:prstDash val="solid"/>
+                <a:miter/>
+              </a:ln>
+            </p:spPr>
+            <p:txBody>
+              <a:bodyPr rot="0" spcFirstLastPara="0" vert="horz" wrap="square" lIns="91440" tIns="45720" rIns="91440" bIns="45720" numCol="1" spcCol="0" rtlCol="0" fromWordArt="0" anchor="ctr" anchorCtr="0" forceAA="0" compatLnSpc="1">
+                <a:prstTxWarp prst="textNoShape">
+                  <a:avLst/>
+                </a:prstTxWarp>
+                <a:noAutofit/>
+              </a:bodyPr>
+              <a:lstStyle/>
+              <a:p>
+                <a:endParaRPr lang="en-US"/>
+              </a:p>
+            </p:txBody>
+          </p:sp>
+        </p:grpSp>
+        <p:sp>
+          <p:nvSpPr>
+            <p:cNvPr id="28" name="Freeform: Shape 27">
+              <a:extLst>
+                <a:ext uri="{FF2B5EF4-FFF2-40B4-BE49-F238E27FC236}">
+                  <a16:creationId xmlns:a16="http://schemas.microsoft.com/office/drawing/2014/main" id="{560412F7-5CC3-385C-EFF9-C276E036033A}"/>
+                </a:ext>
+              </a:extLst>
+            </p:cNvPr>
+            <p:cNvSpPr/>
+            <p:nvPr/>
+          </p:nvSpPr>
+          <p:spPr>
+            <a:xfrm>
+              <a:off x="96333" y="39671"/>
+              <a:ext cx="35671" cy="142732"/>
+            </a:xfrm>
+            <a:custGeom>
+              <a:avLst/>
+              <a:gdLst>
+                <a:gd name="connsiteX0" fmla="*/ 5167 w 35671"/>
+                <a:gd name="connsiteY0" fmla="*/ 30504 h 142732"/>
+                <a:gd name="connsiteX1" fmla="*/ 0 w 35671"/>
+                <a:gd name="connsiteY1" fmla="*/ 17836 h 142732"/>
+                <a:gd name="connsiteX2" fmla="*/ 5167 w 35671"/>
+                <a:gd name="connsiteY2" fmla="*/ 5167 h 142732"/>
+                <a:gd name="connsiteX3" fmla="*/ 17836 w 35671"/>
+                <a:gd name="connsiteY3" fmla="*/ 0 h 142732"/>
+                <a:gd name="connsiteX4" fmla="*/ 30504 w 35671"/>
+                <a:gd name="connsiteY4" fmla="*/ 5167 h 142732"/>
+                <a:gd name="connsiteX5" fmla="*/ 35671 w 35671"/>
+                <a:gd name="connsiteY5" fmla="*/ 17836 h 142732"/>
+                <a:gd name="connsiteX6" fmla="*/ 30504 w 35671"/>
+                <a:gd name="connsiteY6" fmla="*/ 30504 h 142732"/>
+                <a:gd name="connsiteX7" fmla="*/ 17836 w 35671"/>
+                <a:gd name="connsiteY7" fmla="*/ 35671 h 142732"/>
+                <a:gd name="connsiteX8" fmla="*/ 5167 w 35671"/>
+                <a:gd name="connsiteY8" fmla="*/ 30504 h 142732"/>
+                <a:gd name="connsiteX9" fmla="*/ 33040 w 35671"/>
+                <a:gd name="connsiteY9" fmla="*/ 142732 h 142732"/>
+                <a:gd name="connsiteX10" fmla="*/ 2631 w 35671"/>
+                <a:gd name="connsiteY10" fmla="*/ 142732 h 142732"/>
+                <a:gd name="connsiteX11" fmla="*/ 2631 w 35671"/>
+                <a:gd name="connsiteY11" fmla="*/ 44387 h 142732"/>
+                <a:gd name="connsiteX12" fmla="*/ 33040 w 35671"/>
+                <a:gd name="connsiteY12" fmla="*/ 44387 h 142732"/>
+                <a:gd name="connsiteX13" fmla="*/ 33040 w 35671"/>
+                <a:gd name="connsiteY13" fmla="*/ 142732 h 142732"/>
+              </a:gdLst>
+              <a:ahLst/>
+              <a:cxnLst>
+                <a:cxn ang="0">
+                  <a:pos x="connsiteX0" y="connsiteY0"/>
+                </a:cxn>
+                <a:cxn ang="0">
+                  <a:pos x="connsiteX1" y="connsiteY1"/>
+                </a:cxn>
+                <a:cxn ang="0">
+                  <a:pos x="connsiteX2" y="connsiteY2"/>
+                </a:cxn>
+                <a:cxn ang="0">
+                  <a:pos x="connsiteX3" y="connsiteY3"/>
+                </a:cxn>
+                <a:cxn ang="0">
+                  <a:pos x="connsiteX4" y="connsiteY4"/>
+                </a:cxn>
+                <a:cxn ang="0">
+                  <a:pos x="connsiteX5" y="connsiteY5"/>
+                </a:cxn>
+                <a:cxn ang="0">
+                  <a:pos x="connsiteX6" y="connsiteY6"/>
+                </a:cxn>
+                <a:cxn ang="0">
+                  <a:pos x="connsiteX7" y="connsiteY7"/>
+                </a:cxn>
+                <a:cxn ang="0">
+                  <a:pos x="connsiteX8" y="connsiteY8"/>
+                </a:cxn>
+                <a:cxn ang="0">
+                  <a:pos x="connsiteX9" y="connsiteY9"/>
+                </a:cxn>
+                <a:cxn ang="0">
+                  <a:pos x="connsiteX10" y="connsiteY10"/>
+                </a:cxn>
+                <a:cxn ang="0">
+                  <a:pos x="connsiteX11" y="connsiteY11"/>
+                </a:cxn>
+                <a:cxn ang="0">
+                  <a:pos x="connsiteX12" y="connsiteY12"/>
+                </a:cxn>
+                <a:cxn ang="0">
+                  <a:pos x="connsiteX13" y="connsiteY13"/>
+                </a:cxn>
+              </a:cxnLst>
+              <a:rect l="l" t="t" r="r" b="b"/>
+              <a:pathLst>
+                <a:path w="35671" h="142732">
+                  <a:moveTo>
+                    <a:pt x="5167" y="30504"/>
+                  </a:moveTo>
+                  <a:cubicBezTo>
+                    <a:pt x="1726" y="27063"/>
+                    <a:pt x="0" y="22836"/>
+                    <a:pt x="0" y="17836"/>
+                  </a:cubicBezTo>
+                  <a:cubicBezTo>
+                    <a:pt x="0" y="12835"/>
+                    <a:pt x="1726" y="8608"/>
+                    <a:pt x="5167" y="5167"/>
+                  </a:cubicBezTo>
+                  <a:cubicBezTo>
+                    <a:pt x="8608" y="1726"/>
+                    <a:pt x="12835" y="0"/>
+                    <a:pt x="17836" y="0"/>
+                  </a:cubicBezTo>
+                  <a:cubicBezTo>
+                    <a:pt x="22836" y="0"/>
+                    <a:pt x="27063" y="1726"/>
+                    <a:pt x="30504" y="5167"/>
+                  </a:cubicBezTo>
+                  <a:cubicBezTo>
+                    <a:pt x="33945" y="8608"/>
+                    <a:pt x="35671" y="12835"/>
+                    <a:pt x="35671" y="17836"/>
+                  </a:cubicBezTo>
+                  <a:cubicBezTo>
+                    <a:pt x="35671" y="22836"/>
+                    <a:pt x="33945" y="27063"/>
+                    <a:pt x="30504" y="30504"/>
+                  </a:cubicBezTo>
+                  <a:cubicBezTo>
+                    <a:pt x="27063" y="33945"/>
+                    <a:pt x="22836" y="35671"/>
+                    <a:pt x="17836" y="35671"/>
+                  </a:cubicBezTo>
+                  <a:cubicBezTo>
+                    <a:pt x="12835" y="35671"/>
+                    <a:pt x="8608" y="33945"/>
+                    <a:pt x="5167" y="30504"/>
+                  </a:cubicBezTo>
+                  <a:close/>
+                  <a:moveTo>
+                    <a:pt x="33040" y="142732"/>
+                  </a:moveTo>
+                  <a:lnTo>
+                    <a:pt x="2631" y="142732"/>
+                  </a:lnTo>
+                  <a:lnTo>
+                    <a:pt x="2631" y="44387"/>
+                  </a:lnTo>
+                  <a:lnTo>
+                    <a:pt x="33040" y="44387"/>
+                  </a:lnTo>
+                  <a:lnTo>
+                    <a:pt x="33040" y="142732"/>
+                  </a:lnTo>
+                  <a:close/>
+                </a:path>
+              </a:pathLst>
+            </a:custGeom>
+            <a:solidFill>
+              <a:srgbClr val="6491CB"/>
+            </a:solidFill>
+            <a:ln w="0" cap="flat">
+              <a:noFill/>
+              <a:prstDash val="solid"/>
+              <a:miter/>
+            </a:ln>
+          </p:spPr>
+          <p:txBody>
+            <a:bodyPr rot="0" spcFirstLastPara="0" vert="horz" wrap="square" lIns="91440" tIns="45720" rIns="91440" bIns="45720" numCol="1" spcCol="0" rtlCol="0" fromWordArt="0" anchor="ctr" anchorCtr="0" forceAA="0" compatLnSpc="1">
+              <a:prstTxWarp prst="textNoShape">
+                <a:avLst/>
+              </a:prstTxWarp>
+              <a:noAutofit/>
+            </a:bodyPr>
+            <a:lstStyle/>
+            <a:p>
+              <a:endParaRPr lang="en-US"/>
+            </a:p>
+          </p:txBody>
+        </p:sp>
+      </p:grpSp>
+      <p:graphicFrame>
+        <p:nvGraphicFramePr>
+          <p:cNvPr id="8" name="Chart 7">
+            <a:extLst>
+              <a:ext uri="{FF2B5EF4-FFF2-40B4-BE49-F238E27FC236}">
+                <a16:creationId xmlns:a16="http://schemas.microsoft.com/office/drawing/2014/main" id="{0AA56204-0BD6-E7D1-A920-C3CB08F731FE}"/>
+              </a:ext>
+            </a:extLst>
+          </p:cNvPr>
+          <p:cNvGraphicFramePr/>
+          <p:nvPr>
+            <p:extLst>
+              <p:ext uri="{D42A27DB-BD31-4B8C-83A1-F6EECF244321}">
+                <p14:modId xmlns:p14="http://schemas.microsoft.com/office/powerpoint/2010/main" val="233997510"/>
+              </p:ext>
+            </p:extLst>
+          </p:nvPr>
+        </p:nvGraphicFramePr>
+        <p:xfrm>
+          <a:off x="839396" y="2549180"/>
+          <a:ext cx="2288596" cy="2424068"/>
+        </p:xfrm>
+        <a:graphic>
+          <a:graphicData uri="http://schemas.openxmlformats.org/drawingml/2006/chart">
+            <c:chart xmlns:c="http://schemas.openxmlformats.org/drawingml/2006/chart" xmlns:r="http://schemas.openxmlformats.org/officeDocument/2006/relationships" r:id="rId5"/>
+          </a:graphicData>
+        </a:graphic>
+      </p:graphicFrame>
+      <p:pic>
+        <p:nvPicPr>
+          <p:cNvPr id="7" name="Picture 4" descr="Cruise Line Icon Vector, Boat, Cruise, Travel PNG and Vector with  Transparent Background for Free Download">
+            <a:extLst>
+              <a:ext uri="{FF2B5EF4-FFF2-40B4-BE49-F238E27FC236}">
+                <a16:creationId xmlns:a16="http://schemas.microsoft.com/office/drawing/2014/main" id="{89AA7876-8530-C0FC-D38B-CDA6E7873AB5}"/>
+              </a:ext>
+            </a:extLst>
+          </p:cNvPr>
+          <p:cNvPicPr>
+            <a:picLocks noChangeAspect="1" noChangeArrowheads="1"/>
+          </p:cNvPicPr>
+          <p:nvPr/>
+        </p:nvPicPr>
+        <p:blipFill>
+          <a:blip r:embed="rId6">
+            <a:extLst>
+              <a:ext uri="{28A0092B-C50C-407E-A947-70E740481C1C}">
+                <a14:useLocalDpi xmlns:a14="http://schemas.microsoft.com/office/drawing/2010/main" val="0"/>
+              </a:ext>
+            </a:extLst>
+          </a:blip>
+          <a:srcRect/>
+          <a:stretch>
+            <a:fillRect/>
+          </a:stretch>
+        </p:blipFill>
+        <p:spPr bwMode="auto">
+          <a:xfrm>
+            <a:off x="210542" y="221370"/>
+            <a:ext cx="855536" cy="855536"/>
+          </a:xfrm>
+          <a:prstGeom prst="rect">
+            <a:avLst/>
+          </a:prstGeom>
+          <a:noFill/>
+          <a:extLst>
+            <a:ext uri="{909E8E84-426E-40DD-AFC4-6F175D3DCCD1}">
+              <a14:hiddenFill xmlns:a14="http://schemas.microsoft.com/office/drawing/2010/main">
+                <a:solidFill>
+                  <a:srgbClr val="FFFFFF"/>
+                </a:solidFill>
+              </a14:hiddenFill>
+            </a:ext>
+          </a:extLst>
+        </p:spPr>
+      </p:pic>
+    </p:spTree>
+    <p:extLst>
+      <p:ext uri="{BB962C8B-B14F-4D97-AF65-F5344CB8AC3E}">
+        <p14:creationId xmlns:p14="http://schemas.microsoft.com/office/powerpoint/2010/main" val="3661508739"/>
+      </p:ext>
+    </p:extLst>
+  </p:cSld>
+  <p:clrMapOvr>
+    <a:masterClrMapping/>
+  </p:clrMapOvr>
+</p:sld>
+</file>
+
+<file path=ppt/slides/slide11.xml><?xml version="1.0" encoding="utf-8"?>
+<p:sld xmlns:a="http://schemas.openxmlformats.org/drawingml/2006/main" xmlns:r="http://schemas.openxmlformats.org/officeDocument/2006/relationships" xmlns:p="http://schemas.openxmlformats.org/presentationml/2006/main">
+  <p:cSld>
+    <p:bg>
+      <p:bgPr>
+        <a:solidFill>
+          <a:schemeClr val="bg1"/>
+        </a:solidFill>
+        <a:effectLst/>
+      </p:bgPr>
+    </p:bg>
+    <p:spTree>
+      <p:nvGrpSpPr>
+        <p:cNvPr id="1" name="">
+          <a:extLst>
+            <a:ext uri="{FF2B5EF4-FFF2-40B4-BE49-F238E27FC236}">
               <a16:creationId xmlns:a16="http://schemas.microsoft.com/office/drawing/2014/main" id="{A6BDF0DD-6498-07D8-4C61-C64E286DFD1E}"/>
             </a:ext>
           </a:extLst>
@@ -13787,7 +15766,7 @@
 </p:sld>
 </file>
 
-<file path=ppt/slides/slide11.xml><?xml version="1.0" encoding="utf-8"?>
+<file path=ppt/slides/slide12.xml><?xml version="1.0" encoding="utf-8"?>
 <p:sld xmlns:a="http://schemas.openxmlformats.org/drawingml/2006/main" xmlns:r="http://schemas.openxmlformats.org/officeDocument/2006/relationships" xmlns:p="http://schemas.openxmlformats.org/presentationml/2006/main">
   <p:cSld>
     <p:bg>
@@ -14527,7 +16506,7 @@
 </p:sld>
 </file>
 
-<file path=ppt/slides/slide12.xml><?xml version="1.0" encoding="utf-8"?>
+<file path=ppt/slides/slide13.xml><?xml version="1.0" encoding="utf-8"?>
 <p:sld xmlns:a="http://schemas.openxmlformats.org/drawingml/2006/main" xmlns:r="http://schemas.openxmlformats.org/officeDocument/2006/relationships" xmlns:p="http://schemas.openxmlformats.org/presentationml/2006/main">
   <p:cSld>
     <p:bg>
@@ -15250,7 +17229,7 @@
 </p:sld>
 </file>
 
-<file path=ppt/slides/slide13.xml><?xml version="1.0" encoding="utf-8"?>
+<file path=ppt/slides/slide14.xml><?xml version="1.0" encoding="utf-8"?>
 <p:sld xmlns:a="http://schemas.openxmlformats.org/drawingml/2006/main" xmlns:r="http://schemas.openxmlformats.org/officeDocument/2006/relationships" xmlns:p="http://schemas.openxmlformats.org/presentationml/2006/main">
   <p:cSld>
     <p:bg>
@@ -15938,7 +17917,7 @@
 </p:sld>
 </file>
 
-<file path=ppt/slides/slide14.xml><?xml version="1.0" encoding="utf-8"?>
+<file path=ppt/slides/slide15.xml><?xml version="1.0" encoding="utf-8"?>
 <p:sld xmlns:a="http://schemas.openxmlformats.org/drawingml/2006/main" xmlns:r="http://schemas.openxmlformats.org/officeDocument/2006/relationships" xmlns:p="http://schemas.openxmlformats.org/presentationml/2006/main">
   <p:cSld>
     <p:bg>
@@ -17167,7 +19146,7 @@
 </p:sld>
 </file>
 
-<file path=ppt/slides/slide15.xml><?xml version="1.0" encoding="utf-8"?>
+<file path=ppt/slides/slide16.xml><?xml version="1.0" encoding="utf-8"?>
 <p:sld xmlns:a="http://schemas.openxmlformats.org/drawingml/2006/main" xmlns:r="http://schemas.openxmlformats.org/officeDocument/2006/relationships" xmlns:p="http://schemas.openxmlformats.org/presentationml/2006/main">
   <p:cSld>
     <p:spTree>
@@ -20168,7 +22147,7 @@
 </file>
 
 <file path=ppt/slides/slide4.xml><?xml version="1.0" encoding="utf-8"?>
-<p:sld xmlns:a="http://schemas.openxmlformats.org/drawingml/2006/main" xmlns:r="http://schemas.openxmlformats.org/officeDocument/2006/relationships" xmlns:p="http://schemas.openxmlformats.org/presentationml/2006/main">
+<p:sld xmlns:a="http://schemas.openxmlformats.org/drawingml/2006/main" xmlns:r="http://schemas.openxmlformats.org/officeDocument/2006/relationships" xmlns:p="http://schemas.openxmlformats.org/presentationml/2006/main" show="0">
   <p:cSld>
     <p:bg>
       <p:bgPr>
@@ -20813,7 +22792,7 @@
         </p:nvSpPr>
         <p:spPr>
           <a:xfrm>
-            <a:off x="4310436" y="1309170"/>
+            <a:off x="4299419" y="1309170"/>
             <a:ext cx="2288596" cy="2291484"/>
           </a:xfrm>
           <a:prstGeom prst="roundRect">
@@ -22697,6 +24676,1548 @@
         <p:cNvPr id="1" name="">
           <a:extLst>
             <a:ext uri="{FF2B5EF4-FFF2-40B4-BE49-F238E27FC236}">
+              <a16:creationId xmlns:a16="http://schemas.microsoft.com/office/drawing/2014/main" id="{CAC0389E-B879-024C-0866-597E07D287AA}"/>
+            </a:ext>
+          </a:extLst>
+        </p:cNvPr>
+        <p:cNvGrpSpPr/>
+        <p:nvPr/>
+      </p:nvGrpSpPr>
+      <p:grpSpPr>
+        <a:xfrm>
+          <a:off x="0" y="0"/>
+          <a:ext cx="0" cy="0"/>
+          <a:chOff x="0" y="0"/>
+          <a:chExt cx="0" cy="0"/>
+        </a:xfrm>
+      </p:grpSpPr>
+      <p:sp>
+        <p:nvSpPr>
+          <p:cNvPr id="5" name="Rectangle 4">
+            <a:extLst>
+              <a:ext uri="{FF2B5EF4-FFF2-40B4-BE49-F238E27FC236}">
+                <a16:creationId xmlns:a16="http://schemas.microsoft.com/office/drawing/2014/main" id="{0AFF9A59-D0B6-D631-916C-94CEF6038FFE}"/>
+              </a:ext>
+            </a:extLst>
+          </p:cNvPr>
+          <p:cNvSpPr/>
+          <p:nvPr/>
+        </p:nvSpPr>
+        <p:spPr>
+          <a:xfrm>
+            <a:off x="0" y="6246000"/>
+            <a:ext cx="12198000" cy="612000"/>
+          </a:xfrm>
+          <a:prstGeom prst="rect">
+            <a:avLst/>
+          </a:prstGeom>
+          <a:solidFill>
+            <a:schemeClr val="accent5">
+              <a:lumMod val="75000"/>
+            </a:schemeClr>
+          </a:solidFill>
+          <a:ln>
+            <a:noFill/>
+          </a:ln>
+        </p:spPr>
+        <p:style>
+          <a:lnRef idx="2">
+            <a:schemeClr val="accent1">
+              <a:shade val="15000"/>
+            </a:schemeClr>
+          </a:lnRef>
+          <a:fillRef idx="1">
+            <a:schemeClr val="accent1"/>
+          </a:fillRef>
+          <a:effectRef idx="0">
+            <a:schemeClr val="accent1"/>
+          </a:effectRef>
+          <a:fontRef idx="minor">
+            <a:schemeClr val="lt1"/>
+          </a:fontRef>
+        </p:style>
+        <p:txBody>
+          <a:bodyPr lIns="91440" tIns="45720" rIns="91440" bIns="45720" rtlCol="0" anchor="ctr"/>
+          <a:lstStyle/>
+          <a:p>
+            <a:pPr algn="ctr"/>
+            <a:endParaRPr lang="en-US">
+              <a:solidFill>
+                <a:srgbClr val="1148ED"/>
+              </a:solidFill>
+              <a:cs typeface="Calibri"/>
+            </a:endParaRPr>
+          </a:p>
+        </p:txBody>
+      </p:sp>
+      <p:pic>
+        <p:nvPicPr>
+          <p:cNvPr id="2" name="Picture 1">
+            <a:extLst>
+              <a:ext uri="{FF2B5EF4-FFF2-40B4-BE49-F238E27FC236}">
+                <a16:creationId xmlns:a16="http://schemas.microsoft.com/office/drawing/2014/main" id="{DDE0D4CE-9F38-3C90-E0AC-84B290E724BD}"/>
+              </a:ext>
+            </a:extLst>
+          </p:cNvPr>
+          <p:cNvPicPr>
+            <a:picLocks noChangeAspect="1"/>
+          </p:cNvPicPr>
+          <p:nvPr/>
+        </p:nvPicPr>
+        <p:blipFill>
+          <a:blip r:embed="rId2" cstate="print">
+            <a:lum bright="70000" contrast="-70000"/>
+            <a:extLst>
+              <a:ext uri="{28A0092B-C50C-407E-A947-70E740481C1C}">
+                <a14:useLocalDpi xmlns:a14="http://schemas.microsoft.com/office/drawing/2010/main" val="0"/>
+              </a:ext>
+            </a:extLst>
+          </a:blip>
+          <a:srcRect/>
+          <a:stretch>
+            <a:fillRect/>
+          </a:stretch>
+        </p:blipFill>
+        <p:spPr bwMode="auto">
+          <a:xfrm>
+            <a:off x="5410200" y="6314721"/>
+            <a:ext cx="1371600" cy="466725"/>
+          </a:xfrm>
+          <a:prstGeom prst="rect">
+            <a:avLst/>
+          </a:prstGeom>
+          <a:noFill/>
+          <a:ln>
+            <a:noFill/>
+          </a:ln>
+        </p:spPr>
+      </p:pic>
+      <p:sp>
+        <p:nvSpPr>
+          <p:cNvPr id="9" name="Rectangle 8">
+            <a:extLst>
+              <a:ext uri="{FF2B5EF4-FFF2-40B4-BE49-F238E27FC236}">
+                <a16:creationId xmlns:a16="http://schemas.microsoft.com/office/drawing/2014/main" id="{2F9E6F0D-1126-2EB3-A7C9-440770668E8D}"/>
+              </a:ext>
+            </a:extLst>
+          </p:cNvPr>
+          <p:cNvSpPr/>
+          <p:nvPr/>
+        </p:nvSpPr>
+        <p:spPr>
+          <a:xfrm>
+            <a:off x="-1" y="-17374"/>
+            <a:ext cx="12198000" cy="162518"/>
+          </a:xfrm>
+          <a:prstGeom prst="rect">
+            <a:avLst/>
+          </a:prstGeom>
+          <a:solidFill>
+            <a:schemeClr val="accent5">
+              <a:lumMod val="75000"/>
+            </a:schemeClr>
+          </a:solidFill>
+          <a:ln>
+            <a:noFill/>
+          </a:ln>
+        </p:spPr>
+        <p:style>
+          <a:lnRef idx="2">
+            <a:schemeClr val="accent1">
+              <a:shade val="15000"/>
+            </a:schemeClr>
+          </a:lnRef>
+          <a:fillRef idx="1">
+            <a:schemeClr val="accent1"/>
+          </a:fillRef>
+          <a:effectRef idx="0">
+            <a:schemeClr val="accent1"/>
+          </a:effectRef>
+          <a:fontRef idx="minor">
+            <a:schemeClr val="lt1"/>
+          </a:fontRef>
+        </p:style>
+        <p:txBody>
+          <a:bodyPr lIns="91440" tIns="45720" rIns="91440" bIns="45720" rtlCol="0" anchor="ctr"/>
+          <a:lstStyle/>
+          <a:p>
+            <a:pPr algn="ctr"/>
+            <a:endParaRPr lang="en-US">
+              <a:solidFill>
+                <a:srgbClr val="1148ED"/>
+              </a:solidFill>
+              <a:cs typeface="Calibri"/>
+            </a:endParaRPr>
+          </a:p>
+        </p:txBody>
+      </p:sp>
+      <p:sp>
+        <p:nvSpPr>
+          <p:cNvPr id="3" name="TextBox 1">
+            <a:extLst>
+              <a:ext uri="{FF2B5EF4-FFF2-40B4-BE49-F238E27FC236}">
+                <a16:creationId xmlns:a16="http://schemas.microsoft.com/office/drawing/2014/main" id="{5017205F-391A-420F-208A-37088E006023}"/>
+              </a:ext>
+            </a:extLst>
+          </p:cNvPr>
+          <p:cNvSpPr txBox="1"/>
+          <p:nvPr/>
+        </p:nvSpPr>
+        <p:spPr>
+          <a:xfrm>
+            <a:off x="1578282" y="407602"/>
+            <a:ext cx="10019930" cy="769441"/>
+          </a:xfrm>
+          <a:prstGeom prst="rect">
+            <a:avLst/>
+          </a:prstGeom>
+          <a:noFill/>
+        </p:spPr>
+        <p:txBody>
+          <a:bodyPr wrap="square" lIns="91440" tIns="45720" rIns="91440" bIns="45720" rtlCol="0" anchor="t">
+            <a:spAutoFit/>
+          </a:bodyPr>
+          <a:lstStyle>
+            <a:defPPr>
+              <a:defRPr lang="en-US"/>
+            </a:defPPr>
+            <a:lvl1pPr marL="0" algn="l" defTabSz="914400" rtl="0" eaLnBrk="1" latinLnBrk="0" hangingPunct="1">
+              <a:defRPr sz="1800" kern="1200">
+                <a:solidFill>
+                  <a:schemeClr val="tx1"/>
+                </a:solidFill>
+                <a:latin typeface="+mn-lt"/>
+                <a:ea typeface="+mn-ea"/>
+                <a:cs typeface="+mn-cs"/>
+              </a:defRPr>
+            </a:lvl1pPr>
+            <a:lvl2pPr marL="457200" algn="l" defTabSz="914400" rtl="0" eaLnBrk="1" latinLnBrk="0" hangingPunct="1">
+              <a:defRPr sz="1800" kern="1200">
+                <a:solidFill>
+                  <a:schemeClr val="tx1"/>
+                </a:solidFill>
+                <a:latin typeface="+mn-lt"/>
+                <a:ea typeface="+mn-ea"/>
+                <a:cs typeface="+mn-cs"/>
+              </a:defRPr>
+            </a:lvl2pPr>
+            <a:lvl3pPr marL="914400" algn="l" defTabSz="914400" rtl="0" eaLnBrk="1" latinLnBrk="0" hangingPunct="1">
+              <a:defRPr sz="1800" kern="1200">
+                <a:solidFill>
+                  <a:schemeClr val="tx1"/>
+                </a:solidFill>
+                <a:latin typeface="+mn-lt"/>
+                <a:ea typeface="+mn-ea"/>
+                <a:cs typeface="+mn-cs"/>
+              </a:defRPr>
+            </a:lvl3pPr>
+            <a:lvl4pPr marL="1371600" algn="l" defTabSz="914400" rtl="0" eaLnBrk="1" latinLnBrk="0" hangingPunct="1">
+              <a:defRPr sz="1800" kern="1200">
+                <a:solidFill>
+                  <a:schemeClr val="tx1"/>
+                </a:solidFill>
+                <a:latin typeface="+mn-lt"/>
+                <a:ea typeface="+mn-ea"/>
+                <a:cs typeface="+mn-cs"/>
+              </a:defRPr>
+            </a:lvl4pPr>
+            <a:lvl5pPr marL="1828800" algn="l" defTabSz="914400" rtl="0" eaLnBrk="1" latinLnBrk="0" hangingPunct="1">
+              <a:defRPr sz="1800" kern="1200">
+                <a:solidFill>
+                  <a:schemeClr val="tx1"/>
+                </a:solidFill>
+                <a:latin typeface="+mn-lt"/>
+                <a:ea typeface="+mn-ea"/>
+                <a:cs typeface="+mn-cs"/>
+              </a:defRPr>
+            </a:lvl5pPr>
+            <a:lvl6pPr marL="2286000" algn="l" defTabSz="914400" rtl="0" eaLnBrk="1" latinLnBrk="0" hangingPunct="1">
+              <a:defRPr sz="1800" kern="1200">
+                <a:solidFill>
+                  <a:schemeClr val="tx1"/>
+                </a:solidFill>
+                <a:latin typeface="+mn-lt"/>
+                <a:ea typeface="+mn-ea"/>
+                <a:cs typeface="+mn-cs"/>
+              </a:defRPr>
+            </a:lvl6pPr>
+            <a:lvl7pPr marL="2743200" algn="l" defTabSz="914400" rtl="0" eaLnBrk="1" latinLnBrk="0" hangingPunct="1">
+              <a:defRPr sz="1800" kern="1200">
+                <a:solidFill>
+                  <a:schemeClr val="tx1"/>
+                </a:solidFill>
+                <a:latin typeface="+mn-lt"/>
+                <a:ea typeface="+mn-ea"/>
+                <a:cs typeface="+mn-cs"/>
+              </a:defRPr>
+            </a:lvl7pPr>
+            <a:lvl8pPr marL="3200400" algn="l" defTabSz="914400" rtl="0" eaLnBrk="1" latinLnBrk="0" hangingPunct="1">
+              <a:defRPr sz="1800" kern="1200">
+                <a:solidFill>
+                  <a:schemeClr val="tx1"/>
+                </a:solidFill>
+                <a:latin typeface="+mn-lt"/>
+                <a:ea typeface="+mn-ea"/>
+                <a:cs typeface="+mn-cs"/>
+              </a:defRPr>
+            </a:lvl8pPr>
+            <a:lvl9pPr marL="3657600" algn="l" defTabSz="914400" rtl="0" eaLnBrk="1" latinLnBrk="0" hangingPunct="1">
+              <a:defRPr sz="1800" kern="1200">
+                <a:solidFill>
+                  <a:schemeClr val="tx1"/>
+                </a:solidFill>
+                <a:latin typeface="+mn-lt"/>
+                <a:ea typeface="+mn-ea"/>
+                <a:cs typeface="+mn-cs"/>
+              </a:defRPr>
+            </a:lvl9pPr>
+          </a:lstStyle>
+          <a:p>
+            <a:r>
+              <a:rPr lang="en-US" sz="4400" b="1" dirty="0">
+                <a:solidFill>
+                  <a:schemeClr val="tx1">
+                    <a:lumMod val="75000"/>
+                    <a:lumOff val="25000"/>
+                  </a:schemeClr>
+                </a:solidFill>
+                <a:latin typeface="Avenir Next" panose="020B0503020202020204" pitchFamily="34" charset="0"/>
+                <a:ea typeface="Segoe UI Black"/>
+              </a:rPr>
+              <a:t>Assessment Highlights</a:t>
+            </a:r>
+          </a:p>
+        </p:txBody>
+      </p:sp>
+      <p:pic>
+        <p:nvPicPr>
+          <p:cNvPr id="6" name="Picture 4" descr="Cruise Line Icon Vector, Boat, Cruise, Travel PNG and Vector with  Transparent Background for Free Download">
+            <a:extLst>
+              <a:ext uri="{FF2B5EF4-FFF2-40B4-BE49-F238E27FC236}">
+                <a16:creationId xmlns:a16="http://schemas.microsoft.com/office/drawing/2014/main" id="{4EDBB3CF-67B9-2E7B-5A4E-BF548473D5DD}"/>
+              </a:ext>
+            </a:extLst>
+          </p:cNvPr>
+          <p:cNvPicPr>
+            <a:picLocks noChangeAspect="1" noChangeArrowheads="1"/>
+          </p:cNvPicPr>
+          <p:nvPr/>
+        </p:nvPicPr>
+        <p:blipFill>
+          <a:blip r:embed="rId3">
+            <a:extLst>
+              <a:ext uri="{28A0092B-C50C-407E-A947-70E740481C1C}">
+                <a14:useLocalDpi xmlns:a14="http://schemas.microsoft.com/office/drawing/2010/main" val="0"/>
+              </a:ext>
+            </a:extLst>
+          </a:blip>
+          <a:srcRect/>
+          <a:stretch>
+            <a:fillRect/>
+          </a:stretch>
+        </p:blipFill>
+        <p:spPr bwMode="auto">
+          <a:xfrm>
+            <a:off x="210542" y="221370"/>
+            <a:ext cx="855536" cy="855536"/>
+          </a:xfrm>
+          <a:prstGeom prst="rect">
+            <a:avLst/>
+          </a:prstGeom>
+          <a:noFill/>
+          <a:extLst>
+            <a:ext uri="{909E8E84-426E-40DD-AFC4-6F175D3DCCD1}">
+              <a14:hiddenFill xmlns:a14="http://schemas.microsoft.com/office/drawing/2010/main">
+                <a:solidFill>
+                  <a:srgbClr val="FFFFFF"/>
+                </a:solidFill>
+              </a14:hiddenFill>
+            </a:ext>
+          </a:extLst>
+        </p:spPr>
+      </p:pic>
+      <p:sp>
+        <p:nvSpPr>
+          <p:cNvPr id="7" name="Rectangle: Rounded Corners 9">
+            <a:extLst>
+              <a:ext uri="{FF2B5EF4-FFF2-40B4-BE49-F238E27FC236}">
+                <a16:creationId xmlns:a16="http://schemas.microsoft.com/office/drawing/2014/main" id="{C84C392C-C7FF-3C53-5597-49C6DCC57EE6}"/>
+              </a:ext>
+            </a:extLst>
+          </p:cNvPr>
+          <p:cNvSpPr/>
+          <p:nvPr/>
+        </p:nvSpPr>
+        <p:spPr>
+          <a:xfrm>
+            <a:off x="1311007" y="1644268"/>
+            <a:ext cx="2769286" cy="4062470"/>
+          </a:xfrm>
+          <a:prstGeom prst="roundRect">
+            <a:avLst/>
+          </a:prstGeom>
+          <a:noFill/>
+          <a:ln w="28575">
+            <a:solidFill>
+              <a:schemeClr val="accent5">
+                <a:lumMod val="75000"/>
+              </a:schemeClr>
+            </a:solidFill>
+          </a:ln>
+        </p:spPr>
+        <p:style>
+          <a:lnRef idx="2">
+            <a:schemeClr val="accent1">
+              <a:shade val="15000"/>
+            </a:schemeClr>
+          </a:lnRef>
+          <a:fillRef idx="1">
+            <a:schemeClr val="accent1"/>
+          </a:fillRef>
+          <a:effectRef idx="0">
+            <a:schemeClr val="accent1"/>
+          </a:effectRef>
+          <a:fontRef idx="minor">
+            <a:schemeClr val="lt1"/>
+          </a:fontRef>
+        </p:style>
+        <p:txBody>
+          <a:bodyPr rtlCol="0" anchor="ctr"/>
+          <a:lstStyle/>
+          <a:p>
+            <a:pPr algn="ctr"/>
+            <a:endParaRPr lang="en-US"/>
+          </a:p>
+        </p:txBody>
+      </p:sp>
+      <p:sp>
+        <p:nvSpPr>
+          <p:cNvPr id="19" name="Rounded Rectangle 18">
+            <a:extLst>
+              <a:ext uri="{FF2B5EF4-FFF2-40B4-BE49-F238E27FC236}">
+                <a16:creationId xmlns:a16="http://schemas.microsoft.com/office/drawing/2014/main" id="{D0791E55-3FC8-D48A-948E-D4CDF0DD9145}"/>
+              </a:ext>
+            </a:extLst>
+          </p:cNvPr>
+          <p:cNvSpPr/>
+          <p:nvPr/>
+        </p:nvSpPr>
+        <p:spPr>
+          <a:xfrm>
+            <a:off x="10947132" y="280934"/>
+            <a:ext cx="1024568" cy="1079653"/>
+          </a:xfrm>
+          <a:prstGeom prst="roundRect">
+            <a:avLst/>
+          </a:prstGeom>
+          <a:solidFill>
+            <a:schemeClr val="accent5">
+              <a:lumMod val="60000"/>
+              <a:lumOff val="40000"/>
+            </a:schemeClr>
+          </a:solidFill>
+          <a:ln>
+            <a:solidFill>
+              <a:schemeClr val="accent5">
+                <a:lumMod val="60000"/>
+                <a:lumOff val="40000"/>
+              </a:schemeClr>
+            </a:solidFill>
+          </a:ln>
+        </p:spPr>
+        <p:style>
+          <a:lnRef idx="2">
+            <a:schemeClr val="accent1">
+              <a:shade val="15000"/>
+            </a:schemeClr>
+          </a:lnRef>
+          <a:fillRef idx="1">
+            <a:schemeClr val="accent1"/>
+          </a:fillRef>
+          <a:effectRef idx="0">
+            <a:schemeClr val="accent1"/>
+          </a:effectRef>
+          <a:fontRef idx="minor">
+            <a:schemeClr val="lt1"/>
+          </a:fontRef>
+        </p:style>
+        <p:txBody>
+          <a:bodyPr rtlCol="0" anchor="ctr"/>
+          <a:lstStyle/>
+          <a:p>
+            <a:pPr algn="ctr"/>
+            <a:endParaRPr lang="en-US"/>
+          </a:p>
+        </p:txBody>
+      </p:sp>
+      <p:sp>
+        <p:nvSpPr>
+          <p:cNvPr id="21" name="Content Placeholder 10">
+            <a:extLst>
+              <a:ext uri="{FF2B5EF4-FFF2-40B4-BE49-F238E27FC236}">
+                <a16:creationId xmlns:a16="http://schemas.microsoft.com/office/drawing/2014/main" id="{6513F55B-41CB-A3CC-E59F-95B15D073794}"/>
+              </a:ext>
+            </a:extLst>
+          </p:cNvPr>
+          <p:cNvSpPr txBox="1">
+            <a:spLocks/>
+          </p:cNvSpPr>
+          <p:nvPr/>
+        </p:nvSpPr>
+        <p:spPr>
+          <a:xfrm>
+            <a:off x="1597422" y="2373843"/>
+            <a:ext cx="2953211" cy="699621"/>
+          </a:xfrm>
+          <a:prstGeom prst="rect">
+            <a:avLst/>
+          </a:prstGeom>
+        </p:spPr>
+        <p:txBody>
+          <a:bodyPr vert="horz" lIns="91440" tIns="45720" rIns="91440" bIns="45720" rtlCol="0" anchor="t">
+            <a:normAutofit/>
+          </a:bodyPr>
+          <a:lstStyle>
+            <a:lvl1pPr marL="0" indent="0" algn="ctr" defTabSz="914400" rtl="0" eaLnBrk="1" latinLnBrk="0" hangingPunct="1">
+              <a:lnSpc>
+                <a:spcPct val="90000"/>
+              </a:lnSpc>
+              <a:spcBef>
+                <a:spcPts val="1000"/>
+              </a:spcBef>
+              <a:buFont typeface="Arial" panose="020B0604020202020204" pitchFamily="34" charset="0"/>
+              <a:buNone/>
+              <a:defRPr sz="2400" kern="1200">
+                <a:solidFill>
+                  <a:schemeClr val="tx1"/>
+                </a:solidFill>
+                <a:latin typeface="+mn-lt"/>
+                <a:ea typeface="+mn-ea"/>
+                <a:cs typeface="+mn-cs"/>
+              </a:defRPr>
+            </a:lvl1pPr>
+            <a:lvl2pPr marL="457200" indent="0" algn="ctr" defTabSz="914400" rtl="0" eaLnBrk="1" latinLnBrk="0" hangingPunct="1">
+              <a:lnSpc>
+                <a:spcPct val="90000"/>
+              </a:lnSpc>
+              <a:spcBef>
+                <a:spcPts val="500"/>
+              </a:spcBef>
+              <a:buFont typeface="Arial" panose="020B0604020202020204" pitchFamily="34" charset="0"/>
+              <a:buNone/>
+              <a:defRPr sz="2000" kern="1200">
+                <a:solidFill>
+                  <a:schemeClr val="tx1"/>
+                </a:solidFill>
+                <a:latin typeface="+mn-lt"/>
+                <a:ea typeface="+mn-ea"/>
+                <a:cs typeface="+mn-cs"/>
+              </a:defRPr>
+            </a:lvl2pPr>
+            <a:lvl3pPr marL="914400" indent="0" algn="ctr" defTabSz="914400" rtl="0" eaLnBrk="1" latinLnBrk="0" hangingPunct="1">
+              <a:lnSpc>
+                <a:spcPct val="90000"/>
+              </a:lnSpc>
+              <a:spcBef>
+                <a:spcPts val="500"/>
+              </a:spcBef>
+              <a:buFont typeface="Arial" panose="020B0604020202020204" pitchFamily="34" charset="0"/>
+              <a:buNone/>
+              <a:defRPr sz="1800" kern="1200">
+                <a:solidFill>
+                  <a:schemeClr val="tx1"/>
+                </a:solidFill>
+                <a:latin typeface="+mn-lt"/>
+                <a:ea typeface="+mn-ea"/>
+                <a:cs typeface="+mn-cs"/>
+              </a:defRPr>
+            </a:lvl3pPr>
+            <a:lvl4pPr marL="1371600" indent="0" algn="ctr" defTabSz="914400" rtl="0" eaLnBrk="1" latinLnBrk="0" hangingPunct="1">
+              <a:lnSpc>
+                <a:spcPct val="90000"/>
+              </a:lnSpc>
+              <a:spcBef>
+                <a:spcPts val="500"/>
+              </a:spcBef>
+              <a:buFont typeface="Arial" panose="020B0604020202020204" pitchFamily="34" charset="0"/>
+              <a:buNone/>
+              <a:defRPr sz="1600" kern="1200">
+                <a:solidFill>
+                  <a:schemeClr val="tx1"/>
+                </a:solidFill>
+                <a:latin typeface="+mn-lt"/>
+                <a:ea typeface="+mn-ea"/>
+                <a:cs typeface="+mn-cs"/>
+              </a:defRPr>
+            </a:lvl4pPr>
+            <a:lvl5pPr marL="1828800" indent="0" algn="ctr" defTabSz="914400" rtl="0" eaLnBrk="1" latinLnBrk="0" hangingPunct="1">
+              <a:lnSpc>
+                <a:spcPct val="90000"/>
+              </a:lnSpc>
+              <a:spcBef>
+                <a:spcPts val="500"/>
+              </a:spcBef>
+              <a:buFont typeface="Arial" panose="020B0604020202020204" pitchFamily="34" charset="0"/>
+              <a:buNone/>
+              <a:defRPr sz="1600" kern="1200">
+                <a:solidFill>
+                  <a:schemeClr val="tx1"/>
+                </a:solidFill>
+                <a:latin typeface="+mn-lt"/>
+                <a:ea typeface="+mn-ea"/>
+                <a:cs typeface="+mn-cs"/>
+              </a:defRPr>
+            </a:lvl5pPr>
+            <a:lvl6pPr marL="2286000" indent="0" algn="ctr" defTabSz="914400" rtl="0" eaLnBrk="1" latinLnBrk="0" hangingPunct="1">
+              <a:lnSpc>
+                <a:spcPct val="90000"/>
+              </a:lnSpc>
+              <a:spcBef>
+                <a:spcPts val="500"/>
+              </a:spcBef>
+              <a:buFont typeface="Arial" panose="020B0604020202020204" pitchFamily="34" charset="0"/>
+              <a:buNone/>
+              <a:defRPr sz="1600" kern="1200">
+                <a:solidFill>
+                  <a:schemeClr val="tx1"/>
+                </a:solidFill>
+                <a:latin typeface="+mn-lt"/>
+                <a:ea typeface="+mn-ea"/>
+                <a:cs typeface="+mn-cs"/>
+              </a:defRPr>
+            </a:lvl6pPr>
+            <a:lvl7pPr marL="2743200" indent="0" algn="ctr" defTabSz="914400" rtl="0" eaLnBrk="1" latinLnBrk="0" hangingPunct="1">
+              <a:lnSpc>
+                <a:spcPct val="90000"/>
+              </a:lnSpc>
+              <a:spcBef>
+                <a:spcPts val="500"/>
+              </a:spcBef>
+              <a:buFont typeface="Arial" panose="020B0604020202020204" pitchFamily="34" charset="0"/>
+              <a:buNone/>
+              <a:defRPr sz="1600" kern="1200">
+                <a:solidFill>
+                  <a:schemeClr val="tx1"/>
+                </a:solidFill>
+                <a:latin typeface="+mn-lt"/>
+                <a:ea typeface="+mn-ea"/>
+                <a:cs typeface="+mn-cs"/>
+              </a:defRPr>
+            </a:lvl7pPr>
+            <a:lvl8pPr marL="3200400" indent="0" algn="ctr" defTabSz="914400" rtl="0" eaLnBrk="1" latinLnBrk="0" hangingPunct="1">
+              <a:lnSpc>
+                <a:spcPct val="90000"/>
+              </a:lnSpc>
+              <a:spcBef>
+                <a:spcPts val="500"/>
+              </a:spcBef>
+              <a:buFont typeface="Arial" panose="020B0604020202020204" pitchFamily="34" charset="0"/>
+              <a:buNone/>
+              <a:defRPr sz="1600" kern="1200">
+                <a:solidFill>
+                  <a:schemeClr val="tx1"/>
+                </a:solidFill>
+                <a:latin typeface="+mn-lt"/>
+                <a:ea typeface="+mn-ea"/>
+                <a:cs typeface="+mn-cs"/>
+              </a:defRPr>
+            </a:lvl8pPr>
+            <a:lvl9pPr marL="3657600" indent="0" algn="ctr" defTabSz="914400" rtl="0" eaLnBrk="1" latinLnBrk="0" hangingPunct="1">
+              <a:lnSpc>
+                <a:spcPct val="90000"/>
+              </a:lnSpc>
+              <a:spcBef>
+                <a:spcPts val="500"/>
+              </a:spcBef>
+              <a:buFont typeface="Arial" panose="020B0604020202020204" pitchFamily="34" charset="0"/>
+              <a:buNone/>
+              <a:defRPr sz="1600" kern="1200">
+                <a:solidFill>
+                  <a:schemeClr val="tx1"/>
+                </a:solidFill>
+                <a:latin typeface="+mn-lt"/>
+                <a:ea typeface="+mn-ea"/>
+                <a:cs typeface="+mn-cs"/>
+              </a:defRPr>
+            </a:lvl9pPr>
+          </a:lstStyle>
+          <a:p>
+            <a:pPr algn="l"/>
+            <a:r>
+              <a:rPr lang="en-US" sz="2000" dirty="0">
+                <a:latin typeface="Grandview Display"/>
+              </a:rPr>
+              <a:t>Industry Compliance Findings</a:t>
+            </a:r>
+          </a:p>
+        </p:txBody>
+      </p:sp>
+      <p:sp>
+        <p:nvSpPr>
+          <p:cNvPr id="22" name="Rectangle: Rounded Corners 9">
+            <a:extLst>
+              <a:ext uri="{FF2B5EF4-FFF2-40B4-BE49-F238E27FC236}">
+                <a16:creationId xmlns:a16="http://schemas.microsoft.com/office/drawing/2014/main" id="{A3C83E08-2DA9-A758-70DB-ECDC6D0DA44C}"/>
+              </a:ext>
+            </a:extLst>
+          </p:cNvPr>
+          <p:cNvSpPr/>
+          <p:nvPr/>
+        </p:nvSpPr>
+        <p:spPr>
+          <a:xfrm>
+            <a:off x="4867619" y="1630218"/>
+            <a:ext cx="2769286" cy="4062470"/>
+          </a:xfrm>
+          <a:prstGeom prst="roundRect">
+            <a:avLst/>
+          </a:prstGeom>
+          <a:noFill/>
+          <a:ln w="28575">
+            <a:solidFill>
+              <a:schemeClr val="accent5">
+                <a:lumMod val="75000"/>
+              </a:schemeClr>
+            </a:solidFill>
+          </a:ln>
+        </p:spPr>
+        <p:style>
+          <a:lnRef idx="2">
+            <a:schemeClr val="accent1">
+              <a:shade val="15000"/>
+            </a:schemeClr>
+          </a:lnRef>
+          <a:fillRef idx="1">
+            <a:schemeClr val="accent1"/>
+          </a:fillRef>
+          <a:effectRef idx="0">
+            <a:schemeClr val="accent1"/>
+          </a:effectRef>
+          <a:fontRef idx="minor">
+            <a:schemeClr val="lt1"/>
+          </a:fontRef>
+        </p:style>
+        <p:txBody>
+          <a:bodyPr rtlCol="0" anchor="ctr"/>
+          <a:lstStyle/>
+          <a:p>
+            <a:pPr algn="ctr"/>
+            <a:endParaRPr lang="en-US"/>
+          </a:p>
+        </p:txBody>
+      </p:sp>
+      <p:sp>
+        <p:nvSpPr>
+          <p:cNvPr id="23" name="Rectangle: Rounded Corners 9">
+            <a:extLst>
+              <a:ext uri="{FF2B5EF4-FFF2-40B4-BE49-F238E27FC236}">
+                <a16:creationId xmlns:a16="http://schemas.microsoft.com/office/drawing/2014/main" id="{7A41666A-AA51-245A-8D87-AEE4C77948CE}"/>
+              </a:ext>
+            </a:extLst>
+          </p:cNvPr>
+          <p:cNvSpPr/>
+          <p:nvPr/>
+        </p:nvSpPr>
+        <p:spPr>
+          <a:xfrm>
+            <a:off x="8513200" y="1630218"/>
+            <a:ext cx="2769286" cy="4062470"/>
+          </a:xfrm>
+          <a:prstGeom prst="roundRect">
+            <a:avLst/>
+          </a:prstGeom>
+          <a:noFill/>
+          <a:ln w="28575">
+            <a:solidFill>
+              <a:schemeClr val="accent5">
+                <a:lumMod val="75000"/>
+              </a:schemeClr>
+            </a:solidFill>
+          </a:ln>
+        </p:spPr>
+        <p:style>
+          <a:lnRef idx="2">
+            <a:schemeClr val="accent1">
+              <a:shade val="15000"/>
+            </a:schemeClr>
+          </a:lnRef>
+          <a:fillRef idx="1">
+            <a:schemeClr val="accent1"/>
+          </a:fillRef>
+          <a:effectRef idx="0">
+            <a:schemeClr val="accent1"/>
+          </a:effectRef>
+          <a:fontRef idx="minor">
+            <a:schemeClr val="lt1"/>
+          </a:fontRef>
+        </p:style>
+        <p:txBody>
+          <a:bodyPr rtlCol="0" anchor="ctr"/>
+          <a:lstStyle/>
+          <a:p>
+            <a:pPr algn="ctr"/>
+            <a:endParaRPr lang="en-US"/>
+          </a:p>
+        </p:txBody>
+      </p:sp>
+      <p:sp>
+        <p:nvSpPr>
+          <p:cNvPr id="32" name="Content Placeholder 10">
+            <a:extLst>
+              <a:ext uri="{FF2B5EF4-FFF2-40B4-BE49-F238E27FC236}">
+                <a16:creationId xmlns:a16="http://schemas.microsoft.com/office/drawing/2014/main" id="{BEB2E983-00DD-110C-1DE4-5CCCA5D2B004}"/>
+              </a:ext>
+            </a:extLst>
+          </p:cNvPr>
+          <p:cNvSpPr txBox="1">
+            <a:spLocks/>
+          </p:cNvSpPr>
+          <p:nvPr/>
+        </p:nvSpPr>
+        <p:spPr>
+          <a:xfrm>
+            <a:off x="9147172" y="2354619"/>
+            <a:ext cx="2105260" cy="409461"/>
+          </a:xfrm>
+          <a:prstGeom prst="rect">
+            <a:avLst/>
+          </a:prstGeom>
+        </p:spPr>
+        <p:txBody>
+          <a:bodyPr vert="horz" lIns="91440" tIns="45720" rIns="91440" bIns="45720" rtlCol="0" anchor="t">
+            <a:normAutofit/>
+          </a:bodyPr>
+          <a:lstStyle>
+            <a:lvl1pPr marL="0" indent="0" algn="ctr" defTabSz="914400" rtl="0" eaLnBrk="1" latinLnBrk="0" hangingPunct="1">
+              <a:lnSpc>
+                <a:spcPct val="90000"/>
+              </a:lnSpc>
+              <a:spcBef>
+                <a:spcPts val="1000"/>
+              </a:spcBef>
+              <a:buFont typeface="Arial" panose="020B0604020202020204" pitchFamily="34" charset="0"/>
+              <a:buNone/>
+              <a:defRPr sz="2400" kern="1200">
+                <a:solidFill>
+                  <a:schemeClr val="tx1"/>
+                </a:solidFill>
+                <a:latin typeface="+mn-lt"/>
+                <a:ea typeface="+mn-ea"/>
+                <a:cs typeface="+mn-cs"/>
+              </a:defRPr>
+            </a:lvl1pPr>
+            <a:lvl2pPr marL="457200" indent="0" algn="ctr" defTabSz="914400" rtl="0" eaLnBrk="1" latinLnBrk="0" hangingPunct="1">
+              <a:lnSpc>
+                <a:spcPct val="90000"/>
+              </a:lnSpc>
+              <a:spcBef>
+                <a:spcPts val="500"/>
+              </a:spcBef>
+              <a:buFont typeface="Arial" panose="020B0604020202020204" pitchFamily="34" charset="0"/>
+              <a:buNone/>
+              <a:defRPr sz="2000" kern="1200">
+                <a:solidFill>
+                  <a:schemeClr val="tx1"/>
+                </a:solidFill>
+                <a:latin typeface="+mn-lt"/>
+                <a:ea typeface="+mn-ea"/>
+                <a:cs typeface="+mn-cs"/>
+              </a:defRPr>
+            </a:lvl2pPr>
+            <a:lvl3pPr marL="914400" indent="0" algn="ctr" defTabSz="914400" rtl="0" eaLnBrk="1" latinLnBrk="0" hangingPunct="1">
+              <a:lnSpc>
+                <a:spcPct val="90000"/>
+              </a:lnSpc>
+              <a:spcBef>
+                <a:spcPts val="500"/>
+              </a:spcBef>
+              <a:buFont typeface="Arial" panose="020B0604020202020204" pitchFamily="34" charset="0"/>
+              <a:buNone/>
+              <a:defRPr sz="1800" kern="1200">
+                <a:solidFill>
+                  <a:schemeClr val="tx1"/>
+                </a:solidFill>
+                <a:latin typeface="+mn-lt"/>
+                <a:ea typeface="+mn-ea"/>
+                <a:cs typeface="+mn-cs"/>
+              </a:defRPr>
+            </a:lvl3pPr>
+            <a:lvl4pPr marL="1371600" indent="0" algn="ctr" defTabSz="914400" rtl="0" eaLnBrk="1" latinLnBrk="0" hangingPunct="1">
+              <a:lnSpc>
+                <a:spcPct val="90000"/>
+              </a:lnSpc>
+              <a:spcBef>
+                <a:spcPts val="500"/>
+              </a:spcBef>
+              <a:buFont typeface="Arial" panose="020B0604020202020204" pitchFamily="34" charset="0"/>
+              <a:buNone/>
+              <a:defRPr sz="1600" kern="1200">
+                <a:solidFill>
+                  <a:schemeClr val="tx1"/>
+                </a:solidFill>
+                <a:latin typeface="+mn-lt"/>
+                <a:ea typeface="+mn-ea"/>
+                <a:cs typeface="+mn-cs"/>
+              </a:defRPr>
+            </a:lvl4pPr>
+            <a:lvl5pPr marL="1828800" indent="0" algn="ctr" defTabSz="914400" rtl="0" eaLnBrk="1" latinLnBrk="0" hangingPunct="1">
+              <a:lnSpc>
+                <a:spcPct val="90000"/>
+              </a:lnSpc>
+              <a:spcBef>
+                <a:spcPts val="500"/>
+              </a:spcBef>
+              <a:buFont typeface="Arial" panose="020B0604020202020204" pitchFamily="34" charset="0"/>
+              <a:buNone/>
+              <a:defRPr sz="1600" kern="1200">
+                <a:solidFill>
+                  <a:schemeClr val="tx1"/>
+                </a:solidFill>
+                <a:latin typeface="+mn-lt"/>
+                <a:ea typeface="+mn-ea"/>
+                <a:cs typeface="+mn-cs"/>
+              </a:defRPr>
+            </a:lvl5pPr>
+            <a:lvl6pPr marL="2286000" indent="0" algn="ctr" defTabSz="914400" rtl="0" eaLnBrk="1" latinLnBrk="0" hangingPunct="1">
+              <a:lnSpc>
+                <a:spcPct val="90000"/>
+              </a:lnSpc>
+              <a:spcBef>
+                <a:spcPts val="500"/>
+              </a:spcBef>
+              <a:buFont typeface="Arial" panose="020B0604020202020204" pitchFamily="34" charset="0"/>
+              <a:buNone/>
+              <a:defRPr sz="1600" kern="1200">
+                <a:solidFill>
+                  <a:schemeClr val="tx1"/>
+                </a:solidFill>
+                <a:latin typeface="+mn-lt"/>
+                <a:ea typeface="+mn-ea"/>
+                <a:cs typeface="+mn-cs"/>
+              </a:defRPr>
+            </a:lvl6pPr>
+            <a:lvl7pPr marL="2743200" indent="0" algn="ctr" defTabSz="914400" rtl="0" eaLnBrk="1" latinLnBrk="0" hangingPunct="1">
+              <a:lnSpc>
+                <a:spcPct val="90000"/>
+              </a:lnSpc>
+              <a:spcBef>
+                <a:spcPts val="500"/>
+              </a:spcBef>
+              <a:buFont typeface="Arial" panose="020B0604020202020204" pitchFamily="34" charset="0"/>
+              <a:buNone/>
+              <a:defRPr sz="1600" kern="1200">
+                <a:solidFill>
+                  <a:schemeClr val="tx1"/>
+                </a:solidFill>
+                <a:latin typeface="+mn-lt"/>
+                <a:ea typeface="+mn-ea"/>
+                <a:cs typeface="+mn-cs"/>
+              </a:defRPr>
+            </a:lvl7pPr>
+            <a:lvl8pPr marL="3200400" indent="0" algn="ctr" defTabSz="914400" rtl="0" eaLnBrk="1" latinLnBrk="0" hangingPunct="1">
+              <a:lnSpc>
+                <a:spcPct val="90000"/>
+              </a:lnSpc>
+              <a:spcBef>
+                <a:spcPts val="500"/>
+              </a:spcBef>
+              <a:buFont typeface="Arial" panose="020B0604020202020204" pitchFamily="34" charset="0"/>
+              <a:buNone/>
+              <a:defRPr sz="1600" kern="1200">
+                <a:solidFill>
+                  <a:schemeClr val="tx1"/>
+                </a:solidFill>
+                <a:latin typeface="+mn-lt"/>
+                <a:ea typeface="+mn-ea"/>
+                <a:cs typeface="+mn-cs"/>
+              </a:defRPr>
+            </a:lvl8pPr>
+            <a:lvl9pPr marL="3657600" indent="0" algn="ctr" defTabSz="914400" rtl="0" eaLnBrk="1" latinLnBrk="0" hangingPunct="1">
+              <a:lnSpc>
+                <a:spcPct val="90000"/>
+              </a:lnSpc>
+              <a:spcBef>
+                <a:spcPts val="500"/>
+              </a:spcBef>
+              <a:buFont typeface="Arial" panose="020B0604020202020204" pitchFamily="34" charset="0"/>
+              <a:buNone/>
+              <a:defRPr sz="1600" kern="1200">
+                <a:solidFill>
+                  <a:schemeClr val="tx1"/>
+                </a:solidFill>
+                <a:latin typeface="+mn-lt"/>
+                <a:ea typeface="+mn-ea"/>
+                <a:cs typeface="+mn-cs"/>
+              </a:defRPr>
+            </a:lvl9pPr>
+          </a:lstStyle>
+          <a:p>
+            <a:pPr algn="l"/>
+            <a:r>
+              <a:rPr lang="en-US" sz="2000" dirty="0">
+                <a:latin typeface="Grandview Display"/>
+              </a:rPr>
+              <a:t>Best Practice</a:t>
+            </a:r>
+          </a:p>
+        </p:txBody>
+      </p:sp>
+      <p:sp>
+        <p:nvSpPr>
+          <p:cNvPr id="33" name="Content Placeholder 10">
+            <a:extLst>
+              <a:ext uri="{FF2B5EF4-FFF2-40B4-BE49-F238E27FC236}">
+                <a16:creationId xmlns:a16="http://schemas.microsoft.com/office/drawing/2014/main" id="{CD7F7324-286E-B36F-A9EF-4F1B0D10239F}"/>
+              </a:ext>
+            </a:extLst>
+          </p:cNvPr>
+          <p:cNvSpPr txBox="1">
+            <a:spLocks/>
+          </p:cNvSpPr>
+          <p:nvPr/>
+        </p:nvSpPr>
+        <p:spPr>
+          <a:xfrm>
+            <a:off x="5237046" y="2368920"/>
+            <a:ext cx="2769286" cy="769441"/>
+          </a:xfrm>
+          <a:prstGeom prst="rect">
+            <a:avLst/>
+          </a:prstGeom>
+        </p:spPr>
+        <p:txBody>
+          <a:bodyPr vert="horz" lIns="91440" tIns="45720" rIns="91440" bIns="45720" rtlCol="0" anchor="t">
+            <a:normAutofit/>
+          </a:bodyPr>
+          <a:lstStyle>
+            <a:lvl1pPr marL="0" indent="0" algn="ctr" defTabSz="914400" rtl="0" eaLnBrk="1" latinLnBrk="0" hangingPunct="1">
+              <a:lnSpc>
+                <a:spcPct val="90000"/>
+              </a:lnSpc>
+              <a:spcBef>
+                <a:spcPts val="1000"/>
+              </a:spcBef>
+              <a:buFont typeface="Arial" panose="020B0604020202020204" pitchFamily="34" charset="0"/>
+              <a:buNone/>
+              <a:defRPr sz="2400" kern="1200">
+                <a:solidFill>
+                  <a:schemeClr val="tx1"/>
+                </a:solidFill>
+                <a:latin typeface="+mn-lt"/>
+                <a:ea typeface="+mn-ea"/>
+                <a:cs typeface="+mn-cs"/>
+              </a:defRPr>
+            </a:lvl1pPr>
+            <a:lvl2pPr marL="457200" indent="0" algn="ctr" defTabSz="914400" rtl="0" eaLnBrk="1" latinLnBrk="0" hangingPunct="1">
+              <a:lnSpc>
+                <a:spcPct val="90000"/>
+              </a:lnSpc>
+              <a:spcBef>
+                <a:spcPts val="500"/>
+              </a:spcBef>
+              <a:buFont typeface="Arial" panose="020B0604020202020204" pitchFamily="34" charset="0"/>
+              <a:buNone/>
+              <a:defRPr sz="2000" kern="1200">
+                <a:solidFill>
+                  <a:schemeClr val="tx1"/>
+                </a:solidFill>
+                <a:latin typeface="+mn-lt"/>
+                <a:ea typeface="+mn-ea"/>
+                <a:cs typeface="+mn-cs"/>
+              </a:defRPr>
+            </a:lvl2pPr>
+            <a:lvl3pPr marL="914400" indent="0" algn="ctr" defTabSz="914400" rtl="0" eaLnBrk="1" latinLnBrk="0" hangingPunct="1">
+              <a:lnSpc>
+                <a:spcPct val="90000"/>
+              </a:lnSpc>
+              <a:spcBef>
+                <a:spcPts val="500"/>
+              </a:spcBef>
+              <a:buFont typeface="Arial" panose="020B0604020202020204" pitchFamily="34" charset="0"/>
+              <a:buNone/>
+              <a:defRPr sz="1800" kern="1200">
+                <a:solidFill>
+                  <a:schemeClr val="tx1"/>
+                </a:solidFill>
+                <a:latin typeface="+mn-lt"/>
+                <a:ea typeface="+mn-ea"/>
+                <a:cs typeface="+mn-cs"/>
+              </a:defRPr>
+            </a:lvl3pPr>
+            <a:lvl4pPr marL="1371600" indent="0" algn="ctr" defTabSz="914400" rtl="0" eaLnBrk="1" latinLnBrk="0" hangingPunct="1">
+              <a:lnSpc>
+                <a:spcPct val="90000"/>
+              </a:lnSpc>
+              <a:spcBef>
+                <a:spcPts val="500"/>
+              </a:spcBef>
+              <a:buFont typeface="Arial" panose="020B0604020202020204" pitchFamily="34" charset="0"/>
+              <a:buNone/>
+              <a:defRPr sz="1600" kern="1200">
+                <a:solidFill>
+                  <a:schemeClr val="tx1"/>
+                </a:solidFill>
+                <a:latin typeface="+mn-lt"/>
+                <a:ea typeface="+mn-ea"/>
+                <a:cs typeface="+mn-cs"/>
+              </a:defRPr>
+            </a:lvl4pPr>
+            <a:lvl5pPr marL="1828800" indent="0" algn="ctr" defTabSz="914400" rtl="0" eaLnBrk="1" latinLnBrk="0" hangingPunct="1">
+              <a:lnSpc>
+                <a:spcPct val="90000"/>
+              </a:lnSpc>
+              <a:spcBef>
+                <a:spcPts val="500"/>
+              </a:spcBef>
+              <a:buFont typeface="Arial" panose="020B0604020202020204" pitchFamily="34" charset="0"/>
+              <a:buNone/>
+              <a:defRPr sz="1600" kern="1200">
+                <a:solidFill>
+                  <a:schemeClr val="tx1"/>
+                </a:solidFill>
+                <a:latin typeface="+mn-lt"/>
+                <a:ea typeface="+mn-ea"/>
+                <a:cs typeface="+mn-cs"/>
+              </a:defRPr>
+            </a:lvl5pPr>
+            <a:lvl6pPr marL="2286000" indent="0" algn="ctr" defTabSz="914400" rtl="0" eaLnBrk="1" latinLnBrk="0" hangingPunct="1">
+              <a:lnSpc>
+                <a:spcPct val="90000"/>
+              </a:lnSpc>
+              <a:spcBef>
+                <a:spcPts val="500"/>
+              </a:spcBef>
+              <a:buFont typeface="Arial" panose="020B0604020202020204" pitchFamily="34" charset="0"/>
+              <a:buNone/>
+              <a:defRPr sz="1600" kern="1200">
+                <a:solidFill>
+                  <a:schemeClr val="tx1"/>
+                </a:solidFill>
+                <a:latin typeface="+mn-lt"/>
+                <a:ea typeface="+mn-ea"/>
+                <a:cs typeface="+mn-cs"/>
+              </a:defRPr>
+            </a:lvl6pPr>
+            <a:lvl7pPr marL="2743200" indent="0" algn="ctr" defTabSz="914400" rtl="0" eaLnBrk="1" latinLnBrk="0" hangingPunct="1">
+              <a:lnSpc>
+                <a:spcPct val="90000"/>
+              </a:lnSpc>
+              <a:spcBef>
+                <a:spcPts val="500"/>
+              </a:spcBef>
+              <a:buFont typeface="Arial" panose="020B0604020202020204" pitchFamily="34" charset="0"/>
+              <a:buNone/>
+              <a:defRPr sz="1600" kern="1200">
+                <a:solidFill>
+                  <a:schemeClr val="tx1"/>
+                </a:solidFill>
+                <a:latin typeface="+mn-lt"/>
+                <a:ea typeface="+mn-ea"/>
+                <a:cs typeface="+mn-cs"/>
+              </a:defRPr>
+            </a:lvl7pPr>
+            <a:lvl8pPr marL="3200400" indent="0" algn="ctr" defTabSz="914400" rtl="0" eaLnBrk="1" latinLnBrk="0" hangingPunct="1">
+              <a:lnSpc>
+                <a:spcPct val="90000"/>
+              </a:lnSpc>
+              <a:spcBef>
+                <a:spcPts val="500"/>
+              </a:spcBef>
+              <a:buFont typeface="Arial" panose="020B0604020202020204" pitchFamily="34" charset="0"/>
+              <a:buNone/>
+              <a:defRPr sz="1600" kern="1200">
+                <a:solidFill>
+                  <a:schemeClr val="tx1"/>
+                </a:solidFill>
+                <a:latin typeface="+mn-lt"/>
+                <a:ea typeface="+mn-ea"/>
+                <a:cs typeface="+mn-cs"/>
+              </a:defRPr>
+            </a:lvl8pPr>
+            <a:lvl9pPr marL="3657600" indent="0" algn="ctr" defTabSz="914400" rtl="0" eaLnBrk="1" latinLnBrk="0" hangingPunct="1">
+              <a:lnSpc>
+                <a:spcPct val="90000"/>
+              </a:lnSpc>
+              <a:spcBef>
+                <a:spcPts val="500"/>
+              </a:spcBef>
+              <a:buFont typeface="Arial" panose="020B0604020202020204" pitchFamily="34" charset="0"/>
+              <a:buNone/>
+              <a:defRPr sz="1600" kern="1200">
+                <a:solidFill>
+                  <a:schemeClr val="tx1"/>
+                </a:solidFill>
+                <a:latin typeface="+mn-lt"/>
+                <a:ea typeface="+mn-ea"/>
+                <a:cs typeface="+mn-cs"/>
+              </a:defRPr>
+            </a:lvl9pPr>
+          </a:lstStyle>
+          <a:p>
+            <a:pPr algn="l"/>
+            <a:r>
+              <a:rPr lang="en-US" sz="2000" dirty="0">
+                <a:latin typeface="Grandview Display"/>
+              </a:rPr>
+              <a:t>Potential Fines &amp; Customers at Risk</a:t>
+            </a:r>
+          </a:p>
+        </p:txBody>
+      </p:sp>
+      <p:grpSp>
+        <p:nvGrpSpPr>
+          <p:cNvPr id="11" name="Group 10">
+            <a:extLst>
+              <a:ext uri="{FF2B5EF4-FFF2-40B4-BE49-F238E27FC236}">
+                <a16:creationId xmlns:a16="http://schemas.microsoft.com/office/drawing/2014/main" id="{6ECFF9E9-58C3-6F75-0272-F80027861F22}"/>
+              </a:ext>
+            </a:extLst>
+          </p:cNvPr>
+          <p:cNvGrpSpPr/>
+          <p:nvPr/>
+        </p:nvGrpSpPr>
+        <p:grpSpPr>
+          <a:xfrm>
+            <a:off x="5757232" y="1212713"/>
+            <a:ext cx="1024568" cy="1079653"/>
+            <a:chOff x="7744814" y="1060143"/>
+            <a:chExt cx="1024568" cy="1079653"/>
+          </a:xfrm>
+        </p:grpSpPr>
+        <p:sp>
+          <p:nvSpPr>
+            <p:cNvPr id="10" name="Rounded Rectangle 9">
+              <a:extLst>
+                <a:ext uri="{FF2B5EF4-FFF2-40B4-BE49-F238E27FC236}">
+                  <a16:creationId xmlns:a16="http://schemas.microsoft.com/office/drawing/2014/main" id="{91F0637E-41F6-FB88-821A-74A4DCF69973}"/>
+                </a:ext>
+              </a:extLst>
+            </p:cNvPr>
+            <p:cNvSpPr/>
+            <p:nvPr/>
+          </p:nvSpPr>
+          <p:spPr>
+            <a:xfrm>
+              <a:off x="7744814" y="1060143"/>
+              <a:ext cx="1024568" cy="1079653"/>
+            </a:xfrm>
+            <a:prstGeom prst="roundRect">
+              <a:avLst/>
+            </a:prstGeom>
+            <a:solidFill>
+              <a:schemeClr val="accent5">
+                <a:lumMod val="60000"/>
+                <a:lumOff val="40000"/>
+              </a:schemeClr>
+            </a:solidFill>
+            <a:ln>
+              <a:solidFill>
+                <a:schemeClr val="accent5">
+                  <a:lumMod val="60000"/>
+                  <a:lumOff val="40000"/>
+                </a:schemeClr>
+              </a:solidFill>
+            </a:ln>
+          </p:spPr>
+          <p:style>
+            <a:lnRef idx="2">
+              <a:schemeClr val="accent1">
+                <a:shade val="15000"/>
+              </a:schemeClr>
+            </a:lnRef>
+            <a:fillRef idx="1">
+              <a:schemeClr val="accent1"/>
+            </a:fillRef>
+            <a:effectRef idx="0">
+              <a:schemeClr val="accent1"/>
+            </a:effectRef>
+            <a:fontRef idx="minor">
+              <a:schemeClr val="lt1"/>
+            </a:fontRef>
+          </p:style>
+          <p:txBody>
+            <a:bodyPr rtlCol="0" anchor="ctr"/>
+            <a:lstStyle/>
+            <a:p>
+              <a:pPr algn="ctr"/>
+              <a:endParaRPr lang="en-US"/>
+            </a:p>
+          </p:txBody>
+        </p:sp>
+        <p:pic>
+          <p:nvPicPr>
+            <p:cNvPr id="8" name="Picture 7">
+              <a:extLst>
+                <a:ext uri="{FF2B5EF4-FFF2-40B4-BE49-F238E27FC236}">
+                  <a16:creationId xmlns:a16="http://schemas.microsoft.com/office/drawing/2014/main" id="{639EFE79-9036-AD87-343F-B77D370754D7}"/>
+                </a:ext>
+              </a:extLst>
+            </p:cNvPr>
+            <p:cNvPicPr>
+              <a:picLocks noChangeAspect="1"/>
+            </p:cNvPicPr>
+            <p:nvPr/>
+          </p:nvPicPr>
+          <p:blipFill>
+            <a:blip r:embed="rId4"/>
+            <a:stretch>
+              <a:fillRect/>
+            </a:stretch>
+          </p:blipFill>
+          <p:spPr>
+            <a:xfrm>
+              <a:off x="7883566" y="1181754"/>
+              <a:ext cx="747064" cy="747064"/>
+            </a:xfrm>
+            <a:prstGeom prst="rect">
+              <a:avLst/>
+            </a:prstGeom>
+          </p:spPr>
+        </p:pic>
+      </p:grpSp>
+      <p:grpSp>
+        <p:nvGrpSpPr>
+          <p:cNvPr id="13" name="Group 12">
+            <a:extLst>
+              <a:ext uri="{FF2B5EF4-FFF2-40B4-BE49-F238E27FC236}">
+                <a16:creationId xmlns:a16="http://schemas.microsoft.com/office/drawing/2014/main" id="{27437D3B-4130-EF7C-07D7-F7AD8F73F33A}"/>
+              </a:ext>
+            </a:extLst>
+          </p:cNvPr>
+          <p:cNvGrpSpPr/>
+          <p:nvPr/>
+        </p:nvGrpSpPr>
+        <p:grpSpPr>
+          <a:xfrm>
+            <a:off x="9404386" y="1131712"/>
+            <a:ext cx="1024568" cy="1079653"/>
+            <a:chOff x="9404386" y="1131712"/>
+            <a:chExt cx="1024568" cy="1079653"/>
+          </a:xfrm>
+        </p:grpSpPr>
+        <p:sp>
+          <p:nvSpPr>
+            <p:cNvPr id="4" name="Rounded Rectangle 3">
+              <a:extLst>
+                <a:ext uri="{FF2B5EF4-FFF2-40B4-BE49-F238E27FC236}">
+                  <a16:creationId xmlns:a16="http://schemas.microsoft.com/office/drawing/2014/main" id="{96F657B8-2F55-1D06-C42C-057DB3C91BC0}"/>
+                </a:ext>
+              </a:extLst>
+            </p:cNvPr>
+            <p:cNvSpPr/>
+            <p:nvPr/>
+          </p:nvSpPr>
+          <p:spPr>
+            <a:xfrm>
+              <a:off x="9404386" y="1131712"/>
+              <a:ext cx="1024568" cy="1079653"/>
+            </a:xfrm>
+            <a:prstGeom prst="roundRect">
+              <a:avLst/>
+            </a:prstGeom>
+            <a:solidFill>
+              <a:schemeClr val="accent5">
+                <a:lumMod val="60000"/>
+                <a:lumOff val="40000"/>
+              </a:schemeClr>
+            </a:solidFill>
+            <a:ln>
+              <a:solidFill>
+                <a:schemeClr val="accent5">
+                  <a:lumMod val="60000"/>
+                  <a:lumOff val="40000"/>
+                </a:schemeClr>
+              </a:solidFill>
+            </a:ln>
+          </p:spPr>
+          <p:style>
+            <a:lnRef idx="2">
+              <a:schemeClr val="accent1">
+                <a:shade val="15000"/>
+              </a:schemeClr>
+            </a:lnRef>
+            <a:fillRef idx="1">
+              <a:schemeClr val="accent1"/>
+            </a:fillRef>
+            <a:effectRef idx="0">
+              <a:schemeClr val="accent1"/>
+            </a:effectRef>
+            <a:fontRef idx="minor">
+              <a:schemeClr val="lt1"/>
+            </a:fontRef>
+          </p:style>
+          <p:txBody>
+            <a:bodyPr rtlCol="0" anchor="ctr"/>
+            <a:lstStyle/>
+            <a:p>
+              <a:pPr algn="ctr"/>
+              <a:endParaRPr lang="en-US"/>
+            </a:p>
+          </p:txBody>
+        </p:sp>
+        <p:pic>
+          <p:nvPicPr>
+            <p:cNvPr id="12" name="Picture 11">
+              <a:extLst>
+                <a:ext uri="{FF2B5EF4-FFF2-40B4-BE49-F238E27FC236}">
+                  <a16:creationId xmlns:a16="http://schemas.microsoft.com/office/drawing/2014/main" id="{7AE21969-B693-C9A6-C7BD-D24BC8FCA0EB}"/>
+                </a:ext>
+              </a:extLst>
+            </p:cNvPr>
+            <p:cNvPicPr>
+              <a:picLocks noChangeAspect="1"/>
+            </p:cNvPicPr>
+            <p:nvPr/>
+          </p:nvPicPr>
+          <p:blipFill>
+            <a:blip r:embed="rId5"/>
+            <a:stretch>
+              <a:fillRect/>
+            </a:stretch>
+          </p:blipFill>
+          <p:spPr>
+            <a:xfrm>
+              <a:off x="9514520" y="1288215"/>
+              <a:ext cx="766646" cy="766646"/>
+            </a:xfrm>
+            <a:prstGeom prst="rect">
+              <a:avLst/>
+            </a:prstGeom>
+          </p:spPr>
+        </p:pic>
+      </p:grpSp>
+      <p:grpSp>
+        <p:nvGrpSpPr>
+          <p:cNvPr id="27" name="Group 26">
+            <a:extLst>
+              <a:ext uri="{FF2B5EF4-FFF2-40B4-BE49-F238E27FC236}">
+                <a16:creationId xmlns:a16="http://schemas.microsoft.com/office/drawing/2014/main" id="{3DEE03BB-1EED-F857-826A-51C44F89FABE}"/>
+              </a:ext>
+            </a:extLst>
+          </p:cNvPr>
+          <p:cNvGrpSpPr/>
+          <p:nvPr/>
+        </p:nvGrpSpPr>
+        <p:grpSpPr>
+          <a:xfrm>
+            <a:off x="2186266" y="1228407"/>
+            <a:ext cx="1024568" cy="1079653"/>
+            <a:chOff x="2186266" y="1228407"/>
+            <a:chExt cx="1024568" cy="1079653"/>
+          </a:xfrm>
+        </p:grpSpPr>
+        <p:sp>
+          <p:nvSpPr>
+            <p:cNvPr id="14" name="Rounded Rectangle 13">
+              <a:extLst>
+                <a:ext uri="{FF2B5EF4-FFF2-40B4-BE49-F238E27FC236}">
+                  <a16:creationId xmlns:a16="http://schemas.microsoft.com/office/drawing/2014/main" id="{6D64227D-5D75-2BBC-5239-448D99525C9C}"/>
+                </a:ext>
+              </a:extLst>
+            </p:cNvPr>
+            <p:cNvSpPr/>
+            <p:nvPr/>
+          </p:nvSpPr>
+          <p:spPr>
+            <a:xfrm>
+              <a:off x="2186266" y="1228407"/>
+              <a:ext cx="1024568" cy="1079653"/>
+            </a:xfrm>
+            <a:prstGeom prst="roundRect">
+              <a:avLst/>
+            </a:prstGeom>
+            <a:solidFill>
+              <a:schemeClr val="accent5">
+                <a:lumMod val="60000"/>
+                <a:lumOff val="40000"/>
+              </a:schemeClr>
+            </a:solidFill>
+            <a:ln>
+              <a:solidFill>
+                <a:schemeClr val="accent5">
+                  <a:lumMod val="60000"/>
+                  <a:lumOff val="40000"/>
+                </a:schemeClr>
+              </a:solidFill>
+            </a:ln>
+          </p:spPr>
+          <p:style>
+            <a:lnRef idx="2">
+              <a:schemeClr val="accent1">
+                <a:shade val="15000"/>
+              </a:schemeClr>
+            </a:lnRef>
+            <a:fillRef idx="1">
+              <a:schemeClr val="accent1"/>
+            </a:fillRef>
+            <a:effectRef idx="0">
+              <a:schemeClr val="accent1"/>
+            </a:effectRef>
+            <a:fontRef idx="minor">
+              <a:schemeClr val="lt1"/>
+            </a:fontRef>
+          </p:style>
+          <p:txBody>
+            <a:bodyPr rtlCol="0" anchor="ctr"/>
+            <a:lstStyle/>
+            <a:p>
+              <a:pPr algn="ctr"/>
+              <a:endParaRPr lang="en-US"/>
+            </a:p>
+          </p:txBody>
+        </p:sp>
+        <p:pic>
+          <p:nvPicPr>
+            <p:cNvPr id="18" name="Picture 17">
+              <a:extLst>
+                <a:ext uri="{FF2B5EF4-FFF2-40B4-BE49-F238E27FC236}">
+                  <a16:creationId xmlns:a16="http://schemas.microsoft.com/office/drawing/2014/main" id="{8978C538-A98D-1B19-47F9-C8756FB3F809}"/>
+                </a:ext>
+              </a:extLst>
+            </p:cNvPr>
+            <p:cNvPicPr>
+              <a:picLocks noChangeAspect="1"/>
+            </p:cNvPicPr>
+            <p:nvPr/>
+          </p:nvPicPr>
+          <p:blipFill>
+            <a:blip r:embed="rId6"/>
+            <a:stretch>
+              <a:fillRect/>
+            </a:stretch>
+          </p:blipFill>
+          <p:spPr>
+            <a:xfrm>
+              <a:off x="2245033" y="1294779"/>
+              <a:ext cx="889613" cy="889613"/>
+            </a:xfrm>
+            <a:prstGeom prst="rect">
+              <a:avLst/>
+            </a:prstGeom>
+          </p:spPr>
+        </p:pic>
+      </p:grpSp>
+    </p:spTree>
+    <p:extLst>
+      <p:ext uri="{BB962C8B-B14F-4D97-AF65-F5344CB8AC3E}">
+        <p14:creationId xmlns:p14="http://schemas.microsoft.com/office/powerpoint/2010/main" val="2118758114"/>
+      </p:ext>
+    </p:extLst>
+  </p:cSld>
+  <p:clrMapOvr>
+    <a:masterClrMapping/>
+  </p:clrMapOvr>
+</p:sld>
+</file>
+
+<file path=ppt/slides/slide7.xml><?xml version="1.0" encoding="utf-8"?>
+<p:sld xmlns:a="http://schemas.openxmlformats.org/drawingml/2006/main" xmlns:r="http://schemas.openxmlformats.org/officeDocument/2006/relationships" xmlns:p="http://schemas.openxmlformats.org/presentationml/2006/main">
+  <p:cSld>
+    <p:spTree>
+      <p:nvGrpSpPr>
+        <p:cNvPr id="1" name="">
+          <a:extLst>
+            <a:ext uri="{FF2B5EF4-FFF2-40B4-BE49-F238E27FC236}">
               <a16:creationId xmlns:a16="http://schemas.microsoft.com/office/drawing/2014/main" id="{BBA5B298-DDEF-EC5F-E9FA-746B7AE18BF2}"/>
             </a:ext>
           </a:extLst>
@@ -23949,7 +27470,7 @@
 </p:sld>
 </file>
 
-<file path=ppt/slides/slide7.xml><?xml version="1.0" encoding="utf-8"?>
+<file path=ppt/slides/slide8.xml><?xml version="1.0" encoding="utf-8"?>
 <p:sld xmlns:a="http://schemas.openxmlformats.org/drawingml/2006/main" xmlns:r="http://schemas.openxmlformats.org/officeDocument/2006/relationships" xmlns:p="http://schemas.openxmlformats.org/presentationml/2006/main">
   <p:cSld>
     <p:spTree>
@@ -25050,7 +28571,7 @@
 </p:sld>
 </file>
 
-<file path=ppt/slides/slide8.xml><?xml version="1.0" encoding="utf-8"?>
+<file path=ppt/slides/slide9.xml><?xml version="1.0" encoding="utf-8"?>
 <p:sld xmlns:a="http://schemas.openxmlformats.org/drawingml/2006/main" xmlns:r="http://schemas.openxmlformats.org/officeDocument/2006/relationships" xmlns:p="http://schemas.openxmlformats.org/presentationml/2006/main">
   <p:cSld>
     <p:bg>
@@ -28433,1984 +31954,6 @@
 </p:sld>
 </file>
 
-<file path=ppt/slides/slide9.xml><?xml version="1.0" encoding="utf-8"?>
-<p:sld xmlns:a="http://schemas.openxmlformats.org/drawingml/2006/main" xmlns:r="http://schemas.openxmlformats.org/officeDocument/2006/relationships" xmlns:p="http://schemas.openxmlformats.org/presentationml/2006/main">
-  <p:cSld>
-    <p:bg>
-      <p:bgPr>
-        <a:solidFill>
-          <a:schemeClr val="bg1"/>
-        </a:solidFill>
-        <a:effectLst/>
-      </p:bgPr>
-    </p:bg>
-    <p:spTree>
-      <p:nvGrpSpPr>
-        <p:cNvPr id="1" name="">
-          <a:extLst>
-            <a:ext uri="{FF2B5EF4-FFF2-40B4-BE49-F238E27FC236}">
-              <a16:creationId xmlns:a16="http://schemas.microsoft.com/office/drawing/2014/main" id="{DC7ABD73-4FF8-D9E2-FD8D-942FFAAC984E}"/>
-            </a:ext>
-          </a:extLst>
-        </p:cNvPr>
-        <p:cNvGrpSpPr/>
-        <p:nvPr/>
-      </p:nvGrpSpPr>
-      <p:grpSpPr>
-        <a:xfrm>
-          <a:off x="0" y="0"/>
-          <a:ext cx="0" cy="0"/>
-          <a:chOff x="0" y="0"/>
-          <a:chExt cx="0" cy="0"/>
-        </a:xfrm>
-      </p:grpSpPr>
-      <p:graphicFrame>
-        <p:nvGraphicFramePr>
-          <p:cNvPr id="6" name="Chart 5">
-            <a:extLst>
-              <a:ext uri="{FF2B5EF4-FFF2-40B4-BE49-F238E27FC236}">
-                <a16:creationId xmlns:a16="http://schemas.microsoft.com/office/drawing/2014/main" id="{5C608844-76B1-DBC0-0FF1-5DB8ACA79366}"/>
-              </a:ext>
-            </a:extLst>
-          </p:cNvPr>
-          <p:cNvGraphicFramePr/>
-          <p:nvPr>
-            <p:extLst>
-              <p:ext uri="{D42A27DB-BD31-4B8C-83A1-F6EECF244321}">
-                <p14:modId xmlns:p14="http://schemas.microsoft.com/office/powerpoint/2010/main" val="1882020031"/>
-              </p:ext>
-            </p:extLst>
-          </p:nvPr>
-        </p:nvGraphicFramePr>
-        <p:xfrm>
-          <a:off x="3589152" y="1358142"/>
-          <a:ext cx="7850909" cy="4766422"/>
-        </p:xfrm>
-        <a:graphic>
-          <a:graphicData uri="http://schemas.openxmlformats.org/drawingml/2006/chart">
-            <c:chart xmlns:c="http://schemas.openxmlformats.org/drawingml/2006/chart" xmlns:r="http://schemas.openxmlformats.org/officeDocument/2006/relationships" r:id="rId3"/>
-          </a:graphicData>
-        </a:graphic>
-      </p:graphicFrame>
-      <p:sp>
-        <p:nvSpPr>
-          <p:cNvPr id="5" name="Rectangle 4">
-            <a:extLst>
-              <a:ext uri="{FF2B5EF4-FFF2-40B4-BE49-F238E27FC236}">
-                <a16:creationId xmlns:a16="http://schemas.microsoft.com/office/drawing/2014/main" id="{230D9A34-47D4-9EC0-2CD4-C773B70D5D40}"/>
-              </a:ext>
-            </a:extLst>
-          </p:cNvPr>
-          <p:cNvSpPr/>
-          <p:nvPr/>
-        </p:nvSpPr>
-        <p:spPr>
-          <a:xfrm>
-            <a:off x="0" y="6246000"/>
-            <a:ext cx="12198000" cy="612000"/>
-          </a:xfrm>
-          <a:prstGeom prst="rect">
-            <a:avLst/>
-          </a:prstGeom>
-          <a:solidFill>
-            <a:schemeClr val="accent5">
-              <a:lumMod val="75000"/>
-            </a:schemeClr>
-          </a:solidFill>
-          <a:ln>
-            <a:noFill/>
-          </a:ln>
-        </p:spPr>
-        <p:style>
-          <a:lnRef idx="2">
-            <a:schemeClr val="accent1">
-              <a:shade val="15000"/>
-            </a:schemeClr>
-          </a:lnRef>
-          <a:fillRef idx="1">
-            <a:schemeClr val="accent1"/>
-          </a:fillRef>
-          <a:effectRef idx="0">
-            <a:schemeClr val="accent1"/>
-          </a:effectRef>
-          <a:fontRef idx="minor">
-            <a:schemeClr val="lt1"/>
-          </a:fontRef>
-        </p:style>
-        <p:txBody>
-          <a:bodyPr lIns="91440" tIns="45720" rIns="91440" bIns="45720" rtlCol="0" anchor="ctr"/>
-          <a:lstStyle/>
-          <a:p>
-            <a:pPr algn="ctr"/>
-            <a:endParaRPr lang="en-US">
-              <a:solidFill>
-                <a:srgbClr val="1148ED"/>
-              </a:solidFill>
-              <a:cs typeface="Calibri"/>
-            </a:endParaRPr>
-          </a:p>
-        </p:txBody>
-      </p:sp>
-      <p:pic>
-        <p:nvPicPr>
-          <p:cNvPr id="2" name="Picture 1">
-            <a:extLst>
-              <a:ext uri="{FF2B5EF4-FFF2-40B4-BE49-F238E27FC236}">
-                <a16:creationId xmlns:a16="http://schemas.microsoft.com/office/drawing/2014/main" id="{D2081E82-A6A6-B81A-6099-D93CAA3A2EBC}"/>
-              </a:ext>
-            </a:extLst>
-          </p:cNvPr>
-          <p:cNvPicPr>
-            <a:picLocks noChangeAspect="1"/>
-          </p:cNvPicPr>
-          <p:nvPr/>
-        </p:nvPicPr>
-        <p:blipFill>
-          <a:blip r:embed="rId4" cstate="print">
-            <a:lum bright="70000" contrast="-70000"/>
-            <a:extLst>
-              <a:ext uri="{28A0092B-C50C-407E-A947-70E740481C1C}">
-                <a14:useLocalDpi xmlns:a14="http://schemas.microsoft.com/office/drawing/2010/main" val="0"/>
-              </a:ext>
-            </a:extLst>
-          </a:blip>
-          <a:srcRect/>
-          <a:stretch>
-            <a:fillRect/>
-          </a:stretch>
-        </p:blipFill>
-        <p:spPr bwMode="auto">
-          <a:xfrm>
-            <a:off x="5410200" y="6314721"/>
-            <a:ext cx="1371600" cy="466725"/>
-          </a:xfrm>
-          <a:prstGeom prst="rect">
-            <a:avLst/>
-          </a:prstGeom>
-          <a:noFill/>
-          <a:ln>
-            <a:noFill/>
-          </a:ln>
-        </p:spPr>
-      </p:pic>
-      <p:sp>
-        <p:nvSpPr>
-          <p:cNvPr id="9" name="Rectangle 8">
-            <a:extLst>
-              <a:ext uri="{FF2B5EF4-FFF2-40B4-BE49-F238E27FC236}">
-                <a16:creationId xmlns:a16="http://schemas.microsoft.com/office/drawing/2014/main" id="{7F0A28A9-5B25-82D5-73FB-0526E1D1AFCE}"/>
-              </a:ext>
-            </a:extLst>
-          </p:cNvPr>
-          <p:cNvSpPr/>
-          <p:nvPr/>
-        </p:nvSpPr>
-        <p:spPr>
-          <a:xfrm>
-            <a:off x="-1" y="-42548"/>
-            <a:ext cx="12198000" cy="187691"/>
-          </a:xfrm>
-          <a:prstGeom prst="rect">
-            <a:avLst/>
-          </a:prstGeom>
-          <a:solidFill>
-            <a:schemeClr val="accent5">
-              <a:lumMod val="75000"/>
-            </a:schemeClr>
-          </a:solidFill>
-          <a:ln>
-            <a:noFill/>
-          </a:ln>
-        </p:spPr>
-        <p:style>
-          <a:lnRef idx="2">
-            <a:schemeClr val="accent1">
-              <a:shade val="15000"/>
-            </a:schemeClr>
-          </a:lnRef>
-          <a:fillRef idx="1">
-            <a:schemeClr val="accent1"/>
-          </a:fillRef>
-          <a:effectRef idx="0">
-            <a:schemeClr val="accent1"/>
-          </a:effectRef>
-          <a:fontRef idx="minor">
-            <a:schemeClr val="lt1"/>
-          </a:fontRef>
-        </p:style>
-        <p:txBody>
-          <a:bodyPr lIns="91440" tIns="45720" rIns="91440" bIns="45720" rtlCol="0" anchor="ctr"/>
-          <a:lstStyle/>
-          <a:p>
-            <a:pPr algn="ctr"/>
-            <a:endParaRPr lang="en-US">
-              <a:solidFill>
-                <a:srgbClr val="1148ED"/>
-              </a:solidFill>
-              <a:cs typeface="Calibri"/>
-            </a:endParaRPr>
-          </a:p>
-        </p:txBody>
-      </p:sp>
-      <p:sp>
-        <p:nvSpPr>
-          <p:cNvPr id="3" name="TextBox 1">
-            <a:extLst>
-              <a:ext uri="{FF2B5EF4-FFF2-40B4-BE49-F238E27FC236}">
-                <a16:creationId xmlns:a16="http://schemas.microsoft.com/office/drawing/2014/main" id="{9BE3C8C1-6848-C21C-5399-78A40AA0E56F}"/>
-              </a:ext>
-            </a:extLst>
-          </p:cNvPr>
-          <p:cNvSpPr txBox="1"/>
-          <p:nvPr/>
-        </p:nvSpPr>
-        <p:spPr>
-          <a:xfrm>
-            <a:off x="1578282" y="407602"/>
-            <a:ext cx="10019930" cy="769441"/>
-          </a:xfrm>
-          <a:prstGeom prst="rect">
-            <a:avLst/>
-          </a:prstGeom>
-          <a:noFill/>
-        </p:spPr>
-        <p:txBody>
-          <a:bodyPr wrap="square" lIns="91440" tIns="45720" rIns="91440" bIns="45720" rtlCol="0" anchor="t">
-            <a:spAutoFit/>
-          </a:bodyPr>
-          <a:lstStyle>
-            <a:defPPr>
-              <a:defRPr lang="en-US"/>
-            </a:defPPr>
-            <a:lvl1pPr marL="0" algn="l" defTabSz="914400" rtl="0" eaLnBrk="1" latinLnBrk="0" hangingPunct="1">
-              <a:defRPr sz="1800" kern="1200">
-                <a:solidFill>
-                  <a:schemeClr val="tx1"/>
-                </a:solidFill>
-                <a:latin typeface="+mn-lt"/>
-                <a:ea typeface="+mn-ea"/>
-                <a:cs typeface="+mn-cs"/>
-              </a:defRPr>
-            </a:lvl1pPr>
-            <a:lvl2pPr marL="457200" algn="l" defTabSz="914400" rtl="0" eaLnBrk="1" latinLnBrk="0" hangingPunct="1">
-              <a:defRPr sz="1800" kern="1200">
-                <a:solidFill>
-                  <a:schemeClr val="tx1"/>
-                </a:solidFill>
-                <a:latin typeface="+mn-lt"/>
-                <a:ea typeface="+mn-ea"/>
-                <a:cs typeface="+mn-cs"/>
-              </a:defRPr>
-            </a:lvl2pPr>
-            <a:lvl3pPr marL="914400" algn="l" defTabSz="914400" rtl="0" eaLnBrk="1" latinLnBrk="0" hangingPunct="1">
-              <a:defRPr sz="1800" kern="1200">
-                <a:solidFill>
-                  <a:schemeClr val="tx1"/>
-                </a:solidFill>
-                <a:latin typeface="+mn-lt"/>
-                <a:ea typeface="+mn-ea"/>
-                <a:cs typeface="+mn-cs"/>
-              </a:defRPr>
-            </a:lvl3pPr>
-            <a:lvl4pPr marL="1371600" algn="l" defTabSz="914400" rtl="0" eaLnBrk="1" latinLnBrk="0" hangingPunct="1">
-              <a:defRPr sz="1800" kern="1200">
-                <a:solidFill>
-                  <a:schemeClr val="tx1"/>
-                </a:solidFill>
-                <a:latin typeface="+mn-lt"/>
-                <a:ea typeface="+mn-ea"/>
-                <a:cs typeface="+mn-cs"/>
-              </a:defRPr>
-            </a:lvl4pPr>
-            <a:lvl5pPr marL="1828800" algn="l" defTabSz="914400" rtl="0" eaLnBrk="1" latinLnBrk="0" hangingPunct="1">
-              <a:defRPr sz="1800" kern="1200">
-                <a:solidFill>
-                  <a:schemeClr val="tx1"/>
-                </a:solidFill>
-                <a:latin typeface="+mn-lt"/>
-                <a:ea typeface="+mn-ea"/>
-                <a:cs typeface="+mn-cs"/>
-              </a:defRPr>
-            </a:lvl5pPr>
-            <a:lvl6pPr marL="2286000" algn="l" defTabSz="914400" rtl="0" eaLnBrk="1" latinLnBrk="0" hangingPunct="1">
-              <a:defRPr sz="1800" kern="1200">
-                <a:solidFill>
-                  <a:schemeClr val="tx1"/>
-                </a:solidFill>
-                <a:latin typeface="+mn-lt"/>
-                <a:ea typeface="+mn-ea"/>
-                <a:cs typeface="+mn-cs"/>
-              </a:defRPr>
-            </a:lvl6pPr>
-            <a:lvl7pPr marL="2743200" algn="l" defTabSz="914400" rtl="0" eaLnBrk="1" latinLnBrk="0" hangingPunct="1">
-              <a:defRPr sz="1800" kern="1200">
-                <a:solidFill>
-                  <a:schemeClr val="tx1"/>
-                </a:solidFill>
-                <a:latin typeface="+mn-lt"/>
-                <a:ea typeface="+mn-ea"/>
-                <a:cs typeface="+mn-cs"/>
-              </a:defRPr>
-            </a:lvl7pPr>
-            <a:lvl8pPr marL="3200400" algn="l" defTabSz="914400" rtl="0" eaLnBrk="1" latinLnBrk="0" hangingPunct="1">
-              <a:defRPr sz="1800" kern="1200">
-                <a:solidFill>
-                  <a:schemeClr val="tx1"/>
-                </a:solidFill>
-                <a:latin typeface="+mn-lt"/>
-                <a:ea typeface="+mn-ea"/>
-                <a:cs typeface="+mn-cs"/>
-              </a:defRPr>
-            </a:lvl8pPr>
-            <a:lvl9pPr marL="3657600" algn="l" defTabSz="914400" rtl="0" eaLnBrk="1" latinLnBrk="0" hangingPunct="1">
-              <a:defRPr sz="1800" kern="1200">
-                <a:solidFill>
-                  <a:schemeClr val="tx1"/>
-                </a:solidFill>
-                <a:latin typeface="+mn-lt"/>
-                <a:ea typeface="+mn-ea"/>
-                <a:cs typeface="+mn-cs"/>
-              </a:defRPr>
-            </a:lvl9pPr>
-          </a:lstStyle>
-          <a:p>
-            <a:r>
-              <a:rPr lang="en-US" sz="4400" b="1" dirty="0">
-                <a:solidFill>
-                  <a:schemeClr val="tx1">
-                    <a:lumMod val="75000"/>
-                    <a:lumOff val="25000"/>
-                  </a:schemeClr>
-                </a:solidFill>
-                <a:latin typeface="Avenir Next" panose="020B0503020202020204" pitchFamily="34" charset="0"/>
-                <a:ea typeface="Segoe UI Black"/>
-              </a:rPr>
-              <a:t>Residual Risk</a:t>
-            </a:r>
-            <a:endParaRPr lang="en-US" sz="4400" dirty="0">
-              <a:solidFill>
-                <a:schemeClr val="tx1">
-                  <a:lumMod val="75000"/>
-                  <a:lumOff val="25000"/>
-                </a:schemeClr>
-              </a:solidFill>
-              <a:latin typeface="Avenir Next" panose="020B0503020202020204" pitchFamily="34" charset="0"/>
-              <a:ea typeface="Segoe UI Black"/>
-            </a:endParaRPr>
-          </a:p>
-        </p:txBody>
-      </p:sp>
-      <p:sp>
-        <p:nvSpPr>
-          <p:cNvPr id="18" name="Rectangle: Rounded Corners 17">
-            <a:extLst>
-              <a:ext uri="{FF2B5EF4-FFF2-40B4-BE49-F238E27FC236}">
-                <a16:creationId xmlns:a16="http://schemas.microsoft.com/office/drawing/2014/main" id="{AD645F87-EE4B-7827-43C9-217BA6E9DD48}"/>
-              </a:ext>
-            </a:extLst>
-          </p:cNvPr>
-          <p:cNvSpPr/>
-          <p:nvPr/>
-        </p:nvSpPr>
-        <p:spPr>
-          <a:xfrm>
-            <a:off x="839396" y="2286000"/>
-            <a:ext cx="2288596" cy="3143650"/>
-          </a:xfrm>
-          <a:prstGeom prst="roundRect">
-            <a:avLst/>
-          </a:prstGeom>
-          <a:solidFill>
-            <a:srgbClr val="396AAA"/>
-          </a:solidFill>
-          <a:ln>
-            <a:noFill/>
-          </a:ln>
-        </p:spPr>
-        <p:style>
-          <a:lnRef idx="2">
-            <a:schemeClr val="accent1">
-              <a:shade val="15000"/>
-            </a:schemeClr>
-          </a:lnRef>
-          <a:fillRef idx="1">
-            <a:schemeClr val="accent1"/>
-          </a:fillRef>
-          <a:effectRef idx="0">
-            <a:schemeClr val="accent1"/>
-          </a:effectRef>
-          <a:fontRef idx="minor">
-            <a:schemeClr val="lt1"/>
-          </a:fontRef>
-        </p:style>
-        <p:txBody>
-          <a:bodyPr rtlCol="0" anchor="ctr"/>
-          <a:lstStyle/>
-          <a:p>
-            <a:pPr algn="ctr"/>
-            <a:endParaRPr lang="en-US"/>
-          </a:p>
-        </p:txBody>
-      </p:sp>
-      <p:grpSp>
-        <p:nvGrpSpPr>
-          <p:cNvPr id="17" name="Group 16">
-            <a:extLst>
-              <a:ext uri="{FF2B5EF4-FFF2-40B4-BE49-F238E27FC236}">
-                <a16:creationId xmlns:a16="http://schemas.microsoft.com/office/drawing/2014/main" id="{9AA1DB7F-9454-2D7E-25FD-534F47798641}"/>
-              </a:ext>
-            </a:extLst>
-          </p:cNvPr>
-          <p:cNvGrpSpPr/>
-          <p:nvPr/>
-        </p:nvGrpSpPr>
-        <p:grpSpPr>
-          <a:xfrm>
-            <a:off x="5744951" y="5499858"/>
-            <a:ext cx="227965" cy="228599"/>
-            <a:chOff x="0" y="0"/>
-            <a:chExt cx="228352" cy="228599"/>
-          </a:xfrm>
-        </p:grpSpPr>
-        <p:grpSp>
-          <p:nvGrpSpPr>
-            <p:cNvPr id="19" name="Graphic 1">
-              <a:extLst>
-                <a:ext uri="{FF2B5EF4-FFF2-40B4-BE49-F238E27FC236}">
-                  <a16:creationId xmlns:a16="http://schemas.microsoft.com/office/drawing/2014/main" id="{E94E7882-9D24-7DA4-F686-40EE685ACCBA}"/>
-                </a:ext>
-              </a:extLst>
-            </p:cNvPr>
-            <p:cNvGrpSpPr/>
-            <p:nvPr/>
-          </p:nvGrpSpPr>
-          <p:grpSpPr>
-            <a:xfrm>
-              <a:off x="0" y="0"/>
-              <a:ext cx="228352" cy="110728"/>
-              <a:chOff x="0" y="0"/>
-              <a:chExt cx="228352" cy="110728"/>
-            </a:xfrm>
-          </p:grpSpPr>
-          <p:sp>
-            <p:nvSpPr>
-              <p:cNvPr id="23" name="Freeform: Shape 22">
-                <a:extLst>
-                  <a:ext uri="{FF2B5EF4-FFF2-40B4-BE49-F238E27FC236}">
-                    <a16:creationId xmlns:a16="http://schemas.microsoft.com/office/drawing/2014/main" id="{F542B01A-C26F-B350-140B-8A292A11F8DD}"/>
-                  </a:ext>
-                </a:extLst>
-              </p:cNvPr>
-              <p:cNvSpPr/>
-              <p:nvPr/>
-            </p:nvSpPr>
-            <p:spPr>
-              <a:xfrm>
-                <a:off x="3634" y="3571"/>
-                <a:ext cx="221089" cy="103584"/>
-              </a:xfrm>
-              <a:custGeom>
-                <a:avLst/>
-                <a:gdLst>
-                  <a:gd name="connsiteX0" fmla="*/ 12474 w 221089"/>
-                  <a:gd name="connsiteY0" fmla="*/ 103584 h 103584"/>
-                  <a:gd name="connsiteX1" fmla="*/ 2822 w 221089"/>
-                  <a:gd name="connsiteY1" fmla="*/ 99084 h 103584"/>
-                  <a:gd name="connsiteX2" fmla="*/ 246 w 221089"/>
-                  <a:gd name="connsiteY2" fmla="*/ 88940 h 103584"/>
-                  <a:gd name="connsiteX3" fmla="*/ 110542 w 221089"/>
-                  <a:gd name="connsiteY3" fmla="*/ 0 h 103584"/>
-                  <a:gd name="connsiteX4" fmla="*/ 220851 w 221089"/>
-                  <a:gd name="connsiteY4" fmla="*/ 88940 h 103584"/>
-                  <a:gd name="connsiteX5" fmla="*/ 218262 w 221089"/>
-                  <a:gd name="connsiteY5" fmla="*/ 99084 h 103584"/>
-                  <a:gd name="connsiteX6" fmla="*/ 208610 w 221089"/>
-                  <a:gd name="connsiteY6" fmla="*/ 103584 h 103584"/>
-                  <a:gd name="connsiteX7" fmla="*/ 12474 w 221089"/>
-                  <a:gd name="connsiteY7" fmla="*/ 103584 h 103584"/>
-                </a:gdLst>
-                <a:ahLst/>
-                <a:cxnLst>
-                  <a:cxn ang="0">
-                    <a:pos x="connsiteX0" y="connsiteY0"/>
-                  </a:cxn>
-                  <a:cxn ang="0">
-                    <a:pos x="connsiteX1" y="connsiteY1"/>
-                  </a:cxn>
-                  <a:cxn ang="0">
-                    <a:pos x="connsiteX2" y="connsiteY2"/>
-                  </a:cxn>
-                  <a:cxn ang="0">
-                    <a:pos x="connsiteX3" y="connsiteY3"/>
-                  </a:cxn>
-                  <a:cxn ang="0">
-                    <a:pos x="connsiteX4" y="connsiteY4"/>
-                  </a:cxn>
-                  <a:cxn ang="0">
-                    <a:pos x="connsiteX5" y="connsiteY5"/>
-                  </a:cxn>
-                  <a:cxn ang="0">
-                    <a:pos x="connsiteX6" y="connsiteY6"/>
-                  </a:cxn>
-                  <a:cxn ang="0">
-                    <a:pos x="connsiteX7" y="connsiteY7"/>
-                  </a:cxn>
-                </a:cxnLst>
-                <a:rect l="l" t="t" r="r" b="b"/>
-                <a:pathLst>
-                  <a:path w="221089" h="103584">
-                    <a:moveTo>
-                      <a:pt x="12474" y="103584"/>
-                    </a:moveTo>
-                    <a:cubicBezTo>
-                      <a:pt x="8724" y="103584"/>
-                      <a:pt x="5205" y="101941"/>
-                      <a:pt x="2822" y="99084"/>
-                    </a:cubicBezTo>
-                    <a:cubicBezTo>
-                      <a:pt x="451" y="96238"/>
-                      <a:pt x="-492" y="92535"/>
-                      <a:pt x="246" y="88940"/>
-                    </a:cubicBezTo>
-                    <a:cubicBezTo>
-                      <a:pt x="10684" y="37409"/>
-                      <a:pt x="57069" y="0"/>
-                      <a:pt x="110542" y="0"/>
-                    </a:cubicBezTo>
-                    <a:cubicBezTo>
-                      <a:pt x="164015" y="0"/>
-                      <a:pt x="210400" y="37409"/>
-                      <a:pt x="220851" y="88940"/>
-                    </a:cubicBezTo>
-                    <a:cubicBezTo>
-                      <a:pt x="221576" y="92535"/>
-                      <a:pt x="220633" y="96238"/>
-                      <a:pt x="218262" y="99084"/>
-                    </a:cubicBezTo>
-                    <a:cubicBezTo>
-                      <a:pt x="215880" y="101941"/>
-                      <a:pt x="212360" y="103584"/>
-                      <a:pt x="208610" y="103584"/>
-                    </a:cubicBezTo>
-                    <a:lnTo>
-                      <a:pt x="12474" y="103584"/>
-                    </a:lnTo>
-                    <a:close/>
-                  </a:path>
-                </a:pathLst>
-              </a:custGeom>
-              <a:solidFill>
-                <a:srgbClr val="D52D2F"/>
-              </a:solidFill>
-              <a:ln w="0" cap="flat">
-                <a:noFill/>
-                <a:prstDash val="solid"/>
-                <a:miter/>
-              </a:ln>
-            </p:spPr>
-            <p:txBody>
-              <a:bodyPr rot="0" spcFirstLastPara="0" vert="horz" wrap="square" lIns="91440" tIns="45720" rIns="91440" bIns="45720" numCol="1" spcCol="0" rtlCol="0" fromWordArt="0" anchor="ctr" anchorCtr="0" forceAA="0" compatLnSpc="1">
-                <a:prstTxWarp prst="textNoShape">
-                  <a:avLst/>
-                </a:prstTxWarp>
-                <a:noAutofit/>
-              </a:bodyPr>
-              <a:lstStyle/>
-              <a:p>
-                <a:endParaRPr lang="en-US"/>
-              </a:p>
-            </p:txBody>
-          </p:sp>
-          <p:sp>
-            <p:nvSpPr>
-              <p:cNvPr id="24" name="Freeform: Shape 23">
-                <a:extLst>
-                  <a:ext uri="{FF2B5EF4-FFF2-40B4-BE49-F238E27FC236}">
-                    <a16:creationId xmlns:a16="http://schemas.microsoft.com/office/drawing/2014/main" id="{F251AECA-A5A0-F897-78EC-88D17F01CE22}"/>
-                  </a:ext>
-                </a:extLst>
-              </p:cNvPr>
-              <p:cNvSpPr/>
-              <p:nvPr/>
-            </p:nvSpPr>
-            <p:spPr>
-              <a:xfrm>
-                <a:off x="0" y="0"/>
-                <a:ext cx="228352" cy="110728"/>
-              </a:xfrm>
-              <a:custGeom>
-                <a:avLst/>
-                <a:gdLst>
-                  <a:gd name="connsiteX0" fmla="*/ 114176 w 228352"/>
-                  <a:gd name="connsiteY0" fmla="*/ 7144 h 110728"/>
-                  <a:gd name="connsiteX1" fmla="*/ 220929 w 228352"/>
-                  <a:gd name="connsiteY1" fmla="*/ 93214 h 110728"/>
-                  <a:gd name="connsiteX2" fmla="*/ 212257 w 228352"/>
-                  <a:gd name="connsiteY2" fmla="*/ 103584 h 110728"/>
-                  <a:gd name="connsiteX3" fmla="*/ 16108 w 228352"/>
-                  <a:gd name="connsiteY3" fmla="*/ 103584 h 110728"/>
-                  <a:gd name="connsiteX4" fmla="*/ 7436 w 228352"/>
-                  <a:gd name="connsiteY4" fmla="*/ 93214 h 110728"/>
-                  <a:gd name="connsiteX5" fmla="*/ 114176 w 228352"/>
-                  <a:gd name="connsiteY5" fmla="*/ 7144 h 110728"/>
-                  <a:gd name="connsiteX6" fmla="*/ 114176 w 228352"/>
-                  <a:gd name="connsiteY6" fmla="*/ 0 h 110728"/>
-                  <a:gd name="connsiteX7" fmla="*/ 312 w 228352"/>
-                  <a:gd name="connsiteY7" fmla="*/ 91809 h 110728"/>
-                  <a:gd name="connsiteX8" fmla="*/ 3650 w 228352"/>
-                  <a:gd name="connsiteY8" fmla="*/ 104918 h 110728"/>
-                  <a:gd name="connsiteX9" fmla="*/ 16108 w 228352"/>
-                  <a:gd name="connsiteY9" fmla="*/ 110728 h 110728"/>
-                  <a:gd name="connsiteX10" fmla="*/ 212245 w 228352"/>
-                  <a:gd name="connsiteY10" fmla="*/ 110728 h 110728"/>
-                  <a:gd name="connsiteX11" fmla="*/ 224703 w 228352"/>
-                  <a:gd name="connsiteY11" fmla="*/ 104918 h 110728"/>
-                  <a:gd name="connsiteX12" fmla="*/ 228041 w 228352"/>
-                  <a:gd name="connsiteY12" fmla="*/ 91809 h 110728"/>
-                  <a:gd name="connsiteX13" fmla="*/ 114176 w 228352"/>
-                  <a:gd name="connsiteY13" fmla="*/ 0 h 110728"/>
-                  <a:gd name="connsiteX14" fmla="*/ 114176 w 228352"/>
-                  <a:gd name="connsiteY14" fmla="*/ 0 h 110728"/>
-                </a:gdLst>
-                <a:ahLst/>
-                <a:cxnLst>
-                  <a:cxn ang="0">
-                    <a:pos x="connsiteX0" y="connsiteY0"/>
-                  </a:cxn>
-                  <a:cxn ang="0">
-                    <a:pos x="connsiteX1" y="connsiteY1"/>
-                  </a:cxn>
-                  <a:cxn ang="0">
-                    <a:pos x="connsiteX2" y="connsiteY2"/>
-                  </a:cxn>
-                  <a:cxn ang="0">
-                    <a:pos x="connsiteX3" y="connsiteY3"/>
-                  </a:cxn>
-                  <a:cxn ang="0">
-                    <a:pos x="connsiteX4" y="connsiteY4"/>
-                  </a:cxn>
-                  <a:cxn ang="0">
-                    <a:pos x="connsiteX5" y="connsiteY5"/>
-                  </a:cxn>
-                  <a:cxn ang="0">
-                    <a:pos x="connsiteX6" y="connsiteY6"/>
-                  </a:cxn>
-                  <a:cxn ang="0">
-                    <a:pos x="connsiteX7" y="connsiteY7"/>
-                  </a:cxn>
-                  <a:cxn ang="0">
-                    <a:pos x="connsiteX8" y="connsiteY8"/>
-                  </a:cxn>
-                  <a:cxn ang="0">
-                    <a:pos x="connsiteX9" y="connsiteY9"/>
-                  </a:cxn>
-                  <a:cxn ang="0">
-                    <a:pos x="connsiteX10" y="connsiteY10"/>
-                  </a:cxn>
-                  <a:cxn ang="0">
-                    <a:pos x="connsiteX11" y="connsiteY11"/>
-                  </a:cxn>
-                  <a:cxn ang="0">
-                    <a:pos x="connsiteX12" y="connsiteY12"/>
-                  </a:cxn>
-                  <a:cxn ang="0">
-                    <a:pos x="connsiteX13" y="connsiteY13"/>
-                  </a:cxn>
-                  <a:cxn ang="0">
-                    <a:pos x="connsiteX14" y="connsiteY14"/>
-                  </a:cxn>
-                </a:cxnLst>
-                <a:rect l="l" t="t" r="r" b="b"/>
-                <a:pathLst>
-                  <a:path w="228352" h="110728">
-                    <a:moveTo>
-                      <a:pt x="114176" y="7144"/>
-                    </a:moveTo>
-                    <a:cubicBezTo>
-                      <a:pt x="166960" y="7144"/>
-                      <a:pt x="210975" y="44136"/>
-                      <a:pt x="220929" y="93214"/>
-                    </a:cubicBezTo>
-                    <a:cubicBezTo>
-                      <a:pt x="222018" y="98584"/>
-                      <a:pt x="217808" y="103584"/>
-                      <a:pt x="212257" y="103584"/>
-                    </a:cubicBezTo>
-                    <a:lnTo>
-                      <a:pt x="16108" y="103584"/>
-                    </a:lnTo>
-                    <a:cubicBezTo>
-                      <a:pt x="10544" y="103584"/>
-                      <a:pt x="6347" y="98584"/>
-                      <a:pt x="7436" y="93214"/>
-                    </a:cubicBezTo>
-                    <a:cubicBezTo>
-                      <a:pt x="17378" y="44136"/>
-                      <a:pt x="61381" y="7144"/>
-                      <a:pt x="114176" y="7144"/>
-                    </a:cubicBezTo>
-                    <a:moveTo>
-                      <a:pt x="114176" y="0"/>
-                    </a:moveTo>
-                    <a:cubicBezTo>
-                      <a:pt x="58986" y="0"/>
-                      <a:pt x="11101" y="38612"/>
-                      <a:pt x="312" y="91809"/>
-                    </a:cubicBezTo>
-                    <a:cubicBezTo>
-                      <a:pt x="-632" y="96464"/>
-                      <a:pt x="590" y="101239"/>
-                      <a:pt x="3650" y="104918"/>
-                    </a:cubicBezTo>
-                    <a:cubicBezTo>
-                      <a:pt x="6722" y="108609"/>
-                      <a:pt x="11270" y="110728"/>
-                      <a:pt x="16108" y="110728"/>
-                    </a:cubicBezTo>
-                    <a:lnTo>
-                      <a:pt x="212245" y="110728"/>
-                    </a:lnTo>
-                    <a:cubicBezTo>
-                      <a:pt x="217095" y="110728"/>
-                      <a:pt x="221630" y="108609"/>
-                      <a:pt x="224703" y="104918"/>
-                    </a:cubicBezTo>
-                    <a:cubicBezTo>
-                      <a:pt x="227763" y="101239"/>
-                      <a:pt x="228984" y="96464"/>
-                      <a:pt x="228041" y="91809"/>
-                    </a:cubicBezTo>
-                    <a:cubicBezTo>
-                      <a:pt x="217252" y="38612"/>
-                      <a:pt x="169367" y="0"/>
-                      <a:pt x="114176" y="0"/>
-                    </a:cubicBezTo>
-                    <a:lnTo>
-                      <a:pt x="114176" y="0"/>
-                    </a:lnTo>
-                    <a:close/>
-                  </a:path>
-                </a:pathLst>
-              </a:custGeom>
-              <a:solidFill>
-                <a:srgbClr val="FFFFFF"/>
-              </a:solidFill>
-              <a:ln w="0" cap="flat">
-                <a:noFill/>
-                <a:prstDash val="solid"/>
-                <a:miter/>
-              </a:ln>
-            </p:spPr>
-            <p:txBody>
-              <a:bodyPr rot="0" spcFirstLastPara="0" vert="horz" wrap="square" lIns="91440" tIns="45720" rIns="91440" bIns="45720" numCol="1" spcCol="0" rtlCol="0" fromWordArt="0" anchor="ctr" anchorCtr="0" forceAA="0" compatLnSpc="1">
-                <a:prstTxWarp prst="textNoShape">
-                  <a:avLst/>
-                </a:prstTxWarp>
-                <a:noAutofit/>
-              </a:bodyPr>
-              <a:lstStyle/>
-              <a:p>
-                <a:endParaRPr lang="en-US"/>
-              </a:p>
-            </p:txBody>
-          </p:sp>
-        </p:grpSp>
-        <p:grpSp>
-          <p:nvGrpSpPr>
-            <p:cNvPr id="20" name="Graphic 1">
-              <a:extLst>
-                <a:ext uri="{FF2B5EF4-FFF2-40B4-BE49-F238E27FC236}">
-                  <a16:creationId xmlns:a16="http://schemas.microsoft.com/office/drawing/2014/main" id="{B9C3D69E-F35F-B23C-A2D3-8FC2D366426C}"/>
-                </a:ext>
-              </a:extLst>
-            </p:cNvPr>
-            <p:cNvGrpSpPr/>
-            <p:nvPr/>
-          </p:nvGrpSpPr>
-          <p:grpSpPr>
-            <a:xfrm>
-              <a:off x="0" y="117871"/>
-              <a:ext cx="228352" cy="110728"/>
-              <a:chOff x="0" y="117871"/>
-              <a:chExt cx="228352" cy="110728"/>
-            </a:xfrm>
-          </p:grpSpPr>
-          <p:sp>
-            <p:nvSpPr>
-              <p:cNvPr id="21" name="Freeform: Shape 20">
-                <a:extLst>
-                  <a:ext uri="{FF2B5EF4-FFF2-40B4-BE49-F238E27FC236}">
-                    <a16:creationId xmlns:a16="http://schemas.microsoft.com/office/drawing/2014/main" id="{AFB7FCD0-6C5C-2D5D-9AD2-4083ACC9092E}"/>
-                  </a:ext>
-                </a:extLst>
-              </p:cNvPr>
-              <p:cNvSpPr/>
-              <p:nvPr/>
-            </p:nvSpPr>
-            <p:spPr>
-              <a:xfrm>
-                <a:off x="3627" y="121443"/>
-                <a:ext cx="221084" cy="103584"/>
-              </a:xfrm>
-              <a:custGeom>
-                <a:avLst/>
-                <a:gdLst>
-                  <a:gd name="connsiteX0" fmla="*/ 110549 w 221084"/>
-                  <a:gd name="connsiteY0" fmla="*/ 103584 h 103584"/>
-                  <a:gd name="connsiteX1" fmla="*/ 241 w 221084"/>
-                  <a:gd name="connsiteY1" fmla="*/ 14645 h 103584"/>
-                  <a:gd name="connsiteX2" fmla="*/ 2817 w 221084"/>
-                  <a:gd name="connsiteY2" fmla="*/ 4501 h 103584"/>
-                  <a:gd name="connsiteX3" fmla="*/ 12469 w 221084"/>
-                  <a:gd name="connsiteY3" fmla="*/ 0 h 103584"/>
-                  <a:gd name="connsiteX4" fmla="*/ 208605 w 221084"/>
-                  <a:gd name="connsiteY4" fmla="*/ 0 h 103584"/>
-                  <a:gd name="connsiteX5" fmla="*/ 218257 w 221084"/>
-                  <a:gd name="connsiteY5" fmla="*/ 4501 h 103584"/>
-                  <a:gd name="connsiteX6" fmla="*/ 220846 w 221084"/>
-                  <a:gd name="connsiteY6" fmla="*/ 14645 h 103584"/>
-                  <a:gd name="connsiteX7" fmla="*/ 110537 w 221084"/>
-                  <a:gd name="connsiteY7" fmla="*/ 103584 h 103584"/>
-                </a:gdLst>
-                <a:ahLst/>
-                <a:cxnLst>
-                  <a:cxn ang="0">
-                    <a:pos x="connsiteX0" y="connsiteY0"/>
-                  </a:cxn>
-                  <a:cxn ang="0">
-                    <a:pos x="connsiteX1" y="connsiteY1"/>
-                  </a:cxn>
-                  <a:cxn ang="0">
-                    <a:pos x="connsiteX2" y="connsiteY2"/>
-                  </a:cxn>
-                  <a:cxn ang="0">
-                    <a:pos x="connsiteX3" y="connsiteY3"/>
-                  </a:cxn>
-                  <a:cxn ang="0">
-                    <a:pos x="connsiteX4" y="connsiteY4"/>
-                  </a:cxn>
-                  <a:cxn ang="0">
-                    <a:pos x="connsiteX5" y="connsiteY5"/>
-                  </a:cxn>
-                  <a:cxn ang="0">
-                    <a:pos x="connsiteX6" y="connsiteY6"/>
-                  </a:cxn>
-                  <a:cxn ang="0">
-                    <a:pos x="connsiteX7" y="connsiteY7"/>
-                  </a:cxn>
-                </a:cxnLst>
-                <a:rect l="l" t="t" r="r" b="b"/>
-                <a:pathLst>
-                  <a:path w="221084" h="103584">
-                    <a:moveTo>
-                      <a:pt x="110549" y="103584"/>
-                    </a:moveTo>
-                    <a:cubicBezTo>
-                      <a:pt x="57076" y="103584"/>
-                      <a:pt x="10691" y="66175"/>
-                      <a:pt x="241" y="14645"/>
-                    </a:cubicBezTo>
-                    <a:cubicBezTo>
-                      <a:pt x="-485" y="11049"/>
-                      <a:pt x="446" y="7346"/>
-                      <a:pt x="2817" y="4501"/>
-                    </a:cubicBezTo>
-                    <a:cubicBezTo>
-                      <a:pt x="5200" y="1643"/>
-                      <a:pt x="8719" y="0"/>
-                      <a:pt x="12469" y="0"/>
-                    </a:cubicBezTo>
-                    <a:lnTo>
-                      <a:pt x="208605" y="0"/>
-                    </a:lnTo>
-                    <a:cubicBezTo>
-                      <a:pt x="212355" y="0"/>
-                      <a:pt x="215875" y="1643"/>
-                      <a:pt x="218257" y="4501"/>
-                    </a:cubicBezTo>
-                    <a:cubicBezTo>
-                      <a:pt x="220628" y="7346"/>
-                      <a:pt x="221571" y="11049"/>
-                      <a:pt x="220846" y="14645"/>
-                    </a:cubicBezTo>
-                    <a:cubicBezTo>
-                      <a:pt x="210395" y="66187"/>
-                      <a:pt x="164010" y="103584"/>
-                      <a:pt x="110537" y="103584"/>
-                    </a:cubicBezTo>
-                    <a:close/>
-                  </a:path>
-                </a:pathLst>
-              </a:custGeom>
-              <a:solidFill>
-                <a:srgbClr val="D52D2F"/>
-              </a:solidFill>
-              <a:ln w="0" cap="flat">
-                <a:noFill/>
-                <a:prstDash val="solid"/>
-                <a:miter/>
-              </a:ln>
-            </p:spPr>
-            <p:txBody>
-              <a:bodyPr rot="0" spcFirstLastPara="0" vert="horz" wrap="square" lIns="91440" tIns="45720" rIns="91440" bIns="45720" numCol="1" spcCol="0" rtlCol="0" fromWordArt="0" anchor="ctr" anchorCtr="0" forceAA="0" compatLnSpc="1">
-                <a:prstTxWarp prst="textNoShape">
-                  <a:avLst/>
-                </a:prstTxWarp>
-                <a:noAutofit/>
-              </a:bodyPr>
-              <a:lstStyle/>
-              <a:p>
-                <a:endParaRPr lang="en-US"/>
-              </a:p>
-            </p:txBody>
-          </p:sp>
-          <p:sp>
-            <p:nvSpPr>
-              <p:cNvPr id="22" name="Freeform: Shape 21">
-                <a:extLst>
-                  <a:ext uri="{FF2B5EF4-FFF2-40B4-BE49-F238E27FC236}">
-                    <a16:creationId xmlns:a16="http://schemas.microsoft.com/office/drawing/2014/main" id="{30F3EC01-D49F-9BC6-399D-9B01C98E1213}"/>
-                  </a:ext>
-                </a:extLst>
-              </p:cNvPr>
-              <p:cNvSpPr/>
-              <p:nvPr/>
-            </p:nvSpPr>
-            <p:spPr>
-              <a:xfrm>
-                <a:off x="0" y="117871"/>
-                <a:ext cx="228352" cy="110728"/>
-              </a:xfrm>
-              <a:custGeom>
-                <a:avLst/>
-                <a:gdLst>
-                  <a:gd name="connsiteX0" fmla="*/ 212245 w 228352"/>
-                  <a:gd name="connsiteY0" fmla="*/ 7144 h 110728"/>
-                  <a:gd name="connsiteX1" fmla="*/ 220917 w 228352"/>
-                  <a:gd name="connsiteY1" fmla="*/ 17514 h 110728"/>
-                  <a:gd name="connsiteX2" fmla="*/ 114164 w 228352"/>
-                  <a:gd name="connsiteY2" fmla="*/ 103584 h 110728"/>
-                  <a:gd name="connsiteX3" fmla="*/ 7424 w 228352"/>
-                  <a:gd name="connsiteY3" fmla="*/ 17514 h 110728"/>
-                  <a:gd name="connsiteX4" fmla="*/ 16096 w 228352"/>
-                  <a:gd name="connsiteY4" fmla="*/ 7144 h 110728"/>
-                  <a:gd name="connsiteX5" fmla="*/ 212232 w 228352"/>
-                  <a:gd name="connsiteY5" fmla="*/ 7144 h 110728"/>
-                  <a:gd name="connsiteX6" fmla="*/ 212232 w 228352"/>
-                  <a:gd name="connsiteY6" fmla="*/ 0 h 110728"/>
-                  <a:gd name="connsiteX7" fmla="*/ 16108 w 228352"/>
-                  <a:gd name="connsiteY7" fmla="*/ 0 h 110728"/>
-                  <a:gd name="connsiteX8" fmla="*/ 3650 w 228352"/>
-                  <a:gd name="connsiteY8" fmla="*/ 5810 h 110728"/>
-                  <a:gd name="connsiteX9" fmla="*/ 312 w 228352"/>
-                  <a:gd name="connsiteY9" fmla="*/ 18919 h 110728"/>
-                  <a:gd name="connsiteX10" fmla="*/ 114176 w 228352"/>
-                  <a:gd name="connsiteY10" fmla="*/ 110728 h 110728"/>
-                  <a:gd name="connsiteX11" fmla="*/ 228041 w 228352"/>
-                  <a:gd name="connsiteY11" fmla="*/ 18919 h 110728"/>
-                  <a:gd name="connsiteX12" fmla="*/ 224703 w 228352"/>
-                  <a:gd name="connsiteY12" fmla="*/ 5810 h 110728"/>
-                  <a:gd name="connsiteX13" fmla="*/ 212245 w 228352"/>
-                  <a:gd name="connsiteY13" fmla="*/ 0 h 110728"/>
-                  <a:gd name="connsiteX14" fmla="*/ 212245 w 228352"/>
-                  <a:gd name="connsiteY14" fmla="*/ 0 h 110728"/>
-                </a:gdLst>
-                <a:ahLst/>
-                <a:cxnLst>
-                  <a:cxn ang="0">
-                    <a:pos x="connsiteX0" y="connsiteY0"/>
-                  </a:cxn>
-                  <a:cxn ang="0">
-                    <a:pos x="connsiteX1" y="connsiteY1"/>
-                  </a:cxn>
-                  <a:cxn ang="0">
-                    <a:pos x="connsiteX2" y="connsiteY2"/>
-                  </a:cxn>
-                  <a:cxn ang="0">
-                    <a:pos x="connsiteX3" y="connsiteY3"/>
-                  </a:cxn>
-                  <a:cxn ang="0">
-                    <a:pos x="connsiteX4" y="connsiteY4"/>
-                  </a:cxn>
-                  <a:cxn ang="0">
-                    <a:pos x="connsiteX5" y="connsiteY5"/>
-                  </a:cxn>
-                  <a:cxn ang="0">
-                    <a:pos x="connsiteX6" y="connsiteY6"/>
-                  </a:cxn>
-                  <a:cxn ang="0">
-                    <a:pos x="connsiteX7" y="connsiteY7"/>
-                  </a:cxn>
-                  <a:cxn ang="0">
-                    <a:pos x="connsiteX8" y="connsiteY8"/>
-                  </a:cxn>
-                  <a:cxn ang="0">
-                    <a:pos x="connsiteX9" y="connsiteY9"/>
-                  </a:cxn>
-                  <a:cxn ang="0">
-                    <a:pos x="connsiteX10" y="connsiteY10"/>
-                  </a:cxn>
-                  <a:cxn ang="0">
-                    <a:pos x="connsiteX11" y="connsiteY11"/>
-                  </a:cxn>
-                  <a:cxn ang="0">
-                    <a:pos x="connsiteX12" y="connsiteY12"/>
-                  </a:cxn>
-                  <a:cxn ang="0">
-                    <a:pos x="connsiteX13" y="connsiteY13"/>
-                  </a:cxn>
-                  <a:cxn ang="0">
-                    <a:pos x="connsiteX14" y="connsiteY14"/>
-                  </a:cxn>
-                </a:cxnLst>
-                <a:rect l="l" t="t" r="r" b="b"/>
-                <a:pathLst>
-                  <a:path w="228352" h="110728">
-                    <a:moveTo>
-                      <a:pt x="212245" y="7144"/>
-                    </a:moveTo>
-                    <a:cubicBezTo>
-                      <a:pt x="217808" y="7144"/>
-                      <a:pt x="222005" y="12144"/>
-                      <a:pt x="220917" y="17514"/>
-                    </a:cubicBezTo>
-                    <a:cubicBezTo>
-                      <a:pt x="210962" y="66592"/>
-                      <a:pt x="166960" y="103584"/>
-                      <a:pt x="114164" y="103584"/>
-                    </a:cubicBezTo>
-                    <a:cubicBezTo>
-                      <a:pt x="61369" y="103584"/>
-                      <a:pt x="17378" y="66592"/>
-                      <a:pt x="7424" y="17514"/>
-                    </a:cubicBezTo>
-                    <a:cubicBezTo>
-                      <a:pt x="6335" y="12144"/>
-                      <a:pt x="10544" y="7144"/>
-                      <a:pt x="16096" y="7144"/>
-                    </a:cubicBezTo>
-                    <a:lnTo>
-                      <a:pt x="212232" y="7144"/>
-                    </a:lnTo>
-                    <a:moveTo>
-                      <a:pt x="212232" y="0"/>
-                    </a:moveTo>
-                    <a:lnTo>
-                      <a:pt x="16108" y="0"/>
-                    </a:lnTo>
-                    <a:cubicBezTo>
-                      <a:pt x="11258" y="0"/>
-                      <a:pt x="6722" y="2119"/>
-                      <a:pt x="3650" y="5810"/>
-                    </a:cubicBezTo>
-                    <a:cubicBezTo>
-                      <a:pt x="590" y="9489"/>
-                      <a:pt x="-632" y="14264"/>
-                      <a:pt x="312" y="18919"/>
-                    </a:cubicBezTo>
-                    <a:cubicBezTo>
-                      <a:pt x="11101" y="72116"/>
-                      <a:pt x="58986" y="110728"/>
-                      <a:pt x="114176" y="110728"/>
-                    </a:cubicBezTo>
-                    <a:cubicBezTo>
-                      <a:pt x="169367" y="110728"/>
-                      <a:pt x="217252" y="72116"/>
-                      <a:pt x="228041" y="18919"/>
-                    </a:cubicBezTo>
-                    <a:cubicBezTo>
-                      <a:pt x="228984" y="14264"/>
-                      <a:pt x="227763" y="9489"/>
-                      <a:pt x="224703" y="5810"/>
-                    </a:cubicBezTo>
-                    <a:cubicBezTo>
-                      <a:pt x="221630" y="2119"/>
-                      <a:pt x="217083" y="0"/>
-                      <a:pt x="212245" y="0"/>
-                    </a:cubicBezTo>
-                    <a:lnTo>
-                      <a:pt x="212245" y="0"/>
-                    </a:lnTo>
-                    <a:close/>
-                  </a:path>
-                </a:pathLst>
-              </a:custGeom>
-              <a:solidFill>
-                <a:srgbClr val="FFFFFF"/>
-              </a:solidFill>
-              <a:ln w="0" cap="flat">
-                <a:noFill/>
-                <a:prstDash val="solid"/>
-                <a:miter/>
-              </a:ln>
-            </p:spPr>
-            <p:txBody>
-              <a:bodyPr rot="0" spcFirstLastPara="0" vert="horz" wrap="square" lIns="91440" tIns="45720" rIns="91440" bIns="45720" numCol="1" spcCol="0" rtlCol="0" fromWordArt="0" anchor="ctr" anchorCtr="0" forceAA="0" compatLnSpc="1">
-                <a:prstTxWarp prst="textNoShape">
-                  <a:avLst/>
-                </a:prstTxWarp>
-                <a:noAutofit/>
-              </a:bodyPr>
-              <a:lstStyle/>
-              <a:p>
-                <a:endParaRPr lang="en-US"/>
-              </a:p>
-            </p:txBody>
-          </p:sp>
-        </p:grpSp>
-      </p:grpSp>
-      <p:grpSp>
-        <p:nvGrpSpPr>
-          <p:cNvPr id="25" name="Group 24">
-            <a:extLst>
-              <a:ext uri="{FF2B5EF4-FFF2-40B4-BE49-F238E27FC236}">
-                <a16:creationId xmlns:a16="http://schemas.microsoft.com/office/drawing/2014/main" id="{37B8A73F-FA5D-281B-86DD-04F7774BA22F}"/>
-              </a:ext>
-            </a:extLst>
-          </p:cNvPr>
-          <p:cNvGrpSpPr/>
-          <p:nvPr/>
-        </p:nvGrpSpPr>
-        <p:grpSpPr>
-          <a:xfrm>
-            <a:off x="9829800" y="5499858"/>
-            <a:ext cx="228600" cy="228600"/>
-            <a:chOff x="0" y="0"/>
-            <a:chExt cx="228600" cy="228600"/>
-          </a:xfrm>
-        </p:grpSpPr>
-        <p:grpSp>
-          <p:nvGrpSpPr>
-            <p:cNvPr id="26" name="Graphic 1">
-              <a:extLst>
-                <a:ext uri="{FF2B5EF4-FFF2-40B4-BE49-F238E27FC236}">
-                  <a16:creationId xmlns:a16="http://schemas.microsoft.com/office/drawing/2014/main" id="{68FB6F7B-5F12-DCD7-A3F6-8B4BB8E7A315}"/>
-                </a:ext>
-              </a:extLst>
-            </p:cNvPr>
-            <p:cNvGrpSpPr/>
-            <p:nvPr/>
-          </p:nvGrpSpPr>
-          <p:grpSpPr>
-            <a:xfrm>
-              <a:off x="0" y="0"/>
-              <a:ext cx="228600" cy="228600"/>
-              <a:chOff x="0" y="0"/>
-              <a:chExt cx="228600" cy="228600"/>
-            </a:xfrm>
-            <a:solidFill>
-              <a:srgbClr val="FFFFFF"/>
-            </a:solidFill>
-          </p:grpSpPr>
-          <p:sp>
-            <p:nvSpPr>
-              <p:cNvPr id="31" name="Freeform: Shape 30">
-                <a:extLst>
-                  <a:ext uri="{FF2B5EF4-FFF2-40B4-BE49-F238E27FC236}">
-                    <a16:creationId xmlns:a16="http://schemas.microsoft.com/office/drawing/2014/main" id="{2685D828-42B7-A90A-2A88-2E6D58D36764}"/>
-                  </a:ext>
-                </a:extLst>
-              </p:cNvPr>
-              <p:cNvSpPr/>
-              <p:nvPr/>
-            </p:nvSpPr>
-            <p:spPr>
-              <a:xfrm>
-                <a:off x="3571" y="3571"/>
-                <a:ext cx="221456" cy="221456"/>
-              </a:xfrm>
-              <a:custGeom>
-                <a:avLst/>
-                <a:gdLst>
-                  <a:gd name="connsiteX0" fmla="*/ 221456 w 221456"/>
-                  <a:gd name="connsiteY0" fmla="*/ 110728 h 221456"/>
-                  <a:gd name="connsiteX1" fmla="*/ 110728 w 221456"/>
-                  <a:gd name="connsiteY1" fmla="*/ 221456 h 221456"/>
-                  <a:gd name="connsiteX2" fmla="*/ 0 w 221456"/>
-                  <a:gd name="connsiteY2" fmla="*/ 110728 h 221456"/>
-                  <a:gd name="connsiteX3" fmla="*/ 110728 w 221456"/>
-                  <a:gd name="connsiteY3" fmla="*/ 0 h 221456"/>
-                  <a:gd name="connsiteX4" fmla="*/ 221456 w 221456"/>
-                  <a:gd name="connsiteY4" fmla="*/ 110728 h 221456"/>
-                </a:gdLst>
-                <a:ahLst/>
-                <a:cxnLst>
-                  <a:cxn ang="0">
-                    <a:pos x="connsiteX0" y="connsiteY0"/>
-                  </a:cxn>
-                  <a:cxn ang="0">
-                    <a:pos x="connsiteX1" y="connsiteY1"/>
-                  </a:cxn>
-                  <a:cxn ang="0">
-                    <a:pos x="connsiteX2" y="connsiteY2"/>
-                  </a:cxn>
-                  <a:cxn ang="0">
-                    <a:pos x="connsiteX3" y="connsiteY3"/>
-                  </a:cxn>
-                  <a:cxn ang="0">
-                    <a:pos x="connsiteX4" y="connsiteY4"/>
-                  </a:cxn>
-                </a:cxnLst>
-                <a:rect l="l" t="t" r="r" b="b"/>
-                <a:pathLst>
-                  <a:path w="221456" h="221456">
-                    <a:moveTo>
-                      <a:pt x="221456" y="110728"/>
-                    </a:moveTo>
-                    <a:cubicBezTo>
-                      <a:pt x="221456" y="171882"/>
-                      <a:pt x="171882" y="221456"/>
-                      <a:pt x="110728" y="221456"/>
-                    </a:cubicBezTo>
-                    <a:cubicBezTo>
-                      <a:pt x="49575" y="221456"/>
-                      <a:pt x="0" y="171882"/>
-                      <a:pt x="0" y="110728"/>
-                    </a:cubicBezTo>
-                    <a:cubicBezTo>
-                      <a:pt x="0" y="49575"/>
-                      <a:pt x="49575" y="0"/>
-                      <a:pt x="110728" y="0"/>
-                    </a:cubicBezTo>
-                    <a:cubicBezTo>
-                      <a:pt x="171882" y="0"/>
-                      <a:pt x="221456" y="49575"/>
-                      <a:pt x="221456" y="110728"/>
-                    </a:cubicBezTo>
-                    <a:close/>
-                  </a:path>
-                </a:pathLst>
-              </a:custGeom>
-              <a:solidFill>
-                <a:srgbClr val="FFFFFF"/>
-              </a:solidFill>
-              <a:ln w="0" cap="flat">
-                <a:noFill/>
-                <a:prstDash val="solid"/>
-                <a:miter/>
-              </a:ln>
-            </p:spPr>
-            <p:txBody>
-              <a:bodyPr rot="0" spcFirstLastPara="0" vert="horz" wrap="square" lIns="91440" tIns="45720" rIns="91440" bIns="45720" numCol="1" spcCol="0" rtlCol="0" fromWordArt="0" anchor="ctr" anchorCtr="0" forceAA="0" compatLnSpc="1">
-                <a:prstTxWarp prst="textNoShape">
-                  <a:avLst/>
-                </a:prstTxWarp>
-                <a:noAutofit/>
-              </a:bodyPr>
-              <a:lstStyle/>
-              <a:p>
-                <a:endParaRPr lang="en-US"/>
-              </a:p>
-            </p:txBody>
-          </p:sp>
-          <p:sp>
-            <p:nvSpPr>
-              <p:cNvPr id="32" name="Freeform: Shape 31">
-                <a:extLst>
-                  <a:ext uri="{FF2B5EF4-FFF2-40B4-BE49-F238E27FC236}">
-                    <a16:creationId xmlns:a16="http://schemas.microsoft.com/office/drawing/2014/main" id="{197C3AF0-25E6-A0CA-EE19-BAFEE47FAA4A}"/>
-                  </a:ext>
-                </a:extLst>
-              </p:cNvPr>
-              <p:cNvSpPr/>
-              <p:nvPr/>
-            </p:nvSpPr>
-            <p:spPr>
-              <a:xfrm>
-                <a:off x="0" y="0"/>
-                <a:ext cx="228600" cy="228600"/>
-              </a:xfrm>
-              <a:custGeom>
-                <a:avLst/>
-                <a:gdLst>
-                  <a:gd name="connsiteX0" fmla="*/ 114300 w 228600"/>
-                  <a:gd name="connsiteY0" fmla="*/ 7144 h 228600"/>
-                  <a:gd name="connsiteX1" fmla="*/ 221456 w 228600"/>
-                  <a:gd name="connsiteY1" fmla="*/ 114300 h 228600"/>
-                  <a:gd name="connsiteX2" fmla="*/ 114300 w 228600"/>
-                  <a:gd name="connsiteY2" fmla="*/ 221456 h 228600"/>
-                  <a:gd name="connsiteX3" fmla="*/ 7144 w 228600"/>
-                  <a:gd name="connsiteY3" fmla="*/ 114300 h 228600"/>
-                  <a:gd name="connsiteX4" fmla="*/ 114300 w 228600"/>
-                  <a:gd name="connsiteY4" fmla="*/ 7144 h 228600"/>
-                  <a:gd name="connsiteX5" fmla="*/ 114300 w 228600"/>
-                  <a:gd name="connsiteY5" fmla="*/ 0 h 228600"/>
-                  <a:gd name="connsiteX6" fmla="*/ 0 w 228600"/>
-                  <a:gd name="connsiteY6" fmla="*/ 114300 h 228600"/>
-                  <a:gd name="connsiteX7" fmla="*/ 114300 w 228600"/>
-                  <a:gd name="connsiteY7" fmla="*/ 228600 h 228600"/>
-                  <a:gd name="connsiteX8" fmla="*/ 228600 w 228600"/>
-                  <a:gd name="connsiteY8" fmla="*/ 114300 h 228600"/>
-                  <a:gd name="connsiteX9" fmla="*/ 114300 w 228600"/>
-                  <a:gd name="connsiteY9" fmla="*/ 0 h 228600"/>
-                  <a:gd name="connsiteX10" fmla="*/ 114300 w 228600"/>
-                  <a:gd name="connsiteY10" fmla="*/ 0 h 228600"/>
-                </a:gdLst>
-                <a:ahLst/>
-                <a:cxnLst>
-                  <a:cxn ang="0">
-                    <a:pos x="connsiteX0" y="connsiteY0"/>
-                  </a:cxn>
-                  <a:cxn ang="0">
-                    <a:pos x="connsiteX1" y="connsiteY1"/>
-                  </a:cxn>
-                  <a:cxn ang="0">
-                    <a:pos x="connsiteX2" y="connsiteY2"/>
-                  </a:cxn>
-                  <a:cxn ang="0">
-                    <a:pos x="connsiteX3" y="connsiteY3"/>
-                  </a:cxn>
-                  <a:cxn ang="0">
-                    <a:pos x="connsiteX4" y="connsiteY4"/>
-                  </a:cxn>
-                  <a:cxn ang="0">
-                    <a:pos x="connsiteX5" y="connsiteY5"/>
-                  </a:cxn>
-                  <a:cxn ang="0">
-                    <a:pos x="connsiteX6" y="connsiteY6"/>
-                  </a:cxn>
-                  <a:cxn ang="0">
-                    <a:pos x="connsiteX7" y="connsiteY7"/>
-                  </a:cxn>
-                  <a:cxn ang="0">
-                    <a:pos x="connsiteX8" y="connsiteY8"/>
-                  </a:cxn>
-                  <a:cxn ang="0">
-                    <a:pos x="connsiteX9" y="connsiteY9"/>
-                  </a:cxn>
-                  <a:cxn ang="0">
-                    <a:pos x="connsiteX10" y="connsiteY10"/>
-                  </a:cxn>
-                </a:cxnLst>
-                <a:rect l="l" t="t" r="r" b="b"/>
-                <a:pathLst>
-                  <a:path w="228600" h="228600">
-                    <a:moveTo>
-                      <a:pt x="114300" y="7144"/>
-                    </a:moveTo>
-                    <a:cubicBezTo>
-                      <a:pt x="173486" y="7144"/>
-                      <a:pt x="221456" y="55114"/>
-                      <a:pt x="221456" y="114300"/>
-                    </a:cubicBezTo>
-                    <a:cubicBezTo>
-                      <a:pt x="221456" y="173486"/>
-                      <a:pt x="173486" y="221456"/>
-                      <a:pt x="114300" y="221456"/>
-                    </a:cubicBezTo>
-                    <a:cubicBezTo>
-                      <a:pt x="55114" y="221456"/>
-                      <a:pt x="7144" y="173486"/>
-                      <a:pt x="7144" y="114300"/>
-                    </a:cubicBezTo>
-                    <a:cubicBezTo>
-                      <a:pt x="7144" y="55114"/>
-                      <a:pt x="55114" y="7144"/>
-                      <a:pt x="114300" y="7144"/>
-                    </a:cubicBezTo>
-                    <a:moveTo>
-                      <a:pt x="114300" y="0"/>
-                    </a:moveTo>
-                    <a:cubicBezTo>
-                      <a:pt x="51280" y="0"/>
-                      <a:pt x="0" y="51280"/>
-                      <a:pt x="0" y="114300"/>
-                    </a:cubicBezTo>
-                    <a:cubicBezTo>
-                      <a:pt x="0" y="177320"/>
-                      <a:pt x="51280" y="228600"/>
-                      <a:pt x="114300" y="228600"/>
-                    </a:cubicBezTo>
-                    <a:cubicBezTo>
-                      <a:pt x="177320" y="228600"/>
-                      <a:pt x="228600" y="177320"/>
-                      <a:pt x="228600" y="114300"/>
-                    </a:cubicBezTo>
-                    <a:cubicBezTo>
-                      <a:pt x="228600" y="51280"/>
-                      <a:pt x="177320" y="0"/>
-                      <a:pt x="114300" y="0"/>
-                    </a:cubicBezTo>
-                    <a:lnTo>
-                      <a:pt x="114300" y="0"/>
-                    </a:lnTo>
-                    <a:close/>
-                  </a:path>
-                </a:pathLst>
-              </a:custGeom>
-              <a:solidFill>
-                <a:srgbClr val="FFFFFF"/>
-              </a:solidFill>
-              <a:ln w="0" cap="flat">
-                <a:noFill/>
-                <a:prstDash val="solid"/>
-                <a:miter/>
-              </a:ln>
-            </p:spPr>
-            <p:txBody>
-              <a:bodyPr rot="0" spcFirstLastPara="0" vert="horz" wrap="square" lIns="91440" tIns="45720" rIns="91440" bIns="45720" numCol="1" spcCol="0" rtlCol="0" fromWordArt="0" anchor="ctr" anchorCtr="0" forceAA="0" compatLnSpc="1">
-                <a:prstTxWarp prst="textNoShape">
-                  <a:avLst/>
-                </a:prstTxWarp>
-                <a:noAutofit/>
-              </a:bodyPr>
-              <a:lstStyle/>
-              <a:p>
-                <a:endParaRPr lang="en-US"/>
-              </a:p>
-            </p:txBody>
-          </p:sp>
-        </p:grpSp>
-        <p:grpSp>
-          <p:nvGrpSpPr>
-            <p:cNvPr id="27" name="Graphic 1">
-              <a:extLst>
-                <a:ext uri="{FF2B5EF4-FFF2-40B4-BE49-F238E27FC236}">
-                  <a16:creationId xmlns:a16="http://schemas.microsoft.com/office/drawing/2014/main" id="{10B3BAE7-23E2-E8D4-944F-918879AAD432}"/>
-                </a:ext>
-              </a:extLst>
-            </p:cNvPr>
-            <p:cNvGrpSpPr/>
-            <p:nvPr/>
-          </p:nvGrpSpPr>
-          <p:grpSpPr>
-            <a:xfrm>
-              <a:off x="7012" y="7524"/>
-              <a:ext cx="214312" cy="214312"/>
-              <a:chOff x="7012" y="7524"/>
-              <a:chExt cx="214312" cy="214312"/>
-            </a:xfrm>
-          </p:grpSpPr>
-          <p:sp>
-            <p:nvSpPr>
-              <p:cNvPr id="29" name="Freeform: Shape 28">
-                <a:extLst>
-                  <a:ext uri="{FF2B5EF4-FFF2-40B4-BE49-F238E27FC236}">
-                    <a16:creationId xmlns:a16="http://schemas.microsoft.com/office/drawing/2014/main" id="{3A84E9B4-9C20-8D14-C877-7EEAC84F2474}"/>
-                  </a:ext>
-                </a:extLst>
-              </p:cNvPr>
-              <p:cNvSpPr/>
-              <p:nvPr/>
-            </p:nvSpPr>
-            <p:spPr>
-              <a:xfrm>
-                <a:off x="18919" y="19430"/>
-                <a:ext cx="190500" cy="190500"/>
-              </a:xfrm>
-              <a:custGeom>
-                <a:avLst/>
-                <a:gdLst>
-                  <a:gd name="connsiteX0" fmla="*/ 190500 w 190500"/>
-                  <a:gd name="connsiteY0" fmla="*/ 95250 h 190500"/>
-                  <a:gd name="connsiteX1" fmla="*/ 95250 w 190500"/>
-                  <a:gd name="connsiteY1" fmla="*/ 190500 h 190500"/>
-                  <a:gd name="connsiteX2" fmla="*/ 0 w 190500"/>
-                  <a:gd name="connsiteY2" fmla="*/ 95250 h 190500"/>
-                  <a:gd name="connsiteX3" fmla="*/ 95250 w 190500"/>
-                  <a:gd name="connsiteY3" fmla="*/ 0 h 190500"/>
-                  <a:gd name="connsiteX4" fmla="*/ 190500 w 190500"/>
-                  <a:gd name="connsiteY4" fmla="*/ 95250 h 190500"/>
-                </a:gdLst>
-                <a:ahLst/>
-                <a:cxnLst>
-                  <a:cxn ang="0">
-                    <a:pos x="connsiteX0" y="connsiteY0"/>
-                  </a:cxn>
-                  <a:cxn ang="0">
-                    <a:pos x="connsiteX1" y="connsiteY1"/>
-                  </a:cxn>
-                  <a:cxn ang="0">
-                    <a:pos x="connsiteX2" y="connsiteY2"/>
-                  </a:cxn>
-                  <a:cxn ang="0">
-                    <a:pos x="connsiteX3" y="connsiteY3"/>
-                  </a:cxn>
-                  <a:cxn ang="0">
-                    <a:pos x="connsiteX4" y="connsiteY4"/>
-                  </a:cxn>
-                </a:cxnLst>
-                <a:rect l="l" t="t" r="r" b="b"/>
-                <a:pathLst>
-                  <a:path w="190500" h="190500">
-                    <a:moveTo>
-                      <a:pt x="190500" y="95250"/>
-                    </a:moveTo>
-                    <a:cubicBezTo>
-                      <a:pt x="190500" y="147855"/>
-                      <a:pt x="147855" y="190500"/>
-                      <a:pt x="95250" y="190500"/>
-                    </a:cubicBezTo>
-                    <a:cubicBezTo>
-                      <a:pt x="42645" y="190500"/>
-                      <a:pt x="0" y="147855"/>
-                      <a:pt x="0" y="95250"/>
-                    </a:cubicBezTo>
-                    <a:cubicBezTo>
-                      <a:pt x="0" y="42645"/>
-                      <a:pt x="42645" y="0"/>
-                      <a:pt x="95250" y="0"/>
-                    </a:cubicBezTo>
-                    <a:cubicBezTo>
-                      <a:pt x="147855" y="0"/>
-                      <a:pt x="190500" y="42645"/>
-                      <a:pt x="190500" y="95250"/>
-                    </a:cubicBezTo>
-                    <a:close/>
-                  </a:path>
-                </a:pathLst>
-              </a:custGeom>
-              <a:solidFill>
-                <a:srgbClr val="FFFFFF"/>
-              </a:solidFill>
-              <a:ln w="0" cap="flat">
-                <a:noFill/>
-                <a:prstDash val="solid"/>
-                <a:miter/>
-              </a:ln>
-            </p:spPr>
-            <p:txBody>
-              <a:bodyPr rot="0" spcFirstLastPara="0" vert="horz" wrap="square" lIns="91440" tIns="45720" rIns="91440" bIns="45720" numCol="1" spcCol="0" rtlCol="0" fromWordArt="0" anchor="ctr" anchorCtr="0" forceAA="0" compatLnSpc="1">
-                <a:prstTxWarp prst="textNoShape">
-                  <a:avLst/>
-                </a:prstTxWarp>
-                <a:noAutofit/>
-              </a:bodyPr>
-              <a:lstStyle/>
-              <a:p>
-                <a:endParaRPr lang="en-US"/>
-              </a:p>
-            </p:txBody>
-          </p:sp>
-          <p:sp>
-            <p:nvSpPr>
-              <p:cNvPr id="30" name="Freeform: Shape 29">
-                <a:extLst>
-                  <a:ext uri="{FF2B5EF4-FFF2-40B4-BE49-F238E27FC236}">
-                    <a16:creationId xmlns:a16="http://schemas.microsoft.com/office/drawing/2014/main" id="{69F68E15-B884-95B1-C698-373BF8CB0217}"/>
-                  </a:ext>
-                </a:extLst>
-              </p:cNvPr>
-              <p:cNvSpPr/>
-              <p:nvPr/>
-            </p:nvSpPr>
-            <p:spPr>
-              <a:xfrm>
-                <a:off x="7012" y="7524"/>
-                <a:ext cx="214312" cy="214312"/>
-              </a:xfrm>
-              <a:custGeom>
-                <a:avLst/>
-                <a:gdLst>
-                  <a:gd name="connsiteX0" fmla="*/ 107156 w 214312"/>
-                  <a:gd name="connsiteY0" fmla="*/ 23813 h 214312"/>
-                  <a:gd name="connsiteX1" fmla="*/ 190500 w 214312"/>
-                  <a:gd name="connsiteY1" fmla="*/ 107156 h 214312"/>
-                  <a:gd name="connsiteX2" fmla="*/ 107156 w 214312"/>
-                  <a:gd name="connsiteY2" fmla="*/ 190500 h 214312"/>
-                  <a:gd name="connsiteX3" fmla="*/ 23813 w 214312"/>
-                  <a:gd name="connsiteY3" fmla="*/ 107156 h 214312"/>
-                  <a:gd name="connsiteX4" fmla="*/ 107156 w 214312"/>
-                  <a:gd name="connsiteY4" fmla="*/ 23813 h 214312"/>
-                  <a:gd name="connsiteX5" fmla="*/ 107156 w 214312"/>
-                  <a:gd name="connsiteY5" fmla="*/ 0 h 214312"/>
-                  <a:gd name="connsiteX6" fmla="*/ 0 w 214312"/>
-                  <a:gd name="connsiteY6" fmla="*/ 107156 h 214312"/>
-                  <a:gd name="connsiteX7" fmla="*/ 107156 w 214312"/>
-                  <a:gd name="connsiteY7" fmla="*/ 214313 h 214312"/>
-                  <a:gd name="connsiteX8" fmla="*/ 214313 w 214312"/>
-                  <a:gd name="connsiteY8" fmla="*/ 107156 h 214312"/>
-                  <a:gd name="connsiteX9" fmla="*/ 107156 w 214312"/>
-                  <a:gd name="connsiteY9" fmla="*/ 0 h 214312"/>
-                  <a:gd name="connsiteX10" fmla="*/ 107156 w 214312"/>
-                  <a:gd name="connsiteY10" fmla="*/ 0 h 214312"/>
-                </a:gdLst>
-                <a:ahLst/>
-                <a:cxnLst>
-                  <a:cxn ang="0">
-                    <a:pos x="connsiteX0" y="connsiteY0"/>
-                  </a:cxn>
-                  <a:cxn ang="0">
-                    <a:pos x="connsiteX1" y="connsiteY1"/>
-                  </a:cxn>
-                  <a:cxn ang="0">
-                    <a:pos x="connsiteX2" y="connsiteY2"/>
-                  </a:cxn>
-                  <a:cxn ang="0">
-                    <a:pos x="connsiteX3" y="connsiteY3"/>
-                  </a:cxn>
-                  <a:cxn ang="0">
-                    <a:pos x="connsiteX4" y="connsiteY4"/>
-                  </a:cxn>
-                  <a:cxn ang="0">
-                    <a:pos x="connsiteX5" y="connsiteY5"/>
-                  </a:cxn>
-                  <a:cxn ang="0">
-                    <a:pos x="connsiteX6" y="connsiteY6"/>
-                  </a:cxn>
-                  <a:cxn ang="0">
-                    <a:pos x="connsiteX7" y="connsiteY7"/>
-                  </a:cxn>
-                  <a:cxn ang="0">
-                    <a:pos x="connsiteX8" y="connsiteY8"/>
-                  </a:cxn>
-                  <a:cxn ang="0">
-                    <a:pos x="connsiteX9" y="connsiteY9"/>
-                  </a:cxn>
-                  <a:cxn ang="0">
-                    <a:pos x="connsiteX10" y="connsiteY10"/>
-                  </a:cxn>
-                </a:cxnLst>
-                <a:rect l="l" t="t" r="r" b="b"/>
-                <a:pathLst>
-                  <a:path w="214312" h="214312">
-                    <a:moveTo>
-                      <a:pt x="107156" y="23813"/>
-                    </a:moveTo>
-                    <a:cubicBezTo>
-                      <a:pt x="153114" y="23813"/>
-                      <a:pt x="190500" y="61198"/>
-                      <a:pt x="190500" y="107156"/>
-                    </a:cubicBezTo>
-                    <a:cubicBezTo>
-                      <a:pt x="190500" y="153114"/>
-                      <a:pt x="153114" y="190500"/>
-                      <a:pt x="107156" y="190500"/>
-                    </a:cubicBezTo>
-                    <a:cubicBezTo>
-                      <a:pt x="61198" y="190500"/>
-                      <a:pt x="23813" y="153114"/>
-                      <a:pt x="23813" y="107156"/>
-                    </a:cubicBezTo>
-                    <a:cubicBezTo>
-                      <a:pt x="23813" y="61198"/>
-                      <a:pt x="61198" y="23813"/>
-                      <a:pt x="107156" y="23813"/>
-                    </a:cubicBezTo>
-                    <a:moveTo>
-                      <a:pt x="107156" y="0"/>
-                    </a:moveTo>
-                    <a:cubicBezTo>
-                      <a:pt x="47970" y="0"/>
-                      <a:pt x="0" y="47970"/>
-                      <a:pt x="0" y="107156"/>
-                    </a:cubicBezTo>
-                    <a:cubicBezTo>
-                      <a:pt x="0" y="166342"/>
-                      <a:pt x="47970" y="214313"/>
-                      <a:pt x="107156" y="214313"/>
-                    </a:cubicBezTo>
-                    <a:cubicBezTo>
-                      <a:pt x="166342" y="214313"/>
-                      <a:pt x="214313" y="166342"/>
-                      <a:pt x="214313" y="107156"/>
-                    </a:cubicBezTo>
-                    <a:cubicBezTo>
-                      <a:pt x="214313" y="47970"/>
-                      <a:pt x="166342" y="0"/>
-                      <a:pt x="107156" y="0"/>
-                    </a:cubicBezTo>
-                    <a:lnTo>
-                      <a:pt x="107156" y="0"/>
-                    </a:lnTo>
-                    <a:close/>
-                  </a:path>
-                </a:pathLst>
-              </a:custGeom>
-              <a:solidFill>
-                <a:srgbClr val="6491CB"/>
-              </a:solidFill>
-              <a:ln w="0" cap="flat">
-                <a:noFill/>
-                <a:prstDash val="solid"/>
-                <a:miter/>
-              </a:ln>
-            </p:spPr>
-            <p:txBody>
-              <a:bodyPr rot="0" spcFirstLastPara="0" vert="horz" wrap="square" lIns="91440" tIns="45720" rIns="91440" bIns="45720" numCol="1" spcCol="0" rtlCol="0" fromWordArt="0" anchor="ctr" anchorCtr="0" forceAA="0" compatLnSpc="1">
-                <a:prstTxWarp prst="textNoShape">
-                  <a:avLst/>
-                </a:prstTxWarp>
-                <a:noAutofit/>
-              </a:bodyPr>
-              <a:lstStyle/>
-              <a:p>
-                <a:endParaRPr lang="en-US"/>
-              </a:p>
-            </p:txBody>
-          </p:sp>
-        </p:grpSp>
-        <p:sp>
-          <p:nvSpPr>
-            <p:cNvPr id="28" name="Freeform: Shape 27">
-              <a:extLst>
-                <a:ext uri="{FF2B5EF4-FFF2-40B4-BE49-F238E27FC236}">
-                  <a16:creationId xmlns:a16="http://schemas.microsoft.com/office/drawing/2014/main" id="{560412F7-5CC3-385C-EFF9-C276E036033A}"/>
-                </a:ext>
-              </a:extLst>
-            </p:cNvPr>
-            <p:cNvSpPr/>
-            <p:nvPr/>
-          </p:nvSpPr>
-          <p:spPr>
-            <a:xfrm>
-              <a:off x="96333" y="39671"/>
-              <a:ext cx="35671" cy="142732"/>
-            </a:xfrm>
-            <a:custGeom>
-              <a:avLst/>
-              <a:gdLst>
-                <a:gd name="connsiteX0" fmla="*/ 5167 w 35671"/>
-                <a:gd name="connsiteY0" fmla="*/ 30504 h 142732"/>
-                <a:gd name="connsiteX1" fmla="*/ 0 w 35671"/>
-                <a:gd name="connsiteY1" fmla="*/ 17836 h 142732"/>
-                <a:gd name="connsiteX2" fmla="*/ 5167 w 35671"/>
-                <a:gd name="connsiteY2" fmla="*/ 5167 h 142732"/>
-                <a:gd name="connsiteX3" fmla="*/ 17836 w 35671"/>
-                <a:gd name="connsiteY3" fmla="*/ 0 h 142732"/>
-                <a:gd name="connsiteX4" fmla="*/ 30504 w 35671"/>
-                <a:gd name="connsiteY4" fmla="*/ 5167 h 142732"/>
-                <a:gd name="connsiteX5" fmla="*/ 35671 w 35671"/>
-                <a:gd name="connsiteY5" fmla="*/ 17836 h 142732"/>
-                <a:gd name="connsiteX6" fmla="*/ 30504 w 35671"/>
-                <a:gd name="connsiteY6" fmla="*/ 30504 h 142732"/>
-                <a:gd name="connsiteX7" fmla="*/ 17836 w 35671"/>
-                <a:gd name="connsiteY7" fmla="*/ 35671 h 142732"/>
-                <a:gd name="connsiteX8" fmla="*/ 5167 w 35671"/>
-                <a:gd name="connsiteY8" fmla="*/ 30504 h 142732"/>
-                <a:gd name="connsiteX9" fmla="*/ 33040 w 35671"/>
-                <a:gd name="connsiteY9" fmla="*/ 142732 h 142732"/>
-                <a:gd name="connsiteX10" fmla="*/ 2631 w 35671"/>
-                <a:gd name="connsiteY10" fmla="*/ 142732 h 142732"/>
-                <a:gd name="connsiteX11" fmla="*/ 2631 w 35671"/>
-                <a:gd name="connsiteY11" fmla="*/ 44387 h 142732"/>
-                <a:gd name="connsiteX12" fmla="*/ 33040 w 35671"/>
-                <a:gd name="connsiteY12" fmla="*/ 44387 h 142732"/>
-                <a:gd name="connsiteX13" fmla="*/ 33040 w 35671"/>
-                <a:gd name="connsiteY13" fmla="*/ 142732 h 142732"/>
-              </a:gdLst>
-              <a:ahLst/>
-              <a:cxnLst>
-                <a:cxn ang="0">
-                  <a:pos x="connsiteX0" y="connsiteY0"/>
-                </a:cxn>
-                <a:cxn ang="0">
-                  <a:pos x="connsiteX1" y="connsiteY1"/>
-                </a:cxn>
-                <a:cxn ang="0">
-                  <a:pos x="connsiteX2" y="connsiteY2"/>
-                </a:cxn>
-                <a:cxn ang="0">
-                  <a:pos x="connsiteX3" y="connsiteY3"/>
-                </a:cxn>
-                <a:cxn ang="0">
-                  <a:pos x="connsiteX4" y="connsiteY4"/>
-                </a:cxn>
-                <a:cxn ang="0">
-                  <a:pos x="connsiteX5" y="connsiteY5"/>
-                </a:cxn>
-                <a:cxn ang="0">
-                  <a:pos x="connsiteX6" y="connsiteY6"/>
-                </a:cxn>
-                <a:cxn ang="0">
-                  <a:pos x="connsiteX7" y="connsiteY7"/>
-                </a:cxn>
-                <a:cxn ang="0">
-                  <a:pos x="connsiteX8" y="connsiteY8"/>
-                </a:cxn>
-                <a:cxn ang="0">
-                  <a:pos x="connsiteX9" y="connsiteY9"/>
-                </a:cxn>
-                <a:cxn ang="0">
-                  <a:pos x="connsiteX10" y="connsiteY10"/>
-                </a:cxn>
-                <a:cxn ang="0">
-                  <a:pos x="connsiteX11" y="connsiteY11"/>
-                </a:cxn>
-                <a:cxn ang="0">
-                  <a:pos x="connsiteX12" y="connsiteY12"/>
-                </a:cxn>
-                <a:cxn ang="0">
-                  <a:pos x="connsiteX13" y="connsiteY13"/>
-                </a:cxn>
-              </a:cxnLst>
-              <a:rect l="l" t="t" r="r" b="b"/>
-              <a:pathLst>
-                <a:path w="35671" h="142732">
-                  <a:moveTo>
-                    <a:pt x="5167" y="30504"/>
-                  </a:moveTo>
-                  <a:cubicBezTo>
-                    <a:pt x="1726" y="27063"/>
-                    <a:pt x="0" y="22836"/>
-                    <a:pt x="0" y="17836"/>
-                  </a:cubicBezTo>
-                  <a:cubicBezTo>
-                    <a:pt x="0" y="12835"/>
-                    <a:pt x="1726" y="8608"/>
-                    <a:pt x="5167" y="5167"/>
-                  </a:cubicBezTo>
-                  <a:cubicBezTo>
-                    <a:pt x="8608" y="1726"/>
-                    <a:pt x="12835" y="0"/>
-                    <a:pt x="17836" y="0"/>
-                  </a:cubicBezTo>
-                  <a:cubicBezTo>
-                    <a:pt x="22836" y="0"/>
-                    <a:pt x="27063" y="1726"/>
-                    <a:pt x="30504" y="5167"/>
-                  </a:cubicBezTo>
-                  <a:cubicBezTo>
-                    <a:pt x="33945" y="8608"/>
-                    <a:pt x="35671" y="12835"/>
-                    <a:pt x="35671" y="17836"/>
-                  </a:cubicBezTo>
-                  <a:cubicBezTo>
-                    <a:pt x="35671" y="22836"/>
-                    <a:pt x="33945" y="27063"/>
-                    <a:pt x="30504" y="30504"/>
-                  </a:cubicBezTo>
-                  <a:cubicBezTo>
-                    <a:pt x="27063" y="33945"/>
-                    <a:pt x="22836" y="35671"/>
-                    <a:pt x="17836" y="35671"/>
-                  </a:cubicBezTo>
-                  <a:cubicBezTo>
-                    <a:pt x="12835" y="35671"/>
-                    <a:pt x="8608" y="33945"/>
-                    <a:pt x="5167" y="30504"/>
-                  </a:cubicBezTo>
-                  <a:close/>
-                  <a:moveTo>
-                    <a:pt x="33040" y="142732"/>
-                  </a:moveTo>
-                  <a:lnTo>
-                    <a:pt x="2631" y="142732"/>
-                  </a:lnTo>
-                  <a:lnTo>
-                    <a:pt x="2631" y="44387"/>
-                  </a:lnTo>
-                  <a:lnTo>
-                    <a:pt x="33040" y="44387"/>
-                  </a:lnTo>
-                  <a:lnTo>
-                    <a:pt x="33040" y="142732"/>
-                  </a:lnTo>
-                  <a:close/>
-                </a:path>
-              </a:pathLst>
-            </a:custGeom>
-            <a:solidFill>
-              <a:srgbClr val="6491CB"/>
-            </a:solidFill>
-            <a:ln w="0" cap="flat">
-              <a:noFill/>
-              <a:prstDash val="solid"/>
-              <a:miter/>
-            </a:ln>
-          </p:spPr>
-          <p:txBody>
-            <a:bodyPr rot="0" spcFirstLastPara="0" vert="horz" wrap="square" lIns="91440" tIns="45720" rIns="91440" bIns="45720" numCol="1" spcCol="0" rtlCol="0" fromWordArt="0" anchor="ctr" anchorCtr="0" forceAA="0" compatLnSpc="1">
-              <a:prstTxWarp prst="textNoShape">
-                <a:avLst/>
-              </a:prstTxWarp>
-              <a:noAutofit/>
-            </a:bodyPr>
-            <a:lstStyle/>
-            <a:p>
-              <a:endParaRPr lang="en-US"/>
-            </a:p>
-          </p:txBody>
-        </p:sp>
-      </p:grpSp>
-      <p:graphicFrame>
-        <p:nvGraphicFramePr>
-          <p:cNvPr id="8" name="Chart 7">
-            <a:extLst>
-              <a:ext uri="{FF2B5EF4-FFF2-40B4-BE49-F238E27FC236}">
-                <a16:creationId xmlns:a16="http://schemas.microsoft.com/office/drawing/2014/main" id="{0AA56204-0BD6-E7D1-A920-C3CB08F731FE}"/>
-              </a:ext>
-            </a:extLst>
-          </p:cNvPr>
-          <p:cNvGraphicFramePr/>
-          <p:nvPr>
-            <p:extLst>
-              <p:ext uri="{D42A27DB-BD31-4B8C-83A1-F6EECF244321}">
-                <p14:modId xmlns:p14="http://schemas.microsoft.com/office/powerpoint/2010/main" val="233997510"/>
-              </p:ext>
-            </p:extLst>
-          </p:nvPr>
-        </p:nvGraphicFramePr>
-        <p:xfrm>
-          <a:off x="839396" y="2549180"/>
-          <a:ext cx="2288596" cy="2424068"/>
-        </p:xfrm>
-        <a:graphic>
-          <a:graphicData uri="http://schemas.openxmlformats.org/drawingml/2006/chart">
-            <c:chart xmlns:c="http://schemas.openxmlformats.org/drawingml/2006/chart" xmlns:r="http://schemas.openxmlformats.org/officeDocument/2006/relationships" r:id="rId5"/>
-          </a:graphicData>
-        </a:graphic>
-      </p:graphicFrame>
-      <p:pic>
-        <p:nvPicPr>
-          <p:cNvPr id="7" name="Picture 4" descr="Cruise Line Icon Vector, Boat, Cruise, Travel PNG and Vector with  Transparent Background for Free Download">
-            <a:extLst>
-              <a:ext uri="{FF2B5EF4-FFF2-40B4-BE49-F238E27FC236}">
-                <a16:creationId xmlns:a16="http://schemas.microsoft.com/office/drawing/2014/main" id="{89AA7876-8530-C0FC-D38B-CDA6E7873AB5}"/>
-              </a:ext>
-            </a:extLst>
-          </p:cNvPr>
-          <p:cNvPicPr>
-            <a:picLocks noChangeAspect="1" noChangeArrowheads="1"/>
-          </p:cNvPicPr>
-          <p:nvPr/>
-        </p:nvPicPr>
-        <p:blipFill>
-          <a:blip r:embed="rId6">
-            <a:extLst>
-              <a:ext uri="{28A0092B-C50C-407E-A947-70E740481C1C}">
-                <a14:useLocalDpi xmlns:a14="http://schemas.microsoft.com/office/drawing/2010/main" val="0"/>
-              </a:ext>
-            </a:extLst>
-          </a:blip>
-          <a:srcRect/>
-          <a:stretch>
-            <a:fillRect/>
-          </a:stretch>
-        </p:blipFill>
-        <p:spPr bwMode="auto">
-          <a:xfrm>
-            <a:off x="210542" y="221370"/>
-            <a:ext cx="855536" cy="855536"/>
-          </a:xfrm>
-          <a:prstGeom prst="rect">
-            <a:avLst/>
-          </a:prstGeom>
-          <a:noFill/>
-          <a:extLst>
-            <a:ext uri="{909E8E84-426E-40DD-AFC4-6F175D3DCCD1}">
-              <a14:hiddenFill xmlns:a14="http://schemas.microsoft.com/office/drawing/2010/main">
-                <a:solidFill>
-                  <a:srgbClr val="FFFFFF"/>
-                </a:solidFill>
-              </a14:hiddenFill>
-            </a:ext>
-          </a:extLst>
-        </p:spPr>
-      </p:pic>
-    </p:spTree>
-    <p:extLst>
-      <p:ext uri="{BB962C8B-B14F-4D97-AF65-F5344CB8AC3E}">
-        <p14:creationId xmlns:p14="http://schemas.microsoft.com/office/powerpoint/2010/main" val="3661508739"/>
-      </p:ext>
-    </p:extLst>
-  </p:cSld>
-  <p:clrMapOvr>
-    <a:masterClrMapping/>
-  </p:clrMapOvr>
-</p:sld>
-</file>
-
 <file path=ppt/theme/theme1.xml><?xml version="1.0" encoding="utf-8"?>
 <a:theme xmlns:a="http://schemas.openxmlformats.org/drawingml/2006/main" name="Office Theme">
   <a:themeElements>

--- a/report/APT-UTSA-Presentation.pptx
+++ b/report/APT-UTSA-Presentation.pptx
@@ -26526,7 +26526,7 @@
                 <a:latin typeface="Avenir Next" panose="020B0503020202020204" pitchFamily="34" charset="0"/>
                 <a:ea typeface="Segoe UI Black"/>
               </a:rPr>
-              <a:t>Assessment Methodology</a:t>
+              <a:t>Assessment Methodology </a:t>
             </a:r>
           </a:p>
         </p:txBody>
